--- a/presentation.pptx
+++ b/presentation.pptx
@@ -7,6 +7,11 @@
   <p:sldIdLst>
     <p:sldId id="256" r:id="rId2"/>
     <p:sldId id="257" r:id="rId3"/>
+    <p:sldId id="258" r:id="rId4"/>
+    <p:sldId id="259" r:id="rId5"/>
+    <p:sldId id="260" r:id="rId6"/>
+    <p:sldId id="261" r:id="rId7"/>
+    <p:sldId id="262" r:id="rId8"/>
   </p:sldIdLst>
   <p:sldSz cx="9144000" cy="6858000" type="screen4x3"/>
   <p:notesSz cx="6858000" cy="9144000"/>
@@ -289,7 +294,7 @@
           <a:p>
             <a:fld id="{57CFAD20-43C2-CA44-8C28-8CAD34CDE910}" type="datetimeFigureOut">
               <a:rPr lang="en-US" smtClean="0"/>
-              <a:t>4/22/13</a:t>
+              <a:t>4/23/13</a:t>
             </a:fld>
             <a:endParaRPr lang="en-US"/>
           </a:p>
@@ -459,7 +464,7 @@
           <a:p>
             <a:fld id="{57CFAD20-43C2-CA44-8C28-8CAD34CDE910}" type="datetimeFigureOut">
               <a:rPr lang="en-US" smtClean="0"/>
-              <a:t>4/22/13</a:t>
+              <a:t>4/23/13</a:t>
             </a:fld>
             <a:endParaRPr lang="en-US"/>
           </a:p>
@@ -639,7 +644,7 @@
           <a:p>
             <a:fld id="{57CFAD20-43C2-CA44-8C28-8CAD34CDE910}" type="datetimeFigureOut">
               <a:rPr lang="en-US" smtClean="0"/>
-              <a:t>4/22/13</a:t>
+              <a:t>4/23/13</a:t>
             </a:fld>
             <a:endParaRPr lang="en-US"/>
           </a:p>
@@ -809,7 +814,7 @@
           <a:p>
             <a:fld id="{57CFAD20-43C2-CA44-8C28-8CAD34CDE910}" type="datetimeFigureOut">
               <a:rPr lang="en-US" smtClean="0"/>
-              <a:t>4/22/13</a:t>
+              <a:t>4/23/13</a:t>
             </a:fld>
             <a:endParaRPr lang="en-US"/>
           </a:p>
@@ -1055,7 +1060,7 @@
           <a:p>
             <a:fld id="{57CFAD20-43C2-CA44-8C28-8CAD34CDE910}" type="datetimeFigureOut">
               <a:rPr lang="en-US" smtClean="0"/>
-              <a:t>4/22/13</a:t>
+              <a:t>4/23/13</a:t>
             </a:fld>
             <a:endParaRPr lang="en-US"/>
           </a:p>
@@ -1343,7 +1348,7 @@
           <a:p>
             <a:fld id="{57CFAD20-43C2-CA44-8C28-8CAD34CDE910}" type="datetimeFigureOut">
               <a:rPr lang="en-US" smtClean="0"/>
-              <a:t>4/22/13</a:t>
+              <a:t>4/23/13</a:t>
             </a:fld>
             <a:endParaRPr lang="en-US"/>
           </a:p>
@@ -1765,7 +1770,7 @@
           <a:p>
             <a:fld id="{57CFAD20-43C2-CA44-8C28-8CAD34CDE910}" type="datetimeFigureOut">
               <a:rPr lang="en-US" smtClean="0"/>
-              <a:t>4/22/13</a:t>
+              <a:t>4/23/13</a:t>
             </a:fld>
             <a:endParaRPr lang="en-US"/>
           </a:p>
@@ -1883,7 +1888,7 @@
           <a:p>
             <a:fld id="{57CFAD20-43C2-CA44-8C28-8CAD34CDE910}" type="datetimeFigureOut">
               <a:rPr lang="en-US" smtClean="0"/>
-              <a:t>4/22/13</a:t>
+              <a:t>4/23/13</a:t>
             </a:fld>
             <a:endParaRPr lang="en-US"/>
           </a:p>
@@ -1978,7 +1983,7 @@
           <a:p>
             <a:fld id="{57CFAD20-43C2-CA44-8C28-8CAD34CDE910}" type="datetimeFigureOut">
               <a:rPr lang="en-US" smtClean="0"/>
-              <a:t>4/22/13</a:t>
+              <a:t>4/23/13</a:t>
             </a:fld>
             <a:endParaRPr lang="en-US"/>
           </a:p>
@@ -2255,7 +2260,7 @@
           <a:p>
             <a:fld id="{57CFAD20-43C2-CA44-8C28-8CAD34CDE910}" type="datetimeFigureOut">
               <a:rPr lang="en-US" smtClean="0"/>
-              <a:t>4/22/13</a:t>
+              <a:t>4/23/13</a:t>
             </a:fld>
             <a:endParaRPr lang="en-US"/>
           </a:p>
@@ -2508,7 +2513,7 @@
           <a:p>
             <a:fld id="{57CFAD20-43C2-CA44-8C28-8CAD34CDE910}" type="datetimeFigureOut">
               <a:rPr lang="en-US" smtClean="0"/>
-              <a:t>4/22/13</a:t>
+              <a:t>4/23/13</a:t>
             </a:fld>
             <a:endParaRPr lang="en-US"/>
           </a:p>
@@ -2728,7 +2733,7 @@
           <a:p>
             <a:fld id="{57CFAD20-43C2-CA44-8C28-8CAD34CDE910}" type="datetimeFigureOut">
               <a:rPr lang="en-US" smtClean="0"/>
-              <a:t>4/22/13</a:t>
+              <a:t>4/23/13</a:t>
             </a:fld>
             <a:endParaRPr lang="en-US"/>
           </a:p>
@@ -3289,6 +3294,424 @@
     <p:extLst>
       <p:ext uri="{BB962C8B-B14F-4D97-AF65-F5344CB8AC3E}">
         <p14:creationId xmlns:p14="http://schemas.microsoft.com/office/powerpoint/2010/main" val="1063074492"/>
+      </p:ext>
+    </p:extLst>
+  </p:cSld>
+  <p:clrMapOvr>
+    <a:masterClrMapping/>
+  </p:clrMapOvr>
+</p:sld>
+</file>
+
+<file path=ppt/slides/slide3.xml><?xml version="1.0" encoding="utf-8"?>
+<p:sld xmlns:a="http://schemas.openxmlformats.org/drawingml/2006/main" xmlns:r="http://schemas.openxmlformats.org/officeDocument/2006/relationships" xmlns:p="http://schemas.openxmlformats.org/presentationml/2006/main">
+  <p:cSld>
+    <p:spTree>
+      <p:nvGrpSpPr>
+        <p:cNvPr id="1" name=""/>
+        <p:cNvGrpSpPr/>
+        <p:nvPr/>
+      </p:nvGrpSpPr>
+      <p:grpSpPr>
+        <a:xfrm>
+          <a:off x="0" y="0"/>
+          <a:ext cx="0" cy="0"/>
+          <a:chOff x="0" y="0"/>
+          <a:chExt cx="0" cy="0"/>
+        </a:xfrm>
+      </p:grpSpPr>
+      <p:sp>
+        <p:nvSpPr>
+          <p:cNvPr id="2" name="Title 1"/>
+          <p:cNvSpPr>
+            <a:spLocks noGrp="1"/>
+          </p:cNvSpPr>
+          <p:nvPr>
+            <p:ph type="title"/>
+          </p:nvPr>
+        </p:nvSpPr>
+        <p:spPr/>
+        <p:txBody>
+          <a:bodyPr/>
+          <a:lstStyle/>
+          <a:p>
+            <a:r>
+              <a:rPr lang="en-US" dirty="0" err="1" smtClean="0">
+                <a:solidFill>
+                  <a:schemeClr val="bg1"/>
+                </a:solidFill>
+              </a:rPr>
+              <a:t>Pseudocode</a:t>
+            </a:r>
+            <a:endParaRPr lang="en-US" dirty="0">
+              <a:solidFill>
+                <a:schemeClr val="bg1"/>
+              </a:solidFill>
+            </a:endParaRPr>
+          </a:p>
+        </p:txBody>
+      </p:sp>
+      <p:sp>
+        <p:nvSpPr>
+          <p:cNvPr id="3" name="Content Placeholder 2"/>
+          <p:cNvSpPr>
+            <a:spLocks noGrp="1"/>
+          </p:cNvSpPr>
+          <p:nvPr>
+            <p:ph idx="1"/>
+          </p:nvPr>
+        </p:nvSpPr>
+        <p:spPr/>
+        <p:txBody>
+          <a:bodyPr/>
+          <a:lstStyle/>
+          <a:p>
+            <a:endParaRPr lang="en-US"/>
+          </a:p>
+        </p:txBody>
+      </p:sp>
+    </p:spTree>
+    <p:extLst>
+      <p:ext uri="{BB962C8B-B14F-4D97-AF65-F5344CB8AC3E}">
+        <p14:creationId xmlns:p14="http://schemas.microsoft.com/office/powerpoint/2010/main" val="2510278604"/>
+      </p:ext>
+    </p:extLst>
+  </p:cSld>
+  <p:clrMapOvr>
+    <a:masterClrMapping/>
+  </p:clrMapOvr>
+</p:sld>
+</file>
+
+<file path=ppt/slides/slide4.xml><?xml version="1.0" encoding="utf-8"?>
+<p:sld xmlns:a="http://schemas.openxmlformats.org/drawingml/2006/main" xmlns:r="http://schemas.openxmlformats.org/officeDocument/2006/relationships" xmlns:p="http://schemas.openxmlformats.org/presentationml/2006/main">
+  <p:cSld>
+    <p:spTree>
+      <p:nvGrpSpPr>
+        <p:cNvPr id="1" name=""/>
+        <p:cNvGrpSpPr/>
+        <p:nvPr/>
+      </p:nvGrpSpPr>
+      <p:grpSpPr>
+        <a:xfrm>
+          <a:off x="0" y="0"/>
+          <a:ext cx="0" cy="0"/>
+          <a:chOff x="0" y="0"/>
+          <a:chExt cx="0" cy="0"/>
+        </a:xfrm>
+      </p:grpSpPr>
+      <p:sp>
+        <p:nvSpPr>
+          <p:cNvPr id="2" name="Title 1"/>
+          <p:cNvSpPr>
+            <a:spLocks noGrp="1"/>
+          </p:cNvSpPr>
+          <p:nvPr>
+            <p:ph type="title"/>
+          </p:nvPr>
+        </p:nvSpPr>
+        <p:spPr/>
+        <p:txBody>
+          <a:bodyPr/>
+          <a:lstStyle/>
+          <a:p>
+            <a:r>
+              <a:rPr lang="en-US" dirty="0" smtClean="0">
+                <a:solidFill>
+                  <a:srgbClr val="FFFFFF"/>
+                </a:solidFill>
+              </a:rPr>
+              <a:t>//Understanding of Algorithm</a:t>
+            </a:r>
+            <a:endParaRPr lang="en-US" dirty="0">
+              <a:solidFill>
+                <a:srgbClr val="FFFFFF"/>
+              </a:solidFill>
+            </a:endParaRPr>
+          </a:p>
+        </p:txBody>
+      </p:sp>
+      <p:sp>
+        <p:nvSpPr>
+          <p:cNvPr id="3" name="Content Placeholder 2"/>
+          <p:cNvSpPr>
+            <a:spLocks noGrp="1"/>
+          </p:cNvSpPr>
+          <p:nvPr>
+            <p:ph idx="1"/>
+          </p:nvPr>
+        </p:nvSpPr>
+        <p:spPr/>
+        <p:txBody>
+          <a:bodyPr/>
+          <a:lstStyle/>
+          <a:p>
+            <a:endParaRPr lang="en-US"/>
+          </a:p>
+        </p:txBody>
+      </p:sp>
+    </p:spTree>
+    <p:extLst>
+      <p:ext uri="{BB962C8B-B14F-4D97-AF65-F5344CB8AC3E}">
+        <p14:creationId xmlns:p14="http://schemas.microsoft.com/office/powerpoint/2010/main" val="2408498996"/>
+      </p:ext>
+    </p:extLst>
+  </p:cSld>
+  <p:clrMapOvr>
+    <a:masterClrMapping/>
+  </p:clrMapOvr>
+</p:sld>
+</file>
+
+<file path=ppt/slides/slide5.xml><?xml version="1.0" encoding="utf-8"?>
+<p:sld xmlns:a="http://schemas.openxmlformats.org/drawingml/2006/main" xmlns:r="http://schemas.openxmlformats.org/officeDocument/2006/relationships" xmlns:p="http://schemas.openxmlformats.org/presentationml/2006/main">
+  <p:cSld>
+    <p:spTree>
+      <p:nvGrpSpPr>
+        <p:cNvPr id="1" name=""/>
+        <p:cNvGrpSpPr/>
+        <p:nvPr/>
+      </p:nvGrpSpPr>
+      <p:grpSpPr>
+        <a:xfrm>
+          <a:off x="0" y="0"/>
+          <a:ext cx="0" cy="0"/>
+          <a:chOff x="0" y="0"/>
+          <a:chExt cx="0" cy="0"/>
+        </a:xfrm>
+      </p:grpSpPr>
+      <p:sp>
+        <p:nvSpPr>
+          <p:cNvPr id="2" name="Title 1"/>
+          <p:cNvSpPr>
+            <a:spLocks noGrp="1"/>
+          </p:cNvSpPr>
+          <p:nvPr>
+            <p:ph type="title"/>
+          </p:nvPr>
+        </p:nvSpPr>
+        <p:spPr/>
+        <p:txBody>
+          <a:bodyPr/>
+          <a:lstStyle/>
+          <a:p>
+            <a:r>
+              <a:rPr lang="en-US" dirty="0" smtClean="0">
+                <a:solidFill>
+                  <a:srgbClr val="FFFFFF"/>
+                </a:solidFill>
+              </a:rPr>
+              <a:t>Complexity</a:t>
+            </a:r>
+            <a:endParaRPr lang="en-US" dirty="0">
+              <a:solidFill>
+                <a:srgbClr val="FFFFFF"/>
+              </a:solidFill>
+            </a:endParaRPr>
+          </a:p>
+        </p:txBody>
+      </p:sp>
+      <p:sp>
+        <p:nvSpPr>
+          <p:cNvPr id="3" name="Content Placeholder 2"/>
+          <p:cNvSpPr>
+            <a:spLocks noGrp="1"/>
+          </p:cNvSpPr>
+          <p:nvPr>
+            <p:ph idx="1"/>
+          </p:nvPr>
+        </p:nvSpPr>
+        <p:spPr/>
+        <p:txBody>
+          <a:bodyPr/>
+          <a:lstStyle/>
+          <a:p>
+            <a:endParaRPr lang="en-US"/>
+          </a:p>
+        </p:txBody>
+      </p:sp>
+    </p:spTree>
+    <p:extLst>
+      <p:ext uri="{BB962C8B-B14F-4D97-AF65-F5344CB8AC3E}">
+        <p14:creationId xmlns:p14="http://schemas.microsoft.com/office/powerpoint/2010/main" val="2098785998"/>
+      </p:ext>
+    </p:extLst>
+  </p:cSld>
+  <p:clrMapOvr>
+    <a:masterClrMapping/>
+  </p:clrMapOvr>
+</p:sld>
+</file>
+
+<file path=ppt/slides/slide6.xml><?xml version="1.0" encoding="utf-8"?>
+<p:sld xmlns:a="http://schemas.openxmlformats.org/drawingml/2006/main" xmlns:r="http://schemas.openxmlformats.org/officeDocument/2006/relationships" xmlns:p="http://schemas.openxmlformats.org/presentationml/2006/main">
+  <p:cSld>
+    <p:spTree>
+      <p:nvGrpSpPr>
+        <p:cNvPr id="1" name=""/>
+        <p:cNvGrpSpPr/>
+        <p:nvPr/>
+      </p:nvGrpSpPr>
+      <p:grpSpPr>
+        <a:xfrm>
+          <a:off x="0" y="0"/>
+          <a:ext cx="0" cy="0"/>
+          <a:chOff x="0" y="0"/>
+          <a:chExt cx="0" cy="0"/>
+        </a:xfrm>
+      </p:grpSpPr>
+      <p:sp>
+        <p:nvSpPr>
+          <p:cNvPr id="2" name="Title 1"/>
+          <p:cNvSpPr>
+            <a:spLocks noGrp="1"/>
+          </p:cNvSpPr>
+          <p:nvPr>
+            <p:ph type="title"/>
+          </p:nvPr>
+        </p:nvSpPr>
+        <p:spPr/>
+        <p:txBody>
+          <a:bodyPr/>
+          <a:lstStyle/>
+          <a:p>
+            <a:r>
+              <a:rPr lang="en-US" dirty="0" smtClean="0">
+                <a:solidFill>
+                  <a:srgbClr val="FFFFFF"/>
+                </a:solidFill>
+              </a:rPr>
+              <a:t>Test Results</a:t>
+            </a:r>
+            <a:endParaRPr lang="en-US" dirty="0">
+              <a:solidFill>
+                <a:srgbClr val="FFFFFF"/>
+              </a:solidFill>
+            </a:endParaRPr>
+          </a:p>
+        </p:txBody>
+      </p:sp>
+      <p:sp>
+        <p:nvSpPr>
+          <p:cNvPr id="3" name="Content Placeholder 2"/>
+          <p:cNvSpPr>
+            <a:spLocks noGrp="1"/>
+          </p:cNvSpPr>
+          <p:nvPr>
+            <p:ph idx="1"/>
+          </p:nvPr>
+        </p:nvSpPr>
+        <p:spPr/>
+        <p:txBody>
+          <a:bodyPr/>
+          <a:lstStyle/>
+          <a:p>
+            <a:endParaRPr lang="en-US"/>
+          </a:p>
+        </p:txBody>
+      </p:sp>
+    </p:spTree>
+    <p:extLst>
+      <p:ext uri="{BB962C8B-B14F-4D97-AF65-F5344CB8AC3E}">
+        <p14:creationId xmlns:p14="http://schemas.microsoft.com/office/powerpoint/2010/main" val="4088610691"/>
+      </p:ext>
+    </p:extLst>
+  </p:cSld>
+  <p:clrMapOvr>
+    <a:masterClrMapping/>
+  </p:clrMapOvr>
+</p:sld>
+</file>
+
+<file path=ppt/slides/slide7.xml><?xml version="1.0" encoding="utf-8"?>
+<p:sld xmlns:a="http://schemas.openxmlformats.org/drawingml/2006/main" xmlns:r="http://schemas.openxmlformats.org/officeDocument/2006/relationships" xmlns:p="http://schemas.openxmlformats.org/presentationml/2006/main">
+  <p:cSld>
+    <p:spTree>
+      <p:nvGrpSpPr>
+        <p:cNvPr id="1" name=""/>
+        <p:cNvGrpSpPr/>
+        <p:nvPr/>
+      </p:nvGrpSpPr>
+      <p:grpSpPr>
+        <a:xfrm>
+          <a:off x="0" y="0"/>
+          <a:ext cx="0" cy="0"/>
+          <a:chOff x="0" y="0"/>
+          <a:chExt cx="0" cy="0"/>
+        </a:xfrm>
+      </p:grpSpPr>
+      <p:sp>
+        <p:nvSpPr>
+          <p:cNvPr id="2" name="Title 1"/>
+          <p:cNvSpPr>
+            <a:spLocks noGrp="1"/>
+          </p:cNvSpPr>
+          <p:nvPr>
+            <p:ph type="title"/>
+          </p:nvPr>
+        </p:nvSpPr>
+        <p:spPr>
+          <a:xfrm>
+            <a:off x="457200" y="2724786"/>
+            <a:ext cx="8229600" cy="1143000"/>
+          </a:xfrm>
+        </p:spPr>
+        <p:txBody>
+          <a:bodyPr>
+            <a:normAutofit fontScale="90000"/>
+          </a:bodyPr>
+          <a:lstStyle/>
+          <a:p>
+            <a:r>
+              <a:rPr lang="en-US" dirty="0" smtClean="0">
+                <a:solidFill>
+                  <a:srgbClr val="FFFFFF"/>
+                </a:solidFill>
+              </a:rPr>
+              <a:t>Thank you</a:t>
+            </a:r>
+            <a:br>
+              <a:rPr lang="en-US" dirty="0" smtClean="0">
+                <a:solidFill>
+                  <a:srgbClr val="FFFFFF"/>
+                </a:solidFill>
+              </a:rPr>
+            </a:br>
+            <a:r>
+              <a:rPr lang="en-US" dirty="0" smtClean="0">
+                <a:solidFill>
+                  <a:srgbClr val="FFFFFF"/>
+                </a:solidFill>
+              </a:rPr>
+              <a:t/>
+            </a:r>
+            <a:br>
+              <a:rPr lang="en-US" dirty="0" smtClean="0">
+                <a:solidFill>
+                  <a:srgbClr val="FFFFFF"/>
+                </a:solidFill>
+              </a:rPr>
+            </a:br>
+            <a:r>
+              <a:rPr lang="en-US" dirty="0" smtClean="0">
+                <a:solidFill>
+                  <a:srgbClr val="FFFFFF"/>
+                </a:solidFill>
+              </a:rPr>
+              <a:t>Questions/Comments?</a:t>
+            </a:r>
+            <a:endParaRPr lang="en-US" dirty="0">
+              <a:solidFill>
+                <a:srgbClr val="FFFFFF"/>
+              </a:solidFill>
+            </a:endParaRPr>
+          </a:p>
+        </p:txBody>
+      </p:sp>
+    </p:spTree>
+    <p:extLst>
+      <p:ext uri="{BB962C8B-B14F-4D97-AF65-F5344CB8AC3E}">
+        <p14:creationId xmlns:p14="http://schemas.microsoft.com/office/powerpoint/2010/main" val="3833525325"/>
       </p:ext>
     </p:extLst>
   </p:cSld>

--- a/presentation.pptx
+++ b/presentation.pptx
@@ -3130,6 +3130,8 @@
                 <a:solidFill>
                   <a:srgbClr val="FFFFFF"/>
                 </a:solidFill>
+                <a:latin typeface="Calibri"/>
+                <a:cs typeface="Calibri"/>
               </a:rPr>
               <a:t>Radix Sort</a:t>
             </a:r>
@@ -3137,6 +3139,8 @@
               <a:solidFill>
                 <a:srgbClr val="FFFFFF"/>
               </a:solidFill>
+              <a:latin typeface="Calibri"/>
+              <a:cs typeface="Calibri"/>
             </a:endParaRPr>
           </a:p>
         </p:txBody>
@@ -3160,7 +3164,7 @@
           <a:p>
             <a:pPr algn="r"/>
             <a:r>
-              <a:rPr lang="en-US" sz="2400" dirty="0" smtClean="0">
+              <a:rPr lang="en-US" sz="2000" dirty="0" smtClean="0">
                 <a:solidFill>
                   <a:srgbClr val="FFFFFF"/>
                 </a:solidFill>
@@ -3171,7 +3175,7 @@
           <a:p>
             <a:pPr algn="r"/>
             <a:r>
-              <a:rPr lang="en-US" sz="2400" dirty="0" smtClean="0">
+              <a:rPr lang="en-US" sz="2000" dirty="0" smtClean="0">
                 <a:solidFill>
                   <a:srgbClr val="FFFFFF"/>
                 </a:solidFill>
@@ -3179,14 +3183,14 @@
               <a:t>Samuel </a:t>
             </a:r>
             <a:r>
-              <a:rPr lang="en-US" sz="2400" dirty="0" err="1" smtClean="0">
+              <a:rPr lang="en-US" sz="2000" dirty="0" err="1" smtClean="0">
                 <a:solidFill>
                   <a:srgbClr val="FFFFFF"/>
                 </a:solidFill>
               </a:rPr>
               <a:t>Bae</a:t>
             </a:r>
-            <a:endParaRPr lang="en-US" sz="2400" dirty="0" smtClean="0">
+            <a:endParaRPr lang="en-US" sz="2000" dirty="0" smtClean="0">
               <a:solidFill>
                 <a:srgbClr val="FFFFFF"/>
               </a:solidFill>
@@ -3195,14 +3199,14 @@
           <a:p>
             <a:pPr algn="r"/>
             <a:r>
-              <a:rPr lang="en-US" sz="2400" dirty="0" smtClean="0">
+              <a:rPr lang="en-US" sz="2000" dirty="0" smtClean="0">
                 <a:solidFill>
                   <a:srgbClr val="FFFFFF"/>
                 </a:solidFill>
               </a:rPr>
               <a:t>Ho-On Yoshida</a:t>
             </a:r>
-            <a:endParaRPr lang="en-US" sz="2400" dirty="0">
+            <a:endParaRPr lang="en-US" sz="2000" dirty="0">
               <a:solidFill>
                 <a:srgbClr val="FFFFFF"/>
               </a:solidFill>

--- a/presentation.pptx
+++ b/presentation.pptx
@@ -294,7 +294,7 @@
           <a:p>
             <a:fld id="{57CFAD20-43C2-CA44-8C28-8CAD34CDE910}" type="datetimeFigureOut">
               <a:rPr lang="en-US" smtClean="0"/>
-              <a:t>4/23/13</a:t>
+              <a:t>4/24/13</a:t>
             </a:fld>
             <a:endParaRPr lang="en-US"/>
           </a:p>
@@ -464,7 +464,7 @@
           <a:p>
             <a:fld id="{57CFAD20-43C2-CA44-8C28-8CAD34CDE910}" type="datetimeFigureOut">
               <a:rPr lang="en-US" smtClean="0"/>
-              <a:t>4/23/13</a:t>
+              <a:t>4/24/13</a:t>
             </a:fld>
             <a:endParaRPr lang="en-US"/>
           </a:p>
@@ -644,7 +644,7 @@
           <a:p>
             <a:fld id="{57CFAD20-43C2-CA44-8C28-8CAD34CDE910}" type="datetimeFigureOut">
               <a:rPr lang="en-US" smtClean="0"/>
-              <a:t>4/23/13</a:t>
+              <a:t>4/24/13</a:t>
             </a:fld>
             <a:endParaRPr lang="en-US"/>
           </a:p>
@@ -814,7 +814,7 @@
           <a:p>
             <a:fld id="{57CFAD20-43C2-CA44-8C28-8CAD34CDE910}" type="datetimeFigureOut">
               <a:rPr lang="en-US" smtClean="0"/>
-              <a:t>4/23/13</a:t>
+              <a:t>4/24/13</a:t>
             </a:fld>
             <a:endParaRPr lang="en-US"/>
           </a:p>
@@ -1060,7 +1060,7 @@
           <a:p>
             <a:fld id="{57CFAD20-43C2-CA44-8C28-8CAD34CDE910}" type="datetimeFigureOut">
               <a:rPr lang="en-US" smtClean="0"/>
-              <a:t>4/23/13</a:t>
+              <a:t>4/24/13</a:t>
             </a:fld>
             <a:endParaRPr lang="en-US"/>
           </a:p>
@@ -1348,7 +1348,7 @@
           <a:p>
             <a:fld id="{57CFAD20-43C2-CA44-8C28-8CAD34CDE910}" type="datetimeFigureOut">
               <a:rPr lang="en-US" smtClean="0"/>
-              <a:t>4/23/13</a:t>
+              <a:t>4/24/13</a:t>
             </a:fld>
             <a:endParaRPr lang="en-US"/>
           </a:p>
@@ -1770,7 +1770,7 @@
           <a:p>
             <a:fld id="{57CFAD20-43C2-CA44-8C28-8CAD34CDE910}" type="datetimeFigureOut">
               <a:rPr lang="en-US" smtClean="0"/>
-              <a:t>4/23/13</a:t>
+              <a:t>4/24/13</a:t>
             </a:fld>
             <a:endParaRPr lang="en-US"/>
           </a:p>
@@ -1888,7 +1888,7 @@
           <a:p>
             <a:fld id="{57CFAD20-43C2-CA44-8C28-8CAD34CDE910}" type="datetimeFigureOut">
               <a:rPr lang="en-US" smtClean="0"/>
-              <a:t>4/23/13</a:t>
+              <a:t>4/24/13</a:t>
             </a:fld>
             <a:endParaRPr lang="en-US"/>
           </a:p>
@@ -1983,7 +1983,7 @@
           <a:p>
             <a:fld id="{57CFAD20-43C2-CA44-8C28-8CAD34CDE910}" type="datetimeFigureOut">
               <a:rPr lang="en-US" smtClean="0"/>
-              <a:t>4/23/13</a:t>
+              <a:t>4/24/13</a:t>
             </a:fld>
             <a:endParaRPr lang="en-US"/>
           </a:p>
@@ -2260,7 +2260,7 @@
           <a:p>
             <a:fld id="{57CFAD20-43C2-CA44-8C28-8CAD34CDE910}" type="datetimeFigureOut">
               <a:rPr lang="en-US" smtClean="0"/>
-              <a:t>4/23/13</a:t>
+              <a:t>4/24/13</a:t>
             </a:fld>
             <a:endParaRPr lang="en-US"/>
           </a:p>
@@ -2513,7 +2513,7 @@
           <a:p>
             <a:fld id="{57CFAD20-43C2-CA44-8C28-8CAD34CDE910}" type="datetimeFigureOut">
               <a:rPr lang="en-US" smtClean="0"/>
-              <a:t>4/23/13</a:t>
+              <a:t>4/24/13</a:t>
             </a:fld>
             <a:endParaRPr lang="en-US"/>
           </a:p>
@@ -2733,7 +2733,7 @@
           <a:p>
             <a:fld id="{57CFAD20-43C2-CA44-8C28-8CAD34CDE910}" type="datetimeFigureOut">
               <a:rPr lang="en-US" smtClean="0"/>
-              <a:t>4/23/13</a:t>
+              <a:t>4/24/13</a:t>
             </a:fld>
             <a:endParaRPr lang="en-US"/>
           </a:p>
@@ -3265,7 +3265,15 @@
                   <a:srgbClr val="FFFFFF"/>
                 </a:solidFill>
               </a:rPr>
-              <a:t>Basic Idea</a:t>
+              <a:t>Basic </a:t>
+            </a:r>
+            <a:r>
+              <a:rPr lang="en-US" dirty="0" smtClean="0">
+                <a:solidFill>
+                  <a:srgbClr val="FFFFFF"/>
+                </a:solidFill>
+              </a:rPr>
+              <a:t>Idea</a:t>
             </a:r>
             <a:endParaRPr lang="en-US" dirty="0">
               <a:solidFill>
@@ -3290,7 +3298,828 @@
           <a:bodyPr/>
           <a:lstStyle/>
           <a:p>
-            <a:endParaRPr lang="en-US" dirty="0"/>
+            <a:r>
+              <a:rPr lang="en-US" dirty="0" smtClean="0">
+                <a:solidFill>
+                  <a:schemeClr val="bg1"/>
+                </a:solidFill>
+              </a:rPr>
+              <a:t>Non-comparative sorting algorithm</a:t>
+            </a:r>
+          </a:p>
+          <a:p>
+            <a:r>
+              <a:rPr lang="en-US" dirty="0" smtClean="0">
+                <a:solidFill>
+                  <a:schemeClr val="bg1"/>
+                </a:solidFill>
+              </a:rPr>
+              <a:t>Sort from least significant digit to most significant digit</a:t>
+            </a:r>
+          </a:p>
+          <a:p>
+            <a:r>
+              <a:rPr lang="en-US" dirty="0" smtClean="0">
+                <a:solidFill>
+                  <a:schemeClr val="bg1"/>
+                </a:solidFill>
+              </a:rPr>
+              <a:t>Stable sorting</a:t>
+            </a:r>
+            <a:endParaRPr lang="en-US" dirty="0">
+              <a:solidFill>
+                <a:schemeClr val="bg1"/>
+              </a:solidFill>
+            </a:endParaRPr>
+          </a:p>
+        </p:txBody>
+      </p:sp>
+      <p:graphicFrame>
+        <p:nvGraphicFramePr>
+          <p:cNvPr id="5" name="Table 4"/>
+          <p:cNvGraphicFramePr>
+            <a:graphicFrameLocks noGrp="1"/>
+          </p:cNvGraphicFramePr>
+          <p:nvPr>
+            <p:extLst>
+              <p:ext uri="{D42A27DB-BD31-4B8C-83A1-F6EECF244321}">
+                <p14:modId xmlns:p14="http://schemas.microsoft.com/office/powerpoint/2010/main" val="1642813306"/>
+              </p:ext>
+            </p:extLst>
+          </p:nvPr>
+        </p:nvGraphicFramePr>
+        <p:xfrm>
+          <a:off x="688116" y="4151747"/>
+          <a:ext cx="911823" cy="1854200"/>
+        </p:xfrm>
+        <a:graphic>
+          <a:graphicData uri="http://schemas.openxmlformats.org/drawingml/2006/table">
+            <a:tbl>
+              <a:tblPr firstRow="1" bandRow="1">
+                <a:tableStyleId>{D7AC3CCA-C797-4891-BE02-D94E43425B78}</a:tableStyleId>
+              </a:tblPr>
+              <a:tblGrid>
+                <a:gridCol w="911823"/>
+              </a:tblGrid>
+              <a:tr h="370840">
+                <a:tc>
+                  <a:txBody>
+                    <a:bodyPr/>
+                    <a:lstStyle/>
+                    <a:p>
+                      <a:r>
+                        <a:rPr lang="en-US" b="0" dirty="0" smtClean="0"/>
+                        <a:t>238</a:t>
+                      </a:r>
+                    </a:p>
+                  </a:txBody>
+                  <a:tcPr/>
+                </a:tc>
+              </a:tr>
+              <a:tr h="370840">
+                <a:tc>
+                  <a:txBody>
+                    <a:bodyPr/>
+                    <a:lstStyle/>
+                    <a:p>
+                      <a:r>
+                        <a:rPr lang="en-US" b="0" dirty="0" smtClean="0"/>
+                        <a:t>123</a:t>
+                      </a:r>
+                      <a:endParaRPr lang="en-US" b="0" dirty="0"/>
+                    </a:p>
+                  </a:txBody>
+                  <a:tcPr/>
+                </a:tc>
+              </a:tr>
+              <a:tr h="370840">
+                <a:tc>
+                  <a:txBody>
+                    <a:bodyPr/>
+                    <a:lstStyle/>
+                    <a:p>
+                      <a:r>
+                        <a:rPr lang="en-US" b="0" dirty="0" smtClean="0"/>
+                        <a:t>934</a:t>
+                      </a:r>
+                      <a:endParaRPr lang="en-US" b="0" dirty="0"/>
+                    </a:p>
+                  </a:txBody>
+                  <a:tcPr/>
+                </a:tc>
+              </a:tr>
+              <a:tr h="370840">
+                <a:tc>
+                  <a:txBody>
+                    <a:bodyPr/>
+                    <a:lstStyle/>
+                    <a:p>
+                      <a:r>
+                        <a:rPr lang="en-US" b="0" dirty="0" smtClean="0"/>
+                        <a:t>344</a:t>
+                      </a:r>
+                      <a:endParaRPr lang="en-US" b="0" dirty="0"/>
+                    </a:p>
+                  </a:txBody>
+                  <a:tcPr/>
+                </a:tc>
+              </a:tr>
+              <a:tr h="370840">
+                <a:tc>
+                  <a:txBody>
+                    <a:bodyPr/>
+                    <a:lstStyle/>
+                    <a:p>
+                      <a:r>
+                        <a:rPr lang="en-US" b="0" dirty="0" smtClean="0"/>
+                        <a:t>377</a:t>
+                      </a:r>
+                      <a:endParaRPr lang="en-US" b="0" dirty="0"/>
+                    </a:p>
+                  </a:txBody>
+                  <a:tcPr/>
+                </a:tc>
+              </a:tr>
+            </a:tbl>
+          </a:graphicData>
+        </a:graphic>
+      </p:graphicFrame>
+      <p:pic>
+        <p:nvPicPr>
+          <p:cNvPr id="12" name="Picture 11" descr="12456877162087486429Soeb_Plain_Arrow_7.svg.med.png"/>
+          <p:cNvPicPr>
+            <a:picLocks noChangeAspect="1"/>
+          </p:cNvPicPr>
+          <p:nvPr/>
+        </p:nvPicPr>
+        <p:blipFill>
+          <a:blip r:embed="rId2">
+            <a:extLst>
+              <a:ext uri="{28A0092B-C50C-407E-A947-70E740481C1C}">
+                <a14:useLocalDpi xmlns:a14="http://schemas.microsoft.com/office/drawing/2010/main" val="0"/>
+              </a:ext>
+            </a:extLst>
+          </a:blip>
+          <a:stretch>
+            <a:fillRect/>
+          </a:stretch>
+        </p:blipFill>
+        <p:spPr>
+          <a:xfrm>
+            <a:off x="2195853" y="4785426"/>
+            <a:ext cx="325116" cy="325116"/>
+          </a:xfrm>
+          <a:prstGeom prst="rect">
+            <a:avLst/>
+          </a:prstGeom>
+        </p:spPr>
+      </p:pic>
+      <p:pic>
+        <p:nvPicPr>
+          <p:cNvPr id="13" name="Picture 12" descr="12456877162087486429Soeb_Plain_Arrow_7.svg.med.png"/>
+          <p:cNvPicPr>
+            <a:picLocks noChangeAspect="1"/>
+          </p:cNvPicPr>
+          <p:nvPr/>
+        </p:nvPicPr>
+        <p:blipFill>
+          <a:blip r:embed="rId2">
+            <a:extLst>
+              <a:ext uri="{28A0092B-C50C-407E-A947-70E740481C1C}">
+                <a14:useLocalDpi xmlns:a14="http://schemas.microsoft.com/office/drawing/2010/main" val="0"/>
+              </a:ext>
+            </a:extLst>
+          </a:blip>
+          <a:stretch>
+            <a:fillRect/>
+          </a:stretch>
+        </p:blipFill>
+        <p:spPr>
+          <a:xfrm>
+            <a:off x="1870737" y="4785426"/>
+            <a:ext cx="325116" cy="325116"/>
+          </a:xfrm>
+          <a:prstGeom prst="rect">
+            <a:avLst/>
+          </a:prstGeom>
+        </p:spPr>
+      </p:pic>
+      <p:graphicFrame>
+        <p:nvGraphicFramePr>
+          <p:cNvPr id="15" name="Table 14"/>
+          <p:cNvGraphicFramePr>
+            <a:graphicFrameLocks noGrp="1"/>
+          </p:cNvGraphicFramePr>
+          <p:nvPr>
+            <p:extLst>
+              <p:ext uri="{D42A27DB-BD31-4B8C-83A1-F6EECF244321}">
+                <p14:modId xmlns:p14="http://schemas.microsoft.com/office/powerpoint/2010/main" val="2506857890"/>
+              </p:ext>
+            </p:extLst>
+          </p:nvPr>
+        </p:nvGraphicFramePr>
+        <p:xfrm>
+          <a:off x="2772234" y="4151747"/>
+          <a:ext cx="922475" cy="1854200"/>
+        </p:xfrm>
+        <a:graphic>
+          <a:graphicData uri="http://schemas.openxmlformats.org/drawingml/2006/table">
+            <a:tbl>
+              <a:tblPr firstRow="1" bandRow="1">
+                <a:tableStyleId>{D7AC3CCA-C797-4891-BE02-D94E43425B78}</a:tableStyleId>
+              </a:tblPr>
+              <a:tblGrid>
+                <a:gridCol w="922475"/>
+              </a:tblGrid>
+              <a:tr h="370840">
+                <a:tc>
+                  <a:txBody>
+                    <a:bodyPr/>
+                    <a:lstStyle/>
+                    <a:p>
+                      <a:r>
+                        <a:rPr lang="en-US" b="0" dirty="0" smtClean="0"/>
+                        <a:t>123</a:t>
+                      </a:r>
+                      <a:endParaRPr lang="en-US" b="0" dirty="0"/>
+                    </a:p>
+                  </a:txBody>
+                  <a:tcPr/>
+                </a:tc>
+              </a:tr>
+              <a:tr h="370840">
+                <a:tc>
+                  <a:txBody>
+                    <a:bodyPr/>
+                    <a:lstStyle/>
+                    <a:p>
+                      <a:r>
+                        <a:rPr lang="en-US" dirty="0" smtClean="0"/>
+                        <a:t>934</a:t>
+                      </a:r>
+                      <a:endParaRPr lang="en-US" dirty="0"/>
+                    </a:p>
+                  </a:txBody>
+                  <a:tcPr/>
+                </a:tc>
+              </a:tr>
+              <a:tr h="370840">
+                <a:tc>
+                  <a:txBody>
+                    <a:bodyPr/>
+                    <a:lstStyle/>
+                    <a:p>
+                      <a:r>
+                        <a:rPr lang="en-US" dirty="0" smtClean="0"/>
+                        <a:t>344</a:t>
+                      </a:r>
+                      <a:endParaRPr lang="en-US" dirty="0"/>
+                    </a:p>
+                  </a:txBody>
+                  <a:tcPr/>
+                </a:tc>
+              </a:tr>
+              <a:tr h="370840">
+                <a:tc>
+                  <a:txBody>
+                    <a:bodyPr/>
+                    <a:lstStyle/>
+                    <a:p>
+                      <a:r>
+                        <a:rPr lang="en-US" dirty="0" smtClean="0"/>
+                        <a:t>377</a:t>
+                      </a:r>
+                      <a:endParaRPr lang="en-US" dirty="0"/>
+                    </a:p>
+                  </a:txBody>
+                  <a:tcPr/>
+                </a:tc>
+              </a:tr>
+              <a:tr h="370840">
+                <a:tc>
+                  <a:txBody>
+                    <a:bodyPr/>
+                    <a:lstStyle/>
+                    <a:p>
+                      <a:r>
+                        <a:rPr lang="en-US" dirty="0" smtClean="0"/>
+                        <a:t>238</a:t>
+                      </a:r>
+                      <a:endParaRPr lang="en-US" dirty="0"/>
+                    </a:p>
+                  </a:txBody>
+                  <a:tcPr/>
+                </a:tc>
+              </a:tr>
+            </a:tbl>
+          </a:graphicData>
+        </a:graphic>
+      </p:graphicFrame>
+      <p:pic>
+        <p:nvPicPr>
+          <p:cNvPr id="16" name="Picture 15" descr="12456877162087486429Soeb_Plain_Arrow_7.svg.med.png"/>
+          <p:cNvPicPr>
+            <a:picLocks noChangeAspect="1"/>
+          </p:cNvPicPr>
+          <p:nvPr/>
+        </p:nvPicPr>
+        <p:blipFill>
+          <a:blip r:embed="rId2">
+            <a:extLst>
+              <a:ext uri="{28A0092B-C50C-407E-A947-70E740481C1C}">
+                <a14:useLocalDpi xmlns:a14="http://schemas.microsoft.com/office/drawing/2010/main" val="0"/>
+              </a:ext>
+            </a:extLst>
+          </a:blip>
+          <a:stretch>
+            <a:fillRect/>
+          </a:stretch>
+        </p:blipFill>
+        <p:spPr>
+          <a:xfrm>
+            <a:off x="4357418" y="4785426"/>
+            <a:ext cx="325116" cy="325116"/>
+          </a:xfrm>
+          <a:prstGeom prst="rect">
+            <a:avLst/>
+          </a:prstGeom>
+        </p:spPr>
+      </p:pic>
+      <p:pic>
+        <p:nvPicPr>
+          <p:cNvPr id="17" name="Picture 16" descr="12456877162087486429Soeb_Plain_Arrow_7.svg.med.png"/>
+          <p:cNvPicPr>
+            <a:picLocks noChangeAspect="1"/>
+          </p:cNvPicPr>
+          <p:nvPr/>
+        </p:nvPicPr>
+        <p:blipFill>
+          <a:blip r:embed="rId2">
+            <a:extLst>
+              <a:ext uri="{28A0092B-C50C-407E-A947-70E740481C1C}">
+                <a14:useLocalDpi xmlns:a14="http://schemas.microsoft.com/office/drawing/2010/main" val="0"/>
+              </a:ext>
+            </a:extLst>
+          </a:blip>
+          <a:stretch>
+            <a:fillRect/>
+          </a:stretch>
+        </p:blipFill>
+        <p:spPr>
+          <a:xfrm>
+            <a:off x="4030468" y="4785426"/>
+            <a:ext cx="325116" cy="325116"/>
+          </a:xfrm>
+          <a:prstGeom prst="rect">
+            <a:avLst/>
+          </a:prstGeom>
+        </p:spPr>
+      </p:pic>
+      <p:sp>
+        <p:nvSpPr>
+          <p:cNvPr id="18" name="TextBox 17"/>
+          <p:cNvSpPr txBox="1"/>
+          <p:nvPr/>
+        </p:nvSpPr>
+        <p:spPr>
+          <a:xfrm>
+            <a:off x="2428790" y="6133107"/>
+            <a:ext cx="1926794" cy="369332"/>
+          </a:xfrm>
+          <a:prstGeom prst="rect">
+            <a:avLst/>
+          </a:prstGeom>
+          <a:noFill/>
+        </p:spPr>
+        <p:txBody>
+          <a:bodyPr wrap="square" rtlCol="0">
+            <a:spAutoFit/>
+          </a:bodyPr>
+          <a:lstStyle/>
+          <a:p>
+            <a:r>
+              <a:rPr lang="en-US" dirty="0" smtClean="0">
+                <a:solidFill>
+                  <a:srgbClr val="FFFFFF"/>
+                </a:solidFill>
+              </a:rPr>
+              <a:t>After sorting LSD</a:t>
+            </a:r>
+            <a:endParaRPr lang="en-US" dirty="0">
+              <a:solidFill>
+                <a:srgbClr val="FFFFFF"/>
+              </a:solidFill>
+            </a:endParaRPr>
+          </a:p>
+        </p:txBody>
+      </p:sp>
+      <p:graphicFrame>
+        <p:nvGraphicFramePr>
+          <p:cNvPr id="19" name="Table 18"/>
+          <p:cNvGraphicFramePr>
+            <a:graphicFrameLocks noGrp="1"/>
+          </p:cNvGraphicFramePr>
+          <p:nvPr>
+            <p:extLst>
+              <p:ext uri="{D42A27DB-BD31-4B8C-83A1-F6EECF244321}">
+                <p14:modId xmlns:p14="http://schemas.microsoft.com/office/powerpoint/2010/main" val="3135306790"/>
+              </p:ext>
+            </p:extLst>
+          </p:nvPr>
+        </p:nvGraphicFramePr>
+        <p:xfrm>
+          <a:off x="5004289" y="4150452"/>
+          <a:ext cx="904790" cy="1854200"/>
+        </p:xfrm>
+        <a:graphic>
+          <a:graphicData uri="http://schemas.openxmlformats.org/drawingml/2006/table">
+            <a:tbl>
+              <a:tblPr firstRow="1" bandRow="1">
+                <a:tableStyleId>{D7AC3CCA-C797-4891-BE02-D94E43425B78}</a:tableStyleId>
+              </a:tblPr>
+              <a:tblGrid>
+                <a:gridCol w="904790"/>
+              </a:tblGrid>
+              <a:tr h="370840">
+                <a:tc>
+                  <a:txBody>
+                    <a:bodyPr/>
+                    <a:lstStyle/>
+                    <a:p>
+                      <a:r>
+                        <a:rPr lang="en-US" b="0" dirty="0" smtClean="0"/>
+                        <a:t>123</a:t>
+                      </a:r>
+                    </a:p>
+                  </a:txBody>
+                  <a:tcPr/>
+                </a:tc>
+              </a:tr>
+              <a:tr h="370840">
+                <a:tc>
+                  <a:txBody>
+                    <a:bodyPr/>
+                    <a:lstStyle/>
+                    <a:p>
+                      <a:r>
+                        <a:rPr lang="en-US" dirty="0" smtClean="0"/>
+                        <a:t>934</a:t>
+                      </a:r>
+                      <a:endParaRPr lang="en-US" dirty="0"/>
+                    </a:p>
+                  </a:txBody>
+                  <a:tcPr/>
+                </a:tc>
+              </a:tr>
+              <a:tr h="370840">
+                <a:tc>
+                  <a:txBody>
+                    <a:bodyPr/>
+                    <a:lstStyle/>
+                    <a:p>
+                      <a:r>
+                        <a:rPr lang="en-US" dirty="0" smtClean="0"/>
+                        <a:t>238</a:t>
+                      </a:r>
+                      <a:endParaRPr lang="en-US" dirty="0"/>
+                    </a:p>
+                  </a:txBody>
+                  <a:tcPr/>
+                </a:tc>
+              </a:tr>
+              <a:tr h="370840">
+                <a:tc>
+                  <a:txBody>
+                    <a:bodyPr/>
+                    <a:lstStyle/>
+                    <a:p>
+                      <a:r>
+                        <a:rPr lang="en-US" dirty="0" smtClean="0"/>
+                        <a:t>344</a:t>
+                      </a:r>
+                      <a:endParaRPr lang="en-US" dirty="0"/>
+                    </a:p>
+                  </a:txBody>
+                  <a:tcPr/>
+                </a:tc>
+              </a:tr>
+              <a:tr h="370840">
+                <a:tc>
+                  <a:txBody>
+                    <a:bodyPr/>
+                    <a:lstStyle/>
+                    <a:p>
+                      <a:r>
+                        <a:rPr lang="en-US" dirty="0" smtClean="0"/>
+                        <a:t>377</a:t>
+                      </a:r>
+                      <a:endParaRPr lang="en-US" dirty="0"/>
+                    </a:p>
+                  </a:txBody>
+                  <a:tcPr/>
+                </a:tc>
+              </a:tr>
+            </a:tbl>
+          </a:graphicData>
+        </a:graphic>
+      </p:graphicFrame>
+      <p:sp>
+        <p:nvSpPr>
+          <p:cNvPr id="21" name="TextBox 20"/>
+          <p:cNvSpPr txBox="1"/>
+          <p:nvPr/>
+        </p:nvSpPr>
+        <p:spPr>
+          <a:xfrm>
+            <a:off x="4468111" y="6119831"/>
+            <a:ext cx="2228558" cy="369332"/>
+          </a:xfrm>
+          <a:prstGeom prst="rect">
+            <a:avLst/>
+          </a:prstGeom>
+          <a:noFill/>
+        </p:spPr>
+        <p:txBody>
+          <a:bodyPr wrap="square" rtlCol="0">
+            <a:spAutoFit/>
+          </a:bodyPr>
+          <a:lstStyle/>
+          <a:p>
+            <a:r>
+              <a:rPr lang="en-US" dirty="0" smtClean="0">
+                <a:solidFill>
+                  <a:srgbClr val="FFFFFF"/>
+                </a:solidFill>
+              </a:rPr>
+              <a:t>After sorting 2</a:t>
+            </a:r>
+            <a:r>
+              <a:rPr lang="en-US" baseline="30000" dirty="0" smtClean="0">
+                <a:solidFill>
+                  <a:srgbClr val="FFFFFF"/>
+                </a:solidFill>
+              </a:rPr>
+              <a:t>nd</a:t>
+            </a:r>
+            <a:r>
+              <a:rPr lang="en-US" dirty="0" smtClean="0">
+                <a:solidFill>
+                  <a:srgbClr val="FFFFFF"/>
+                </a:solidFill>
+              </a:rPr>
+              <a:t> LSD</a:t>
+            </a:r>
+            <a:endParaRPr lang="en-US" dirty="0">
+              <a:solidFill>
+                <a:srgbClr val="FFFFFF"/>
+              </a:solidFill>
+            </a:endParaRPr>
+          </a:p>
+        </p:txBody>
+      </p:sp>
+      <p:pic>
+        <p:nvPicPr>
+          <p:cNvPr id="22" name="Picture 21" descr="12456877162087486429Soeb_Plain_Arrow_7.svg.med.png"/>
+          <p:cNvPicPr>
+            <a:picLocks noChangeAspect="1"/>
+          </p:cNvPicPr>
+          <p:nvPr/>
+        </p:nvPicPr>
+        <p:blipFill>
+          <a:blip r:embed="rId2">
+            <a:extLst>
+              <a:ext uri="{28A0092B-C50C-407E-A947-70E740481C1C}">
+                <a14:useLocalDpi xmlns:a14="http://schemas.microsoft.com/office/drawing/2010/main" val="0"/>
+              </a:ext>
+            </a:extLst>
+          </a:blip>
+          <a:stretch>
+            <a:fillRect/>
+          </a:stretch>
+        </p:blipFill>
+        <p:spPr>
+          <a:xfrm>
+            <a:off x="6237762" y="4785426"/>
+            <a:ext cx="325116" cy="325116"/>
+          </a:xfrm>
+          <a:prstGeom prst="rect">
+            <a:avLst/>
+          </a:prstGeom>
+        </p:spPr>
+      </p:pic>
+      <p:pic>
+        <p:nvPicPr>
+          <p:cNvPr id="23" name="Picture 22" descr="12456877162087486429Soeb_Plain_Arrow_7.svg.med.png"/>
+          <p:cNvPicPr>
+            <a:picLocks noChangeAspect="1"/>
+          </p:cNvPicPr>
+          <p:nvPr/>
+        </p:nvPicPr>
+        <p:blipFill>
+          <a:blip r:embed="rId2">
+            <a:extLst>
+              <a:ext uri="{28A0092B-C50C-407E-A947-70E740481C1C}">
+                <a14:useLocalDpi xmlns:a14="http://schemas.microsoft.com/office/drawing/2010/main" val="0"/>
+              </a:ext>
+            </a:extLst>
+          </a:blip>
+          <a:stretch>
+            <a:fillRect/>
+          </a:stretch>
+        </p:blipFill>
+        <p:spPr>
+          <a:xfrm>
+            <a:off x="6534111" y="4785426"/>
+            <a:ext cx="325116" cy="325116"/>
+          </a:xfrm>
+          <a:prstGeom prst="rect">
+            <a:avLst/>
+          </a:prstGeom>
+        </p:spPr>
+      </p:pic>
+      <p:graphicFrame>
+        <p:nvGraphicFramePr>
+          <p:cNvPr id="25" name="Table 24"/>
+          <p:cNvGraphicFramePr>
+            <a:graphicFrameLocks noGrp="1"/>
+          </p:cNvGraphicFramePr>
+          <p:nvPr>
+            <p:extLst>
+              <p:ext uri="{D42A27DB-BD31-4B8C-83A1-F6EECF244321}">
+                <p14:modId xmlns:p14="http://schemas.microsoft.com/office/powerpoint/2010/main" val="84319536"/>
+              </p:ext>
+            </p:extLst>
+          </p:nvPr>
+        </p:nvGraphicFramePr>
+        <p:xfrm>
+          <a:off x="7165034" y="4150452"/>
+          <a:ext cx="904790" cy="1854200"/>
+        </p:xfrm>
+        <a:graphic>
+          <a:graphicData uri="http://schemas.openxmlformats.org/drawingml/2006/table">
+            <a:tbl>
+              <a:tblPr firstRow="1" bandRow="1">
+                <a:tableStyleId>{D7AC3CCA-C797-4891-BE02-D94E43425B78}</a:tableStyleId>
+              </a:tblPr>
+              <a:tblGrid>
+                <a:gridCol w="904790"/>
+              </a:tblGrid>
+              <a:tr h="370840">
+                <a:tc>
+                  <a:txBody>
+                    <a:bodyPr/>
+                    <a:lstStyle/>
+                    <a:p>
+                      <a:r>
+                        <a:rPr lang="en-US" b="0" dirty="0" smtClean="0"/>
+                        <a:t>123</a:t>
+                      </a:r>
+                    </a:p>
+                  </a:txBody>
+                  <a:tcPr/>
+                </a:tc>
+              </a:tr>
+              <a:tr h="370840">
+                <a:tc>
+                  <a:txBody>
+                    <a:bodyPr/>
+                    <a:lstStyle/>
+                    <a:p>
+                      <a:r>
+                        <a:rPr lang="en-US" dirty="0" smtClean="0"/>
+                        <a:t>238</a:t>
+                      </a:r>
+                      <a:endParaRPr lang="en-US" dirty="0"/>
+                    </a:p>
+                  </a:txBody>
+                  <a:tcPr/>
+                </a:tc>
+              </a:tr>
+              <a:tr h="370840">
+                <a:tc>
+                  <a:txBody>
+                    <a:bodyPr/>
+                    <a:lstStyle/>
+                    <a:p>
+                      <a:r>
+                        <a:rPr lang="en-US" dirty="0" smtClean="0"/>
+                        <a:t>344</a:t>
+                      </a:r>
+                      <a:endParaRPr lang="en-US" dirty="0"/>
+                    </a:p>
+                  </a:txBody>
+                  <a:tcPr/>
+                </a:tc>
+              </a:tr>
+              <a:tr h="370840">
+                <a:tc>
+                  <a:txBody>
+                    <a:bodyPr/>
+                    <a:lstStyle/>
+                    <a:p>
+                      <a:r>
+                        <a:rPr lang="en-US" dirty="0" smtClean="0"/>
+                        <a:t>377</a:t>
+                      </a:r>
+                      <a:endParaRPr lang="en-US" dirty="0"/>
+                    </a:p>
+                  </a:txBody>
+                  <a:tcPr/>
+                </a:tc>
+              </a:tr>
+              <a:tr h="370840">
+                <a:tc>
+                  <a:txBody>
+                    <a:bodyPr/>
+                    <a:lstStyle/>
+                    <a:p>
+                      <a:r>
+                        <a:rPr lang="en-US" dirty="0" smtClean="0"/>
+                        <a:t>934</a:t>
+                      </a:r>
+                      <a:endParaRPr lang="en-US" dirty="0"/>
+                    </a:p>
+                  </a:txBody>
+                  <a:tcPr/>
+                </a:tc>
+              </a:tr>
+            </a:tbl>
+          </a:graphicData>
+        </a:graphic>
+      </p:graphicFrame>
+      <p:sp>
+        <p:nvSpPr>
+          <p:cNvPr id="27" name="TextBox 26"/>
+          <p:cNvSpPr txBox="1"/>
+          <p:nvPr/>
+        </p:nvSpPr>
+        <p:spPr>
+          <a:xfrm>
+            <a:off x="6696669" y="6133107"/>
+            <a:ext cx="1990131" cy="369332"/>
+          </a:xfrm>
+          <a:prstGeom prst="rect">
+            <a:avLst/>
+          </a:prstGeom>
+          <a:noFill/>
+        </p:spPr>
+        <p:txBody>
+          <a:bodyPr wrap="square" rtlCol="0">
+            <a:spAutoFit/>
+          </a:bodyPr>
+          <a:lstStyle/>
+          <a:p>
+            <a:r>
+              <a:rPr lang="en-US" dirty="0" smtClean="0">
+                <a:solidFill>
+                  <a:srgbClr val="FFFFFF"/>
+                </a:solidFill>
+              </a:rPr>
+              <a:t>After sorting MSD</a:t>
+            </a:r>
+            <a:endParaRPr lang="en-US" dirty="0">
+              <a:solidFill>
+                <a:srgbClr val="FFFFFF"/>
+              </a:solidFill>
+            </a:endParaRPr>
+          </a:p>
+        </p:txBody>
+      </p:sp>
+      <p:sp>
+        <p:nvSpPr>
+          <p:cNvPr id="28" name="TextBox 27"/>
+          <p:cNvSpPr txBox="1"/>
+          <p:nvPr/>
+        </p:nvSpPr>
+        <p:spPr>
+          <a:xfrm>
+            <a:off x="490056" y="6133107"/>
+            <a:ext cx="1545621" cy="369332"/>
+          </a:xfrm>
+          <a:prstGeom prst="rect">
+            <a:avLst/>
+          </a:prstGeom>
+          <a:noFill/>
+        </p:spPr>
+        <p:txBody>
+          <a:bodyPr wrap="square" rtlCol="0">
+            <a:spAutoFit/>
+          </a:bodyPr>
+          <a:lstStyle/>
+          <a:p>
+            <a:r>
+              <a:rPr lang="en-US" dirty="0" smtClean="0">
+                <a:solidFill>
+                  <a:srgbClr val="FFFFFF"/>
+                </a:solidFill>
+              </a:rPr>
+              <a:t>Array to sort</a:t>
+            </a:r>
+            <a:endParaRPr lang="en-US" dirty="0">
+              <a:solidFill>
+                <a:srgbClr val="FFFFFF"/>
+              </a:solidFill>
+            </a:endParaRPr>
           </a:p>
         </p:txBody>
       </p:sp>
@@ -3304,6 +4133,13 @@
   <p:clrMapOvr>
     <a:masterClrMapping/>
   </p:clrMapOvr>
+  <p:timing>
+    <p:tnLst>
+      <p:par>
+        <p:cTn xmlns:p14="http://schemas.microsoft.com/office/powerpoint/2010/main" id="1" dur="indefinite" restart="never" nodeType="tmRoot"/>
+      </p:par>
+    </p:tnLst>
+  </p:timing>
 </p:sld>
 </file>
 

--- a/presentation.pptx
+++ b/presentation.pptx
@@ -7,8 +7,8 @@
   <p:sldIdLst>
     <p:sldId id="256" r:id="rId2"/>
     <p:sldId id="257" r:id="rId3"/>
-    <p:sldId id="258" r:id="rId4"/>
-    <p:sldId id="259" r:id="rId5"/>
+    <p:sldId id="259" r:id="rId4"/>
+    <p:sldId id="258" r:id="rId5"/>
     <p:sldId id="260" r:id="rId6"/>
     <p:sldId id="261" r:id="rId7"/>
     <p:sldId id="262" r:id="rId8"/>
@@ -3265,15 +3265,7 @@
                   <a:srgbClr val="FFFFFF"/>
                 </a:solidFill>
               </a:rPr>
-              <a:t>Basic </a:t>
-            </a:r>
-            <a:r>
-              <a:rPr lang="en-US" dirty="0" smtClean="0">
-                <a:solidFill>
-                  <a:srgbClr val="FFFFFF"/>
-                </a:solidFill>
-              </a:rPr>
-              <a:t>Idea</a:t>
+              <a:t>Basic Idea</a:t>
             </a:r>
             <a:endParaRPr lang="en-US" dirty="0">
               <a:solidFill>
@@ -3295,11 +3287,13 @@
         </p:nvSpPr>
         <p:spPr/>
         <p:txBody>
-          <a:bodyPr/>
-          <a:lstStyle/>
-          <a:p>
-            <a:r>
-              <a:rPr lang="en-US" dirty="0" smtClean="0">
+          <a:bodyPr>
+            <a:normAutofit/>
+          </a:bodyPr>
+          <a:lstStyle/>
+          <a:p>
+            <a:r>
+              <a:rPr lang="en-US" sz="2800" dirty="0" smtClean="0">
                 <a:solidFill>
                   <a:schemeClr val="bg1"/>
                 </a:solidFill>
@@ -3308,8 +3302,19 @@
             </a:r>
           </a:p>
           <a:p>
-            <a:r>
-              <a:rPr lang="en-US" dirty="0" smtClean="0">
+            <a:pPr lvl="1"/>
+            <a:r>
+              <a:rPr lang="en-US" sz="2400" dirty="0" smtClean="0">
+                <a:solidFill>
+                  <a:schemeClr val="bg1"/>
+                </a:solidFill>
+              </a:rPr>
+              <a:t>Sorts in linear time</a:t>
+            </a:r>
+          </a:p>
+          <a:p>
+            <a:r>
+              <a:rPr lang="en-US" sz="2800" dirty="0" smtClean="0">
                 <a:solidFill>
                   <a:schemeClr val="bg1"/>
                 </a:solidFill>
@@ -3319,14 +3324,14 @@
           </a:p>
           <a:p>
             <a:r>
-              <a:rPr lang="en-US" dirty="0" smtClean="0">
+              <a:rPr lang="en-US" sz="2800" dirty="0" smtClean="0">
                 <a:solidFill>
                   <a:schemeClr val="bg1"/>
                 </a:solidFill>
               </a:rPr>
               <a:t>Stable sorting</a:t>
             </a:r>
-            <a:endParaRPr lang="en-US" dirty="0">
+            <a:endParaRPr lang="en-US" sz="2800" dirty="0">
               <a:solidFill>
                 <a:schemeClr val="bg1"/>
               </a:solidFill>
@@ -3513,7 +3518,7 @@
           <p:nvPr>
             <p:extLst>
               <p:ext uri="{D42A27DB-BD31-4B8C-83A1-F6EECF244321}">
-                <p14:modId xmlns:p14="http://schemas.microsoft.com/office/powerpoint/2010/main" val="2506857890"/>
+                <p14:modId xmlns:p14="http://schemas.microsoft.com/office/powerpoint/2010/main" val="2402385640"/>
               </p:ext>
             </p:extLst>
           </p:nvPr>
@@ -3539,7 +3544,44 @@
                     <a:p>
                       <a:r>
                         <a:rPr lang="en-US" b="0" dirty="0" smtClean="0"/>
-                        <a:t>123</a:t>
+                        <a:t>12</a:t>
+                      </a:r>
+                      <a:r>
+                        <a:rPr lang="en-US" b="1" cap="none" spc="0" dirty="0" smtClean="0">
+                          <a:ln w="1905"/>
+                          <a:gradFill>
+                            <a:gsLst>
+                              <a:gs pos="0">
+                                <a:schemeClr val="accent6">
+                                  <a:shade val="20000"/>
+                                  <a:satMod val="200000"/>
+                                </a:schemeClr>
+                              </a:gs>
+                              <a:gs pos="78000">
+                                <a:schemeClr val="accent6">
+                                  <a:tint val="90000"/>
+                                  <a:shade val="89000"/>
+                                  <a:satMod val="220000"/>
+                                </a:schemeClr>
+                              </a:gs>
+                              <a:gs pos="100000">
+                                <a:schemeClr val="accent6">
+                                  <a:tint val="12000"/>
+                                  <a:satMod val="255000"/>
+                                </a:schemeClr>
+                              </a:gs>
+                            </a:gsLst>
+                            <a:lin ang="5400000"/>
+                          </a:gradFill>
+                          <a:effectLst>
+                            <a:innerShdw blurRad="69850" dist="43180" dir="5400000">
+                              <a:srgbClr val="000000">
+                                <a:alpha val="65000"/>
+                              </a:srgbClr>
+                            </a:innerShdw>
+                          </a:effectLst>
+                        </a:rPr>
+                        <a:t>3</a:t>
                       </a:r>
                       <a:endParaRPr lang="en-US" b="0" dirty="0"/>
                     </a:p>
@@ -3555,7 +3597,44 @@
                     <a:p>
                       <a:r>
                         <a:rPr lang="en-US" dirty="0" smtClean="0"/>
-                        <a:t>934</a:t>
+                        <a:t>93</a:t>
+                      </a:r>
+                      <a:r>
+                        <a:rPr lang="en-US" b="1" cap="none" spc="0" dirty="0" smtClean="0">
+                          <a:ln w="1905"/>
+                          <a:gradFill>
+                            <a:gsLst>
+                              <a:gs pos="0">
+                                <a:schemeClr val="accent6">
+                                  <a:shade val="20000"/>
+                                  <a:satMod val="200000"/>
+                                </a:schemeClr>
+                              </a:gs>
+                              <a:gs pos="78000">
+                                <a:schemeClr val="accent6">
+                                  <a:tint val="90000"/>
+                                  <a:shade val="89000"/>
+                                  <a:satMod val="220000"/>
+                                </a:schemeClr>
+                              </a:gs>
+                              <a:gs pos="100000">
+                                <a:schemeClr val="accent6">
+                                  <a:tint val="12000"/>
+                                  <a:satMod val="255000"/>
+                                </a:schemeClr>
+                              </a:gs>
+                            </a:gsLst>
+                            <a:lin ang="5400000"/>
+                          </a:gradFill>
+                          <a:effectLst>
+                            <a:innerShdw blurRad="69850" dist="43180" dir="5400000">
+                              <a:srgbClr val="000000">
+                                <a:alpha val="65000"/>
+                              </a:srgbClr>
+                            </a:innerShdw>
+                          </a:effectLst>
+                        </a:rPr>
+                        <a:t>4</a:t>
                       </a:r>
                       <a:endParaRPr lang="en-US" dirty="0"/>
                     </a:p>
@@ -3571,7 +3650,130 @@
                     <a:p>
                       <a:r>
                         <a:rPr lang="en-US" dirty="0" smtClean="0"/>
-                        <a:t>344</a:t>
+                        <a:t>34</a:t>
+                      </a:r>
+                      <a:r>
+                        <a:rPr lang="en-US" b="1" cap="none" spc="0" dirty="0" smtClean="0">
+                          <a:ln w="1905"/>
+                          <a:gradFill>
+                            <a:gsLst>
+                              <a:gs pos="0">
+                                <a:schemeClr val="accent6">
+                                  <a:shade val="20000"/>
+                                  <a:satMod val="200000"/>
+                                </a:schemeClr>
+                              </a:gs>
+                              <a:gs pos="78000">
+                                <a:schemeClr val="accent6">
+                                  <a:tint val="90000"/>
+                                  <a:shade val="89000"/>
+                                  <a:satMod val="220000"/>
+                                </a:schemeClr>
+                              </a:gs>
+                              <a:gs pos="100000">
+                                <a:schemeClr val="accent6">
+                                  <a:tint val="12000"/>
+                                  <a:satMod val="255000"/>
+                                </a:schemeClr>
+                              </a:gs>
+                            </a:gsLst>
+                            <a:lin ang="5400000"/>
+                          </a:gradFill>
+                          <a:effectLst>
+                            <a:innerShdw blurRad="69850" dist="43180" dir="5400000">
+                              <a:srgbClr val="000000">
+                                <a:alpha val="65000"/>
+                              </a:srgbClr>
+                            </a:innerShdw>
+                          </a:effectLst>
+                        </a:rPr>
+                        <a:t>4</a:t>
+                      </a:r>
+                      <a:endParaRPr lang="en-US" b="1" cap="none" spc="0" dirty="0">
+                        <a:ln w="1905"/>
+                        <a:gradFill>
+                          <a:gsLst>
+                            <a:gs pos="0">
+                              <a:schemeClr val="accent6">
+                                <a:shade val="20000"/>
+                                <a:satMod val="200000"/>
+                              </a:schemeClr>
+                            </a:gs>
+                            <a:gs pos="78000">
+                              <a:schemeClr val="accent6">
+                                <a:tint val="90000"/>
+                                <a:shade val="89000"/>
+                                <a:satMod val="220000"/>
+                              </a:schemeClr>
+                            </a:gs>
+                            <a:gs pos="100000">
+                              <a:schemeClr val="accent6">
+                                <a:tint val="12000"/>
+                                <a:satMod val="255000"/>
+                              </a:schemeClr>
+                            </a:gs>
+                          </a:gsLst>
+                          <a:lin ang="5400000"/>
+                        </a:gradFill>
+                        <a:effectLst>
+                          <a:innerShdw blurRad="69850" dist="43180" dir="5400000">
+                            <a:srgbClr val="000000">
+                              <a:alpha val="65000"/>
+                            </a:srgbClr>
+                          </a:innerShdw>
+                        </a:effectLst>
+                      </a:endParaRPr>
+                    </a:p>
+                  </a:txBody>
+                  <a:tcPr/>
+                </a:tc>
+              </a:tr>
+              <a:tr h="370840">
+                <a:tc>
+                  <a:txBody>
+                    <a:bodyPr/>
+                    <a:lstStyle/>
+                    <a:p>
+                      <a:r>
+                        <a:rPr lang="en-US" dirty="0" smtClean="0"/>
+                        <a:t>37</a:t>
+                      </a:r>
+                      <a:r>
+                        <a:rPr lang="en-US" b="1" cap="none" spc="0" dirty="0" smtClean="0">
+                          <a:ln w="1905"/>
+                          <a:gradFill>
+                            <a:gsLst>
+                              <a:gs pos="0">
+                                <a:schemeClr val="accent6">
+                                  <a:shade val="20000"/>
+                                  <a:satMod val="200000"/>
+                                </a:schemeClr>
+                              </a:gs>
+                              <a:gs pos="78000">
+                                <a:schemeClr val="accent6">
+                                  <a:tint val="90000"/>
+                                  <a:shade val="89000"/>
+                                  <a:satMod val="220000"/>
+                                </a:schemeClr>
+                              </a:gs>
+                              <a:gs pos="100000">
+                                <a:schemeClr val="accent6">
+                                  <a:tint val="12000"/>
+                                  <a:satMod val="255000"/>
+                                </a:schemeClr>
+                              </a:gs>
+                            </a:gsLst>
+                            <a:lin ang="5400000"/>
+                          </a:gradFill>
+                          <a:effectLst>
+                            <a:innerShdw blurRad="69850" dist="43180" dir="5400000">
+                              <a:srgbClr val="000000">
+                                <a:alpha val="65000"/>
+                              </a:srgbClr>
+                            </a:innerShdw>
+                          </a:effectLst>
+                        </a:rPr>
+                        <a:t>7</a:t>
                       </a:r>
                       <a:endParaRPr lang="en-US" dirty="0"/>
                     </a:p>
@@ -3587,23 +3789,44 @@
                     <a:p>
                       <a:r>
                         <a:rPr lang="en-US" dirty="0" smtClean="0"/>
-                        <a:t>377</a:t>
+                        <a:t>23</a:t>
                       </a:r>
-                      <a:endParaRPr lang="en-US" dirty="0"/>
-                    </a:p>
-                  </a:txBody>
-                  <a:tcPr/>
-                </a:tc>
-              </a:tr>
-              <a:tr h="370840">
-                <a:tc>
-                  <a:txBody>
-                    <a:bodyPr/>
-                    <a:lstStyle/>
-                    <a:p>
                       <a:r>
-                        <a:rPr lang="en-US" dirty="0" smtClean="0"/>
-                        <a:t>238</a:t>
+                        <a:rPr lang="en-US" b="1" cap="none" spc="0" dirty="0" smtClean="0">
+                          <a:ln w="1905"/>
+                          <a:gradFill>
+                            <a:gsLst>
+                              <a:gs pos="0">
+                                <a:schemeClr val="accent6">
+                                  <a:shade val="20000"/>
+                                  <a:satMod val="200000"/>
+                                </a:schemeClr>
+                              </a:gs>
+                              <a:gs pos="78000">
+                                <a:schemeClr val="accent6">
+                                  <a:tint val="90000"/>
+                                  <a:shade val="89000"/>
+                                  <a:satMod val="220000"/>
+                                </a:schemeClr>
+                              </a:gs>
+                              <a:gs pos="100000">
+                                <a:schemeClr val="accent6">
+                                  <a:tint val="12000"/>
+                                  <a:satMod val="255000"/>
+                                </a:schemeClr>
+                              </a:gs>
+                            </a:gsLst>
+                            <a:lin ang="5400000"/>
+                          </a:gradFill>
+                          <a:effectLst>
+                            <a:innerShdw blurRad="69850" dist="43180" dir="5400000">
+                              <a:srgbClr val="000000">
+                                <a:alpha val="65000"/>
+                              </a:srgbClr>
+                            </a:innerShdw>
+                          </a:effectLst>
+                        </a:rPr>
+                        <a:t>8</a:t>
                       </a:r>
                       <a:endParaRPr lang="en-US" dirty="0"/>
                     </a:p>
@@ -3722,7 +3945,7 @@
           <p:nvPr>
             <p:extLst>
               <p:ext uri="{D42A27DB-BD31-4B8C-83A1-F6EECF244321}">
-                <p14:modId xmlns:p14="http://schemas.microsoft.com/office/powerpoint/2010/main" val="3135306790"/>
+                <p14:modId xmlns:p14="http://schemas.microsoft.com/office/powerpoint/2010/main" val="2968954460"/>
               </p:ext>
             </p:extLst>
           </p:nvPr>
@@ -3748,7 +3971,48 @@
                     <a:p>
                       <a:r>
                         <a:rPr lang="en-US" b="0" dirty="0" smtClean="0"/>
-                        <a:t>123</a:t>
+                        <a:t>1</a:t>
+                      </a:r>
+                      <a:r>
+                        <a:rPr lang="en-US" b="1" cap="none" spc="0" dirty="0" smtClean="0">
+                          <a:ln w="1905"/>
+                          <a:gradFill>
+                            <a:gsLst>
+                              <a:gs pos="0">
+                                <a:schemeClr val="accent6">
+                                  <a:shade val="20000"/>
+                                  <a:satMod val="200000"/>
+                                </a:schemeClr>
+                              </a:gs>
+                              <a:gs pos="78000">
+                                <a:schemeClr val="accent6">
+                                  <a:tint val="90000"/>
+                                  <a:shade val="89000"/>
+                                  <a:satMod val="220000"/>
+                                </a:schemeClr>
+                              </a:gs>
+                              <a:gs pos="100000">
+                                <a:schemeClr val="accent6">
+                                  <a:tint val="12000"/>
+                                  <a:satMod val="255000"/>
+                                </a:schemeClr>
+                              </a:gs>
+                            </a:gsLst>
+                            <a:lin ang="5400000"/>
+                          </a:gradFill>
+                          <a:effectLst>
+                            <a:innerShdw blurRad="69850" dist="43180" dir="5400000">
+                              <a:srgbClr val="000000">
+                                <a:alpha val="65000"/>
+                              </a:srgbClr>
+                            </a:innerShdw>
+                          </a:effectLst>
+                        </a:rPr>
+                        <a:t>2</a:t>
+                      </a:r>
+                      <a:r>
+                        <a:rPr lang="en-US" b="0" dirty="0" smtClean="0"/>
+                        <a:t>3</a:t>
                       </a:r>
                     </a:p>
                   </a:txBody>
@@ -3763,7 +4027,48 @@
                     <a:p>
                       <a:r>
                         <a:rPr lang="en-US" dirty="0" smtClean="0"/>
-                        <a:t>934</a:t>
+                        <a:t>9</a:t>
+                      </a:r>
+                      <a:r>
+                        <a:rPr lang="en-US" b="1" cap="none" spc="0" dirty="0" smtClean="0">
+                          <a:ln w="1905"/>
+                          <a:gradFill>
+                            <a:gsLst>
+                              <a:gs pos="0">
+                                <a:schemeClr val="accent6">
+                                  <a:shade val="20000"/>
+                                  <a:satMod val="200000"/>
+                                </a:schemeClr>
+                              </a:gs>
+                              <a:gs pos="78000">
+                                <a:schemeClr val="accent6">
+                                  <a:tint val="90000"/>
+                                  <a:shade val="89000"/>
+                                  <a:satMod val="220000"/>
+                                </a:schemeClr>
+                              </a:gs>
+                              <a:gs pos="100000">
+                                <a:schemeClr val="accent6">
+                                  <a:tint val="12000"/>
+                                  <a:satMod val="255000"/>
+                                </a:schemeClr>
+                              </a:gs>
+                            </a:gsLst>
+                            <a:lin ang="5400000"/>
+                          </a:gradFill>
+                          <a:effectLst>
+                            <a:innerShdw blurRad="69850" dist="43180" dir="5400000">
+                              <a:srgbClr val="000000">
+                                <a:alpha val="65000"/>
+                              </a:srgbClr>
+                            </a:innerShdw>
+                          </a:effectLst>
+                        </a:rPr>
+                        <a:t>3</a:t>
+                      </a:r>
+                      <a:r>
+                        <a:rPr lang="en-US" dirty="0" smtClean="0"/>
+                        <a:t>4</a:t>
                       </a:r>
                       <a:endParaRPr lang="en-US" dirty="0"/>
                     </a:p>
@@ -3779,7 +4084,48 @@
                     <a:p>
                       <a:r>
                         <a:rPr lang="en-US" dirty="0" smtClean="0"/>
-                        <a:t>238</a:t>
+                        <a:t>2</a:t>
+                      </a:r>
+                      <a:r>
+                        <a:rPr lang="en-US" b="1" cap="none" spc="0" dirty="0" smtClean="0">
+                          <a:ln w="1905"/>
+                          <a:gradFill>
+                            <a:gsLst>
+                              <a:gs pos="0">
+                                <a:schemeClr val="accent6">
+                                  <a:shade val="20000"/>
+                                  <a:satMod val="200000"/>
+                                </a:schemeClr>
+                              </a:gs>
+                              <a:gs pos="78000">
+                                <a:schemeClr val="accent6">
+                                  <a:tint val="90000"/>
+                                  <a:shade val="89000"/>
+                                  <a:satMod val="220000"/>
+                                </a:schemeClr>
+                              </a:gs>
+                              <a:gs pos="100000">
+                                <a:schemeClr val="accent6">
+                                  <a:tint val="12000"/>
+                                  <a:satMod val="255000"/>
+                                </a:schemeClr>
+                              </a:gs>
+                            </a:gsLst>
+                            <a:lin ang="5400000"/>
+                          </a:gradFill>
+                          <a:effectLst>
+                            <a:innerShdw blurRad="69850" dist="43180" dir="5400000">
+                              <a:srgbClr val="000000">
+                                <a:alpha val="65000"/>
+                              </a:srgbClr>
+                            </a:innerShdw>
+                          </a:effectLst>
+                        </a:rPr>
+                        <a:t>3</a:t>
+                      </a:r>
+                      <a:r>
+                        <a:rPr lang="en-US" dirty="0" smtClean="0"/>
+                        <a:t>8</a:t>
                       </a:r>
                       <a:endParaRPr lang="en-US" dirty="0"/>
                     </a:p>
@@ -3795,7 +4141,48 @@
                     <a:p>
                       <a:r>
                         <a:rPr lang="en-US" dirty="0" smtClean="0"/>
-                        <a:t>344</a:t>
+                        <a:t>3</a:t>
+                      </a:r>
+                      <a:r>
+                        <a:rPr lang="en-US" b="1" cap="none" spc="0" dirty="0" smtClean="0">
+                          <a:ln w="1905"/>
+                          <a:gradFill>
+                            <a:gsLst>
+                              <a:gs pos="0">
+                                <a:schemeClr val="accent6">
+                                  <a:shade val="20000"/>
+                                  <a:satMod val="200000"/>
+                                </a:schemeClr>
+                              </a:gs>
+                              <a:gs pos="78000">
+                                <a:schemeClr val="accent6">
+                                  <a:tint val="90000"/>
+                                  <a:shade val="89000"/>
+                                  <a:satMod val="220000"/>
+                                </a:schemeClr>
+                              </a:gs>
+                              <a:gs pos="100000">
+                                <a:schemeClr val="accent6">
+                                  <a:tint val="12000"/>
+                                  <a:satMod val="255000"/>
+                                </a:schemeClr>
+                              </a:gs>
+                            </a:gsLst>
+                            <a:lin ang="5400000"/>
+                          </a:gradFill>
+                          <a:effectLst>
+                            <a:innerShdw blurRad="69850" dist="43180" dir="5400000">
+                              <a:srgbClr val="000000">
+                                <a:alpha val="65000"/>
+                              </a:srgbClr>
+                            </a:innerShdw>
+                          </a:effectLst>
+                        </a:rPr>
+                        <a:t>4</a:t>
+                      </a:r>
+                      <a:r>
+                        <a:rPr lang="en-US" dirty="0" smtClean="0"/>
+                        <a:t>4</a:t>
                       </a:r>
                       <a:endParaRPr lang="en-US" dirty="0"/>
                     </a:p>
@@ -3811,7 +4198,48 @@
                     <a:p>
                       <a:r>
                         <a:rPr lang="en-US" dirty="0" smtClean="0"/>
-                        <a:t>377</a:t>
+                        <a:t>3</a:t>
+                      </a:r>
+                      <a:r>
+                        <a:rPr lang="en-US" b="1" cap="none" spc="0" dirty="0" smtClean="0">
+                          <a:ln w="1905"/>
+                          <a:gradFill>
+                            <a:gsLst>
+                              <a:gs pos="0">
+                                <a:schemeClr val="accent6">
+                                  <a:shade val="20000"/>
+                                  <a:satMod val="200000"/>
+                                </a:schemeClr>
+                              </a:gs>
+                              <a:gs pos="78000">
+                                <a:schemeClr val="accent6">
+                                  <a:tint val="90000"/>
+                                  <a:shade val="89000"/>
+                                  <a:satMod val="220000"/>
+                                </a:schemeClr>
+                              </a:gs>
+                              <a:gs pos="100000">
+                                <a:schemeClr val="accent6">
+                                  <a:tint val="12000"/>
+                                  <a:satMod val="255000"/>
+                                </a:schemeClr>
+                              </a:gs>
+                            </a:gsLst>
+                            <a:lin ang="5400000"/>
+                          </a:gradFill>
+                          <a:effectLst>
+                            <a:innerShdw blurRad="69850" dist="43180" dir="5400000">
+                              <a:srgbClr val="000000">
+                                <a:alpha val="65000"/>
+                              </a:srgbClr>
+                            </a:innerShdw>
+                          </a:effectLst>
+                        </a:rPr>
+                        <a:t>7</a:t>
+                      </a:r>
+                      <a:r>
+                        <a:rPr lang="en-US" dirty="0" smtClean="0"/>
+                        <a:t>7</a:t>
                       </a:r>
                       <a:endParaRPr lang="en-US" dirty="0"/>
                     </a:p>
@@ -3946,7 +4374,7 @@
           <p:nvPr>
             <p:extLst>
               <p:ext uri="{D42A27DB-BD31-4B8C-83A1-F6EECF244321}">
-                <p14:modId xmlns:p14="http://schemas.microsoft.com/office/powerpoint/2010/main" val="84319536"/>
+                <p14:modId xmlns:p14="http://schemas.microsoft.com/office/powerpoint/2010/main" val="4002461500"/>
               </p:ext>
             </p:extLst>
           </p:nvPr>
@@ -3971,8 +4399,45 @@
                     <a:lstStyle/>
                     <a:p>
                       <a:r>
+                        <a:rPr lang="en-US" b="1" cap="none" spc="0" dirty="0" smtClean="0">
+                          <a:ln w="1905"/>
+                          <a:gradFill>
+                            <a:gsLst>
+                              <a:gs pos="0">
+                                <a:schemeClr val="accent6">
+                                  <a:shade val="20000"/>
+                                  <a:satMod val="200000"/>
+                                </a:schemeClr>
+                              </a:gs>
+                              <a:gs pos="78000">
+                                <a:schemeClr val="accent6">
+                                  <a:tint val="90000"/>
+                                  <a:shade val="89000"/>
+                                  <a:satMod val="220000"/>
+                                </a:schemeClr>
+                              </a:gs>
+                              <a:gs pos="100000">
+                                <a:schemeClr val="accent6">
+                                  <a:tint val="12000"/>
+                                  <a:satMod val="255000"/>
+                                </a:schemeClr>
+                              </a:gs>
+                            </a:gsLst>
+                            <a:lin ang="5400000"/>
+                          </a:gradFill>
+                          <a:effectLst>
+                            <a:innerShdw blurRad="69850" dist="43180" dir="5400000">
+                              <a:srgbClr val="000000">
+                                <a:alpha val="65000"/>
+                              </a:srgbClr>
+                            </a:innerShdw>
+                          </a:effectLst>
+                        </a:rPr>
+                        <a:t>1</a:t>
+                      </a:r>
+                      <a:r>
                         <a:rPr lang="en-US" b="0" dirty="0" smtClean="0"/>
-                        <a:t>123</a:t>
+                        <a:t>23</a:t>
                       </a:r>
                     </a:p>
                   </a:txBody>
@@ -3986,8 +4451,45 @@
                     <a:lstStyle/>
                     <a:p>
                       <a:r>
+                        <a:rPr lang="en-US" b="1" cap="none" spc="0" dirty="0" smtClean="0">
+                          <a:ln w="1905"/>
+                          <a:gradFill>
+                            <a:gsLst>
+                              <a:gs pos="0">
+                                <a:schemeClr val="accent6">
+                                  <a:shade val="20000"/>
+                                  <a:satMod val="200000"/>
+                                </a:schemeClr>
+                              </a:gs>
+                              <a:gs pos="78000">
+                                <a:schemeClr val="accent6">
+                                  <a:tint val="90000"/>
+                                  <a:shade val="89000"/>
+                                  <a:satMod val="220000"/>
+                                </a:schemeClr>
+                              </a:gs>
+                              <a:gs pos="100000">
+                                <a:schemeClr val="accent6">
+                                  <a:tint val="12000"/>
+                                  <a:satMod val="255000"/>
+                                </a:schemeClr>
+                              </a:gs>
+                            </a:gsLst>
+                            <a:lin ang="5400000"/>
+                          </a:gradFill>
+                          <a:effectLst>
+                            <a:innerShdw blurRad="69850" dist="43180" dir="5400000">
+                              <a:srgbClr val="000000">
+                                <a:alpha val="65000"/>
+                              </a:srgbClr>
+                            </a:innerShdw>
+                          </a:effectLst>
+                        </a:rPr>
+                        <a:t>2</a:t>
+                      </a:r>
+                      <a:r>
                         <a:rPr lang="en-US" dirty="0" smtClean="0"/>
-                        <a:t>238</a:t>
+                        <a:t>38</a:t>
                       </a:r>
                       <a:endParaRPr lang="en-US" dirty="0"/>
                     </a:p>
@@ -4002,8 +4504,45 @@
                     <a:lstStyle/>
                     <a:p>
                       <a:r>
+                        <a:rPr lang="en-US" b="1" cap="none" spc="0" dirty="0" smtClean="0">
+                          <a:ln w="1905"/>
+                          <a:gradFill>
+                            <a:gsLst>
+                              <a:gs pos="0">
+                                <a:schemeClr val="accent6">
+                                  <a:shade val="20000"/>
+                                  <a:satMod val="200000"/>
+                                </a:schemeClr>
+                              </a:gs>
+                              <a:gs pos="78000">
+                                <a:schemeClr val="accent6">
+                                  <a:tint val="90000"/>
+                                  <a:shade val="89000"/>
+                                  <a:satMod val="220000"/>
+                                </a:schemeClr>
+                              </a:gs>
+                              <a:gs pos="100000">
+                                <a:schemeClr val="accent6">
+                                  <a:tint val="12000"/>
+                                  <a:satMod val="255000"/>
+                                </a:schemeClr>
+                              </a:gs>
+                            </a:gsLst>
+                            <a:lin ang="5400000"/>
+                          </a:gradFill>
+                          <a:effectLst>
+                            <a:innerShdw blurRad="69850" dist="43180" dir="5400000">
+                              <a:srgbClr val="000000">
+                                <a:alpha val="65000"/>
+                              </a:srgbClr>
+                            </a:innerShdw>
+                          </a:effectLst>
+                        </a:rPr>
+                        <a:t>3</a:t>
+                      </a:r>
+                      <a:r>
                         <a:rPr lang="en-US" dirty="0" smtClean="0"/>
-                        <a:t>344</a:t>
+                        <a:t>44</a:t>
                       </a:r>
                       <a:endParaRPr lang="en-US" dirty="0"/>
                     </a:p>
@@ -4018,8 +4557,45 @@
                     <a:lstStyle/>
                     <a:p>
                       <a:r>
+                        <a:rPr lang="en-US" b="1" cap="none" spc="0" dirty="0" smtClean="0">
+                          <a:ln w="1905"/>
+                          <a:gradFill>
+                            <a:gsLst>
+                              <a:gs pos="0">
+                                <a:schemeClr val="accent6">
+                                  <a:shade val="20000"/>
+                                  <a:satMod val="200000"/>
+                                </a:schemeClr>
+                              </a:gs>
+                              <a:gs pos="78000">
+                                <a:schemeClr val="accent6">
+                                  <a:tint val="90000"/>
+                                  <a:shade val="89000"/>
+                                  <a:satMod val="220000"/>
+                                </a:schemeClr>
+                              </a:gs>
+                              <a:gs pos="100000">
+                                <a:schemeClr val="accent6">
+                                  <a:tint val="12000"/>
+                                  <a:satMod val="255000"/>
+                                </a:schemeClr>
+                              </a:gs>
+                            </a:gsLst>
+                            <a:lin ang="5400000"/>
+                          </a:gradFill>
+                          <a:effectLst>
+                            <a:innerShdw blurRad="69850" dist="43180" dir="5400000">
+                              <a:srgbClr val="000000">
+                                <a:alpha val="65000"/>
+                              </a:srgbClr>
+                            </a:innerShdw>
+                          </a:effectLst>
+                        </a:rPr>
+                        <a:t>3</a:t>
+                      </a:r>
+                      <a:r>
                         <a:rPr lang="en-US" dirty="0" smtClean="0"/>
-                        <a:t>377</a:t>
+                        <a:t>77</a:t>
                       </a:r>
                       <a:endParaRPr lang="en-US" dirty="0"/>
                     </a:p>
@@ -4034,8 +4610,45 @@
                     <a:lstStyle/>
                     <a:p>
                       <a:r>
+                        <a:rPr lang="en-US" b="1" cap="none" spc="0" dirty="0" smtClean="0">
+                          <a:ln w="1905"/>
+                          <a:gradFill>
+                            <a:gsLst>
+                              <a:gs pos="0">
+                                <a:schemeClr val="accent6">
+                                  <a:shade val="20000"/>
+                                  <a:satMod val="200000"/>
+                                </a:schemeClr>
+                              </a:gs>
+                              <a:gs pos="78000">
+                                <a:schemeClr val="accent6">
+                                  <a:tint val="90000"/>
+                                  <a:shade val="89000"/>
+                                  <a:satMod val="220000"/>
+                                </a:schemeClr>
+                              </a:gs>
+                              <a:gs pos="100000">
+                                <a:schemeClr val="accent6">
+                                  <a:tint val="12000"/>
+                                  <a:satMod val="255000"/>
+                                </a:schemeClr>
+                              </a:gs>
+                            </a:gsLst>
+                            <a:lin ang="5400000"/>
+                          </a:gradFill>
+                          <a:effectLst>
+                            <a:innerShdw blurRad="69850" dist="43180" dir="5400000">
+                              <a:srgbClr val="000000">
+                                <a:alpha val="65000"/>
+                              </a:srgbClr>
+                            </a:innerShdw>
+                          </a:effectLst>
+                        </a:rPr>
+                        <a:t>9</a:t>
+                      </a:r>
+                      <a:r>
                         <a:rPr lang="en-US" dirty="0" smtClean="0"/>
-                        <a:t>934</a:t>
+                        <a:t>34</a:t>
                       </a:r>
                       <a:endParaRPr lang="en-US" dirty="0"/>
                     </a:p>
@@ -4176,16 +4789,48 @@
           <a:lstStyle/>
           <a:p>
             <a:r>
-              <a:rPr lang="en-US" dirty="0" err="1" smtClean="0">
+              <a:rPr lang="en-US" dirty="0">
                 <a:solidFill>
-                  <a:schemeClr val="bg1"/>
+                  <a:srgbClr val="FFFFFF"/>
                 </a:solidFill>
               </a:rPr>
-              <a:t>Pseudocode</a:t>
+              <a:t>U</a:t>
+            </a:r>
+            <a:r>
+              <a:rPr lang="en-US" dirty="0" smtClean="0">
+                <a:solidFill>
+                  <a:srgbClr val="FFFFFF"/>
+                </a:solidFill>
+              </a:rPr>
+              <a:t>nderstanding </a:t>
+            </a:r>
+            <a:r>
+              <a:rPr lang="en-US" dirty="0" smtClean="0">
+                <a:solidFill>
+                  <a:srgbClr val="FFFFFF"/>
+                </a:solidFill>
+              </a:rPr>
+              <a:t>the</a:t>
+            </a:r>
+            <a:r>
+              <a:rPr lang="en-US" dirty="0" smtClean="0">
+                <a:solidFill>
+                  <a:srgbClr val="FFFFFF"/>
+                </a:solidFill>
+              </a:rPr>
+              <a:t> </a:t>
+            </a:r>
+            <a:r>
+              <a:rPr lang="en-US" dirty="0" smtClean="0">
+                <a:solidFill>
+                  <a:srgbClr val="FFFFFF"/>
+                </a:solidFill>
+              </a:rPr>
+              <a:t>Algorithm</a:t>
             </a:r>
             <a:endParaRPr lang="en-US" dirty="0">
               <a:solidFill>
-                <a:schemeClr val="bg1"/>
+                <a:srgbClr val="FFFFFF"/>
               </a:solidFill>
             </a:endParaRPr>
           </a:p>
@@ -4206,14 +4851,14 @@
           <a:bodyPr/>
           <a:lstStyle/>
           <a:p>
-            <a:endParaRPr lang="en-US"/>
+            <a:endParaRPr lang="en-US" dirty="0"/>
           </a:p>
         </p:txBody>
       </p:sp>
     </p:spTree>
     <p:extLst>
       <p:ext uri="{BB962C8B-B14F-4D97-AF65-F5344CB8AC3E}">
-        <p14:creationId xmlns:p14="http://schemas.microsoft.com/office/powerpoint/2010/main" val="2510278604"/>
+        <p14:creationId xmlns:p14="http://schemas.microsoft.com/office/powerpoint/2010/main" val="2408498996"/>
       </p:ext>
     </p:extLst>
   </p:cSld>
@@ -4256,16 +4901,16 @@
           <a:lstStyle/>
           <a:p>
             <a:r>
-              <a:rPr lang="en-US" dirty="0" smtClean="0">
+              <a:rPr lang="en-US" dirty="0" err="1" smtClean="0">
                 <a:solidFill>
-                  <a:srgbClr val="FFFFFF"/>
+                  <a:schemeClr val="bg1"/>
                 </a:solidFill>
               </a:rPr>
-              <a:t>//Understanding of Algorithm</a:t>
+              <a:t>Pseudocode</a:t>
             </a:r>
             <a:endParaRPr lang="en-US" dirty="0">
               <a:solidFill>
-                <a:srgbClr val="FFFFFF"/>
+                <a:schemeClr val="bg1"/>
               </a:solidFill>
             </a:endParaRPr>
           </a:p>
@@ -4293,7 +4938,7 @@
     </p:spTree>
     <p:extLst>
       <p:ext uri="{BB962C8B-B14F-4D97-AF65-F5344CB8AC3E}">
-        <p14:creationId xmlns:p14="http://schemas.microsoft.com/office/powerpoint/2010/main" val="2408498996"/>
+        <p14:creationId xmlns:p14="http://schemas.microsoft.com/office/powerpoint/2010/main" val="2510278604"/>
       </p:ext>
     </p:extLst>
   </p:cSld>

--- a/presentation.pptx
+++ b/presentation.pptx
@@ -3285,7 +3285,12 @@
             <p:ph idx="1"/>
           </p:nvPr>
         </p:nvSpPr>
-        <p:spPr/>
+        <p:spPr>
+          <a:xfrm>
+            <a:off x="457200" y="1600201"/>
+            <a:ext cx="8229600" cy="2424700"/>
+          </a:xfrm>
+        </p:spPr>
         <p:txBody>
           <a:bodyPr>
             <a:normAutofit/>
@@ -4851,7 +4856,38 @@
           <a:bodyPr/>
           <a:lstStyle/>
           <a:p>
-            <a:endParaRPr lang="en-US" dirty="0"/>
+            <a:r>
+              <a:rPr lang="en-US" dirty="0" smtClean="0">
+                <a:solidFill>
+                  <a:schemeClr val="bg1"/>
+                </a:solidFill>
+              </a:rPr>
+              <a:t>Sort a “digit” at a time</a:t>
+            </a:r>
+          </a:p>
+          <a:p>
+            <a:pPr lvl="1"/>
+            <a:r>
+              <a:rPr lang="en-US" dirty="0" smtClean="0">
+                <a:solidFill>
+                  <a:schemeClr val="bg1"/>
+                </a:solidFill>
+              </a:rPr>
+              <a:t>Define a “digit” to include multiple digits, </a:t>
+            </a:r>
+            <a:r>
+              <a:rPr lang="en-US" i="1" dirty="0" smtClean="0">
+                <a:solidFill>
+                  <a:schemeClr val="bg1"/>
+                </a:solidFill>
+              </a:rPr>
+              <a:t>d</a:t>
+            </a:r>
+            <a:endParaRPr lang="en-US" dirty="0">
+              <a:solidFill>
+                <a:schemeClr val="bg1"/>
+              </a:solidFill>
+            </a:endParaRPr>
           </a:p>
         </p:txBody>
       </p:sp>
@@ -4928,10 +4964,395 @@
         </p:nvSpPr>
         <p:spPr/>
         <p:txBody>
-          <a:bodyPr/>
+          <a:bodyPr>
+            <a:normAutofit fontScale="85000" lnSpcReduction="20000"/>
+          </a:bodyPr>
           <a:lstStyle/>
           <a:p>
-            <a:endParaRPr lang="en-US"/>
+            <a:pPr marL="0" indent="0">
+              <a:buNone/>
+            </a:pPr>
+            <a:r>
+              <a:rPr lang="en-US" dirty="0" err="1" smtClean="0">
+                <a:solidFill>
+                  <a:srgbClr val="FFFFFF"/>
+                </a:solidFill>
+              </a:rPr>
+              <a:t>radixSort</a:t>
+            </a:r>
+            <a:r>
+              <a:rPr lang="en-US" dirty="0" smtClean="0">
+                <a:solidFill>
+                  <a:srgbClr val="FFFFFF"/>
+                </a:solidFill>
+              </a:rPr>
+              <a:t>(</a:t>
+            </a:r>
+            <a:r>
+              <a:rPr lang="en-US" i="1" dirty="0" smtClean="0">
+                <a:solidFill>
+                  <a:srgbClr val="FFFFFF"/>
+                </a:solidFill>
+              </a:rPr>
+              <a:t>array, size, </a:t>
+            </a:r>
+            <a:r>
+              <a:rPr lang="en-US" i="1" dirty="0" err="1" smtClean="0">
+                <a:solidFill>
+                  <a:srgbClr val="FFFFFF"/>
+                </a:solidFill>
+              </a:rPr>
+              <a:t>maxLength</a:t>
+            </a:r>
+            <a:r>
+              <a:rPr lang="en-US" dirty="0" smtClean="0">
+                <a:solidFill>
+                  <a:srgbClr val="FFFFFF"/>
+                </a:solidFill>
+              </a:rPr>
+              <a:t>)</a:t>
+            </a:r>
+          </a:p>
+          <a:p>
+            <a:pPr marL="0" indent="0">
+              <a:buNone/>
+            </a:pPr>
+            <a:r>
+              <a:rPr lang="en-US" dirty="0">
+                <a:solidFill>
+                  <a:srgbClr val="FFFFFF"/>
+                </a:solidFill>
+              </a:rPr>
+              <a:t>	</a:t>
+            </a:r>
+            <a:r>
+              <a:rPr lang="en-US" dirty="0" err="1" smtClean="0">
+                <a:solidFill>
+                  <a:srgbClr val="FFFFFF"/>
+                </a:solidFill>
+              </a:rPr>
+              <a:t>int</a:t>
+            </a:r>
+            <a:r>
+              <a:rPr lang="en-US" dirty="0">
+                <a:solidFill>
+                  <a:srgbClr val="FFFFFF"/>
+                </a:solidFill>
+              </a:rPr>
+              <a:t> </a:t>
+            </a:r>
+            <a:r>
+              <a:rPr lang="en-US" i="1" dirty="0" smtClean="0">
+                <a:solidFill>
+                  <a:srgbClr val="FFFFFF"/>
+                </a:solidFill>
+              </a:rPr>
+              <a:t>mod</a:t>
+            </a:r>
+            <a:r>
+              <a:rPr lang="en-US" dirty="0" smtClean="0">
+                <a:solidFill>
+                  <a:srgbClr val="FFFFFF"/>
+                </a:solidFill>
+              </a:rPr>
+              <a:t>, </a:t>
+            </a:r>
+            <a:r>
+              <a:rPr lang="en-US" i="1" dirty="0" smtClean="0">
+                <a:solidFill>
+                  <a:srgbClr val="FFFFFF"/>
+                </a:solidFill>
+              </a:rPr>
+              <a:t>div</a:t>
+            </a:r>
+            <a:endParaRPr lang="en-US" dirty="0" smtClean="0">
+              <a:solidFill>
+                <a:srgbClr val="FFFFFF"/>
+              </a:solidFill>
+            </a:endParaRPr>
+          </a:p>
+          <a:p>
+            <a:pPr marL="0" indent="0">
+              <a:buNone/>
+            </a:pPr>
+            <a:r>
+              <a:rPr lang="en-US" dirty="0">
+                <a:solidFill>
+                  <a:srgbClr val="FFFFFF"/>
+                </a:solidFill>
+              </a:rPr>
+              <a:t>	</a:t>
+            </a:r>
+            <a:r>
+              <a:rPr lang="en-US" dirty="0" smtClean="0">
+                <a:solidFill>
+                  <a:srgbClr val="FFFFFF"/>
+                </a:solidFill>
+              </a:rPr>
+              <a:t>create </a:t>
+            </a:r>
+            <a:r>
+              <a:rPr lang="en-US" i="1" dirty="0" err="1" smtClean="0">
+                <a:solidFill>
+                  <a:srgbClr val="FFFFFF"/>
+                </a:solidFill>
+              </a:rPr>
+              <a:t>adjacencyList</a:t>
+            </a:r>
+            <a:endParaRPr lang="en-US" i="1" dirty="0" smtClean="0">
+              <a:solidFill>
+                <a:srgbClr val="FFFFFF"/>
+              </a:solidFill>
+            </a:endParaRPr>
+          </a:p>
+          <a:p>
+            <a:pPr marL="0" indent="0">
+              <a:buNone/>
+            </a:pPr>
+            <a:r>
+              <a:rPr lang="en-US" dirty="0">
+                <a:solidFill>
+                  <a:srgbClr val="FFFFFF"/>
+                </a:solidFill>
+              </a:rPr>
+              <a:t>	</a:t>
+            </a:r>
+            <a:r>
+              <a:rPr lang="en-US" dirty="0" smtClean="0">
+                <a:solidFill>
+                  <a:srgbClr val="FFFFFF"/>
+                </a:solidFill>
+              </a:rPr>
+              <a:t>for </a:t>
+            </a:r>
+            <a:r>
+              <a:rPr lang="en-US" dirty="0" err="1" smtClean="0">
+                <a:solidFill>
+                  <a:srgbClr val="FFFFFF"/>
+                </a:solidFill>
+              </a:rPr>
+              <a:t>i</a:t>
+            </a:r>
+            <a:r>
+              <a:rPr lang="en-US" dirty="0" smtClean="0">
+                <a:solidFill>
+                  <a:srgbClr val="FFFFFF"/>
+                </a:solidFill>
+              </a:rPr>
+              <a:t> &lt; </a:t>
+            </a:r>
+            <a:r>
+              <a:rPr lang="en-US" i="1" dirty="0" err="1" smtClean="0">
+                <a:solidFill>
+                  <a:srgbClr val="FFFFFF"/>
+                </a:solidFill>
+              </a:rPr>
+              <a:t>maxLength</a:t>
+            </a:r>
+            <a:endParaRPr lang="en-US" i="1" dirty="0" smtClean="0">
+              <a:solidFill>
+                <a:srgbClr val="FFFFFF"/>
+              </a:solidFill>
+            </a:endParaRPr>
+          </a:p>
+          <a:p>
+            <a:pPr marL="0" indent="0">
+              <a:buNone/>
+            </a:pPr>
+            <a:r>
+              <a:rPr lang="en-US" dirty="0">
+                <a:solidFill>
+                  <a:srgbClr val="FFFFFF"/>
+                </a:solidFill>
+              </a:rPr>
+              <a:t>	</a:t>
+            </a:r>
+            <a:r>
+              <a:rPr lang="en-US" dirty="0" smtClean="0">
+                <a:solidFill>
+                  <a:srgbClr val="FFFFFF"/>
+                </a:solidFill>
+              </a:rPr>
+              <a:t>	for j &lt; 10</a:t>
+            </a:r>
+          </a:p>
+          <a:p>
+            <a:pPr marL="0" indent="0">
+              <a:buNone/>
+            </a:pPr>
+            <a:r>
+              <a:rPr lang="en-US" dirty="0">
+                <a:solidFill>
+                  <a:srgbClr val="FFFFFF"/>
+                </a:solidFill>
+              </a:rPr>
+              <a:t>	</a:t>
+            </a:r>
+            <a:r>
+              <a:rPr lang="en-US" dirty="0" smtClean="0">
+                <a:solidFill>
+                  <a:srgbClr val="FFFFFF"/>
+                </a:solidFill>
+              </a:rPr>
+              <a:t>		</a:t>
+            </a:r>
+            <a:r>
+              <a:rPr lang="en-US" dirty="0" err="1" smtClean="0">
+                <a:solidFill>
+                  <a:srgbClr val="FFFFFF"/>
+                </a:solidFill>
+              </a:rPr>
+              <a:t>intialize</a:t>
+            </a:r>
+            <a:r>
+              <a:rPr lang="en-US" dirty="0" smtClean="0">
+                <a:solidFill>
+                  <a:srgbClr val="FFFFFF"/>
+                </a:solidFill>
+              </a:rPr>
+              <a:t> </a:t>
+            </a:r>
+            <a:r>
+              <a:rPr lang="en-US" i="1" dirty="0" err="1" smtClean="0">
+                <a:solidFill>
+                  <a:srgbClr val="FFFFFF"/>
+                </a:solidFill>
+              </a:rPr>
+              <a:t>adjacencyList</a:t>
+            </a:r>
+            <a:endParaRPr lang="en-US" i="1" dirty="0" smtClean="0">
+              <a:solidFill>
+                <a:srgbClr val="FFFFFF"/>
+              </a:solidFill>
+            </a:endParaRPr>
+          </a:p>
+          <a:p>
+            <a:pPr marL="0" indent="0">
+              <a:buNone/>
+            </a:pPr>
+            <a:r>
+              <a:rPr lang="en-US" dirty="0">
+                <a:solidFill>
+                  <a:srgbClr val="FFFFFF"/>
+                </a:solidFill>
+              </a:rPr>
+              <a:t>	</a:t>
+            </a:r>
+            <a:r>
+              <a:rPr lang="en-US" dirty="0" smtClean="0">
+                <a:solidFill>
+                  <a:srgbClr val="FFFFFF"/>
+                </a:solidFill>
+              </a:rPr>
+              <a:t>	populate </a:t>
+            </a:r>
+            <a:r>
+              <a:rPr lang="en-US" i="1" dirty="0" err="1" smtClean="0">
+                <a:solidFill>
+                  <a:srgbClr val="FFFFFF"/>
+                </a:solidFill>
+              </a:rPr>
+              <a:t>adjacencyList</a:t>
+            </a:r>
+            <a:endParaRPr lang="en-US" i="1" dirty="0" smtClean="0">
+              <a:solidFill>
+                <a:srgbClr val="FFFFFF"/>
+              </a:solidFill>
+            </a:endParaRPr>
+          </a:p>
+          <a:p>
+            <a:pPr marL="0" indent="0">
+              <a:buNone/>
+            </a:pPr>
+            <a:r>
+              <a:rPr lang="en-US" dirty="0">
+                <a:solidFill>
+                  <a:srgbClr val="FFFFFF"/>
+                </a:solidFill>
+              </a:rPr>
+              <a:t>	</a:t>
+            </a:r>
+            <a:r>
+              <a:rPr lang="en-US" dirty="0" smtClean="0">
+                <a:solidFill>
+                  <a:srgbClr val="FFFFFF"/>
+                </a:solidFill>
+              </a:rPr>
+              <a:t>	repopulate </a:t>
+            </a:r>
+            <a:r>
+              <a:rPr lang="en-US" i="1" dirty="0" err="1" smtClean="0">
+                <a:solidFill>
+                  <a:srgbClr val="FFFFFF"/>
+                </a:solidFill>
+              </a:rPr>
+              <a:t>arrray</a:t>
+            </a:r>
+            <a:endParaRPr lang="en-US" i="1" dirty="0" smtClean="0">
+              <a:solidFill>
+                <a:srgbClr val="FFFFFF"/>
+              </a:solidFill>
+            </a:endParaRPr>
+          </a:p>
+          <a:p>
+            <a:pPr marL="0" indent="0">
+              <a:buNone/>
+            </a:pPr>
+            <a:r>
+              <a:rPr lang="en-US" i="1" dirty="0">
+                <a:solidFill>
+                  <a:srgbClr val="FFFFFF"/>
+                </a:solidFill>
+              </a:rPr>
+              <a:t>	</a:t>
+            </a:r>
+            <a:r>
+              <a:rPr lang="en-US" dirty="0" smtClean="0">
+                <a:solidFill>
+                  <a:srgbClr val="FFFFFF"/>
+                </a:solidFill>
+              </a:rPr>
+              <a:t>delete </a:t>
+            </a:r>
+            <a:r>
+              <a:rPr lang="en-US" i="1" dirty="0" err="1" smtClean="0">
+                <a:solidFill>
+                  <a:srgbClr val="FFFFFF"/>
+                </a:solidFill>
+              </a:rPr>
+              <a:t>adjacencyList</a:t>
+            </a:r>
+            <a:endParaRPr lang="en-US" i="1" dirty="0" smtClean="0">
+              <a:solidFill>
+                <a:srgbClr val="FFFFFF"/>
+              </a:solidFill>
+            </a:endParaRPr>
+          </a:p>
+          <a:p>
+            <a:pPr marL="0" indent="0">
+              <a:buNone/>
+            </a:pPr>
+            <a:r>
+              <a:rPr lang="en-US" i="1" dirty="0">
+                <a:solidFill>
+                  <a:srgbClr val="FFFFFF"/>
+                </a:solidFill>
+              </a:rPr>
+              <a:t>	</a:t>
+            </a:r>
+            <a:r>
+              <a:rPr lang="en-US" dirty="0" smtClean="0">
+                <a:solidFill>
+                  <a:srgbClr val="FFFFFF"/>
+                </a:solidFill>
+              </a:rPr>
+              <a:t>update mod, div</a:t>
+            </a:r>
+            <a:endParaRPr lang="en-US" i="1" dirty="0" smtClean="0">
+              <a:solidFill>
+                <a:srgbClr val="FFFFFF"/>
+              </a:solidFill>
+            </a:endParaRPr>
           </a:p>
         </p:txBody>
       </p:sp>
@@ -5011,7 +5432,35 @@
           <a:bodyPr/>
           <a:lstStyle/>
           <a:p>
-            <a:endParaRPr lang="en-US"/>
+            <a:r>
+              <a:rPr lang="en-US" dirty="0" smtClean="0">
+                <a:solidFill>
+                  <a:srgbClr val="FFFFFF"/>
+                </a:solidFill>
+              </a:rPr>
+              <a:t>O(</a:t>
+            </a:r>
+            <a:r>
+              <a:rPr lang="en-US" dirty="0" err="1" smtClean="0">
+                <a:solidFill>
+                  <a:srgbClr val="FFFFFF"/>
+                </a:solidFill>
+              </a:rPr>
+              <a:t>kn</a:t>
+            </a:r>
+            <a:r>
+              <a:rPr lang="en-US" dirty="0" smtClean="0">
+                <a:solidFill>
+                  <a:srgbClr val="FFFFFF"/>
+                </a:solidFill>
+              </a:rPr>
+              <a:t>)</a:t>
+            </a:r>
+            <a:endParaRPr lang="en-US" dirty="0">
+              <a:solidFill>
+                <a:srgbClr val="FFFFFF"/>
+              </a:solidFill>
+            </a:endParaRPr>
           </a:p>
         </p:txBody>
       </p:sp>
@@ -5091,7 +5540,87 @@
           <a:bodyPr/>
           <a:lstStyle/>
           <a:p>
-            <a:endParaRPr lang="en-US"/>
+            <a:r>
+              <a:rPr lang="en-US" dirty="0" smtClean="0">
+                <a:solidFill>
+                  <a:srgbClr val="FFFFFF"/>
+                </a:solidFill>
+              </a:rPr>
+              <a:t>Best </a:t>
+            </a:r>
+            <a:r>
+              <a:rPr lang="en-US" i="1" dirty="0" smtClean="0">
+                <a:solidFill>
+                  <a:srgbClr val="FFFFFF"/>
+                </a:solidFill>
+              </a:rPr>
+              <a:t>d</a:t>
+            </a:r>
+            <a:r>
+              <a:rPr lang="en-US" dirty="0" smtClean="0">
+                <a:solidFill>
+                  <a:srgbClr val="FFFFFF"/>
+                </a:solidFill>
+              </a:rPr>
+              <a:t> for 100 digit decimal</a:t>
+            </a:r>
+          </a:p>
+          <a:p>
+            <a:r>
+              <a:rPr lang="en-US" dirty="0" smtClean="0">
+                <a:solidFill>
+                  <a:srgbClr val="FFFFFF"/>
+                </a:solidFill>
+              </a:rPr>
+              <a:t>Best </a:t>
+            </a:r>
+            <a:r>
+              <a:rPr lang="en-US" i="1" dirty="0" smtClean="0">
+                <a:solidFill>
+                  <a:srgbClr val="FFFFFF"/>
+                </a:solidFill>
+              </a:rPr>
+              <a:t>d</a:t>
+            </a:r>
+            <a:r>
+              <a:rPr lang="en-US" dirty="0" smtClean="0">
+                <a:solidFill>
+                  <a:srgbClr val="FFFFFF"/>
+                </a:solidFill>
+              </a:rPr>
+              <a:t> for 20 digit decimal</a:t>
+            </a:r>
+          </a:p>
+          <a:p>
+            <a:r>
+              <a:rPr lang="en-US" dirty="0" smtClean="0">
+                <a:solidFill>
+                  <a:srgbClr val="FFFFFF"/>
+                </a:solidFill>
+              </a:rPr>
+              <a:t>Best </a:t>
+            </a:r>
+            <a:r>
+              <a:rPr lang="en-US" i="1" dirty="0" smtClean="0">
+                <a:solidFill>
+                  <a:srgbClr val="FFFFFF"/>
+                </a:solidFill>
+              </a:rPr>
+              <a:t>d </a:t>
+            </a:r>
+            <a:r>
+              <a:rPr lang="en-US" dirty="0" smtClean="0">
+                <a:solidFill>
+                  <a:srgbClr val="FFFFFF"/>
+                </a:solidFill>
+              </a:rPr>
+              <a:t>for 10 digit decimal</a:t>
+            </a:r>
+            <a:endParaRPr lang="en-US" dirty="0">
+              <a:solidFill>
+                <a:srgbClr val="FFFFFF"/>
+              </a:solidFill>
+            </a:endParaRPr>
           </a:p>
         </p:txBody>
       </p:sp>

--- a/presentation.pptx
+++ b/presentation.pptx
@@ -3130,8 +3130,8 @@
                 <a:solidFill>
                   <a:srgbClr val="FFFFFF"/>
                 </a:solidFill>
-                <a:latin typeface="Calibri"/>
-                <a:cs typeface="Calibri"/>
+                <a:latin typeface="Avenir Next Regular"/>
+                <a:cs typeface="Avenir Next Regular"/>
               </a:rPr>
               <a:t>Radix Sort</a:t>
             </a:r>
@@ -3139,8 +3139,8 @@
               <a:solidFill>
                 <a:srgbClr val="FFFFFF"/>
               </a:solidFill>
-              <a:latin typeface="Calibri"/>
-              <a:cs typeface="Calibri"/>
+              <a:latin typeface="Avenir Next Regular"/>
+              <a:cs typeface="Avenir Next Regular"/>
             </a:endParaRPr>
           </a:p>
         </p:txBody>
@@ -3168,6 +3168,8 @@
                 <a:solidFill>
                   <a:srgbClr val="FFFFFF"/>
                 </a:solidFill>
+                <a:latin typeface="Avenir Next Regular"/>
+                <a:cs typeface="Avenir Next Regular"/>
               </a:rPr>
               <a:t>CS 375</a:t>
             </a:r>
@@ -3179,6 +3181,8 @@
                 <a:solidFill>
                   <a:srgbClr val="FFFFFF"/>
                 </a:solidFill>
+                <a:latin typeface="Avenir Next Regular"/>
+                <a:cs typeface="Avenir Next Regular"/>
               </a:rPr>
               <a:t>Samuel </a:t>
             </a:r>
@@ -3187,6 +3191,8 @@
                 <a:solidFill>
                   <a:srgbClr val="FFFFFF"/>
                 </a:solidFill>
+                <a:latin typeface="Avenir Next Regular"/>
+                <a:cs typeface="Avenir Next Regular"/>
               </a:rPr>
               <a:t>Bae</a:t>
             </a:r>
@@ -3194,6 +3200,8 @@
               <a:solidFill>
                 <a:srgbClr val="FFFFFF"/>
               </a:solidFill>
+              <a:latin typeface="Avenir Next Regular"/>
+              <a:cs typeface="Avenir Next Regular"/>
             </a:endParaRPr>
           </a:p>
           <a:p>
@@ -3203,6 +3211,8 @@
                 <a:solidFill>
                   <a:srgbClr val="FFFFFF"/>
                 </a:solidFill>
+                <a:latin typeface="Avenir Next Regular"/>
+                <a:cs typeface="Avenir Next Regular"/>
               </a:rPr>
               <a:t>Ho-On Yoshida</a:t>
             </a:r>
@@ -3210,6 +3220,8 @@
               <a:solidFill>
                 <a:srgbClr val="FFFFFF"/>
               </a:solidFill>
+              <a:latin typeface="Avenir Next Regular"/>
+              <a:cs typeface="Avenir Next Regular"/>
             </a:endParaRPr>
           </a:p>
         </p:txBody>
@@ -3264,6 +3276,8 @@
                 <a:solidFill>
                   <a:srgbClr val="FFFFFF"/>
                 </a:solidFill>
+                <a:latin typeface="Avenir Next Regular"/>
+                <a:cs typeface="Avenir Next Regular"/>
               </a:rPr>
               <a:t>Basic Idea</a:t>
             </a:r>
@@ -3271,6 +3285,8 @@
               <a:solidFill>
                 <a:srgbClr val="FFFFFF"/>
               </a:solidFill>
+              <a:latin typeface="Avenir Next Regular"/>
+              <a:cs typeface="Avenir Next Regular"/>
             </a:endParaRPr>
           </a:p>
         </p:txBody>
@@ -3302,6 +3318,8 @@
                 <a:solidFill>
                   <a:schemeClr val="bg1"/>
                 </a:solidFill>
+                <a:latin typeface="Avenir Next Regular"/>
+                <a:cs typeface="Avenir Next Regular"/>
               </a:rPr>
               <a:t>Non-comparative sorting algorithm</a:t>
             </a:r>
@@ -3313,6 +3331,8 @@
                 <a:solidFill>
                   <a:schemeClr val="bg1"/>
                 </a:solidFill>
+                <a:latin typeface="Avenir Next Regular"/>
+                <a:cs typeface="Avenir Next Regular"/>
               </a:rPr>
               <a:t>Sorts in linear time</a:t>
             </a:r>
@@ -3323,6 +3343,8 @@
                 <a:solidFill>
                   <a:schemeClr val="bg1"/>
                 </a:solidFill>
+                <a:latin typeface="Avenir Next Regular"/>
+                <a:cs typeface="Avenir Next Regular"/>
               </a:rPr>
               <a:t>Sort from least significant digit to most significant digit</a:t>
             </a:r>
@@ -3333,6 +3355,8 @@
                 <a:solidFill>
                   <a:schemeClr val="bg1"/>
                 </a:solidFill>
+                <a:latin typeface="Avenir Next Regular"/>
+                <a:cs typeface="Avenir Next Regular"/>
               </a:rPr>
               <a:t>Stable sorting</a:t>
             </a:r>
@@ -3340,6 +3364,8 @@
               <a:solidFill>
                 <a:schemeClr val="bg1"/>
               </a:solidFill>
+              <a:latin typeface="Avenir Next Regular"/>
+              <a:cs typeface="Avenir Next Regular"/>
             </a:endParaRPr>
           </a:p>
         </p:txBody>
@@ -3911,8 +3937,8 @@
         </p:nvSpPr>
         <p:spPr>
           <a:xfrm>
-            <a:off x="2428790" y="6133107"/>
-            <a:ext cx="1926794" cy="369332"/>
+            <a:off x="2195853" y="6133107"/>
+            <a:ext cx="2159731" cy="369332"/>
           </a:xfrm>
           <a:prstGeom prst="rect">
             <a:avLst/>
@@ -3930,6 +3956,8 @@
                 <a:solidFill>
                   <a:srgbClr val="FFFFFF"/>
                 </a:solidFill>
+                <a:latin typeface="Avenir Next Regular"/>
+                <a:cs typeface="Avenir Next Regular"/>
               </a:rPr>
               <a:t>After sorting LSD</a:t>
             </a:r>
@@ -3937,6 +3965,8 @@
               <a:solidFill>
                 <a:srgbClr val="FFFFFF"/>
               </a:solidFill>
+              <a:latin typeface="Avenir Next Regular"/>
+              <a:cs typeface="Avenir Next Regular"/>
             </a:endParaRPr>
           </a:p>
         </p:txBody>
@@ -4264,8 +4294,8 @@
         </p:nvSpPr>
         <p:spPr>
           <a:xfrm>
-            <a:off x="4468111" y="6119831"/>
-            <a:ext cx="2228558" cy="369332"/>
+            <a:off x="4355584" y="6119831"/>
+            <a:ext cx="2341085" cy="369332"/>
           </a:xfrm>
           <a:prstGeom prst="rect">
             <a:avLst/>
@@ -4283,6 +4313,8 @@
                 <a:solidFill>
                   <a:srgbClr val="FFFFFF"/>
                 </a:solidFill>
+                <a:latin typeface="Avenir Next Regular"/>
+                <a:cs typeface="Avenir Next Regular"/>
               </a:rPr>
               <a:t>After sorting 2</a:t>
             </a:r>
@@ -4291,6 +4323,8 @@
                 <a:solidFill>
                   <a:srgbClr val="FFFFFF"/>
                 </a:solidFill>
+                <a:latin typeface="Avenir Next Regular"/>
+                <a:cs typeface="Avenir Next Regular"/>
               </a:rPr>
               <a:t>nd</a:t>
             </a:r>
@@ -4299,6 +4333,8 @@
                 <a:solidFill>
                   <a:srgbClr val="FFFFFF"/>
                 </a:solidFill>
+                <a:latin typeface="Avenir Next Regular"/>
+                <a:cs typeface="Avenir Next Regular"/>
               </a:rPr>
               <a:t> LSD</a:t>
             </a:r>
@@ -4306,6 +4342,8 @@
               <a:solidFill>
                 <a:srgbClr val="FFFFFF"/>
               </a:solidFill>
+              <a:latin typeface="Avenir Next Regular"/>
+              <a:cs typeface="Avenir Next Regular"/>
             </a:endParaRPr>
           </a:p>
         </p:txBody>
@@ -4674,7 +4712,7 @@
         <p:spPr>
           <a:xfrm>
             <a:off x="6696669" y="6133107"/>
-            <a:ext cx="1990131" cy="369332"/>
+            <a:ext cx="2127755" cy="369332"/>
           </a:xfrm>
           <a:prstGeom prst="rect">
             <a:avLst/>
@@ -4692,6 +4730,8 @@
                 <a:solidFill>
                   <a:srgbClr val="FFFFFF"/>
                 </a:solidFill>
+                <a:latin typeface="Avenir Next Regular"/>
+                <a:cs typeface="Avenir Next Regular"/>
               </a:rPr>
               <a:t>After sorting MSD</a:t>
             </a:r>
@@ -4699,6 +4739,8 @@
               <a:solidFill>
                 <a:srgbClr val="FFFFFF"/>
               </a:solidFill>
+              <a:latin typeface="Avenir Next Regular"/>
+              <a:cs typeface="Avenir Next Regular"/>
             </a:endParaRPr>
           </a:p>
         </p:txBody>
@@ -4730,6 +4772,8 @@
                 <a:solidFill>
                   <a:srgbClr val="FFFFFF"/>
                 </a:solidFill>
+                <a:latin typeface="Avenir Next Regular"/>
+                <a:cs typeface="Avenir Next Regular"/>
               </a:rPr>
               <a:t>Array to sort</a:t>
             </a:r>
@@ -4737,6 +4781,8 @@
               <a:solidFill>
                 <a:srgbClr val="FFFFFF"/>
               </a:solidFill>
+              <a:latin typeface="Avenir Next Regular"/>
+              <a:cs typeface="Avenir Next Regular"/>
             </a:endParaRPr>
           </a:p>
         </p:txBody>
@@ -4798,6 +4844,8 @@
                 <a:solidFill>
                   <a:srgbClr val="FFFFFF"/>
                 </a:solidFill>
+                <a:latin typeface="Avenir Next Regular"/>
+                <a:cs typeface="Avenir Next Regular"/>
               </a:rPr>
               <a:t>U</a:t>
             </a:r>
@@ -4806,6 +4854,8 @@
                 <a:solidFill>
                   <a:srgbClr val="FFFFFF"/>
                 </a:solidFill>
+                <a:latin typeface="Avenir Next Regular"/>
+                <a:cs typeface="Avenir Next Regular"/>
               </a:rPr>
               <a:t>nderstanding </a:t>
             </a:r>
@@ -4814,6 +4864,8 @@
                 <a:solidFill>
                   <a:srgbClr val="FFFFFF"/>
                 </a:solidFill>
+                <a:latin typeface="Avenir Next Regular"/>
+                <a:cs typeface="Avenir Next Regular"/>
               </a:rPr>
               <a:t>the</a:t>
             </a:r>
@@ -4822,6 +4874,8 @@
                 <a:solidFill>
                   <a:srgbClr val="FFFFFF"/>
                 </a:solidFill>
+                <a:latin typeface="Avenir Next Regular"/>
+                <a:cs typeface="Avenir Next Regular"/>
               </a:rPr>
               <a:t> </a:t>
             </a:r>
@@ -4830,6 +4884,8 @@
                 <a:solidFill>
                   <a:srgbClr val="FFFFFF"/>
                 </a:solidFill>
+                <a:latin typeface="Avenir Next Regular"/>
+                <a:cs typeface="Avenir Next Regular"/>
               </a:rPr>
               <a:t>Algorithm</a:t>
             </a:r>
@@ -4837,6 +4893,8 @@
               <a:solidFill>
                 <a:srgbClr val="FFFFFF"/>
               </a:solidFill>
+              <a:latin typeface="Avenir Next Regular"/>
+              <a:cs typeface="Avenir Next Regular"/>
             </a:endParaRPr>
           </a:p>
         </p:txBody>
@@ -4861,6 +4919,8 @@
                 <a:solidFill>
                   <a:schemeClr val="bg1"/>
                 </a:solidFill>
+                <a:latin typeface="Avenir Next Regular"/>
+                <a:cs typeface="Avenir Next Regular"/>
               </a:rPr>
               <a:t>Sort a “digit” at a time</a:t>
             </a:r>
@@ -4872,6 +4932,8 @@
                 <a:solidFill>
                   <a:schemeClr val="bg1"/>
                 </a:solidFill>
+                <a:latin typeface="Avenir Next Regular"/>
+                <a:cs typeface="Avenir Next Regular"/>
               </a:rPr>
               <a:t>Define a “digit” to include multiple digits, </a:t>
             </a:r>
@@ -4880,6 +4942,8 @@
                 <a:solidFill>
                   <a:schemeClr val="bg1"/>
                 </a:solidFill>
+                <a:latin typeface="Avenir Next Regular"/>
+                <a:cs typeface="Avenir Next Regular"/>
               </a:rPr>
               <a:t>d</a:t>
             </a:r>
@@ -4887,6 +4951,8 @@
               <a:solidFill>
                 <a:schemeClr val="bg1"/>
               </a:solidFill>
+              <a:latin typeface="Avenir Next Regular"/>
+              <a:cs typeface="Avenir Next Regular"/>
             </a:endParaRPr>
           </a:p>
         </p:txBody>
@@ -4941,6 +5007,8 @@
                 <a:solidFill>
                   <a:schemeClr val="bg1"/>
                 </a:solidFill>
+                <a:latin typeface="Avenir Next Regular"/>
+                <a:cs typeface="Avenir Next Regular"/>
               </a:rPr>
               <a:t>Pseudocode</a:t>
             </a:r>
@@ -4948,6 +5016,8 @@
               <a:solidFill>
                 <a:schemeClr val="bg1"/>
               </a:solidFill>
+              <a:latin typeface="Avenir Next Regular"/>
+              <a:cs typeface="Avenir Next Regular"/>
             </a:endParaRPr>
           </a:p>
         </p:txBody>
@@ -4965,7 +5035,7 @@
         <p:spPr/>
         <p:txBody>
           <a:bodyPr>
-            <a:normAutofit fontScale="85000" lnSpcReduction="20000"/>
+            <a:normAutofit/>
           </a:bodyPr>
           <a:lstStyle/>
           <a:p>
@@ -4973,42 +5043,54 @@
               <a:buNone/>
             </a:pPr>
             <a:r>
-              <a:rPr lang="en-US" dirty="0" err="1" smtClean="0">
-                <a:solidFill>
-                  <a:srgbClr val="FFFFFF"/>
-                </a:solidFill>
+              <a:rPr lang="en-US" sz="2400" dirty="0" err="1" smtClean="0">
+                <a:solidFill>
+                  <a:schemeClr val="bg1">
+                    <a:lumMod val="95000"/>
+                  </a:schemeClr>
+                </a:solidFill>
+                <a:latin typeface="Avenir Next Regular"/>
+                <a:cs typeface="Avenir Next Regular"/>
               </a:rPr>
               <a:t>radixSort</a:t>
             </a:r>
             <a:r>
-              <a:rPr lang="en-US" dirty="0" smtClean="0">
-                <a:solidFill>
-                  <a:srgbClr val="FFFFFF"/>
-                </a:solidFill>
+              <a:rPr lang="en-US" sz="2400" dirty="0" smtClean="0">
+                <a:solidFill>
+                  <a:srgbClr val="FFFFFF"/>
+                </a:solidFill>
+                <a:latin typeface="Avenir Next Regular"/>
+                <a:cs typeface="Avenir Next Regular"/>
               </a:rPr>
               <a:t>(</a:t>
             </a:r>
             <a:r>
-              <a:rPr lang="en-US" i="1" dirty="0" smtClean="0">
-                <a:solidFill>
-                  <a:srgbClr val="FFFFFF"/>
-                </a:solidFill>
+              <a:rPr lang="en-US" sz="2400" i="1" dirty="0" smtClean="0">
+                <a:solidFill>
+                  <a:srgbClr val="FFFFFF"/>
+                </a:solidFill>
+                <a:latin typeface="Avenir Next Regular"/>
+                <a:cs typeface="Avenir Next Regular"/>
               </a:rPr>
               <a:t>array, size, </a:t>
             </a:r>
             <a:r>
-              <a:rPr lang="en-US" i="1" dirty="0" err="1" smtClean="0">
-                <a:solidFill>
-                  <a:srgbClr val="FFFFFF"/>
-                </a:solidFill>
+              <a:rPr lang="en-US" sz="2400" i="1" dirty="0" err="1" smtClean="0">
+                <a:solidFill>
+                  <a:srgbClr val="FFFFFF"/>
+                </a:solidFill>
+                <a:latin typeface="Avenir Next Regular"/>
+                <a:cs typeface="Avenir Next Regular"/>
               </a:rPr>
               <a:t>maxLength</a:t>
             </a:r>
             <a:r>
-              <a:rPr lang="en-US" dirty="0" smtClean="0">
-                <a:solidFill>
-                  <a:srgbClr val="FFFFFF"/>
-                </a:solidFill>
+              <a:rPr lang="en-US" sz="2400" dirty="0" smtClean="0">
+                <a:solidFill>
+                  <a:srgbClr val="FFFFFF"/>
+                </a:solidFill>
+                <a:latin typeface="Avenir Next Regular"/>
+                <a:cs typeface="Avenir Next Regular"/>
               </a:rPr>
               <a:t>)</a:t>
             </a:r>
@@ -5018,57 +5100,77 @@
               <a:buNone/>
             </a:pPr>
             <a:r>
-              <a:rPr lang="en-US" dirty="0">
-                <a:solidFill>
-                  <a:srgbClr val="FFFFFF"/>
-                </a:solidFill>
+              <a:rPr lang="en-US" sz="2400" dirty="0">
+                <a:solidFill>
+                  <a:srgbClr val="FFFFFF"/>
+                </a:solidFill>
+                <a:latin typeface="Avenir Next Regular"/>
+                <a:cs typeface="Avenir Next Regular"/>
               </a:rPr>
               <a:t>	</a:t>
             </a:r>
             <a:r>
-              <a:rPr lang="en-US" dirty="0" err="1" smtClean="0">
-                <a:solidFill>
-                  <a:srgbClr val="FFFFFF"/>
-                </a:solidFill>
+              <a:rPr lang="en-US" sz="2400" dirty="0" err="1" smtClean="0">
+                <a:solidFill>
+                  <a:schemeClr val="accent6">
+                    <a:lumMod val="40000"/>
+                    <a:lumOff val="60000"/>
+                  </a:schemeClr>
+                </a:solidFill>
+                <a:latin typeface="Avenir Next Regular"/>
+                <a:cs typeface="Avenir Next Regular"/>
               </a:rPr>
               <a:t>int</a:t>
             </a:r>
             <a:r>
-              <a:rPr lang="en-US" dirty="0">
-                <a:solidFill>
-                  <a:srgbClr val="FFFFFF"/>
-                </a:solidFill>
+              <a:rPr lang="en-US" sz="2400" dirty="0">
+                <a:solidFill>
+                  <a:schemeClr val="accent6">
+                    <a:lumMod val="40000"/>
+                    <a:lumOff val="60000"/>
+                  </a:schemeClr>
+                </a:solidFill>
+                <a:latin typeface="Avenir Next Regular"/>
+                <a:cs typeface="Avenir Next Regular"/>
               </a:rPr>
               <a:t> </a:t>
             </a:r>
             <a:r>
-              <a:rPr lang="en-US" i="1" dirty="0" smtClean="0">
-                <a:solidFill>
-                  <a:srgbClr val="FFFFFF"/>
-                </a:solidFill>
+              <a:rPr lang="en-US" sz="2400" i="1" dirty="0" smtClean="0">
+                <a:solidFill>
+                  <a:srgbClr val="FFFFFF"/>
+                </a:solidFill>
+                <a:latin typeface="Avenir Next Regular"/>
+                <a:cs typeface="Avenir Next Regular"/>
               </a:rPr>
               <a:t>mod</a:t>
             </a:r>
             <a:r>
-              <a:rPr lang="en-US" dirty="0" smtClean="0">
-                <a:solidFill>
-                  <a:srgbClr val="FFFFFF"/>
-                </a:solidFill>
+              <a:rPr lang="en-US" sz="2400" dirty="0" smtClean="0">
+                <a:solidFill>
+                  <a:srgbClr val="FFFFFF"/>
+                </a:solidFill>
+                <a:latin typeface="Avenir Next Regular"/>
+                <a:cs typeface="Avenir Next Regular"/>
               </a:rPr>
               <a:t>, </a:t>
             </a:r>
             <a:r>
-              <a:rPr lang="en-US" i="1" dirty="0" smtClean="0">
-                <a:solidFill>
-                  <a:srgbClr val="FFFFFF"/>
-                </a:solidFill>
+              <a:rPr lang="en-US" sz="2400" i="1" dirty="0" smtClean="0">
+                <a:solidFill>
+                  <a:srgbClr val="FFFFFF"/>
+                </a:solidFill>
+                <a:latin typeface="Avenir Next Regular"/>
+                <a:cs typeface="Avenir Next Regular"/>
               </a:rPr>
               <a:t>div</a:t>
             </a:r>
-            <a:endParaRPr lang="en-US" dirty="0" smtClean="0">
+            <a:endParaRPr lang="en-US" sz="2400" dirty="0" smtClean="0">
               <a:solidFill>
                 <a:srgbClr val="FFFFFF"/>
               </a:solidFill>
+              <a:latin typeface="Avenir Next Regular"/>
+              <a:cs typeface="Avenir Next Regular"/>
             </a:endParaRPr>
           </a:p>
           <a:p>
@@ -5076,33 +5178,41 @@
               <a:buNone/>
             </a:pPr>
             <a:r>
-              <a:rPr lang="en-US" dirty="0">
-                <a:solidFill>
-                  <a:srgbClr val="FFFFFF"/>
-                </a:solidFill>
+              <a:rPr lang="en-US" sz="2400" dirty="0">
+                <a:solidFill>
+                  <a:srgbClr val="FFFFFF"/>
+                </a:solidFill>
+                <a:latin typeface="Avenir Next Regular"/>
+                <a:cs typeface="Avenir Next Regular"/>
               </a:rPr>
               <a:t>	</a:t>
             </a:r>
             <a:r>
-              <a:rPr lang="en-US" dirty="0" smtClean="0">
-                <a:solidFill>
-                  <a:srgbClr val="FFFFFF"/>
-                </a:solidFill>
+              <a:rPr lang="en-US" sz="2400" dirty="0" smtClean="0">
+                <a:solidFill>
+                  <a:srgbClr val="FFFFFF"/>
+                </a:solidFill>
+                <a:latin typeface="Avenir Next Regular"/>
+                <a:cs typeface="Avenir Next Regular"/>
               </a:rPr>
               <a:t>create </a:t>
             </a:r>
             <a:r>
-              <a:rPr lang="en-US" i="1" dirty="0" err="1" smtClean="0">
-                <a:solidFill>
-                  <a:srgbClr val="FFFFFF"/>
-                </a:solidFill>
+              <a:rPr lang="en-US" sz="2400" i="1" dirty="0" err="1" smtClean="0">
+                <a:solidFill>
+                  <a:srgbClr val="FFFFFF"/>
+                </a:solidFill>
+                <a:latin typeface="Avenir Next Regular"/>
+                <a:cs typeface="Avenir Next Regular"/>
               </a:rPr>
               <a:t>adjacencyList</a:t>
             </a:r>
-            <a:endParaRPr lang="en-US" i="1" dirty="0" smtClean="0">
+            <a:endParaRPr lang="en-US" sz="2400" i="1" dirty="0" smtClean="0">
               <a:solidFill>
                 <a:srgbClr val="FFFFFF"/>
               </a:solidFill>
+              <a:latin typeface="Avenir Next Regular"/>
+              <a:cs typeface="Avenir Next Regular"/>
             </a:endParaRPr>
           </a:p>
           <a:p>
@@ -5110,49 +5220,61 @@
               <a:buNone/>
             </a:pPr>
             <a:r>
-              <a:rPr lang="en-US" dirty="0">
-                <a:solidFill>
-                  <a:srgbClr val="FFFFFF"/>
-                </a:solidFill>
+              <a:rPr lang="en-US" sz="2400" dirty="0">
+                <a:solidFill>
+                  <a:srgbClr val="FFFFFF"/>
+                </a:solidFill>
+                <a:latin typeface="Avenir Next Regular"/>
+                <a:cs typeface="Avenir Next Regular"/>
               </a:rPr>
               <a:t>	</a:t>
             </a:r>
             <a:r>
-              <a:rPr lang="en-US" dirty="0" smtClean="0">
-                <a:solidFill>
-                  <a:srgbClr val="FFFFFF"/>
-                </a:solidFill>
+              <a:rPr lang="en-US" sz="2400" dirty="0" smtClean="0">
+                <a:solidFill>
+                  <a:srgbClr val="8EB4E3"/>
+                </a:solidFill>
+                <a:latin typeface="Avenir Next Regular"/>
+                <a:cs typeface="Avenir Next Regular"/>
               </a:rPr>
               <a:t>for </a:t>
             </a:r>
             <a:r>
-              <a:rPr lang="en-US" dirty="0" err="1" smtClean="0">
-                <a:solidFill>
-                  <a:srgbClr val="FFFFFF"/>
-                </a:solidFill>
+              <a:rPr lang="en-US" sz="2400" dirty="0" err="1" smtClean="0">
+                <a:solidFill>
+                  <a:srgbClr val="FFFFFF"/>
+                </a:solidFill>
+                <a:latin typeface="Avenir Next Regular"/>
+                <a:cs typeface="Avenir Next Regular"/>
               </a:rPr>
               <a:t>i</a:t>
             </a:r>
             <a:r>
-              <a:rPr lang="en-US" dirty="0" smtClean="0">
-                <a:solidFill>
-                  <a:srgbClr val="FFFFFF"/>
-                </a:solidFill>
+              <a:rPr lang="en-US" sz="2400" dirty="0" smtClean="0">
+                <a:solidFill>
+                  <a:srgbClr val="FFFFFF"/>
+                </a:solidFill>
+                <a:latin typeface="Avenir Next Regular"/>
+                <a:cs typeface="Avenir Next Regular"/>
               </a:rPr>
               <a:t> &lt; </a:t>
             </a:r>
             <a:r>
-              <a:rPr lang="en-US" i="1" dirty="0" err="1" smtClean="0">
-                <a:solidFill>
-                  <a:srgbClr val="FFFFFF"/>
-                </a:solidFill>
+              <a:rPr lang="en-US" sz="2400" i="1" dirty="0" err="1" smtClean="0">
+                <a:solidFill>
+                  <a:srgbClr val="FFFFFF"/>
+                </a:solidFill>
+                <a:latin typeface="Avenir Next Regular"/>
+                <a:cs typeface="Avenir Next Regular"/>
               </a:rPr>
               <a:t>maxLength</a:t>
             </a:r>
-            <a:endParaRPr lang="en-US" i="1" dirty="0" smtClean="0">
+            <a:endParaRPr lang="en-US" sz="2400" i="1" dirty="0" smtClean="0">
               <a:solidFill>
                 <a:srgbClr val="FFFFFF"/>
               </a:solidFill>
+              <a:latin typeface="Avenir Next Regular"/>
+              <a:cs typeface="Avenir Next Regular"/>
             </a:endParaRPr>
           </a:p>
           <a:p>
@@ -5160,20 +5282,57 @@
               <a:buNone/>
             </a:pPr>
             <a:r>
-              <a:rPr lang="en-US" dirty="0">
-                <a:solidFill>
-                  <a:srgbClr val="FFFFFF"/>
-                </a:solidFill>
+              <a:rPr lang="en-US" sz="2400" dirty="0">
+                <a:solidFill>
+                  <a:srgbClr val="FFFFFF"/>
+                </a:solidFill>
+                <a:latin typeface="Avenir Next Regular"/>
+                <a:cs typeface="Avenir Next Regular"/>
               </a:rPr>
               <a:t>	</a:t>
             </a:r>
             <a:r>
-              <a:rPr lang="en-US" dirty="0" smtClean="0">
-                <a:solidFill>
-                  <a:srgbClr val="FFFFFF"/>
-                </a:solidFill>
-              </a:rPr>
-              <a:t>	for j &lt; 10</a:t>
+              <a:rPr lang="en-US" sz="2400" dirty="0" smtClean="0">
+                <a:solidFill>
+                  <a:srgbClr val="FFFFFF"/>
+                </a:solidFill>
+                <a:latin typeface="Avenir Next Regular"/>
+                <a:cs typeface="Avenir Next Regular"/>
+              </a:rPr>
+              <a:t>	</a:t>
+            </a:r>
+            <a:r>
+              <a:rPr lang="en-US" sz="2400" dirty="0" smtClean="0">
+                <a:solidFill>
+                  <a:srgbClr val="8EB4E3"/>
+                </a:solidFill>
+                <a:latin typeface="Avenir Next Regular"/>
+                <a:cs typeface="Avenir Next Regular"/>
+              </a:rPr>
+              <a:t>for</a:t>
+            </a:r>
+            <a:r>
+              <a:rPr lang="en-US" sz="2400" dirty="0" smtClean="0">
+                <a:solidFill>
+                  <a:srgbClr val="FFFFFF"/>
+                </a:solidFill>
+                <a:latin typeface="Avenir Next Regular"/>
+                <a:cs typeface="Avenir Next Regular"/>
+              </a:rPr>
+              <a:t> j &lt; </a:t>
+            </a:r>
+            <a:r>
+              <a:rPr lang="en-US" sz="2400" dirty="0" smtClean="0">
+                <a:solidFill>
+                  <a:schemeClr val="accent2">
+                    <a:lumMod val="60000"/>
+                    <a:lumOff val="40000"/>
+                  </a:schemeClr>
+                </a:solidFill>
+                <a:latin typeface="Avenir Next Regular"/>
+                <a:cs typeface="Avenir Next Regular"/>
+              </a:rPr>
+              <a:t>10 </a:t>
             </a:r>
           </a:p>
           <a:p>
@@ -5181,49 +5340,61 @@
               <a:buNone/>
             </a:pPr>
             <a:r>
-              <a:rPr lang="en-US" dirty="0">
-                <a:solidFill>
-                  <a:srgbClr val="FFFFFF"/>
-                </a:solidFill>
+              <a:rPr lang="en-US" sz="2400" dirty="0">
+                <a:solidFill>
+                  <a:srgbClr val="FFFFFF"/>
+                </a:solidFill>
+                <a:latin typeface="Avenir Next Regular"/>
+                <a:cs typeface="Avenir Next Regular"/>
               </a:rPr>
               <a:t>	</a:t>
             </a:r>
             <a:r>
-              <a:rPr lang="en-US" dirty="0" smtClean="0">
-                <a:solidFill>
-                  <a:srgbClr val="FFFFFF"/>
-                </a:solidFill>
+              <a:rPr lang="en-US" sz="2400" dirty="0" smtClean="0">
+                <a:solidFill>
+                  <a:srgbClr val="FFFFFF"/>
+                </a:solidFill>
+                <a:latin typeface="Avenir Next Regular"/>
+                <a:cs typeface="Avenir Next Regular"/>
               </a:rPr>
               <a:t>		</a:t>
             </a:r>
             <a:r>
-              <a:rPr lang="en-US" dirty="0" err="1" smtClean="0">
-                <a:solidFill>
-                  <a:srgbClr val="FFFFFF"/>
-                </a:solidFill>
+              <a:rPr lang="en-US" sz="2400" dirty="0" err="1" smtClean="0">
+                <a:solidFill>
+                  <a:srgbClr val="FFFFFF"/>
+                </a:solidFill>
+                <a:latin typeface="Avenir Next Regular"/>
+                <a:cs typeface="Avenir Next Regular"/>
               </a:rPr>
               <a:t>intialize</a:t>
             </a:r>
             <a:r>
-              <a:rPr lang="en-US" dirty="0" smtClean="0">
-                <a:solidFill>
-                  <a:srgbClr val="FFFFFF"/>
-                </a:solidFill>
+              <a:rPr lang="en-US" sz="2400" dirty="0" smtClean="0">
+                <a:solidFill>
+                  <a:srgbClr val="FFFFFF"/>
+                </a:solidFill>
+                <a:latin typeface="Avenir Next Regular"/>
+                <a:cs typeface="Avenir Next Regular"/>
               </a:rPr>
               <a:t> </a:t>
             </a:r>
             <a:r>
-              <a:rPr lang="en-US" i="1" dirty="0" err="1" smtClean="0">
-                <a:solidFill>
-                  <a:srgbClr val="FFFFFF"/>
-                </a:solidFill>
+              <a:rPr lang="en-US" sz="2400" i="1" dirty="0" err="1" smtClean="0">
+                <a:solidFill>
+                  <a:srgbClr val="FFFFFF"/>
+                </a:solidFill>
+                <a:latin typeface="Avenir Next Regular"/>
+                <a:cs typeface="Avenir Next Regular"/>
               </a:rPr>
               <a:t>adjacencyList</a:t>
             </a:r>
-            <a:endParaRPr lang="en-US" i="1" dirty="0" smtClean="0">
+            <a:endParaRPr lang="en-US" sz="2400" i="1" dirty="0" smtClean="0">
               <a:solidFill>
                 <a:srgbClr val="FFFFFF"/>
               </a:solidFill>
+              <a:latin typeface="Avenir Next Regular"/>
+              <a:cs typeface="Avenir Next Regular"/>
             </a:endParaRPr>
           </a:p>
           <a:p>
@@ -5231,33 +5402,206 @@
               <a:buNone/>
             </a:pPr>
             <a:r>
-              <a:rPr lang="en-US" dirty="0">
-                <a:solidFill>
-                  <a:srgbClr val="FFFFFF"/>
-                </a:solidFill>
+              <a:rPr lang="en-US" sz="2400" dirty="0">
+                <a:solidFill>
+                  <a:srgbClr val="FFFFFF"/>
+                </a:solidFill>
+                <a:latin typeface="Avenir Next Regular"/>
+                <a:cs typeface="Avenir Next Regular"/>
               </a:rPr>
               <a:t>	</a:t>
             </a:r>
             <a:r>
-              <a:rPr lang="en-US" dirty="0" smtClean="0">
-                <a:solidFill>
-                  <a:srgbClr val="FFFFFF"/>
-                </a:solidFill>
+              <a:rPr lang="en-US" sz="2400" dirty="0" smtClean="0">
+                <a:solidFill>
+                  <a:srgbClr val="FFFFFF"/>
+                </a:solidFill>
+                <a:latin typeface="Avenir Next Regular"/>
+                <a:cs typeface="Avenir Next Regular"/>
               </a:rPr>
               <a:t>	populate </a:t>
             </a:r>
             <a:r>
-              <a:rPr lang="en-US" i="1" dirty="0" err="1" smtClean="0">
-                <a:solidFill>
-                  <a:srgbClr val="FFFFFF"/>
-                </a:solidFill>
+              <a:rPr lang="en-US" sz="2400" i="1" dirty="0" err="1" smtClean="0">
+                <a:solidFill>
+                  <a:srgbClr val="FFFFFF"/>
+                </a:solidFill>
+                <a:latin typeface="Avenir Next Regular"/>
+                <a:cs typeface="Avenir Next Regular"/>
               </a:rPr>
               <a:t>adjacencyList</a:t>
             </a:r>
-            <a:endParaRPr lang="en-US" i="1" dirty="0" smtClean="0">
+            <a:r>
+              <a:rPr lang="en-US" sz="2400" i="1" dirty="0" smtClean="0">
+                <a:solidFill>
+                  <a:srgbClr val="FFFFFF"/>
+                </a:solidFill>
+                <a:latin typeface="Avenir Next Regular"/>
+                <a:cs typeface="Avenir Next Regular"/>
+              </a:rPr>
+              <a:t> 	</a:t>
+            </a:r>
+            <a:r>
+              <a:rPr lang="en-US" sz="2400" dirty="0" smtClean="0">
+                <a:solidFill>
+                  <a:schemeClr val="bg1">
+                    <a:lumMod val="75000"/>
+                  </a:schemeClr>
+                </a:solidFill>
+                <a:latin typeface="Avenir Next Regular"/>
+                <a:cs typeface="Avenir Next Regular"/>
+              </a:rPr>
+              <a:t>//Call </a:t>
+            </a:r>
+            <a:r>
+              <a:rPr lang="en-US" sz="2400" dirty="0" err="1" smtClean="0">
+                <a:solidFill>
+                  <a:schemeClr val="bg1">
+                    <a:lumMod val="75000"/>
+                  </a:schemeClr>
+                </a:solidFill>
+                <a:latin typeface="Avenir Next Regular"/>
+                <a:cs typeface="Avenir Next Regular"/>
+              </a:rPr>
+              <a:t>popAdjList</a:t>
+            </a:r>
+            <a:r>
+              <a:rPr lang="en-US" sz="2400" dirty="0" smtClean="0">
+                <a:solidFill>
+                  <a:schemeClr val="bg1">
+                    <a:lumMod val="75000"/>
+                  </a:schemeClr>
+                </a:solidFill>
+                <a:latin typeface="Avenir Next Regular"/>
+                <a:cs typeface="Avenir Next Regular"/>
+              </a:rPr>
+              <a:t>()</a:t>
+            </a:r>
+            <a:endParaRPr lang="en-US" sz="2400" i="1" dirty="0" smtClean="0">
+              <a:solidFill>
+                <a:schemeClr val="bg1">
+                  <a:lumMod val="75000"/>
+                </a:schemeClr>
+              </a:solidFill>
+              <a:latin typeface="Avenir Next Regular"/>
+              <a:cs typeface="Avenir Next Regular"/>
+            </a:endParaRPr>
+          </a:p>
+          <a:p>
+            <a:pPr marL="0" indent="0">
+              <a:buNone/>
+            </a:pPr>
+            <a:r>
+              <a:rPr lang="en-US" sz="2400" dirty="0">
+                <a:solidFill>
+                  <a:srgbClr val="FFFFFF"/>
+                </a:solidFill>
+                <a:latin typeface="Avenir Next Regular"/>
+                <a:cs typeface="Avenir Next Regular"/>
+              </a:rPr>
+              <a:t>	</a:t>
+            </a:r>
+            <a:r>
+              <a:rPr lang="en-US" sz="2400" dirty="0" smtClean="0">
+                <a:solidFill>
+                  <a:srgbClr val="FFFFFF"/>
+                </a:solidFill>
+                <a:latin typeface="Avenir Next Regular"/>
+                <a:cs typeface="Avenir Next Regular"/>
+              </a:rPr>
+              <a:t>	repopulate </a:t>
+            </a:r>
+            <a:r>
+              <a:rPr lang="en-US" sz="2400" i="1" dirty="0" smtClean="0">
+                <a:solidFill>
+                  <a:srgbClr val="FFFFFF"/>
+                </a:solidFill>
+                <a:latin typeface="Avenir Next Regular"/>
+                <a:cs typeface="Avenir Next Regular"/>
+              </a:rPr>
+              <a:t>array			</a:t>
+            </a:r>
+            <a:r>
+              <a:rPr lang="en-US" sz="2400" dirty="0" smtClean="0">
+                <a:solidFill>
+                  <a:srgbClr val="BFBFBF"/>
+                </a:solidFill>
+                <a:latin typeface="Avenir Next Regular"/>
+                <a:cs typeface="Avenir Next Regular"/>
+              </a:rPr>
+              <a:t>//Call </a:t>
+            </a:r>
+            <a:r>
+              <a:rPr lang="en-US" sz="2400" dirty="0" err="1" smtClean="0">
+                <a:solidFill>
+                  <a:srgbClr val="BFBFBF"/>
+                </a:solidFill>
+                <a:latin typeface="Avenir Next Regular"/>
+                <a:cs typeface="Avenir Next Regular"/>
+              </a:rPr>
+              <a:t>repopArray</a:t>
+            </a:r>
+            <a:r>
+              <a:rPr lang="en-US" sz="2400" dirty="0" smtClean="0">
+                <a:solidFill>
+                  <a:srgbClr val="BFBFBF"/>
+                </a:solidFill>
+                <a:latin typeface="Avenir Next Regular"/>
+                <a:cs typeface="Avenir Next Regular"/>
+              </a:rPr>
+              <a:t>()</a:t>
+            </a:r>
+            <a:endParaRPr lang="en-US" sz="2400" i="1" dirty="0" smtClean="0">
+              <a:solidFill>
+                <a:srgbClr val="BFBFBF"/>
+              </a:solidFill>
+              <a:latin typeface="Avenir Next Regular"/>
+              <a:cs typeface="Avenir Next Regular"/>
+            </a:endParaRPr>
+          </a:p>
+          <a:p>
+            <a:pPr marL="0" indent="0">
+              <a:buNone/>
+            </a:pPr>
+            <a:r>
+              <a:rPr lang="en-US" sz="2400" i="1" dirty="0">
+                <a:solidFill>
+                  <a:srgbClr val="FFFFFF"/>
+                </a:solidFill>
+                <a:latin typeface="Avenir Next Regular"/>
+                <a:cs typeface="Avenir Next Regular"/>
+              </a:rPr>
+              <a:t>	</a:t>
+            </a:r>
+            <a:r>
+              <a:rPr lang="en-US" sz="2400" dirty="0" smtClean="0">
+                <a:solidFill>
+                  <a:schemeClr val="tx2">
+                    <a:lumMod val="40000"/>
+                    <a:lumOff val="60000"/>
+                  </a:schemeClr>
+                </a:solidFill>
+                <a:latin typeface="Avenir Next Regular"/>
+                <a:cs typeface="Avenir Next Regular"/>
+              </a:rPr>
+              <a:t>delete </a:t>
+            </a:r>
+            <a:r>
+              <a:rPr lang="en-US" sz="2400" i="1" dirty="0" err="1" smtClean="0">
+                <a:solidFill>
+                  <a:srgbClr val="FFFFFF"/>
+                </a:solidFill>
+                <a:latin typeface="Avenir Next Regular"/>
+                <a:cs typeface="Avenir Next Regular"/>
+              </a:rPr>
+              <a:t>adjacencyList</a:t>
+            </a:r>
+            <a:endParaRPr lang="en-US" sz="2400" i="1" dirty="0" smtClean="0">
               <a:solidFill>
                 <a:srgbClr val="FFFFFF"/>
               </a:solidFill>
+              <a:latin typeface="Avenir Next Regular"/>
+              <a:cs typeface="Avenir Next Regular"/>
             </a:endParaRPr>
           </a:p>
           <a:p>
@@ -5265,93 +5609,31 @@
               <a:buNone/>
             </a:pPr>
             <a:r>
-              <a:rPr lang="en-US" dirty="0">
-                <a:solidFill>
-                  <a:srgbClr val="FFFFFF"/>
-                </a:solidFill>
+              <a:rPr lang="en-US" sz="2400" i="1" dirty="0">
+                <a:solidFill>
+                  <a:srgbClr val="FFFFFF"/>
+                </a:solidFill>
+                <a:latin typeface="Avenir Next Regular"/>
+                <a:cs typeface="Avenir Next Regular"/>
               </a:rPr>
               <a:t>	</a:t>
             </a:r>
             <a:r>
-              <a:rPr lang="en-US" dirty="0" smtClean="0">
-                <a:solidFill>
-                  <a:srgbClr val="FFFFFF"/>
-                </a:solidFill>
-              </a:rPr>
-              <a:t>	repopulate </a:t>
-            </a:r>
-            <a:r>
-              <a:rPr lang="en-US" i="1" dirty="0" err="1" smtClean="0">
-                <a:solidFill>
-                  <a:srgbClr val="FFFFFF"/>
-                </a:solidFill>
-              </a:rPr>
-              <a:t>arrray</a:t>
-            </a:r>
-            <a:endParaRPr lang="en-US" i="1" dirty="0" smtClean="0">
+              <a:rPr lang="en-US" sz="2400" dirty="0" smtClean="0">
+                <a:solidFill>
+                  <a:srgbClr val="FFFFFF"/>
+                </a:solidFill>
+                <a:latin typeface="Avenir Next Regular"/>
+                <a:cs typeface="Avenir Next Regular"/>
+              </a:rPr>
+              <a:t>update mod, div</a:t>
+            </a:r>
+            <a:endParaRPr lang="en-US" sz="2400" i="1" dirty="0" smtClean="0">
               <a:solidFill>
                 <a:srgbClr val="FFFFFF"/>
               </a:solidFill>
-            </a:endParaRPr>
-          </a:p>
-          <a:p>
-            <a:pPr marL="0" indent="0">
-              <a:buNone/>
-            </a:pPr>
-            <a:r>
-              <a:rPr lang="en-US" i="1" dirty="0">
-                <a:solidFill>
-                  <a:srgbClr val="FFFFFF"/>
-                </a:solidFill>
-              </a:rPr>
-              <a:t>	</a:t>
-            </a:r>
-            <a:r>
-              <a:rPr lang="en-US" dirty="0" smtClean="0">
-                <a:solidFill>
-                  <a:srgbClr val="FFFFFF"/>
-                </a:solidFill>
-              </a:rPr>
-              <a:t>delete </a:t>
-            </a:r>
-            <a:r>
-              <a:rPr lang="en-US" i="1" dirty="0" err="1" smtClean="0">
-                <a:solidFill>
-                  <a:srgbClr val="FFFFFF"/>
-                </a:solidFill>
-              </a:rPr>
-              <a:t>adjacencyList</a:t>
-            </a:r>
-            <a:endParaRPr lang="en-US" i="1" dirty="0" smtClean="0">
-              <a:solidFill>
-                <a:srgbClr val="FFFFFF"/>
-              </a:solidFill>
-            </a:endParaRPr>
-          </a:p>
-          <a:p>
-            <a:pPr marL="0" indent="0">
-              <a:buNone/>
-            </a:pPr>
-            <a:r>
-              <a:rPr lang="en-US" i="1" dirty="0">
-                <a:solidFill>
-                  <a:srgbClr val="FFFFFF"/>
-                </a:solidFill>
-              </a:rPr>
-              <a:t>	</a:t>
-            </a:r>
-            <a:r>
-              <a:rPr lang="en-US" dirty="0" smtClean="0">
-                <a:solidFill>
-                  <a:srgbClr val="FFFFFF"/>
-                </a:solidFill>
-              </a:rPr>
-              <a:t>update mod, div</a:t>
-            </a:r>
-            <a:endParaRPr lang="en-US" i="1" dirty="0" smtClean="0">
-              <a:solidFill>
-                <a:srgbClr val="FFFFFF"/>
-              </a:solidFill>
+              <a:latin typeface="Avenir Next Regular"/>
+              <a:cs typeface="Avenir Next Regular"/>
             </a:endParaRPr>
           </a:p>
         </p:txBody>
@@ -5406,6 +5688,8 @@
                 <a:solidFill>
                   <a:srgbClr val="FFFFFF"/>
                 </a:solidFill>
+                <a:latin typeface="Avenir Next Regular"/>
+                <a:cs typeface="Avenir Next Regular"/>
               </a:rPr>
               <a:t>Complexity</a:t>
             </a:r>
@@ -5413,6 +5697,8 @@
               <a:solidFill>
                 <a:srgbClr val="FFFFFF"/>
               </a:solidFill>
+              <a:latin typeface="Avenir Next Regular"/>
+              <a:cs typeface="Avenir Next Regular"/>
             </a:endParaRPr>
           </a:p>
         </p:txBody>
@@ -5437,6 +5723,8 @@
                 <a:solidFill>
                   <a:srgbClr val="FFFFFF"/>
                 </a:solidFill>
+                <a:latin typeface="Avenir Next Regular"/>
+                <a:cs typeface="Avenir Next Regular"/>
               </a:rPr>
               <a:t>O(</a:t>
             </a:r>
@@ -5445,6 +5733,8 @@
                 <a:solidFill>
                   <a:srgbClr val="FFFFFF"/>
                 </a:solidFill>
+                <a:latin typeface="Avenir Next Regular"/>
+                <a:cs typeface="Avenir Next Regular"/>
               </a:rPr>
               <a:t>kn</a:t>
             </a:r>
@@ -5453,6 +5743,8 @@
                 <a:solidFill>
                   <a:srgbClr val="FFFFFF"/>
                 </a:solidFill>
+                <a:latin typeface="Avenir Next Regular"/>
+                <a:cs typeface="Avenir Next Regular"/>
               </a:rPr>
               <a:t>)</a:t>
             </a:r>
@@ -5460,6 +5752,8 @@
               <a:solidFill>
                 <a:srgbClr val="FFFFFF"/>
               </a:solidFill>
+              <a:latin typeface="Avenir Next Regular"/>
+              <a:cs typeface="Avenir Next Regular"/>
             </a:endParaRPr>
           </a:p>
         </p:txBody>
@@ -5514,6 +5808,8 @@
                 <a:solidFill>
                   <a:srgbClr val="FFFFFF"/>
                 </a:solidFill>
+                <a:latin typeface="Avenir Next Regular"/>
+                <a:cs typeface="Avenir Next Regular"/>
               </a:rPr>
               <a:t>Test Results</a:t>
             </a:r>
@@ -5521,6 +5817,8 @@
               <a:solidFill>
                 <a:srgbClr val="FFFFFF"/>
               </a:solidFill>
+              <a:latin typeface="Avenir Next Regular"/>
+              <a:cs typeface="Avenir Next Regular"/>
             </a:endParaRPr>
           </a:p>
         </p:txBody>
@@ -5545,6 +5843,8 @@
                 <a:solidFill>
                   <a:srgbClr val="FFFFFF"/>
                 </a:solidFill>
+                <a:latin typeface="Avenir Next Regular"/>
+                <a:cs typeface="Avenir Next Regular"/>
               </a:rPr>
               <a:t>Best </a:t>
             </a:r>
@@ -5553,6 +5853,8 @@
                 <a:solidFill>
                   <a:srgbClr val="FFFFFF"/>
                 </a:solidFill>
+                <a:latin typeface="Avenir Next Regular"/>
+                <a:cs typeface="Avenir Next Regular"/>
               </a:rPr>
               <a:t>d</a:t>
             </a:r>
@@ -5561,6 +5863,8 @@
                 <a:solidFill>
                   <a:srgbClr val="FFFFFF"/>
                 </a:solidFill>
+                <a:latin typeface="Avenir Next Regular"/>
+                <a:cs typeface="Avenir Next Regular"/>
               </a:rPr>
               <a:t> for 100 digit decimal</a:t>
             </a:r>
@@ -5571,6 +5875,8 @@
                 <a:solidFill>
                   <a:srgbClr val="FFFFFF"/>
                 </a:solidFill>
+                <a:latin typeface="Avenir Next Regular"/>
+                <a:cs typeface="Avenir Next Regular"/>
               </a:rPr>
               <a:t>Best </a:t>
             </a:r>
@@ -5579,6 +5885,8 @@
                 <a:solidFill>
                   <a:srgbClr val="FFFFFF"/>
                 </a:solidFill>
+                <a:latin typeface="Avenir Next Regular"/>
+                <a:cs typeface="Avenir Next Regular"/>
               </a:rPr>
               <a:t>d</a:t>
             </a:r>
@@ -5587,6 +5895,8 @@
                 <a:solidFill>
                   <a:srgbClr val="FFFFFF"/>
                 </a:solidFill>
+                <a:latin typeface="Avenir Next Regular"/>
+                <a:cs typeface="Avenir Next Regular"/>
               </a:rPr>
               <a:t> for 20 digit decimal</a:t>
             </a:r>
@@ -5597,6 +5907,8 @@
                 <a:solidFill>
                   <a:srgbClr val="FFFFFF"/>
                 </a:solidFill>
+                <a:latin typeface="Avenir Next Regular"/>
+                <a:cs typeface="Avenir Next Regular"/>
               </a:rPr>
               <a:t>Best </a:t>
             </a:r>
@@ -5605,6 +5917,8 @@
                 <a:solidFill>
                   <a:srgbClr val="FFFFFF"/>
                 </a:solidFill>
+                <a:latin typeface="Avenir Next Regular"/>
+                <a:cs typeface="Avenir Next Regular"/>
               </a:rPr>
               <a:t>d </a:t>
             </a:r>
@@ -5613,6 +5927,8 @@
                 <a:solidFill>
                   <a:srgbClr val="FFFFFF"/>
                 </a:solidFill>
+                <a:latin typeface="Avenir Next Regular"/>
+                <a:cs typeface="Avenir Next Regular"/>
               </a:rPr>
               <a:t>for 10 digit decimal</a:t>
             </a:r>
@@ -5620,6 +5936,8 @@
               <a:solidFill>
                 <a:srgbClr val="FFFFFF"/>
               </a:solidFill>
+              <a:latin typeface="Avenir Next Regular"/>
+              <a:cs typeface="Avenir Next Regular"/>
             </a:endParaRPr>
           </a:p>
         </p:txBody>
@@ -5666,13 +5984,13 @@
         </p:nvSpPr>
         <p:spPr>
           <a:xfrm>
-            <a:off x="457200" y="2724786"/>
-            <a:ext cx="8229600" cy="1143000"/>
+            <a:off x="457200" y="1995954"/>
+            <a:ext cx="8229600" cy="2457828"/>
           </a:xfrm>
         </p:spPr>
         <p:txBody>
           <a:bodyPr>
-            <a:normAutofit fontScale="90000"/>
+            <a:normAutofit/>
           </a:bodyPr>
           <a:lstStyle/>
           <a:p>
@@ -5681,6 +5999,8 @@
                 <a:solidFill>
                   <a:srgbClr val="FFFFFF"/>
                 </a:solidFill>
+                <a:latin typeface="Avenir Next Regular"/>
+                <a:cs typeface="Avenir Next Regular"/>
               </a:rPr>
               <a:t>Thank you</a:t>
             </a:r>
@@ -5689,6 +6009,8 @@
                 <a:solidFill>
                   <a:srgbClr val="FFFFFF"/>
                 </a:solidFill>
+                <a:latin typeface="Avenir Next Regular"/>
+                <a:cs typeface="Avenir Next Regular"/>
               </a:rPr>
             </a:br>
             <a:r>
@@ -5696,6 +6018,8 @@
                 <a:solidFill>
                   <a:srgbClr val="FFFFFF"/>
                 </a:solidFill>
+                <a:latin typeface="Avenir Next Regular"/>
+                <a:cs typeface="Avenir Next Regular"/>
               </a:rPr>
               <a:t/>
             </a:r>
@@ -5704,6 +6028,8 @@
                 <a:solidFill>
                   <a:srgbClr val="FFFFFF"/>
                 </a:solidFill>
+                <a:latin typeface="Avenir Next Regular"/>
+                <a:cs typeface="Avenir Next Regular"/>
               </a:rPr>
             </a:br>
             <a:r>
@@ -5711,6 +6037,8 @@
                 <a:solidFill>
                   <a:srgbClr val="FFFFFF"/>
                 </a:solidFill>
+                <a:latin typeface="Avenir Next Regular"/>
+                <a:cs typeface="Avenir Next Regular"/>
               </a:rPr>
               <a:t>Questions/Comments?</a:t>
             </a:r>
@@ -5718,6 +6046,8 @@
               <a:solidFill>
                 <a:srgbClr val="FFFFFF"/>
               </a:solidFill>
+              <a:latin typeface="Avenir Next Regular"/>
+              <a:cs typeface="Avenir Next Regular"/>
             </a:endParaRPr>
           </a:p>
         </p:txBody>

--- a/presentation.pptx
+++ b/presentation.pptx
@@ -4857,37 +4857,7 @@
                 <a:latin typeface="Avenir Next Regular"/>
                 <a:cs typeface="Avenir Next Regular"/>
               </a:rPr>
-              <a:t>nderstanding </a:t>
-            </a:r>
-            <a:r>
-              <a:rPr lang="en-US" dirty="0" smtClean="0">
-                <a:solidFill>
-                  <a:srgbClr val="FFFFFF"/>
-                </a:solidFill>
-                <a:latin typeface="Avenir Next Regular"/>
-                <a:cs typeface="Avenir Next Regular"/>
-              </a:rPr>
-              <a:t>the</a:t>
-            </a:r>
-            <a:r>
-              <a:rPr lang="en-US" dirty="0" smtClean="0">
-                <a:solidFill>
-                  <a:srgbClr val="FFFFFF"/>
-                </a:solidFill>
-                <a:latin typeface="Avenir Next Regular"/>
-                <a:cs typeface="Avenir Next Regular"/>
-              </a:rPr>
-              <a:t> </a:t>
-            </a:r>
-            <a:r>
-              <a:rPr lang="en-US" dirty="0" smtClean="0">
-                <a:solidFill>
-                  <a:srgbClr val="FFFFFF"/>
-                </a:solidFill>
-                <a:latin typeface="Avenir Next Regular"/>
-                <a:cs typeface="Avenir Next Regular"/>
-              </a:rPr>
-              <a:t>Algorithm</a:t>
+              <a:t>nderstanding the Algorithm</a:t>
             </a:r>
             <a:endParaRPr lang="en-US" dirty="0">
               <a:solidFill>
@@ -4947,6 +4917,8 @@
               </a:rPr>
               <a:t>d</a:t>
             </a:r>
+          </a:p>
+          <a:p>
             <a:endParaRPr lang="en-US" dirty="0">
               <a:solidFill>
                 <a:schemeClr val="bg1"/>
@@ -5085,7 +5057,7 @@
               <a:t>maxLength</a:t>
             </a:r>
             <a:r>
-              <a:rPr lang="en-US" sz="2400" dirty="0" smtClean="0">
+              <a:rPr lang="en-US" sz="2400" smtClean="0">
                 <a:solidFill>
                   <a:srgbClr val="FFFFFF"/>
                 </a:solidFill>
@@ -5094,541 +5066,7 @@
               </a:rPr>
               <a:t>)</a:t>
             </a:r>
-          </a:p>
-          <a:p>
-            <a:pPr marL="0" indent="0">
-              <a:buNone/>
-            </a:pPr>
-            <a:r>
-              <a:rPr lang="en-US" sz="2400" dirty="0">
-                <a:solidFill>
-                  <a:srgbClr val="FFFFFF"/>
-                </a:solidFill>
-                <a:latin typeface="Avenir Next Regular"/>
-                <a:cs typeface="Avenir Next Regular"/>
-              </a:rPr>
-              <a:t>	</a:t>
-            </a:r>
-            <a:r>
-              <a:rPr lang="en-US" sz="2400" dirty="0" err="1" smtClean="0">
-                <a:solidFill>
-                  <a:schemeClr val="accent6">
-                    <a:lumMod val="40000"/>
-                    <a:lumOff val="60000"/>
-                  </a:schemeClr>
-                </a:solidFill>
-                <a:latin typeface="Avenir Next Regular"/>
-                <a:cs typeface="Avenir Next Regular"/>
-              </a:rPr>
-              <a:t>int</a:t>
-            </a:r>
-            <a:r>
-              <a:rPr lang="en-US" sz="2400" dirty="0">
-                <a:solidFill>
-                  <a:schemeClr val="accent6">
-                    <a:lumMod val="40000"/>
-                    <a:lumOff val="60000"/>
-                  </a:schemeClr>
-                </a:solidFill>
-                <a:latin typeface="Avenir Next Regular"/>
-                <a:cs typeface="Avenir Next Regular"/>
-              </a:rPr>
-              <a:t> </a:t>
-            </a:r>
-            <a:r>
-              <a:rPr lang="en-US" sz="2400" i="1" dirty="0" smtClean="0">
-                <a:solidFill>
-                  <a:srgbClr val="FFFFFF"/>
-                </a:solidFill>
-                <a:latin typeface="Avenir Next Regular"/>
-                <a:cs typeface="Avenir Next Regular"/>
-              </a:rPr>
-              <a:t>mod</a:t>
-            </a:r>
-            <a:r>
-              <a:rPr lang="en-US" sz="2400" dirty="0" smtClean="0">
-                <a:solidFill>
-                  <a:srgbClr val="FFFFFF"/>
-                </a:solidFill>
-                <a:latin typeface="Avenir Next Regular"/>
-                <a:cs typeface="Avenir Next Regular"/>
-              </a:rPr>
-              <a:t>, </a:t>
-            </a:r>
-            <a:r>
-              <a:rPr lang="en-US" sz="2400" i="1" dirty="0" smtClean="0">
-                <a:solidFill>
-                  <a:srgbClr val="FFFFFF"/>
-                </a:solidFill>
-                <a:latin typeface="Avenir Next Regular"/>
-                <a:cs typeface="Avenir Next Regular"/>
-              </a:rPr>
-              <a:t>div</a:t>
-            </a:r>
             <a:endParaRPr lang="en-US" sz="2400" dirty="0" smtClean="0">
-              <a:solidFill>
-                <a:srgbClr val="FFFFFF"/>
-              </a:solidFill>
-              <a:latin typeface="Avenir Next Regular"/>
-              <a:cs typeface="Avenir Next Regular"/>
-            </a:endParaRPr>
-          </a:p>
-          <a:p>
-            <a:pPr marL="0" indent="0">
-              <a:buNone/>
-            </a:pPr>
-            <a:r>
-              <a:rPr lang="en-US" sz="2400" dirty="0">
-                <a:solidFill>
-                  <a:srgbClr val="FFFFFF"/>
-                </a:solidFill>
-                <a:latin typeface="Avenir Next Regular"/>
-                <a:cs typeface="Avenir Next Regular"/>
-              </a:rPr>
-              <a:t>	</a:t>
-            </a:r>
-            <a:r>
-              <a:rPr lang="en-US" sz="2400" dirty="0" smtClean="0">
-                <a:solidFill>
-                  <a:srgbClr val="FFFFFF"/>
-                </a:solidFill>
-                <a:latin typeface="Avenir Next Regular"/>
-                <a:cs typeface="Avenir Next Regular"/>
-              </a:rPr>
-              <a:t>create </a:t>
-            </a:r>
-            <a:r>
-              <a:rPr lang="en-US" sz="2400" i="1" dirty="0" err="1" smtClean="0">
-                <a:solidFill>
-                  <a:srgbClr val="FFFFFF"/>
-                </a:solidFill>
-                <a:latin typeface="Avenir Next Regular"/>
-                <a:cs typeface="Avenir Next Regular"/>
-              </a:rPr>
-              <a:t>adjacencyList</a:t>
-            </a:r>
-            <a:endParaRPr lang="en-US" sz="2400" i="1" dirty="0" smtClean="0">
-              <a:solidFill>
-                <a:srgbClr val="FFFFFF"/>
-              </a:solidFill>
-              <a:latin typeface="Avenir Next Regular"/>
-              <a:cs typeface="Avenir Next Regular"/>
-            </a:endParaRPr>
-          </a:p>
-          <a:p>
-            <a:pPr marL="0" indent="0">
-              <a:buNone/>
-            </a:pPr>
-            <a:r>
-              <a:rPr lang="en-US" sz="2400" dirty="0">
-                <a:solidFill>
-                  <a:srgbClr val="FFFFFF"/>
-                </a:solidFill>
-                <a:latin typeface="Avenir Next Regular"/>
-                <a:cs typeface="Avenir Next Regular"/>
-              </a:rPr>
-              <a:t>	</a:t>
-            </a:r>
-            <a:r>
-              <a:rPr lang="en-US" sz="2400" dirty="0" smtClean="0">
-                <a:solidFill>
-                  <a:srgbClr val="8EB4E3"/>
-                </a:solidFill>
-                <a:latin typeface="Avenir Next Regular"/>
-                <a:cs typeface="Avenir Next Regular"/>
-              </a:rPr>
-              <a:t>for </a:t>
-            </a:r>
-            <a:r>
-              <a:rPr lang="en-US" sz="2400" dirty="0" err="1" smtClean="0">
-                <a:solidFill>
-                  <a:srgbClr val="FFFFFF"/>
-                </a:solidFill>
-                <a:latin typeface="Avenir Next Regular"/>
-                <a:cs typeface="Avenir Next Regular"/>
-              </a:rPr>
-              <a:t>i</a:t>
-            </a:r>
-            <a:r>
-              <a:rPr lang="en-US" sz="2400" dirty="0" smtClean="0">
-                <a:solidFill>
-                  <a:srgbClr val="FFFFFF"/>
-                </a:solidFill>
-                <a:latin typeface="Avenir Next Regular"/>
-                <a:cs typeface="Avenir Next Regular"/>
-              </a:rPr>
-              <a:t> &lt; </a:t>
-            </a:r>
-            <a:r>
-              <a:rPr lang="en-US" sz="2400" i="1" dirty="0" err="1" smtClean="0">
-                <a:solidFill>
-                  <a:srgbClr val="FFFFFF"/>
-                </a:solidFill>
-                <a:latin typeface="Avenir Next Regular"/>
-                <a:cs typeface="Avenir Next Regular"/>
-              </a:rPr>
-              <a:t>maxLength</a:t>
-            </a:r>
-            <a:endParaRPr lang="en-US" sz="2400" i="1" dirty="0" smtClean="0">
-              <a:solidFill>
-                <a:srgbClr val="FFFFFF"/>
-              </a:solidFill>
-              <a:latin typeface="Avenir Next Regular"/>
-              <a:cs typeface="Avenir Next Regular"/>
-            </a:endParaRPr>
-          </a:p>
-          <a:p>
-            <a:pPr marL="0" indent="0">
-              <a:buNone/>
-            </a:pPr>
-            <a:r>
-              <a:rPr lang="en-US" sz="2400" dirty="0">
-                <a:solidFill>
-                  <a:srgbClr val="FFFFFF"/>
-                </a:solidFill>
-                <a:latin typeface="Avenir Next Regular"/>
-                <a:cs typeface="Avenir Next Regular"/>
-              </a:rPr>
-              <a:t>	</a:t>
-            </a:r>
-            <a:r>
-              <a:rPr lang="en-US" sz="2400" dirty="0" smtClean="0">
-                <a:solidFill>
-                  <a:srgbClr val="FFFFFF"/>
-                </a:solidFill>
-                <a:latin typeface="Avenir Next Regular"/>
-                <a:cs typeface="Avenir Next Regular"/>
-              </a:rPr>
-              <a:t>	</a:t>
-            </a:r>
-            <a:r>
-              <a:rPr lang="en-US" sz="2400" dirty="0" smtClean="0">
-                <a:solidFill>
-                  <a:srgbClr val="8EB4E3"/>
-                </a:solidFill>
-                <a:latin typeface="Avenir Next Regular"/>
-                <a:cs typeface="Avenir Next Regular"/>
-              </a:rPr>
-              <a:t>for</a:t>
-            </a:r>
-            <a:r>
-              <a:rPr lang="en-US" sz="2400" dirty="0" smtClean="0">
-                <a:solidFill>
-                  <a:srgbClr val="FFFFFF"/>
-                </a:solidFill>
-                <a:latin typeface="Avenir Next Regular"/>
-                <a:cs typeface="Avenir Next Regular"/>
-              </a:rPr>
-              <a:t> j &lt; </a:t>
-            </a:r>
-            <a:r>
-              <a:rPr lang="en-US" sz="2400" dirty="0" smtClean="0">
-                <a:solidFill>
-                  <a:schemeClr val="accent2">
-                    <a:lumMod val="60000"/>
-                    <a:lumOff val="40000"/>
-                  </a:schemeClr>
-                </a:solidFill>
-                <a:latin typeface="Avenir Next Regular"/>
-                <a:cs typeface="Avenir Next Regular"/>
-              </a:rPr>
-              <a:t>10 </a:t>
-            </a:r>
-          </a:p>
-          <a:p>
-            <a:pPr marL="0" indent="0">
-              <a:buNone/>
-            </a:pPr>
-            <a:r>
-              <a:rPr lang="en-US" sz="2400" dirty="0">
-                <a:solidFill>
-                  <a:srgbClr val="FFFFFF"/>
-                </a:solidFill>
-                <a:latin typeface="Avenir Next Regular"/>
-                <a:cs typeface="Avenir Next Regular"/>
-              </a:rPr>
-              <a:t>	</a:t>
-            </a:r>
-            <a:r>
-              <a:rPr lang="en-US" sz="2400" dirty="0" smtClean="0">
-                <a:solidFill>
-                  <a:srgbClr val="FFFFFF"/>
-                </a:solidFill>
-                <a:latin typeface="Avenir Next Regular"/>
-                <a:cs typeface="Avenir Next Regular"/>
-              </a:rPr>
-              <a:t>		</a:t>
-            </a:r>
-            <a:r>
-              <a:rPr lang="en-US" sz="2400" dirty="0" err="1" smtClean="0">
-                <a:solidFill>
-                  <a:srgbClr val="FFFFFF"/>
-                </a:solidFill>
-                <a:latin typeface="Avenir Next Regular"/>
-                <a:cs typeface="Avenir Next Regular"/>
-              </a:rPr>
-              <a:t>intialize</a:t>
-            </a:r>
-            <a:r>
-              <a:rPr lang="en-US" sz="2400" dirty="0" smtClean="0">
-                <a:solidFill>
-                  <a:srgbClr val="FFFFFF"/>
-                </a:solidFill>
-                <a:latin typeface="Avenir Next Regular"/>
-                <a:cs typeface="Avenir Next Regular"/>
-              </a:rPr>
-              <a:t> </a:t>
-            </a:r>
-            <a:r>
-              <a:rPr lang="en-US" sz="2400" i="1" dirty="0" err="1" smtClean="0">
-                <a:solidFill>
-                  <a:srgbClr val="FFFFFF"/>
-                </a:solidFill>
-                <a:latin typeface="Avenir Next Regular"/>
-                <a:cs typeface="Avenir Next Regular"/>
-              </a:rPr>
-              <a:t>adjacencyList</a:t>
-            </a:r>
-            <a:endParaRPr lang="en-US" sz="2400" i="1" dirty="0" smtClean="0">
-              <a:solidFill>
-                <a:srgbClr val="FFFFFF"/>
-              </a:solidFill>
-              <a:latin typeface="Avenir Next Regular"/>
-              <a:cs typeface="Avenir Next Regular"/>
-            </a:endParaRPr>
-          </a:p>
-          <a:p>
-            <a:pPr marL="0" indent="0">
-              <a:buNone/>
-            </a:pPr>
-            <a:r>
-              <a:rPr lang="en-US" sz="2400" dirty="0">
-                <a:solidFill>
-                  <a:srgbClr val="FFFFFF"/>
-                </a:solidFill>
-                <a:latin typeface="Avenir Next Regular"/>
-                <a:cs typeface="Avenir Next Regular"/>
-              </a:rPr>
-              <a:t>	</a:t>
-            </a:r>
-            <a:r>
-              <a:rPr lang="en-US" sz="2400" dirty="0" smtClean="0">
-                <a:solidFill>
-                  <a:srgbClr val="FFFFFF"/>
-                </a:solidFill>
-                <a:latin typeface="Avenir Next Regular"/>
-                <a:cs typeface="Avenir Next Regular"/>
-              </a:rPr>
-              <a:t>	populate </a:t>
-            </a:r>
-            <a:r>
-              <a:rPr lang="en-US" sz="2400" i="1" dirty="0" err="1" smtClean="0">
-                <a:solidFill>
-                  <a:srgbClr val="FFFFFF"/>
-                </a:solidFill>
-                <a:latin typeface="Avenir Next Regular"/>
-                <a:cs typeface="Avenir Next Regular"/>
-              </a:rPr>
-              <a:t>adjacencyList</a:t>
-            </a:r>
-            <a:r>
-              <a:rPr lang="en-US" sz="2400" i="1" dirty="0" smtClean="0">
-                <a:solidFill>
-                  <a:srgbClr val="FFFFFF"/>
-                </a:solidFill>
-                <a:latin typeface="Avenir Next Regular"/>
-                <a:cs typeface="Avenir Next Regular"/>
-              </a:rPr>
-              <a:t> 	</a:t>
-            </a:r>
-            <a:r>
-              <a:rPr lang="en-US" sz="2400" dirty="0" smtClean="0">
-                <a:solidFill>
-                  <a:schemeClr val="bg1">
-                    <a:lumMod val="75000"/>
-                  </a:schemeClr>
-                </a:solidFill>
-                <a:latin typeface="Avenir Next Regular"/>
-                <a:cs typeface="Avenir Next Regular"/>
-              </a:rPr>
-              <a:t>//Call </a:t>
-            </a:r>
-            <a:r>
-              <a:rPr lang="en-US" sz="2400" dirty="0" err="1" smtClean="0">
-                <a:solidFill>
-                  <a:schemeClr val="bg1">
-                    <a:lumMod val="75000"/>
-                  </a:schemeClr>
-                </a:solidFill>
-                <a:latin typeface="Avenir Next Regular"/>
-                <a:cs typeface="Avenir Next Regular"/>
-              </a:rPr>
-              <a:t>popAdjList</a:t>
-            </a:r>
-            <a:r>
-              <a:rPr lang="en-US" sz="2400" dirty="0" smtClean="0">
-                <a:solidFill>
-                  <a:schemeClr val="bg1">
-                    <a:lumMod val="75000"/>
-                  </a:schemeClr>
-                </a:solidFill>
-                <a:latin typeface="Avenir Next Regular"/>
-                <a:cs typeface="Avenir Next Regular"/>
-              </a:rPr>
-              <a:t>()</a:t>
-            </a:r>
-            <a:endParaRPr lang="en-US" sz="2400" i="1" dirty="0" smtClean="0">
-              <a:solidFill>
-                <a:schemeClr val="bg1">
-                  <a:lumMod val="75000"/>
-                </a:schemeClr>
-              </a:solidFill>
-              <a:latin typeface="Avenir Next Regular"/>
-              <a:cs typeface="Avenir Next Regular"/>
-            </a:endParaRPr>
-          </a:p>
-          <a:p>
-            <a:pPr marL="0" indent="0">
-              <a:buNone/>
-            </a:pPr>
-            <a:r>
-              <a:rPr lang="en-US" sz="2400" dirty="0">
-                <a:solidFill>
-                  <a:srgbClr val="FFFFFF"/>
-                </a:solidFill>
-                <a:latin typeface="Avenir Next Regular"/>
-                <a:cs typeface="Avenir Next Regular"/>
-              </a:rPr>
-              <a:t>	</a:t>
-            </a:r>
-            <a:r>
-              <a:rPr lang="en-US" sz="2400" dirty="0" smtClean="0">
-                <a:solidFill>
-                  <a:srgbClr val="FFFFFF"/>
-                </a:solidFill>
-                <a:latin typeface="Avenir Next Regular"/>
-                <a:cs typeface="Avenir Next Regular"/>
-              </a:rPr>
-              <a:t>	repopulate </a:t>
-            </a:r>
-            <a:r>
-              <a:rPr lang="en-US" sz="2400" i="1" dirty="0" smtClean="0">
-                <a:solidFill>
-                  <a:srgbClr val="FFFFFF"/>
-                </a:solidFill>
-                <a:latin typeface="Avenir Next Regular"/>
-                <a:cs typeface="Avenir Next Regular"/>
-              </a:rPr>
-              <a:t>array			</a:t>
-            </a:r>
-            <a:r>
-              <a:rPr lang="en-US" sz="2400" dirty="0" smtClean="0">
-                <a:solidFill>
-                  <a:srgbClr val="BFBFBF"/>
-                </a:solidFill>
-                <a:latin typeface="Avenir Next Regular"/>
-                <a:cs typeface="Avenir Next Regular"/>
-              </a:rPr>
-              <a:t>//Call </a:t>
-            </a:r>
-            <a:r>
-              <a:rPr lang="en-US" sz="2400" dirty="0" err="1" smtClean="0">
-                <a:solidFill>
-                  <a:srgbClr val="BFBFBF"/>
-                </a:solidFill>
-                <a:latin typeface="Avenir Next Regular"/>
-                <a:cs typeface="Avenir Next Regular"/>
-              </a:rPr>
-              <a:t>repopArray</a:t>
-            </a:r>
-            <a:r>
-              <a:rPr lang="en-US" sz="2400" dirty="0" smtClean="0">
-                <a:solidFill>
-                  <a:srgbClr val="BFBFBF"/>
-                </a:solidFill>
-                <a:latin typeface="Avenir Next Regular"/>
-                <a:cs typeface="Avenir Next Regular"/>
-              </a:rPr>
-              <a:t>()</a:t>
-            </a:r>
-            <a:endParaRPr lang="en-US" sz="2400" i="1" dirty="0" smtClean="0">
-              <a:solidFill>
-                <a:srgbClr val="BFBFBF"/>
-              </a:solidFill>
-              <a:latin typeface="Avenir Next Regular"/>
-              <a:cs typeface="Avenir Next Regular"/>
-            </a:endParaRPr>
-          </a:p>
-          <a:p>
-            <a:pPr marL="0" indent="0">
-              <a:buNone/>
-            </a:pPr>
-            <a:r>
-              <a:rPr lang="en-US" sz="2400" i="1" dirty="0">
-                <a:solidFill>
-                  <a:srgbClr val="FFFFFF"/>
-                </a:solidFill>
-                <a:latin typeface="Avenir Next Regular"/>
-                <a:cs typeface="Avenir Next Regular"/>
-              </a:rPr>
-              <a:t>	</a:t>
-            </a:r>
-            <a:r>
-              <a:rPr lang="en-US" sz="2400" dirty="0" smtClean="0">
-                <a:solidFill>
-                  <a:schemeClr val="tx2">
-                    <a:lumMod val="40000"/>
-                    <a:lumOff val="60000"/>
-                  </a:schemeClr>
-                </a:solidFill>
-                <a:latin typeface="Avenir Next Regular"/>
-                <a:cs typeface="Avenir Next Regular"/>
-              </a:rPr>
-              <a:t>delete </a:t>
-            </a:r>
-            <a:r>
-              <a:rPr lang="en-US" sz="2400" i="1" dirty="0" err="1" smtClean="0">
-                <a:solidFill>
-                  <a:srgbClr val="FFFFFF"/>
-                </a:solidFill>
-                <a:latin typeface="Avenir Next Regular"/>
-                <a:cs typeface="Avenir Next Regular"/>
-              </a:rPr>
-              <a:t>adjacencyList</a:t>
-            </a:r>
-            <a:endParaRPr lang="en-US" sz="2400" i="1" dirty="0" smtClean="0">
-              <a:solidFill>
-                <a:srgbClr val="FFFFFF"/>
-              </a:solidFill>
-              <a:latin typeface="Avenir Next Regular"/>
-              <a:cs typeface="Avenir Next Regular"/>
-            </a:endParaRPr>
-          </a:p>
-          <a:p>
-            <a:pPr marL="0" indent="0">
-              <a:buNone/>
-            </a:pPr>
-            <a:r>
-              <a:rPr lang="en-US" sz="2400" i="1" dirty="0">
-                <a:solidFill>
-                  <a:srgbClr val="FFFFFF"/>
-                </a:solidFill>
-                <a:latin typeface="Avenir Next Regular"/>
-                <a:cs typeface="Avenir Next Regular"/>
-              </a:rPr>
-              <a:t>	</a:t>
-            </a:r>
-            <a:r>
-              <a:rPr lang="en-US" sz="2400" dirty="0" smtClean="0">
-                <a:solidFill>
-                  <a:srgbClr val="FFFFFF"/>
-                </a:solidFill>
-                <a:latin typeface="Avenir Next Regular"/>
-                <a:cs typeface="Avenir Next Regular"/>
-              </a:rPr>
-              <a:t>update mod, div</a:t>
-            </a:r>
-            <a:endParaRPr lang="en-US" sz="2400" i="1" dirty="0" smtClean="0">
               <a:solidFill>
                 <a:srgbClr val="FFFFFF"/>
               </a:solidFill>

--- a/presentation.pptx
+++ b/presentation.pptx
@@ -294,7 +294,7 @@
           <a:p>
             <a:fld id="{57CFAD20-43C2-CA44-8C28-8CAD34CDE910}" type="datetimeFigureOut">
               <a:rPr lang="en-US" smtClean="0"/>
-              <a:t>4/24/13</a:t>
+              <a:t>4/25/13</a:t>
             </a:fld>
             <a:endParaRPr lang="en-US"/>
           </a:p>
@@ -464,7 +464,7 @@
           <a:p>
             <a:fld id="{57CFAD20-43C2-CA44-8C28-8CAD34CDE910}" type="datetimeFigureOut">
               <a:rPr lang="en-US" smtClean="0"/>
-              <a:t>4/24/13</a:t>
+              <a:t>4/25/13</a:t>
             </a:fld>
             <a:endParaRPr lang="en-US"/>
           </a:p>
@@ -644,7 +644,7 @@
           <a:p>
             <a:fld id="{57CFAD20-43C2-CA44-8C28-8CAD34CDE910}" type="datetimeFigureOut">
               <a:rPr lang="en-US" smtClean="0"/>
-              <a:t>4/24/13</a:t>
+              <a:t>4/25/13</a:t>
             </a:fld>
             <a:endParaRPr lang="en-US"/>
           </a:p>
@@ -814,7 +814,7 @@
           <a:p>
             <a:fld id="{57CFAD20-43C2-CA44-8C28-8CAD34CDE910}" type="datetimeFigureOut">
               <a:rPr lang="en-US" smtClean="0"/>
-              <a:t>4/24/13</a:t>
+              <a:t>4/25/13</a:t>
             </a:fld>
             <a:endParaRPr lang="en-US"/>
           </a:p>
@@ -1060,7 +1060,7 @@
           <a:p>
             <a:fld id="{57CFAD20-43C2-CA44-8C28-8CAD34CDE910}" type="datetimeFigureOut">
               <a:rPr lang="en-US" smtClean="0"/>
-              <a:t>4/24/13</a:t>
+              <a:t>4/25/13</a:t>
             </a:fld>
             <a:endParaRPr lang="en-US"/>
           </a:p>
@@ -1348,7 +1348,7 @@
           <a:p>
             <a:fld id="{57CFAD20-43C2-CA44-8C28-8CAD34CDE910}" type="datetimeFigureOut">
               <a:rPr lang="en-US" smtClean="0"/>
-              <a:t>4/24/13</a:t>
+              <a:t>4/25/13</a:t>
             </a:fld>
             <a:endParaRPr lang="en-US"/>
           </a:p>
@@ -1770,7 +1770,7 @@
           <a:p>
             <a:fld id="{57CFAD20-43C2-CA44-8C28-8CAD34CDE910}" type="datetimeFigureOut">
               <a:rPr lang="en-US" smtClean="0"/>
-              <a:t>4/24/13</a:t>
+              <a:t>4/25/13</a:t>
             </a:fld>
             <a:endParaRPr lang="en-US"/>
           </a:p>
@@ -1888,7 +1888,7 @@
           <a:p>
             <a:fld id="{57CFAD20-43C2-CA44-8C28-8CAD34CDE910}" type="datetimeFigureOut">
               <a:rPr lang="en-US" smtClean="0"/>
-              <a:t>4/24/13</a:t>
+              <a:t>4/25/13</a:t>
             </a:fld>
             <a:endParaRPr lang="en-US"/>
           </a:p>
@@ -1983,7 +1983,7 @@
           <a:p>
             <a:fld id="{57CFAD20-43C2-CA44-8C28-8CAD34CDE910}" type="datetimeFigureOut">
               <a:rPr lang="en-US" smtClean="0"/>
-              <a:t>4/24/13</a:t>
+              <a:t>4/25/13</a:t>
             </a:fld>
             <a:endParaRPr lang="en-US"/>
           </a:p>
@@ -2260,7 +2260,7 @@
           <a:p>
             <a:fld id="{57CFAD20-43C2-CA44-8C28-8CAD34CDE910}" type="datetimeFigureOut">
               <a:rPr lang="en-US" smtClean="0"/>
-              <a:t>4/24/13</a:t>
+              <a:t>4/25/13</a:t>
             </a:fld>
             <a:endParaRPr lang="en-US"/>
           </a:p>
@@ -2513,7 +2513,7 @@
           <a:p>
             <a:fld id="{57CFAD20-43C2-CA44-8C28-8CAD34CDE910}" type="datetimeFigureOut">
               <a:rPr lang="en-US" smtClean="0"/>
-              <a:t>4/24/13</a:t>
+              <a:t>4/25/13</a:t>
             </a:fld>
             <a:endParaRPr lang="en-US"/>
           </a:p>
@@ -2733,7 +2733,7 @@
           <a:p>
             <a:fld id="{57CFAD20-43C2-CA44-8C28-8CAD34CDE910}" type="datetimeFigureOut">
               <a:rPr lang="en-US" smtClean="0"/>
-              <a:t>4/24/13</a:t>
+              <a:t>4/25/13</a:t>
             </a:fld>
             <a:endParaRPr lang="en-US"/>
           </a:p>
@@ -4892,8 +4892,25 @@
                 <a:latin typeface="Avenir Next Regular"/>
                 <a:cs typeface="Avenir Next Regular"/>
               </a:rPr>
-              <a:t>Sort a “digit” at a time</a:t>
-            </a:r>
+              <a:t>Sort a “digit” at a </a:t>
+            </a:r>
+            <a:r>
+              <a:rPr lang="en-US" dirty="0" smtClean="0">
+                <a:solidFill>
+                  <a:schemeClr val="bg1"/>
+                </a:solidFill>
+                <a:latin typeface="Avenir Next Regular"/>
+                <a:cs typeface="Avenir Next Regular"/>
+              </a:rPr>
+              <a:t>time</a:t>
+            </a:r>
+            <a:endParaRPr lang="en-US" dirty="0">
+              <a:solidFill>
+                <a:schemeClr val="bg1"/>
+              </a:solidFill>
+              <a:latin typeface="Avenir Next Regular"/>
+              <a:cs typeface="Avenir Next Regular"/>
+            </a:endParaRPr>
           </a:p>
           <a:p>
             <a:pPr lvl="1"/>
@@ -4905,7 +4922,7 @@
                 <a:latin typeface="Avenir Next Regular"/>
                 <a:cs typeface="Avenir Next Regular"/>
               </a:rPr>
-              <a:t>Define a “digit” to include multiple digits, </a:t>
+              <a:t>Choosing the optimal </a:t>
             </a:r>
             <a:r>
               <a:rPr lang="en-US" i="1" dirty="0" smtClean="0">
@@ -4915,11 +4932,198 @@
                 <a:latin typeface="Avenir Next Regular"/>
                 <a:cs typeface="Avenir Next Regular"/>
               </a:rPr>
+              <a:t>digit</a:t>
+            </a:r>
+            <a:r>
+              <a:rPr lang="en-US" dirty="0" smtClean="0">
+                <a:solidFill>
+                  <a:schemeClr val="bg1"/>
+                </a:solidFill>
+                <a:latin typeface="Avenir Next Regular"/>
+                <a:cs typeface="Avenir Next Regular"/>
+              </a:rPr>
+              <a:t> </a:t>
+            </a:r>
+          </a:p>
+          <a:p>
+            <a:pPr lvl="1"/>
+            <a:r>
+              <a:rPr lang="en-US" i="1" dirty="0">
+                <a:solidFill>
+                  <a:schemeClr val="bg1"/>
+                </a:solidFill>
+                <a:latin typeface="Avenir Next Regular"/>
+                <a:cs typeface="Avenir Next Regular"/>
+              </a:rPr>
+              <a:t>n</a:t>
+            </a:r>
+            <a:r>
+              <a:rPr lang="en-US" dirty="0" smtClean="0">
+                <a:solidFill>
+                  <a:schemeClr val="bg1"/>
+                </a:solidFill>
+                <a:latin typeface="Avenir Next Regular"/>
+                <a:cs typeface="Avenir Next Regular"/>
+              </a:rPr>
+              <a:t> values with </a:t>
+            </a:r>
+            <a:r>
+              <a:rPr lang="en-US" i="1" dirty="0" smtClean="0">
+                <a:solidFill>
+                  <a:schemeClr val="bg1"/>
+                </a:solidFill>
+                <a:latin typeface="Avenir Next Regular"/>
+                <a:cs typeface="Avenir Next Regular"/>
+              </a:rPr>
+              <a:t>b-</a:t>
+            </a:r>
+            <a:r>
+              <a:rPr lang="en-US" dirty="0" smtClean="0">
+                <a:solidFill>
+                  <a:schemeClr val="bg1"/>
+                </a:solidFill>
+                <a:latin typeface="Avenir Next Regular"/>
+                <a:cs typeface="Avenir Next Regular"/>
+              </a:rPr>
+              <a:t>bits</a:t>
+            </a:r>
+          </a:p>
+          <a:p>
+            <a:pPr lvl="1"/>
+            <a:r>
+              <a:rPr lang="en-US" dirty="0" smtClean="0">
+                <a:solidFill>
+                  <a:schemeClr val="bg1"/>
+                </a:solidFill>
+                <a:latin typeface="Avenir Next Regular"/>
+                <a:cs typeface="Avenir Next Regular"/>
+              </a:rPr>
+              <a:t>Broke the values into </a:t>
+            </a:r>
+            <a:r>
+              <a:rPr lang="en-US" i="1" dirty="0" smtClean="0">
+                <a:solidFill>
+                  <a:schemeClr val="bg1"/>
+                </a:solidFill>
+                <a:latin typeface="Avenir Next Regular"/>
+                <a:cs typeface="Avenir Next Regular"/>
+              </a:rPr>
+              <a:t>r-</a:t>
+            </a:r>
+            <a:r>
+              <a:rPr lang="en-US" dirty="0" smtClean="0">
+                <a:solidFill>
+                  <a:schemeClr val="bg1"/>
+                </a:solidFill>
+                <a:latin typeface="Avenir Next Regular"/>
+                <a:cs typeface="Avenir Next Regular"/>
+              </a:rPr>
+              <a:t>bit digits</a:t>
+            </a:r>
+          </a:p>
+          <a:p>
+            <a:pPr lvl="2"/>
+            <a:r>
+              <a:rPr lang="en-US" i="1" dirty="0">
+                <a:solidFill>
+                  <a:schemeClr val="bg1"/>
+                </a:solidFill>
+                <a:latin typeface="Avenir Next Regular"/>
+                <a:cs typeface="Avenir Next Regular"/>
+              </a:rPr>
               <a:t>d</a:t>
             </a:r>
-          </a:p>
-          <a:p>
-            <a:endParaRPr lang="en-US" dirty="0">
+            <a:r>
+              <a:rPr lang="en-US" i="1" dirty="0" smtClean="0">
+                <a:solidFill>
+                  <a:schemeClr val="bg1"/>
+                </a:solidFill>
+                <a:latin typeface="Avenir Next Regular"/>
+                <a:cs typeface="Avenir Next Regular"/>
+              </a:rPr>
+              <a:t>igit = </a:t>
+            </a:r>
+            <a:r>
+              <a:rPr lang="en-US" dirty="0" smtClean="0">
+                <a:solidFill>
+                  <a:schemeClr val="bg1"/>
+                </a:solidFill>
+                <a:latin typeface="Avenir Next Regular"/>
+                <a:cs typeface="Avenir Next Regular"/>
+              </a:rPr>
+              <a:t>ceiling(</a:t>
+            </a:r>
+            <a:r>
+              <a:rPr lang="en-US" i="1" dirty="0" smtClean="0">
+                <a:solidFill>
+                  <a:schemeClr val="bg1"/>
+                </a:solidFill>
+                <a:latin typeface="Avenir Next Regular"/>
+                <a:cs typeface="Avenir Next Regular"/>
+              </a:rPr>
+              <a:t>b</a:t>
+            </a:r>
+            <a:r>
+              <a:rPr lang="en-US" dirty="0" smtClean="0">
+                <a:solidFill>
+                  <a:schemeClr val="bg1"/>
+                </a:solidFill>
+                <a:latin typeface="Avenir Next Regular"/>
+                <a:cs typeface="Avenir Next Regular"/>
+              </a:rPr>
+              <a:t>/</a:t>
+            </a:r>
+            <a:r>
+              <a:rPr lang="en-US" i="1" dirty="0" smtClean="0">
+                <a:solidFill>
+                  <a:schemeClr val="bg1"/>
+                </a:solidFill>
+                <a:latin typeface="Avenir Next Regular"/>
+                <a:cs typeface="Avenir Next Regular"/>
+              </a:rPr>
+              <a:t>r</a:t>
+            </a:r>
+            <a:r>
+              <a:rPr lang="en-US" dirty="0" smtClean="0">
+                <a:solidFill>
+                  <a:schemeClr val="bg1"/>
+                </a:solidFill>
+                <a:latin typeface="Avenir Next Regular"/>
+                <a:cs typeface="Avenir Next Regular"/>
+              </a:rPr>
+              <a:t>)</a:t>
+            </a:r>
+            <a:r>
+              <a:rPr lang="en-US" i="1" dirty="0" smtClean="0">
+                <a:solidFill>
+                  <a:schemeClr val="bg1"/>
+                </a:solidFill>
+                <a:latin typeface="Avenir Next Regular"/>
+                <a:cs typeface="Avenir Next Regular"/>
+              </a:rPr>
+              <a:t>  </a:t>
+            </a:r>
+            <a:r>
+              <a:rPr lang="en-US" dirty="0" smtClean="0">
+                <a:solidFill>
+                  <a:schemeClr val="bg1"/>
+                </a:solidFill>
+                <a:latin typeface="Avenir Next Regular"/>
+                <a:cs typeface="Avenir Next Regular"/>
+              </a:rPr>
+              <a:t>//estimate for </a:t>
+            </a:r>
+            <a:r>
+              <a:rPr lang="en-US" i="1" dirty="0" smtClean="0">
+                <a:solidFill>
+                  <a:schemeClr val="bg1"/>
+                </a:solidFill>
+                <a:latin typeface="Avenir Next Regular"/>
+                <a:cs typeface="Avenir Next Regular"/>
+              </a:rPr>
+              <a:t>d</a:t>
+            </a:r>
+            <a:endParaRPr lang="en-US" i="1" dirty="0">
               <a:solidFill>
                 <a:schemeClr val="bg1"/>
               </a:solidFill>
@@ -5057,7 +5261,7 @@
               <a:t>maxLength</a:t>
             </a:r>
             <a:r>
-              <a:rPr lang="en-US" sz="2400" smtClean="0">
+              <a:rPr lang="en-US" sz="2400" dirty="0" smtClean="0">
                 <a:solidFill>
                   <a:srgbClr val="FFFFFF"/>
                 </a:solidFill>
@@ -5066,13 +5270,51 @@
               </a:rPr>
               <a:t>)</a:t>
             </a:r>
-            <a:endParaRPr lang="en-US" sz="2400" dirty="0" smtClean="0">
-              <a:solidFill>
-                <a:srgbClr val="FFFFFF"/>
-              </a:solidFill>
-              <a:latin typeface="Avenir Next Regular"/>
-              <a:cs typeface="Avenir Next Regular"/>
-            </a:endParaRPr>
+          </a:p>
+          <a:p>
+            <a:pPr marL="0" indent="0">
+              <a:buNone/>
+            </a:pPr>
+            <a:r>
+              <a:rPr lang="en-US" sz="2400" dirty="0">
+                <a:solidFill>
+                  <a:srgbClr val="FFFFFF"/>
+                </a:solidFill>
+                <a:latin typeface="Avenir Next Regular"/>
+                <a:cs typeface="Avenir Next Regular"/>
+              </a:rPr>
+              <a:t>	</a:t>
+            </a:r>
+            <a:r>
+              <a:rPr lang="en-US" sz="2400" dirty="0" err="1" smtClean="0">
+                <a:solidFill>
+                  <a:schemeClr val="accent6"/>
+                </a:solidFill>
+                <a:latin typeface="Avenir Next Regular"/>
+                <a:cs typeface="Avenir Next Regular"/>
+              </a:rPr>
+              <a:t>int</a:t>
+            </a:r>
+            <a:r>
+              <a:rPr lang="en-US" sz="2400" dirty="0" smtClean="0">
+                <a:solidFill>
+                  <a:schemeClr val="accent6"/>
+                </a:solidFill>
+                <a:latin typeface="Avenir Next Regular"/>
+                <a:cs typeface="Avenir Next Regular"/>
+              </a:rPr>
+              <a:t> </a:t>
+            </a:r>
+            <a:r>
+              <a:rPr lang="en-US" sz="2400" dirty="0" smtClean="0">
+                <a:solidFill>
+                  <a:srgbClr val="FFFFFF"/>
+                </a:solidFill>
+                <a:latin typeface="Avenir Next Regular"/>
+                <a:cs typeface="Avenir Next Regular"/>
+              </a:rPr>
+              <a:t>mod, div</a:t>
+            </a:r>
           </a:p>
         </p:txBody>
       </p:sp>
@@ -5304,7 +5546,7 @@
                 <a:latin typeface="Avenir Next Regular"/>
                 <a:cs typeface="Avenir Next Regular"/>
               </a:rPr>
-              <a:t> for 100 digit decimal</a:t>
+              <a:t> for 20 digit decimal</a:t>
             </a:r>
           </a:p>
           <a:p>
@@ -5326,6 +5568,38 @@
                 <a:latin typeface="Avenir Next Regular"/>
                 <a:cs typeface="Avenir Next Regular"/>
               </a:rPr>
+              <a:t>d </a:t>
+            </a:r>
+            <a:r>
+              <a:rPr lang="en-US" dirty="0" smtClean="0">
+                <a:solidFill>
+                  <a:srgbClr val="FFFFFF"/>
+                </a:solidFill>
+                <a:latin typeface="Avenir Next Regular"/>
+                <a:cs typeface="Avenir Next Regular"/>
+              </a:rPr>
+              <a:t>for 10 digit decimal</a:t>
+            </a:r>
+          </a:p>
+          <a:p>
+            <a:r>
+              <a:rPr lang="en-US" dirty="0" smtClean="0">
+                <a:solidFill>
+                  <a:srgbClr val="FFFFFF"/>
+                </a:solidFill>
+                <a:latin typeface="Avenir Next Regular"/>
+                <a:cs typeface="Avenir Next Regular"/>
+              </a:rPr>
+              <a:t>//Graphs of results of different </a:t>
+            </a:r>
+            <a:r>
+              <a:rPr lang="en-US" i="1" dirty="0" smtClean="0">
+                <a:solidFill>
+                  <a:srgbClr val="FFFFFF"/>
+                </a:solidFill>
+                <a:latin typeface="Avenir Next Regular"/>
+                <a:cs typeface="Avenir Next Regular"/>
+              </a:rPr>
               <a:t>d</a:t>
             </a:r>
             <a:r>
@@ -5336,39 +5610,7 @@
                 <a:latin typeface="Avenir Next Regular"/>
                 <a:cs typeface="Avenir Next Regular"/>
               </a:rPr>
-              <a:t> for 20 digit decimal</a:t>
-            </a:r>
-          </a:p>
-          <a:p>
-            <a:r>
-              <a:rPr lang="en-US" dirty="0" smtClean="0">
-                <a:solidFill>
-                  <a:srgbClr val="FFFFFF"/>
-                </a:solidFill>
-                <a:latin typeface="Avenir Next Regular"/>
-                <a:cs typeface="Avenir Next Regular"/>
-              </a:rPr>
-              <a:t>Best </a:t>
-            </a:r>
-            <a:r>
-              <a:rPr lang="en-US" i="1" dirty="0" smtClean="0">
-                <a:solidFill>
-                  <a:srgbClr val="FFFFFF"/>
-                </a:solidFill>
-                <a:latin typeface="Avenir Next Regular"/>
-                <a:cs typeface="Avenir Next Regular"/>
-              </a:rPr>
-              <a:t>d </a:t>
-            </a:r>
-            <a:r>
-              <a:rPr lang="en-US" dirty="0" smtClean="0">
-                <a:solidFill>
-                  <a:srgbClr val="FFFFFF"/>
-                </a:solidFill>
-                <a:latin typeface="Avenir Next Regular"/>
-                <a:cs typeface="Avenir Next Regular"/>
-              </a:rPr>
-              <a:t>for 10 digit decimal</a:t>
+              <a:t>’s for 10d and 20d</a:t>
             </a:r>
             <a:endParaRPr lang="en-US" dirty="0">
               <a:solidFill>
@@ -5440,9 +5682,9 @@
                 <a:latin typeface="Avenir Next Regular"/>
                 <a:cs typeface="Avenir Next Regular"/>
               </a:rPr>
-              <a:t>Thank you</a:t>
-            </a:r>
-            <a:br>
+              <a:t>Thank </a:t>
+            </a:r>
+            <a:r>
               <a:rPr lang="en-US" dirty="0" smtClean="0">
                 <a:solidFill>
                   <a:srgbClr val="FFFFFF"/>
@@ -5450,35 +5692,7 @@
                 <a:latin typeface="Avenir Next Regular"/>
                 <a:cs typeface="Avenir Next Regular"/>
               </a:rPr>
-            </a:br>
-            <a:r>
-              <a:rPr lang="en-US" dirty="0" smtClean="0">
-                <a:solidFill>
-                  <a:srgbClr val="FFFFFF"/>
-                </a:solidFill>
-                <a:latin typeface="Avenir Next Regular"/>
-                <a:cs typeface="Avenir Next Regular"/>
-              </a:rPr>
-              <a:t/>
-            </a:r>
-            <a:br>
-              <a:rPr lang="en-US" dirty="0" smtClean="0">
-                <a:solidFill>
-                  <a:srgbClr val="FFFFFF"/>
-                </a:solidFill>
-                <a:latin typeface="Avenir Next Regular"/>
-                <a:cs typeface="Avenir Next Regular"/>
-              </a:rPr>
-            </a:br>
-            <a:r>
-              <a:rPr lang="en-US" dirty="0" smtClean="0">
-                <a:solidFill>
-                  <a:srgbClr val="FFFFFF"/>
-                </a:solidFill>
-                <a:latin typeface="Avenir Next Regular"/>
-                <a:cs typeface="Avenir Next Regular"/>
-              </a:rPr>
-              <a:t>Questions/Comments?</a:t>
+              <a:t>you</a:t>
             </a:r>
             <a:endParaRPr lang="en-US" dirty="0">
               <a:solidFill>

--- a/presentation.pptx
+++ b/presentation.pptx
@@ -8,10 +8,13 @@
     <p:sldId id="256" r:id="rId2"/>
     <p:sldId id="257" r:id="rId3"/>
     <p:sldId id="259" r:id="rId4"/>
-    <p:sldId id="258" r:id="rId5"/>
-    <p:sldId id="260" r:id="rId6"/>
-    <p:sldId id="261" r:id="rId7"/>
-    <p:sldId id="262" r:id="rId8"/>
+    <p:sldId id="263" r:id="rId5"/>
+    <p:sldId id="258" r:id="rId6"/>
+    <p:sldId id="264" r:id="rId7"/>
+    <p:sldId id="265" r:id="rId8"/>
+    <p:sldId id="260" r:id="rId9"/>
+    <p:sldId id="261" r:id="rId10"/>
+    <p:sldId id="262" r:id="rId11"/>
   </p:sldIdLst>
   <p:sldSz cx="9144000" cy="6858000" type="screen4x3"/>
   <p:notesSz cx="6858000" cy="9144000"/>
@@ -294,7 +297,7 @@
           <a:p>
             <a:fld id="{57CFAD20-43C2-CA44-8C28-8CAD34CDE910}" type="datetimeFigureOut">
               <a:rPr lang="en-US" smtClean="0"/>
-              <a:t>4/25/13</a:t>
+              <a:t>4/27/13</a:t>
             </a:fld>
             <a:endParaRPr lang="en-US"/>
           </a:p>
@@ -464,7 +467,7 @@
           <a:p>
             <a:fld id="{57CFAD20-43C2-CA44-8C28-8CAD34CDE910}" type="datetimeFigureOut">
               <a:rPr lang="en-US" smtClean="0"/>
-              <a:t>4/25/13</a:t>
+              <a:t>4/27/13</a:t>
             </a:fld>
             <a:endParaRPr lang="en-US"/>
           </a:p>
@@ -644,7 +647,7 @@
           <a:p>
             <a:fld id="{57CFAD20-43C2-CA44-8C28-8CAD34CDE910}" type="datetimeFigureOut">
               <a:rPr lang="en-US" smtClean="0"/>
-              <a:t>4/25/13</a:t>
+              <a:t>4/27/13</a:t>
             </a:fld>
             <a:endParaRPr lang="en-US"/>
           </a:p>
@@ -814,7 +817,7 @@
           <a:p>
             <a:fld id="{57CFAD20-43C2-CA44-8C28-8CAD34CDE910}" type="datetimeFigureOut">
               <a:rPr lang="en-US" smtClean="0"/>
-              <a:t>4/25/13</a:t>
+              <a:t>4/27/13</a:t>
             </a:fld>
             <a:endParaRPr lang="en-US"/>
           </a:p>
@@ -1060,7 +1063,7 @@
           <a:p>
             <a:fld id="{57CFAD20-43C2-CA44-8C28-8CAD34CDE910}" type="datetimeFigureOut">
               <a:rPr lang="en-US" smtClean="0"/>
-              <a:t>4/25/13</a:t>
+              <a:t>4/27/13</a:t>
             </a:fld>
             <a:endParaRPr lang="en-US"/>
           </a:p>
@@ -1348,7 +1351,7 @@
           <a:p>
             <a:fld id="{57CFAD20-43C2-CA44-8C28-8CAD34CDE910}" type="datetimeFigureOut">
               <a:rPr lang="en-US" smtClean="0"/>
-              <a:t>4/25/13</a:t>
+              <a:t>4/27/13</a:t>
             </a:fld>
             <a:endParaRPr lang="en-US"/>
           </a:p>
@@ -1770,7 +1773,7 @@
           <a:p>
             <a:fld id="{57CFAD20-43C2-CA44-8C28-8CAD34CDE910}" type="datetimeFigureOut">
               <a:rPr lang="en-US" smtClean="0"/>
-              <a:t>4/25/13</a:t>
+              <a:t>4/27/13</a:t>
             </a:fld>
             <a:endParaRPr lang="en-US"/>
           </a:p>
@@ -1888,7 +1891,7 @@
           <a:p>
             <a:fld id="{57CFAD20-43C2-CA44-8C28-8CAD34CDE910}" type="datetimeFigureOut">
               <a:rPr lang="en-US" smtClean="0"/>
-              <a:t>4/25/13</a:t>
+              <a:t>4/27/13</a:t>
             </a:fld>
             <a:endParaRPr lang="en-US"/>
           </a:p>
@@ -1983,7 +1986,7 @@
           <a:p>
             <a:fld id="{57CFAD20-43C2-CA44-8C28-8CAD34CDE910}" type="datetimeFigureOut">
               <a:rPr lang="en-US" smtClean="0"/>
-              <a:t>4/25/13</a:t>
+              <a:t>4/27/13</a:t>
             </a:fld>
             <a:endParaRPr lang="en-US"/>
           </a:p>
@@ -2260,7 +2263,7 @@
           <a:p>
             <a:fld id="{57CFAD20-43C2-CA44-8C28-8CAD34CDE910}" type="datetimeFigureOut">
               <a:rPr lang="en-US" smtClean="0"/>
-              <a:t>4/25/13</a:t>
+              <a:t>4/27/13</a:t>
             </a:fld>
             <a:endParaRPr lang="en-US"/>
           </a:p>
@@ -2513,7 +2516,7 @@
           <a:p>
             <a:fld id="{57CFAD20-43C2-CA44-8C28-8CAD34CDE910}" type="datetimeFigureOut">
               <a:rPr lang="en-US" smtClean="0"/>
-              <a:t>4/25/13</a:t>
+              <a:t>4/27/13</a:t>
             </a:fld>
             <a:endParaRPr lang="en-US"/>
           </a:p>
@@ -2733,7 +2736,7 @@
           <a:p>
             <a:fld id="{57CFAD20-43C2-CA44-8C28-8CAD34CDE910}" type="datetimeFigureOut">
               <a:rPr lang="en-US" smtClean="0"/>
-              <a:t>4/25/13</a:t>
+              <a:t>4/27/13</a:t>
             </a:fld>
             <a:endParaRPr lang="en-US"/>
           </a:p>
@@ -3230,6 +3233,78 @@
     <p:extLst>
       <p:ext uri="{BB962C8B-B14F-4D97-AF65-F5344CB8AC3E}">
         <p14:creationId xmlns:p14="http://schemas.microsoft.com/office/powerpoint/2010/main" val="2070527858"/>
+      </p:ext>
+    </p:extLst>
+  </p:cSld>
+  <p:clrMapOvr>
+    <a:masterClrMapping/>
+  </p:clrMapOvr>
+</p:sld>
+</file>
+
+<file path=ppt/slides/slide10.xml><?xml version="1.0" encoding="utf-8"?>
+<p:sld xmlns:a="http://schemas.openxmlformats.org/drawingml/2006/main" xmlns:r="http://schemas.openxmlformats.org/officeDocument/2006/relationships" xmlns:p="http://schemas.openxmlformats.org/presentationml/2006/main">
+  <p:cSld>
+    <p:spTree>
+      <p:nvGrpSpPr>
+        <p:cNvPr id="1" name=""/>
+        <p:cNvGrpSpPr/>
+        <p:nvPr/>
+      </p:nvGrpSpPr>
+      <p:grpSpPr>
+        <a:xfrm>
+          <a:off x="0" y="0"/>
+          <a:ext cx="0" cy="0"/>
+          <a:chOff x="0" y="0"/>
+          <a:chExt cx="0" cy="0"/>
+        </a:xfrm>
+      </p:grpSpPr>
+      <p:sp>
+        <p:nvSpPr>
+          <p:cNvPr id="2" name="Title 1"/>
+          <p:cNvSpPr>
+            <a:spLocks noGrp="1"/>
+          </p:cNvSpPr>
+          <p:nvPr>
+            <p:ph type="title"/>
+          </p:nvPr>
+        </p:nvSpPr>
+        <p:spPr>
+          <a:xfrm>
+            <a:off x="457200" y="1995954"/>
+            <a:ext cx="8229600" cy="2457828"/>
+          </a:xfrm>
+        </p:spPr>
+        <p:txBody>
+          <a:bodyPr>
+            <a:normAutofit/>
+          </a:bodyPr>
+          <a:lstStyle/>
+          <a:p>
+            <a:r>
+              <a:rPr lang="en-US" dirty="0" smtClean="0">
+                <a:solidFill>
+                  <a:srgbClr val="FFFFFF"/>
+                </a:solidFill>
+                <a:latin typeface="Avenir Next Regular"/>
+                <a:cs typeface="Avenir Next Regular"/>
+              </a:rPr>
+              <a:t>Thank you</a:t>
+            </a:r>
+            <a:endParaRPr lang="en-US" dirty="0">
+              <a:solidFill>
+                <a:srgbClr val="FFFFFF"/>
+              </a:solidFill>
+              <a:latin typeface="Avenir Next Regular"/>
+              <a:cs typeface="Avenir Next Regular"/>
+            </a:endParaRPr>
+          </a:p>
+        </p:txBody>
+      </p:sp>
+    </p:spTree>
+    <p:extLst>
+      <p:ext uri="{BB962C8B-B14F-4D97-AF65-F5344CB8AC3E}">
+        <p14:creationId xmlns:p14="http://schemas.microsoft.com/office/powerpoint/2010/main" val="3833525325"/>
       </p:ext>
     </p:extLst>
   </p:cSld>
@@ -4892,17 +4967,7 @@
                 <a:latin typeface="Avenir Next Regular"/>
                 <a:cs typeface="Avenir Next Regular"/>
               </a:rPr>
-              <a:t>Sort a “digit” at a </a:t>
-            </a:r>
-            <a:r>
-              <a:rPr lang="en-US" dirty="0" smtClean="0">
-                <a:solidFill>
-                  <a:schemeClr val="bg1"/>
-                </a:solidFill>
-                <a:latin typeface="Avenir Next Regular"/>
-                <a:cs typeface="Avenir Next Regular"/>
-              </a:rPr>
-              <a:t>time</a:t>
+              <a:t>Sort a “digit” at a time</a:t>
             </a:r>
             <a:endParaRPr lang="en-US" dirty="0">
               <a:solidFill>
@@ -5179,21 +5244,31 @@
           <a:lstStyle/>
           <a:p>
             <a:r>
+              <a:rPr lang="en-US" dirty="0" smtClean="0">
+                <a:solidFill>
+                  <a:srgbClr val="FFFFFF"/>
+                </a:solidFill>
+                <a:latin typeface="Avenir Light"/>
+                <a:cs typeface="Avenir Light"/>
+              </a:rPr>
+              <a:t>Building the </a:t>
+            </a:r>
+            <a:r>
               <a:rPr lang="en-US" dirty="0" err="1" smtClean="0">
                 <a:solidFill>
-                  <a:schemeClr val="bg1"/>
-                </a:solidFill>
-                <a:latin typeface="Avenir Next Regular"/>
-                <a:cs typeface="Avenir Next Regular"/>
+                  <a:srgbClr val="FFFFFF"/>
+                </a:solidFill>
+                <a:latin typeface="Avenir Light"/>
+                <a:cs typeface="Avenir Light"/>
               </a:rPr>
               <a:t>Pseudocode</a:t>
             </a:r>
             <a:endParaRPr lang="en-US" dirty="0">
               <a:solidFill>
-                <a:schemeClr val="bg1"/>
+                <a:srgbClr val="FFFFFF"/>
               </a:solidFill>
-              <a:latin typeface="Avenir Next Regular"/>
-              <a:cs typeface="Avenir Next Regular"/>
+              <a:latin typeface="Avenir Light"/>
+              <a:cs typeface="Avenir Light"/>
             </a:endParaRPr>
           </a:p>
         </p:txBody>
@@ -5210,118 +5285,339 @@
         </p:nvSpPr>
         <p:spPr/>
         <p:txBody>
-          <a:bodyPr>
-            <a:normAutofit/>
-          </a:bodyPr>
+          <a:bodyPr/>
           <a:lstStyle/>
           <a:p>
-            <a:pPr marL="0" indent="0">
-              <a:buNone/>
-            </a:pPr>
-            <a:r>
-              <a:rPr lang="en-US" sz="2400" dirty="0" err="1" smtClean="0">
-                <a:solidFill>
-                  <a:schemeClr val="bg1">
-                    <a:lumMod val="95000"/>
-                  </a:schemeClr>
-                </a:solidFill>
-                <a:latin typeface="Avenir Next Regular"/>
-                <a:cs typeface="Avenir Next Regular"/>
-              </a:rPr>
-              <a:t>radixSort</a:t>
-            </a:r>
-            <a:r>
-              <a:rPr lang="en-US" sz="2400" dirty="0" smtClean="0">
-                <a:solidFill>
-                  <a:srgbClr val="FFFFFF"/>
-                </a:solidFill>
-                <a:latin typeface="Avenir Next Regular"/>
-                <a:cs typeface="Avenir Next Regular"/>
-              </a:rPr>
-              <a:t>(</a:t>
-            </a:r>
-            <a:r>
-              <a:rPr lang="en-US" sz="2400" i="1" dirty="0" smtClean="0">
-                <a:solidFill>
-                  <a:srgbClr val="FFFFFF"/>
-                </a:solidFill>
-                <a:latin typeface="Avenir Next Regular"/>
-                <a:cs typeface="Avenir Next Regular"/>
-              </a:rPr>
-              <a:t>array, size, </a:t>
-            </a:r>
-            <a:r>
-              <a:rPr lang="en-US" sz="2400" i="1" dirty="0" err="1" smtClean="0">
-                <a:solidFill>
-                  <a:srgbClr val="FFFFFF"/>
-                </a:solidFill>
-                <a:latin typeface="Avenir Next Regular"/>
-                <a:cs typeface="Avenir Next Regular"/>
-              </a:rPr>
-              <a:t>maxLength</a:t>
-            </a:r>
-            <a:r>
-              <a:rPr lang="en-US" sz="2400" dirty="0" smtClean="0">
-                <a:solidFill>
-                  <a:srgbClr val="FFFFFF"/>
-                </a:solidFill>
-                <a:latin typeface="Avenir Next Regular"/>
-                <a:cs typeface="Avenir Next Regular"/>
-              </a:rPr>
-              <a:t>)</a:t>
-            </a:r>
-          </a:p>
-          <a:p>
-            <a:pPr marL="0" indent="0">
-              <a:buNone/>
-            </a:pPr>
-            <a:r>
-              <a:rPr lang="en-US" sz="2400" dirty="0">
-                <a:solidFill>
-                  <a:srgbClr val="FFFFFF"/>
-                </a:solidFill>
-                <a:latin typeface="Avenir Next Regular"/>
-                <a:cs typeface="Avenir Next Regular"/>
-              </a:rPr>
-              <a:t>	</a:t>
-            </a:r>
-            <a:r>
-              <a:rPr lang="en-US" sz="2400" dirty="0" err="1" smtClean="0">
-                <a:solidFill>
-                  <a:schemeClr val="accent6"/>
-                </a:solidFill>
-                <a:latin typeface="Avenir Next Regular"/>
-                <a:cs typeface="Avenir Next Regular"/>
-              </a:rPr>
-              <a:t>int</a:t>
-            </a:r>
-            <a:r>
-              <a:rPr lang="en-US" sz="2400" dirty="0" smtClean="0">
-                <a:solidFill>
-                  <a:schemeClr val="accent6"/>
-                </a:solidFill>
-                <a:latin typeface="Avenir Next Regular"/>
-                <a:cs typeface="Avenir Next Regular"/>
+            <a:r>
+              <a:rPr lang="en-US" dirty="0" smtClean="0">
+                <a:solidFill>
+                  <a:srgbClr val="FFFFFF"/>
+                </a:solidFill>
+                <a:latin typeface="Avenir Light"/>
+                <a:cs typeface="Avenir Light"/>
+              </a:rPr>
+              <a:t>We need to define </a:t>
+            </a:r>
+            <a:r>
+              <a:rPr lang="en-US" i="1" dirty="0" smtClean="0">
+                <a:solidFill>
+                  <a:srgbClr val="FFFFFF"/>
+                </a:solidFill>
+                <a:latin typeface="Avenir Light"/>
+                <a:cs typeface="Avenir Light"/>
+              </a:rPr>
+              <a:t>digits</a:t>
+            </a:r>
+            <a:r>
+              <a:rPr lang="en-US" dirty="0" smtClean="0">
+                <a:solidFill>
+                  <a:srgbClr val="FFFFFF"/>
+                </a:solidFill>
+                <a:latin typeface="Avenir Light"/>
+                <a:cs typeface="Avenir Light"/>
+              </a:rPr>
+              <a:t>, </a:t>
+            </a:r>
+            <a:r>
+              <a:rPr lang="en-US" i="1" dirty="0" smtClean="0">
+                <a:solidFill>
+                  <a:srgbClr val="FFFFFF"/>
+                </a:solidFill>
+                <a:latin typeface="Avenir Light"/>
+                <a:cs typeface="Avenir Light"/>
+              </a:rPr>
+              <a:t>r</a:t>
+            </a:r>
+            <a:r>
+              <a:rPr lang="en-US" dirty="0" smtClean="0">
+                <a:solidFill>
+                  <a:srgbClr val="FFFFFF"/>
+                </a:solidFill>
+                <a:latin typeface="Avenir Light"/>
+                <a:cs typeface="Avenir Light"/>
+              </a:rPr>
+              <a:t>, </a:t>
+            </a:r>
+            <a:r>
+              <a:rPr lang="en-US" i="1" dirty="0" smtClean="0">
+                <a:solidFill>
+                  <a:srgbClr val="FFFFFF"/>
+                </a:solidFill>
+                <a:latin typeface="Avenir Light"/>
+                <a:cs typeface="Avenir Light"/>
+              </a:rPr>
+              <a:t>k</a:t>
+            </a:r>
+            <a:r>
+              <a:rPr lang="en-US" dirty="0">
+                <a:solidFill>
+                  <a:srgbClr val="FFFFFF"/>
+                </a:solidFill>
+                <a:latin typeface="Avenir Light"/>
+                <a:cs typeface="Avenir Light"/>
               </a:rPr>
               <a:t> </a:t>
             </a:r>
-            <a:r>
-              <a:rPr lang="en-US" sz="2400" dirty="0" smtClean="0">
-                <a:solidFill>
-                  <a:srgbClr val="FFFFFF"/>
-                </a:solidFill>
-                <a:latin typeface="Avenir Next Regular"/>
-                <a:cs typeface="Avenir Next Regular"/>
-              </a:rPr>
-              <a:t>mod, div</a:t>
-            </a:r>
+            <a:endParaRPr lang="en-US" i="1" dirty="0" smtClean="0">
+              <a:solidFill>
+                <a:srgbClr val="FFFFFF"/>
+              </a:solidFill>
+              <a:latin typeface="Avenir Light"/>
+              <a:cs typeface="Avenir Light"/>
+            </a:endParaRPr>
+          </a:p>
+          <a:p>
+            <a:r>
+              <a:rPr lang="en-US" i="1" dirty="0" smtClean="0">
+                <a:solidFill>
+                  <a:srgbClr val="FFFFFF"/>
+                </a:solidFill>
+                <a:latin typeface="Avenir Light"/>
+                <a:cs typeface="Avenir Light"/>
+              </a:rPr>
+              <a:t>digits</a:t>
+            </a:r>
+            <a:r>
+              <a:rPr lang="en-US" dirty="0" smtClean="0">
+                <a:solidFill>
+                  <a:srgbClr val="FFFFFF"/>
+                </a:solidFill>
+                <a:latin typeface="Avenir Light"/>
+                <a:cs typeface="Avenir Light"/>
+              </a:rPr>
+              <a:t> = </a:t>
+            </a:r>
+            <a:r>
+              <a:rPr lang="en-US" dirty="0" smtClean="0">
+                <a:solidFill>
+                  <a:srgbClr val="FFFFFF"/>
+                </a:solidFill>
+                <a:latin typeface="Avenir Light"/>
+                <a:cs typeface="Avenir Light"/>
+                <a:sym typeface="Symbol"/>
+              </a:rPr>
+              <a:t></a:t>
+            </a:r>
+            <a:r>
+              <a:rPr lang="en-US" i="1" dirty="0" smtClean="0">
+                <a:solidFill>
+                  <a:srgbClr val="FFFFFF"/>
+                </a:solidFill>
+                <a:latin typeface="Avenir Light"/>
+                <a:cs typeface="Avenir Light"/>
+                <a:sym typeface="Symbol"/>
+              </a:rPr>
+              <a:t>bytes</a:t>
+            </a:r>
+            <a:r>
+              <a:rPr lang="en-US" dirty="0" smtClean="0">
+                <a:solidFill>
+                  <a:srgbClr val="FFFFFF"/>
+                </a:solidFill>
+                <a:latin typeface="Avenir Light"/>
+                <a:cs typeface="Avenir Light"/>
+                <a:sym typeface="Symbol"/>
+              </a:rPr>
+              <a:t>/log(</a:t>
+            </a:r>
+            <a:r>
+              <a:rPr lang="en-US" i="1" dirty="0" smtClean="0">
+                <a:solidFill>
+                  <a:srgbClr val="FFFFFF"/>
+                </a:solidFill>
+                <a:latin typeface="Avenir Light"/>
+                <a:cs typeface="Avenir Light"/>
+                <a:sym typeface="Symbol"/>
+              </a:rPr>
+              <a:t>size</a:t>
+            </a:r>
+            <a:r>
+              <a:rPr lang="en-US" dirty="0" smtClean="0">
+                <a:solidFill>
+                  <a:srgbClr val="FFFFFF"/>
+                </a:solidFill>
+                <a:latin typeface="Avenir Light"/>
+                <a:cs typeface="Avenir Light"/>
+                <a:sym typeface="Symbol"/>
+              </a:rPr>
+              <a:t>)</a:t>
+            </a:r>
+          </a:p>
+          <a:p>
+            <a:r>
+              <a:rPr lang="en-US" i="1" dirty="0" smtClean="0">
+                <a:solidFill>
+                  <a:srgbClr val="FFFFFF"/>
+                </a:solidFill>
+                <a:latin typeface="Avenir Light"/>
+                <a:cs typeface="Avenir Light"/>
+                <a:sym typeface="Symbol"/>
+              </a:rPr>
+              <a:t>r </a:t>
+            </a:r>
+            <a:r>
+              <a:rPr lang="en-US" dirty="0" smtClean="0">
+                <a:solidFill>
+                  <a:srgbClr val="FFFFFF"/>
+                </a:solidFill>
+                <a:latin typeface="Avenir Light"/>
+                <a:cs typeface="Avenir Light"/>
+                <a:sym typeface="Symbol"/>
+              </a:rPr>
+              <a:t>= </a:t>
+            </a:r>
+            <a:r>
+              <a:rPr lang="en-US" i="1" dirty="0" smtClean="0">
+                <a:solidFill>
+                  <a:srgbClr val="FFFFFF"/>
+                </a:solidFill>
+                <a:latin typeface="Avenir Light"/>
+                <a:cs typeface="Avenir Light"/>
+                <a:sym typeface="Symbol"/>
+              </a:rPr>
+              <a:t>bytes</a:t>
+            </a:r>
+            <a:r>
+              <a:rPr lang="en-US" dirty="0" smtClean="0">
+                <a:solidFill>
+                  <a:srgbClr val="FFFFFF"/>
+                </a:solidFill>
+                <a:latin typeface="Avenir Light"/>
+                <a:cs typeface="Avenir Light"/>
+                <a:sym typeface="Symbol"/>
+              </a:rPr>
+              <a:t>/</a:t>
+            </a:r>
+            <a:r>
+              <a:rPr lang="en-US" i="1" dirty="0" smtClean="0">
+                <a:solidFill>
+                  <a:srgbClr val="FFFFFF"/>
+                </a:solidFill>
+                <a:latin typeface="Avenir Light"/>
+                <a:cs typeface="Avenir Light"/>
+                <a:sym typeface="Symbol"/>
+              </a:rPr>
+              <a:t>digits</a:t>
+            </a:r>
+            <a:r>
+              <a:rPr lang="en-US" dirty="0" smtClean="0">
+                <a:solidFill>
+                  <a:srgbClr val="FFFFFF"/>
+                </a:solidFill>
+                <a:latin typeface="Avenir Light"/>
+                <a:cs typeface="Avenir Light"/>
+                <a:sym typeface="Symbol"/>
+              </a:rPr>
+              <a:t></a:t>
+            </a:r>
+          </a:p>
+          <a:p>
+            <a:r>
+              <a:rPr lang="en-US" i="1" dirty="0" smtClean="0">
+                <a:solidFill>
+                  <a:srgbClr val="FFFFFF"/>
+                </a:solidFill>
+                <a:latin typeface="Avenir Light"/>
+                <a:cs typeface="Avenir Light"/>
+                <a:sym typeface="Symbol"/>
+              </a:rPr>
+              <a:t>k </a:t>
+            </a:r>
+            <a:r>
+              <a:rPr lang="en-US" dirty="0" smtClean="0">
+                <a:solidFill>
+                  <a:srgbClr val="FFFFFF"/>
+                </a:solidFill>
+                <a:latin typeface="Avenir Light"/>
+                <a:cs typeface="Avenir Light"/>
+                <a:sym typeface="Symbol"/>
+              </a:rPr>
+              <a:t>= 2</a:t>
+            </a:r>
+            <a:r>
+              <a:rPr lang="en-US" i="1" baseline="30000" dirty="0" smtClean="0">
+                <a:solidFill>
+                  <a:srgbClr val="FFFFFF"/>
+                </a:solidFill>
+                <a:latin typeface="Avenir Light"/>
+                <a:cs typeface="Avenir Light"/>
+                <a:sym typeface="Symbol"/>
+              </a:rPr>
+              <a:t>r</a:t>
+            </a:r>
+            <a:r>
+              <a:rPr lang="en-US" dirty="0" smtClean="0">
+                <a:solidFill>
+                  <a:srgbClr val="FFFFFF"/>
+                </a:solidFill>
+                <a:latin typeface="Avenir Light"/>
+                <a:cs typeface="Avenir Light"/>
+                <a:sym typeface="Symbol"/>
+              </a:rPr>
+              <a:t> </a:t>
+            </a:r>
+            <a:endParaRPr lang="en-US" i="1" dirty="0">
+              <a:solidFill>
+                <a:srgbClr val="FFFFFF"/>
+              </a:solidFill>
+              <a:latin typeface="Avenir Light"/>
+              <a:cs typeface="Avenir Light"/>
+            </a:endParaRPr>
           </a:p>
         </p:txBody>
       </p:sp>
+      <p:pic>
+        <p:nvPicPr>
+          <p:cNvPr id="4" name="Picture 3"/>
+          <p:cNvPicPr>
+            <a:picLocks noChangeAspect="1"/>
+          </p:cNvPicPr>
+          <p:nvPr/>
+        </p:nvPicPr>
+        <p:blipFill>
+          <a:blip r:embed="rId2"/>
+          <a:stretch>
+            <a:fillRect/>
+          </a:stretch>
+        </p:blipFill>
+        <p:spPr>
+          <a:xfrm>
+            <a:off x="3975100" y="3187700"/>
+            <a:ext cx="1181100" cy="469900"/>
+          </a:xfrm>
+          <a:prstGeom prst="rect">
+            <a:avLst/>
+          </a:prstGeom>
+        </p:spPr>
+      </p:pic>
+      <p:pic>
+        <p:nvPicPr>
+          <p:cNvPr id="5" name="Picture 4"/>
+          <p:cNvPicPr>
+            <a:picLocks noChangeAspect="1"/>
+          </p:cNvPicPr>
+          <p:nvPr/>
+        </p:nvPicPr>
+        <p:blipFill>
+          <a:blip r:embed="rId3"/>
+          <a:stretch>
+            <a:fillRect/>
+          </a:stretch>
+        </p:blipFill>
+        <p:spPr>
+          <a:xfrm>
+            <a:off x="3975100" y="3187700"/>
+            <a:ext cx="1181100" cy="469900"/>
+          </a:xfrm>
+          <a:prstGeom prst="rect">
+            <a:avLst/>
+          </a:prstGeom>
+        </p:spPr>
+      </p:pic>
     </p:spTree>
     <p:extLst>
       <p:ext uri="{BB962C8B-B14F-4D97-AF65-F5344CB8AC3E}">
-        <p14:creationId xmlns:p14="http://schemas.microsoft.com/office/powerpoint/2010/main" val="2510278604"/>
+        <p14:creationId xmlns:p14="http://schemas.microsoft.com/office/powerpoint/2010/main" val="1892514808"/>
       </p:ext>
     </p:extLst>
   </p:cSld>
@@ -5364,18 +5660,48 @@
           <a:lstStyle/>
           <a:p>
             <a:r>
+              <a:rPr lang="en-US" dirty="0" err="1" smtClean="0">
+                <a:solidFill>
+                  <a:schemeClr val="bg1"/>
+                </a:solidFill>
+                <a:latin typeface="Avenir Next Regular"/>
+                <a:cs typeface="Avenir Next Regular"/>
+              </a:rPr>
+              <a:t>Pseudocode</a:t>
+            </a:r>
+            <a:r>
               <a:rPr lang="en-US" dirty="0" smtClean="0">
                 <a:solidFill>
-                  <a:srgbClr val="FFFFFF"/>
-                </a:solidFill>
-                <a:latin typeface="Avenir Next Regular"/>
-                <a:cs typeface="Avenir Next Regular"/>
-              </a:rPr>
-              <a:t>Complexity</a:t>
+                  <a:schemeClr val="bg1"/>
+                </a:solidFill>
+                <a:latin typeface="Avenir Next Regular"/>
+                <a:cs typeface="Avenir Next Regular"/>
+              </a:rPr>
+              <a:t>: </a:t>
+            </a:r>
+            <a:r>
+              <a:rPr lang="en-US" dirty="0" err="1" smtClean="0">
+                <a:solidFill>
+                  <a:schemeClr val="bg1"/>
+                </a:solidFill>
+                <a:latin typeface="Avenir Next Regular"/>
+                <a:cs typeface="Avenir Next Regular"/>
+              </a:rPr>
+              <a:t>radixSort</a:t>
+            </a:r>
+            <a:r>
+              <a:rPr lang="en-US" dirty="0" smtClean="0">
+                <a:solidFill>
+                  <a:schemeClr val="bg1"/>
+                </a:solidFill>
+                <a:latin typeface="Avenir Next Regular"/>
+                <a:cs typeface="Avenir Next Regular"/>
+              </a:rPr>
+              <a:t>()</a:t>
             </a:r>
             <a:endParaRPr lang="en-US" dirty="0">
               <a:solidFill>
-                <a:srgbClr val="FFFFFF"/>
+                <a:schemeClr val="bg1"/>
               </a:solidFill>
               <a:latin typeface="Avenir Next Regular"/>
               <a:cs typeface="Avenir Next Regular"/>
@@ -5393,33 +5719,98 @@
             <p:ph idx="1"/>
           </p:nvPr>
         </p:nvSpPr>
-        <p:spPr/>
+        <p:spPr>
+          <a:xfrm>
+            <a:off x="457200" y="1417638"/>
+            <a:ext cx="8229600" cy="5213549"/>
+          </a:xfrm>
+        </p:spPr>
         <p:txBody>
-          <a:bodyPr/>
+          <a:bodyPr>
+            <a:normAutofit fontScale="92500" lnSpcReduction="20000"/>
+          </a:bodyPr>
           <a:lstStyle/>
           <a:p>
-            <a:r>
-              <a:rPr lang="en-US" dirty="0" smtClean="0">
-                <a:solidFill>
-                  <a:srgbClr val="FFFFFF"/>
-                </a:solidFill>
-                <a:latin typeface="Avenir Next Regular"/>
-                <a:cs typeface="Avenir Next Regular"/>
-              </a:rPr>
-              <a:t>O(</a:t>
-            </a:r>
-            <a:r>
-              <a:rPr lang="en-US" dirty="0" err="1" smtClean="0">
-                <a:solidFill>
-                  <a:srgbClr val="FFFFFF"/>
-                </a:solidFill>
-                <a:latin typeface="Avenir Next Regular"/>
-                <a:cs typeface="Avenir Next Regular"/>
-              </a:rPr>
-              <a:t>kn</a:t>
-            </a:r>
-            <a:r>
-              <a:rPr lang="en-US" dirty="0" smtClean="0">
+            <a:pPr marL="0" indent="0">
+              <a:lnSpc>
+                <a:spcPct val="150000"/>
+              </a:lnSpc>
+              <a:buNone/>
+            </a:pPr>
+            <a:r>
+              <a:rPr lang="en-US" sz="2400" dirty="0" err="1" smtClean="0">
+                <a:solidFill>
+                  <a:schemeClr val="bg1">
+                    <a:lumMod val="95000"/>
+                  </a:schemeClr>
+                </a:solidFill>
+                <a:latin typeface="Avenir Next Regular"/>
+                <a:cs typeface="Avenir Next Regular"/>
+              </a:rPr>
+              <a:t>radixSort</a:t>
+            </a:r>
+            <a:r>
+              <a:rPr lang="en-US" sz="2400" dirty="0" smtClean="0">
+                <a:solidFill>
+                  <a:srgbClr val="FFFFFF"/>
+                </a:solidFill>
+                <a:latin typeface="Avenir Next Regular"/>
+                <a:cs typeface="Avenir Next Regular"/>
+              </a:rPr>
+              <a:t>(</a:t>
+            </a:r>
+            <a:r>
+              <a:rPr lang="en-US" sz="2400" i="1" dirty="0" smtClean="0">
+                <a:solidFill>
+                  <a:srgbClr val="FFFFFF"/>
+                </a:solidFill>
+                <a:latin typeface="Avenir Next Regular"/>
+                <a:cs typeface="Avenir Next Regular"/>
+              </a:rPr>
+              <a:t>array, size, </a:t>
+            </a:r>
+            <a:r>
+              <a:rPr lang="en-US" sz="2400" i="1" dirty="0" err="1" smtClean="0">
+                <a:solidFill>
+                  <a:srgbClr val="FFFFFF"/>
+                </a:solidFill>
+                <a:latin typeface="Avenir Next Regular"/>
+                <a:cs typeface="Avenir Next Regular"/>
+              </a:rPr>
+              <a:t>maxLength</a:t>
+            </a:r>
+            <a:r>
+              <a:rPr lang="en-US" sz="2400" i="1" dirty="0" smtClean="0">
+                <a:solidFill>
+                  <a:srgbClr val="FFFFFF"/>
+                </a:solidFill>
+                <a:latin typeface="Avenir Next Regular"/>
+                <a:cs typeface="Avenir Next Regular"/>
+              </a:rPr>
+              <a:t>, digits, r</a:t>
+            </a:r>
+            <a:r>
+              <a:rPr lang="en-US" sz="2400" dirty="0" smtClean="0">
+                <a:solidFill>
+                  <a:srgbClr val="FFFFFF"/>
+                </a:solidFill>
+                <a:latin typeface="Avenir Next Regular"/>
+                <a:cs typeface="Avenir Next Regular"/>
+              </a:rPr>
+              <a:t>, </a:t>
+            </a:r>
+            <a:r>
+              <a:rPr lang="en-US" sz="2400" i="1" dirty="0" smtClean="0">
+                <a:solidFill>
+                  <a:srgbClr val="FFFFFF"/>
+                </a:solidFill>
+                <a:latin typeface="Avenir Next Regular"/>
+                <a:cs typeface="Avenir Next Regular"/>
+              </a:rPr>
+              <a:t>k</a:t>
+            </a:r>
+            <a:r>
+              <a:rPr lang="en-US" sz="2400" dirty="0" smtClean="0">
                 <a:solidFill>
                   <a:srgbClr val="FFFFFF"/>
                 </a:solidFill>
@@ -5428,7 +5819,7 @@
               </a:rPr>
               <a:t>)</a:t>
             </a:r>
-            <a:endParaRPr lang="en-US" dirty="0">
+            <a:endParaRPr lang="en-US" sz="2400" dirty="0" smtClean="0">
               <a:solidFill>
                 <a:srgbClr val="FFFFFF"/>
               </a:solidFill>
@@ -5436,12 +5827,845 @@
               <a:cs typeface="Avenir Next Regular"/>
             </a:endParaRPr>
           </a:p>
+          <a:p>
+            <a:pPr marL="0" indent="0">
+              <a:lnSpc>
+                <a:spcPct val="150000"/>
+              </a:lnSpc>
+              <a:buNone/>
+            </a:pPr>
+            <a:r>
+              <a:rPr lang="en-US" sz="2400" dirty="0">
+                <a:solidFill>
+                  <a:srgbClr val="FFFFFF"/>
+                </a:solidFill>
+                <a:latin typeface="Avenir Next Regular"/>
+                <a:cs typeface="Avenir Next Regular"/>
+              </a:rPr>
+              <a:t>	</a:t>
+            </a:r>
+            <a:r>
+              <a:rPr lang="en-US" sz="2400" dirty="0" err="1" smtClean="0">
+                <a:solidFill>
+                  <a:schemeClr val="accent6">
+                    <a:lumMod val="60000"/>
+                    <a:lumOff val="40000"/>
+                  </a:schemeClr>
+                </a:solidFill>
+                <a:latin typeface="Avenir Next Regular"/>
+                <a:cs typeface="Avenir Next Regular"/>
+              </a:rPr>
+              <a:t>int</a:t>
+            </a:r>
+            <a:r>
+              <a:rPr lang="en-US" sz="2400" dirty="0" smtClean="0">
+                <a:solidFill>
+                  <a:schemeClr val="accent6">
+                    <a:lumMod val="60000"/>
+                    <a:lumOff val="40000"/>
+                  </a:schemeClr>
+                </a:solidFill>
+                <a:latin typeface="Avenir Next Regular"/>
+                <a:cs typeface="Avenir Next Regular"/>
+              </a:rPr>
+              <a:t> </a:t>
+            </a:r>
+            <a:r>
+              <a:rPr lang="en-US" sz="2400" i="1" dirty="0" smtClean="0">
+                <a:solidFill>
+                  <a:srgbClr val="FFFFFF"/>
+                </a:solidFill>
+                <a:latin typeface="Avenir Next Regular"/>
+                <a:cs typeface="Avenir Next Regular"/>
+              </a:rPr>
+              <a:t>mod</a:t>
+            </a:r>
+            <a:r>
+              <a:rPr lang="en-US" sz="2400" dirty="0" smtClean="0">
+                <a:solidFill>
+                  <a:srgbClr val="FFFFFF"/>
+                </a:solidFill>
+                <a:latin typeface="Avenir Next Regular"/>
+                <a:cs typeface="Avenir Next Regular"/>
+              </a:rPr>
+              <a:t> = </a:t>
+            </a:r>
+            <a:r>
+              <a:rPr lang="en-US" sz="2400" i="1" dirty="0" smtClean="0">
+                <a:solidFill>
+                  <a:srgbClr val="FFFFFF"/>
+                </a:solidFill>
+                <a:latin typeface="Avenir Next Regular"/>
+                <a:cs typeface="Avenir Next Regular"/>
+              </a:rPr>
+              <a:t>k</a:t>
+            </a:r>
+            <a:r>
+              <a:rPr lang="en-US" sz="2400" dirty="0" smtClean="0">
+                <a:solidFill>
+                  <a:srgbClr val="FFFFFF"/>
+                </a:solidFill>
+                <a:latin typeface="Avenir Next Regular"/>
+                <a:cs typeface="Avenir Next Regular"/>
+              </a:rPr>
+              <a:t>, </a:t>
+            </a:r>
+            <a:r>
+              <a:rPr lang="en-US" sz="2400" i="1" dirty="0" smtClean="0">
+                <a:solidFill>
+                  <a:srgbClr val="FFFFFF"/>
+                </a:solidFill>
+                <a:latin typeface="Avenir Next Regular"/>
+                <a:cs typeface="Avenir Next Regular"/>
+              </a:rPr>
+              <a:t>div</a:t>
+            </a:r>
+            <a:r>
+              <a:rPr lang="en-US" sz="2400" dirty="0" smtClean="0">
+                <a:solidFill>
+                  <a:srgbClr val="FFFFFF"/>
+                </a:solidFill>
+                <a:latin typeface="Avenir Next Regular"/>
+                <a:cs typeface="Avenir Next Regular"/>
+              </a:rPr>
+              <a:t> = </a:t>
+            </a:r>
+            <a:r>
+              <a:rPr lang="en-US" sz="2400" dirty="0" smtClean="0">
+                <a:solidFill>
+                  <a:schemeClr val="accent2">
+                    <a:lumMod val="60000"/>
+                    <a:lumOff val="40000"/>
+                  </a:schemeClr>
+                </a:solidFill>
+                <a:latin typeface="Avenir Next Regular"/>
+                <a:cs typeface="Avenir Next Regular"/>
+              </a:rPr>
+              <a:t>1</a:t>
+            </a:r>
+          </a:p>
+          <a:p>
+            <a:pPr marL="0" indent="0">
+              <a:lnSpc>
+                <a:spcPct val="150000"/>
+              </a:lnSpc>
+              <a:buNone/>
+            </a:pPr>
+            <a:r>
+              <a:rPr lang="en-US" sz="2400" dirty="0">
+                <a:solidFill>
+                  <a:srgbClr val="FFFFFF"/>
+                </a:solidFill>
+                <a:latin typeface="Avenir Next Regular"/>
+                <a:cs typeface="Avenir Next Regular"/>
+              </a:rPr>
+              <a:t>	</a:t>
+            </a:r>
+            <a:r>
+              <a:rPr lang="en-US" sz="2400" dirty="0" smtClean="0">
+                <a:solidFill>
+                  <a:schemeClr val="tx2">
+                    <a:lumMod val="40000"/>
+                    <a:lumOff val="60000"/>
+                  </a:schemeClr>
+                </a:solidFill>
+                <a:latin typeface="Avenir Next Regular"/>
+                <a:cs typeface="Avenir Next Regular"/>
+              </a:rPr>
+              <a:t>for </a:t>
+            </a:r>
+            <a:r>
+              <a:rPr lang="en-US" sz="2400" i="1" dirty="0" err="1" smtClean="0">
+                <a:solidFill>
+                  <a:srgbClr val="FFFFFF"/>
+                </a:solidFill>
+                <a:latin typeface="Avenir Next Regular"/>
+                <a:cs typeface="Avenir Next Regular"/>
+              </a:rPr>
+              <a:t>i</a:t>
+            </a:r>
+            <a:r>
+              <a:rPr lang="en-US" sz="2400" dirty="0" smtClean="0">
+                <a:solidFill>
+                  <a:srgbClr val="FFFFFF"/>
+                </a:solidFill>
+                <a:latin typeface="Avenir Next Regular"/>
+                <a:cs typeface="Avenir Next Regular"/>
+              </a:rPr>
+              <a:t> </a:t>
+            </a:r>
+            <a:r>
+              <a:rPr lang="en-US" sz="2400" dirty="0" smtClean="0">
+                <a:solidFill>
+                  <a:schemeClr val="tx2">
+                    <a:lumMod val="20000"/>
+                    <a:lumOff val="80000"/>
+                  </a:schemeClr>
+                </a:solidFill>
+                <a:latin typeface="Avenir Next Regular"/>
+                <a:cs typeface="Avenir Next Regular"/>
+              </a:rPr>
+              <a:t>from </a:t>
+            </a:r>
+            <a:r>
+              <a:rPr lang="en-US" sz="2400" dirty="0" smtClean="0">
+                <a:solidFill>
+                  <a:srgbClr val="FFFFFF"/>
+                </a:solidFill>
+                <a:latin typeface="Avenir Next Regular"/>
+                <a:cs typeface="Avenir Next Regular"/>
+              </a:rPr>
+              <a:t>0 </a:t>
+            </a:r>
+            <a:r>
+              <a:rPr lang="en-US" sz="2400" dirty="0" smtClean="0">
+                <a:solidFill>
+                  <a:srgbClr val="C6D9F1"/>
+                </a:solidFill>
+                <a:latin typeface="Avenir Next Regular"/>
+                <a:cs typeface="Avenir Next Regular"/>
+              </a:rPr>
+              <a:t>through </a:t>
+            </a:r>
+            <a:r>
+              <a:rPr lang="en-US" sz="2400" i="1" dirty="0" smtClean="0">
+                <a:solidFill>
+                  <a:srgbClr val="FFFFFF"/>
+                </a:solidFill>
+                <a:latin typeface="Avenir Next Regular"/>
+                <a:cs typeface="Avenir Next Regular"/>
+              </a:rPr>
+              <a:t>digits</a:t>
+            </a:r>
+          </a:p>
+          <a:p>
+            <a:pPr marL="0" indent="0">
+              <a:lnSpc>
+                <a:spcPct val="150000"/>
+              </a:lnSpc>
+              <a:buNone/>
+            </a:pPr>
+            <a:r>
+              <a:rPr lang="en-US" sz="2400" dirty="0">
+                <a:solidFill>
+                  <a:srgbClr val="FFFFFF"/>
+                </a:solidFill>
+                <a:latin typeface="Avenir Next Regular"/>
+                <a:cs typeface="Avenir Next Regular"/>
+              </a:rPr>
+              <a:t>	</a:t>
+            </a:r>
+            <a:r>
+              <a:rPr lang="en-US" sz="2400" dirty="0" smtClean="0">
+                <a:solidFill>
+                  <a:srgbClr val="FFFFFF"/>
+                </a:solidFill>
+                <a:latin typeface="Avenir Next Regular"/>
+                <a:cs typeface="Avenir Next Regular"/>
+              </a:rPr>
+              <a:t>	create </a:t>
+            </a:r>
+            <a:r>
+              <a:rPr lang="en-US" sz="2400" dirty="0" smtClean="0">
+                <a:solidFill>
+                  <a:schemeClr val="tx2">
+                    <a:lumMod val="40000"/>
+                    <a:lumOff val="60000"/>
+                  </a:schemeClr>
+                </a:solidFill>
+                <a:latin typeface="Avenir Next Regular"/>
+                <a:cs typeface="Avenir Next Regular"/>
+              </a:rPr>
+              <a:t>new </a:t>
+            </a:r>
+            <a:r>
+              <a:rPr lang="en-US" sz="2400" i="1" dirty="0" err="1" smtClean="0">
+                <a:solidFill>
+                  <a:srgbClr val="FFFFFF"/>
+                </a:solidFill>
+                <a:latin typeface="Avenir Next Regular"/>
+                <a:cs typeface="Avenir Next Regular"/>
+              </a:rPr>
+              <a:t>adjList</a:t>
+            </a:r>
+            <a:endParaRPr lang="en-US" sz="2400" i="1" dirty="0" smtClean="0">
+              <a:solidFill>
+                <a:srgbClr val="FFFFFF"/>
+              </a:solidFill>
+              <a:latin typeface="Avenir Next Regular"/>
+              <a:cs typeface="Avenir Next Regular"/>
+            </a:endParaRPr>
+          </a:p>
+          <a:p>
+            <a:pPr marL="0" indent="0">
+              <a:lnSpc>
+                <a:spcPct val="150000"/>
+              </a:lnSpc>
+              <a:buNone/>
+            </a:pPr>
+            <a:r>
+              <a:rPr lang="en-US" sz="2400" i="1" dirty="0">
+                <a:solidFill>
+                  <a:srgbClr val="FFFFFF"/>
+                </a:solidFill>
+                <a:latin typeface="Avenir Next Regular"/>
+                <a:cs typeface="Avenir Next Regular"/>
+              </a:rPr>
+              <a:t>	</a:t>
+            </a:r>
+            <a:r>
+              <a:rPr lang="en-US" sz="2400" i="1" dirty="0" smtClean="0">
+                <a:solidFill>
+                  <a:srgbClr val="FFFFFF"/>
+                </a:solidFill>
+                <a:latin typeface="Avenir Next Regular"/>
+                <a:cs typeface="Avenir Next Regular"/>
+              </a:rPr>
+              <a:t>	</a:t>
+            </a:r>
+            <a:r>
+              <a:rPr lang="en-US" sz="2400" dirty="0" smtClean="0">
+                <a:solidFill>
+                  <a:schemeClr val="tx2">
+                    <a:lumMod val="40000"/>
+                    <a:lumOff val="60000"/>
+                  </a:schemeClr>
+                </a:solidFill>
+                <a:latin typeface="Avenir Next Regular"/>
+                <a:cs typeface="Avenir Next Regular"/>
+              </a:rPr>
+              <a:t>for</a:t>
+            </a:r>
+            <a:r>
+              <a:rPr lang="en-US" sz="2400" dirty="0" smtClean="0">
+                <a:solidFill>
+                  <a:srgbClr val="FFFFFF"/>
+                </a:solidFill>
+                <a:latin typeface="Avenir Next Regular"/>
+                <a:cs typeface="Avenir Next Regular"/>
+              </a:rPr>
+              <a:t> j </a:t>
+            </a:r>
+            <a:r>
+              <a:rPr lang="en-US" sz="2400" dirty="0" smtClean="0">
+                <a:solidFill>
+                  <a:schemeClr val="tx2">
+                    <a:lumMod val="20000"/>
+                    <a:lumOff val="80000"/>
+                  </a:schemeClr>
+                </a:solidFill>
+                <a:latin typeface="Avenir Next Regular"/>
+                <a:cs typeface="Avenir Next Regular"/>
+              </a:rPr>
+              <a:t>from</a:t>
+            </a:r>
+            <a:r>
+              <a:rPr lang="en-US" sz="2400" dirty="0" smtClean="0">
+                <a:solidFill>
+                  <a:srgbClr val="FFFFFF"/>
+                </a:solidFill>
+                <a:latin typeface="Avenir Next Regular"/>
+                <a:cs typeface="Avenir Next Regular"/>
+              </a:rPr>
+              <a:t> 0 </a:t>
+            </a:r>
+            <a:r>
+              <a:rPr lang="en-US" sz="2400" dirty="0" smtClean="0">
+                <a:solidFill>
+                  <a:srgbClr val="C6D9F1"/>
+                </a:solidFill>
+                <a:latin typeface="Avenir Next Regular"/>
+                <a:cs typeface="Avenir Next Regular"/>
+              </a:rPr>
+              <a:t>through</a:t>
+            </a:r>
+            <a:r>
+              <a:rPr lang="en-US" sz="2400" dirty="0" smtClean="0">
+                <a:solidFill>
+                  <a:srgbClr val="FFFFFF"/>
+                </a:solidFill>
+                <a:latin typeface="Avenir Next Regular"/>
+                <a:cs typeface="Avenir Next Regular"/>
+              </a:rPr>
+              <a:t> </a:t>
+            </a:r>
+            <a:r>
+              <a:rPr lang="en-US" sz="2400" i="1" dirty="0" smtClean="0">
+                <a:solidFill>
+                  <a:srgbClr val="FFFFFF"/>
+                </a:solidFill>
+                <a:latin typeface="Avenir Next Regular"/>
+                <a:cs typeface="Avenir Next Regular"/>
+              </a:rPr>
+              <a:t>k</a:t>
+            </a:r>
+          </a:p>
+          <a:p>
+            <a:pPr marL="0" indent="0">
+              <a:lnSpc>
+                <a:spcPct val="150000"/>
+              </a:lnSpc>
+              <a:buNone/>
+            </a:pPr>
+            <a:r>
+              <a:rPr lang="en-US" sz="2400" i="1" dirty="0">
+                <a:solidFill>
+                  <a:srgbClr val="FFFFFF"/>
+                </a:solidFill>
+                <a:latin typeface="Avenir Next Regular"/>
+                <a:cs typeface="Avenir Next Regular"/>
+              </a:rPr>
+              <a:t>	</a:t>
+            </a:r>
+            <a:r>
+              <a:rPr lang="en-US" sz="2400" i="1" dirty="0" smtClean="0">
+                <a:solidFill>
+                  <a:srgbClr val="FFFFFF"/>
+                </a:solidFill>
+                <a:latin typeface="Avenir Next Regular"/>
+                <a:cs typeface="Avenir Next Regular"/>
+              </a:rPr>
+              <a:t>		</a:t>
+            </a:r>
+            <a:r>
+              <a:rPr lang="en-US" sz="2400" dirty="0" smtClean="0">
+                <a:solidFill>
+                  <a:srgbClr val="FFFFFF"/>
+                </a:solidFill>
+                <a:latin typeface="Avenir Next Regular"/>
+                <a:cs typeface="Avenir Next Regular"/>
+              </a:rPr>
+              <a:t>create </a:t>
+            </a:r>
+            <a:r>
+              <a:rPr lang="en-US" sz="2400" dirty="0" smtClean="0">
+                <a:solidFill>
+                  <a:schemeClr val="tx2">
+                    <a:lumMod val="40000"/>
+                    <a:lumOff val="60000"/>
+                  </a:schemeClr>
+                </a:solidFill>
+                <a:latin typeface="Avenir Next Regular"/>
+                <a:cs typeface="Avenir Next Regular"/>
+              </a:rPr>
+              <a:t>new </a:t>
+            </a:r>
+            <a:r>
+              <a:rPr lang="en-US" sz="2400" dirty="0" smtClean="0">
+                <a:solidFill>
+                  <a:schemeClr val="bg1"/>
+                </a:solidFill>
+                <a:latin typeface="Avenir Next Regular"/>
+                <a:cs typeface="Avenir Next Regular"/>
+              </a:rPr>
+              <a:t>empty </a:t>
+            </a:r>
+            <a:r>
+              <a:rPr lang="en-US" sz="2400" i="1" dirty="0" smtClean="0">
+                <a:solidFill>
+                  <a:srgbClr val="FFFFFF"/>
+                </a:solidFill>
+                <a:latin typeface="Avenir Next Regular"/>
+                <a:cs typeface="Avenir Next Regular"/>
+              </a:rPr>
+              <a:t>list </a:t>
+            </a:r>
+            <a:r>
+              <a:rPr lang="en-US" sz="2400" dirty="0" smtClean="0">
+                <a:solidFill>
+                  <a:srgbClr val="FFFFFF"/>
+                </a:solidFill>
+                <a:latin typeface="Avenir Next Regular"/>
+                <a:cs typeface="Avenir Next Regular"/>
+              </a:rPr>
+              <a:t>at </a:t>
+            </a:r>
+            <a:r>
+              <a:rPr lang="en-US" sz="2400" i="1" dirty="0" err="1" smtClean="0">
+                <a:solidFill>
+                  <a:srgbClr val="FFFFFF"/>
+                </a:solidFill>
+                <a:latin typeface="Avenir Next Regular"/>
+                <a:cs typeface="Avenir Next Regular"/>
+              </a:rPr>
+              <a:t>adjList</a:t>
+            </a:r>
+            <a:r>
+              <a:rPr lang="en-US" sz="2400" dirty="0" smtClean="0">
+                <a:solidFill>
+                  <a:srgbClr val="FFFFFF"/>
+                </a:solidFill>
+                <a:latin typeface="Avenir Next Regular"/>
+                <a:cs typeface="Avenir Next Regular"/>
+              </a:rPr>
+              <a:t>[ </a:t>
+            </a:r>
+            <a:r>
+              <a:rPr lang="en-US" sz="2400" i="1" dirty="0" smtClean="0">
+                <a:solidFill>
+                  <a:srgbClr val="FFFFFF"/>
+                </a:solidFill>
+                <a:latin typeface="Avenir Next Regular"/>
+                <a:cs typeface="Avenir Next Regular"/>
+              </a:rPr>
+              <a:t>j </a:t>
+            </a:r>
+            <a:r>
+              <a:rPr lang="en-US" sz="2400" dirty="0" smtClean="0">
+                <a:solidFill>
+                  <a:srgbClr val="FFFFFF"/>
+                </a:solidFill>
+                <a:latin typeface="Avenir Next Regular"/>
+                <a:cs typeface="Avenir Next Regular"/>
+              </a:rPr>
+              <a:t>]</a:t>
+            </a:r>
+            <a:endParaRPr lang="en-US" sz="2400" i="1" dirty="0" smtClean="0">
+              <a:solidFill>
+                <a:srgbClr val="FFFFFF"/>
+              </a:solidFill>
+              <a:latin typeface="Avenir Next Regular"/>
+              <a:cs typeface="Avenir Next Regular"/>
+            </a:endParaRPr>
+          </a:p>
+          <a:p>
+            <a:pPr marL="0" indent="0">
+              <a:lnSpc>
+                <a:spcPct val="150000"/>
+              </a:lnSpc>
+              <a:buNone/>
+            </a:pPr>
+            <a:r>
+              <a:rPr lang="en-US" sz="2400" i="1" dirty="0">
+                <a:solidFill>
+                  <a:srgbClr val="FFFFFF"/>
+                </a:solidFill>
+                <a:latin typeface="Avenir Next Regular"/>
+                <a:cs typeface="Avenir Next Regular"/>
+              </a:rPr>
+              <a:t>	</a:t>
+            </a:r>
+            <a:r>
+              <a:rPr lang="en-US" sz="2400" i="1" dirty="0" smtClean="0">
+                <a:solidFill>
+                  <a:srgbClr val="FFFFFF"/>
+                </a:solidFill>
+                <a:latin typeface="Avenir Next Regular"/>
+                <a:cs typeface="Avenir Next Regular"/>
+              </a:rPr>
+              <a:t>	</a:t>
+            </a:r>
+            <a:r>
+              <a:rPr lang="en-US" sz="2400" dirty="0" smtClean="0">
+                <a:solidFill>
+                  <a:srgbClr val="FFFFFF"/>
+                </a:solidFill>
+                <a:latin typeface="Avenir Next Regular"/>
+                <a:cs typeface="Avenir Next Regular"/>
+              </a:rPr>
+              <a:t>populate </a:t>
+            </a:r>
+            <a:r>
+              <a:rPr lang="en-US" sz="2400" i="1" dirty="0" err="1" smtClean="0">
+                <a:solidFill>
+                  <a:srgbClr val="FFFFFF"/>
+                </a:solidFill>
+                <a:latin typeface="Avenir Next Regular"/>
+                <a:cs typeface="Avenir Next Regular"/>
+              </a:rPr>
+              <a:t>adjList</a:t>
+            </a:r>
+            <a:r>
+              <a:rPr lang="en-US" sz="2400" i="1" dirty="0" smtClean="0">
+                <a:solidFill>
+                  <a:srgbClr val="FFFFFF"/>
+                </a:solidFill>
+                <a:latin typeface="Avenir Next Regular"/>
+                <a:cs typeface="Avenir Next Regular"/>
+              </a:rPr>
+              <a:t>		</a:t>
+            </a:r>
+            <a:r>
+              <a:rPr lang="en-US" sz="2400" i="1" dirty="0" smtClean="0">
+                <a:solidFill>
+                  <a:srgbClr val="FFFFFF"/>
+                </a:solidFill>
+                <a:latin typeface="Avenir Next Regular"/>
+                <a:cs typeface="Avenir Next Regular"/>
+              </a:rPr>
+              <a:t> 					</a:t>
+            </a:r>
+            <a:r>
+              <a:rPr lang="en-US" sz="2400" dirty="0" smtClean="0">
+                <a:solidFill>
+                  <a:srgbClr val="FFFFFF"/>
+                </a:solidFill>
+                <a:latin typeface="Avenir Next Regular"/>
+                <a:cs typeface="Avenir Next Regular"/>
+              </a:rPr>
+              <a:t>//call </a:t>
+            </a:r>
+            <a:r>
+              <a:rPr lang="en-US" sz="2400" dirty="0" err="1" smtClean="0">
+                <a:solidFill>
+                  <a:srgbClr val="FFFFFF"/>
+                </a:solidFill>
+                <a:latin typeface="Avenir Next Regular"/>
+                <a:cs typeface="Avenir Next Regular"/>
+              </a:rPr>
+              <a:t>popAdjList</a:t>
+            </a:r>
+            <a:r>
+              <a:rPr lang="en-US" sz="2400" dirty="0" smtClean="0">
+                <a:solidFill>
+                  <a:srgbClr val="FFFFFF"/>
+                </a:solidFill>
+                <a:latin typeface="Avenir Next Regular"/>
+                <a:cs typeface="Avenir Next Regular"/>
+              </a:rPr>
+              <a:t>()</a:t>
+            </a:r>
+          </a:p>
+          <a:p>
+            <a:pPr marL="0" indent="0">
+              <a:lnSpc>
+                <a:spcPct val="150000"/>
+              </a:lnSpc>
+              <a:buNone/>
+            </a:pPr>
+            <a:r>
+              <a:rPr lang="en-US" sz="2400" i="1" dirty="0">
+                <a:solidFill>
+                  <a:srgbClr val="FFFFFF"/>
+                </a:solidFill>
+                <a:latin typeface="Avenir Next Regular"/>
+                <a:cs typeface="Avenir Next Regular"/>
+              </a:rPr>
+              <a:t>	</a:t>
+            </a:r>
+            <a:r>
+              <a:rPr lang="en-US" sz="2400" i="1" dirty="0" smtClean="0">
+                <a:solidFill>
+                  <a:srgbClr val="FFFFFF"/>
+                </a:solidFill>
+                <a:latin typeface="Avenir Next Regular"/>
+                <a:cs typeface="Avenir Next Regular"/>
+              </a:rPr>
+              <a:t>	</a:t>
+            </a:r>
+            <a:r>
+              <a:rPr lang="en-US" sz="2400" dirty="0" smtClean="0">
+                <a:solidFill>
+                  <a:srgbClr val="FFFFFF"/>
+                </a:solidFill>
+                <a:latin typeface="Avenir Next Regular"/>
+                <a:cs typeface="Avenir Next Regular"/>
+              </a:rPr>
+              <a:t>repopulate </a:t>
+            </a:r>
+            <a:r>
+              <a:rPr lang="en-US" sz="2400" i="1" dirty="0" smtClean="0">
+                <a:solidFill>
+                  <a:srgbClr val="FFFFFF"/>
+                </a:solidFill>
+                <a:latin typeface="Avenir Next Regular"/>
+                <a:cs typeface="Avenir Next Regular"/>
+              </a:rPr>
+              <a:t>array</a:t>
+            </a:r>
+            <a:r>
+              <a:rPr lang="en-US" sz="2400" dirty="0" smtClean="0">
+                <a:solidFill>
+                  <a:srgbClr val="FFFFFF"/>
+                </a:solidFill>
+                <a:latin typeface="Avenir Next Regular"/>
+                <a:cs typeface="Avenir Next Regular"/>
+              </a:rPr>
+              <a:t> 							//call </a:t>
+            </a:r>
+            <a:r>
+              <a:rPr lang="en-US" sz="2400" dirty="0" err="1" smtClean="0">
+                <a:solidFill>
+                  <a:srgbClr val="FFFFFF"/>
+                </a:solidFill>
+                <a:latin typeface="Avenir Next Regular"/>
+                <a:cs typeface="Avenir Next Regular"/>
+              </a:rPr>
+              <a:t>repopArray</a:t>
+            </a:r>
+            <a:r>
+              <a:rPr lang="en-US" sz="2400" dirty="0" smtClean="0">
+                <a:solidFill>
+                  <a:srgbClr val="FFFFFF"/>
+                </a:solidFill>
+                <a:latin typeface="Avenir Next Regular"/>
+                <a:cs typeface="Avenir Next Regular"/>
+              </a:rPr>
+              <a:t>()</a:t>
+            </a:r>
+          </a:p>
+          <a:p>
+            <a:pPr marL="0" indent="0">
+              <a:lnSpc>
+                <a:spcPct val="150000"/>
+              </a:lnSpc>
+              <a:buNone/>
+            </a:pPr>
+            <a:r>
+              <a:rPr lang="en-US" sz="2400" i="1" dirty="0">
+                <a:solidFill>
+                  <a:srgbClr val="FFFFFF"/>
+                </a:solidFill>
+                <a:latin typeface="Avenir Next Regular"/>
+                <a:cs typeface="Avenir Next Regular"/>
+              </a:rPr>
+              <a:t>	</a:t>
+            </a:r>
+            <a:r>
+              <a:rPr lang="en-US" sz="2400" i="1" dirty="0" smtClean="0">
+                <a:solidFill>
+                  <a:srgbClr val="FFFFFF"/>
+                </a:solidFill>
+                <a:latin typeface="Avenir Next Regular"/>
+                <a:cs typeface="Avenir Next Regular"/>
+              </a:rPr>
+              <a:t>	</a:t>
+            </a:r>
+            <a:r>
+              <a:rPr lang="en-US" sz="2400" dirty="0" smtClean="0">
+                <a:solidFill>
+                  <a:schemeClr val="tx2">
+                    <a:lumMod val="40000"/>
+                    <a:lumOff val="60000"/>
+                  </a:schemeClr>
+                </a:solidFill>
+                <a:latin typeface="Avenir Next Regular"/>
+                <a:cs typeface="Avenir Next Regular"/>
+              </a:rPr>
+              <a:t>delete</a:t>
+            </a:r>
+            <a:r>
+              <a:rPr lang="en-US" sz="2400" dirty="0" smtClean="0">
+                <a:solidFill>
+                  <a:srgbClr val="FFFFFF"/>
+                </a:solidFill>
+                <a:latin typeface="Avenir Next Regular"/>
+                <a:cs typeface="Avenir Next Regular"/>
+              </a:rPr>
+              <a:t> </a:t>
+            </a:r>
+            <a:r>
+              <a:rPr lang="en-US" sz="2400" i="1" dirty="0" err="1" smtClean="0">
+                <a:solidFill>
+                  <a:srgbClr val="FFFFFF"/>
+                </a:solidFill>
+                <a:latin typeface="Avenir Next Regular"/>
+                <a:cs typeface="Avenir Next Regular"/>
+              </a:rPr>
+              <a:t>adjList</a:t>
+            </a:r>
+            <a:endParaRPr lang="en-US" sz="2400" i="1" dirty="0" smtClean="0">
+              <a:solidFill>
+                <a:srgbClr val="FFFFFF"/>
+              </a:solidFill>
+              <a:latin typeface="Avenir Next Regular"/>
+              <a:cs typeface="Avenir Next Regular"/>
+            </a:endParaRPr>
+          </a:p>
+          <a:p>
+            <a:pPr marL="0" indent="0">
+              <a:lnSpc>
+                <a:spcPct val="150000"/>
+              </a:lnSpc>
+              <a:buNone/>
+            </a:pPr>
+            <a:r>
+              <a:rPr lang="en-US" sz="2400" i="1" dirty="0">
+                <a:solidFill>
+                  <a:srgbClr val="FFFFFF"/>
+                </a:solidFill>
+                <a:latin typeface="Avenir Next Regular"/>
+                <a:cs typeface="Avenir Next Regular"/>
+              </a:rPr>
+              <a:t>	</a:t>
+            </a:r>
+            <a:r>
+              <a:rPr lang="en-US" sz="2400" i="1" dirty="0" smtClean="0">
+                <a:solidFill>
+                  <a:srgbClr val="FFFFFF"/>
+                </a:solidFill>
+                <a:latin typeface="Avenir Next Regular"/>
+                <a:cs typeface="Avenir Next Regular"/>
+              </a:rPr>
+              <a:t>	</a:t>
+            </a:r>
+            <a:r>
+              <a:rPr lang="en-US" sz="2400" dirty="0" smtClean="0">
+                <a:solidFill>
+                  <a:schemeClr val="tx2">
+                    <a:lumMod val="20000"/>
+                    <a:lumOff val="80000"/>
+                  </a:schemeClr>
+                </a:solidFill>
+                <a:latin typeface="Avenir Next Regular"/>
+                <a:cs typeface="Avenir Next Regular"/>
+              </a:rPr>
+              <a:t>update</a:t>
+            </a:r>
+            <a:r>
+              <a:rPr lang="en-US" sz="2400" dirty="0" smtClean="0">
+                <a:solidFill>
+                  <a:srgbClr val="FFFFFF"/>
+                </a:solidFill>
+                <a:latin typeface="Avenir Next Regular"/>
+                <a:cs typeface="Avenir Next Regular"/>
+              </a:rPr>
+              <a:t> </a:t>
+            </a:r>
+            <a:r>
+              <a:rPr lang="en-US" sz="2400" i="1" dirty="0" smtClean="0">
+                <a:solidFill>
+                  <a:srgbClr val="FFFFFF"/>
+                </a:solidFill>
+                <a:latin typeface="Avenir Next Regular"/>
+                <a:cs typeface="Avenir Next Regular"/>
+              </a:rPr>
+              <a:t>mod</a:t>
+            </a:r>
+            <a:r>
+              <a:rPr lang="en-US" sz="2400" dirty="0" smtClean="0">
+                <a:solidFill>
+                  <a:srgbClr val="FFFFFF"/>
+                </a:solidFill>
+                <a:latin typeface="Avenir Next Regular"/>
+                <a:cs typeface="Avenir Next Regular"/>
+              </a:rPr>
+              <a:t>, </a:t>
+            </a:r>
+            <a:r>
+              <a:rPr lang="en-US" sz="2400" i="1" dirty="0" smtClean="0">
+                <a:solidFill>
+                  <a:srgbClr val="FFFFFF"/>
+                </a:solidFill>
+                <a:latin typeface="Avenir Next Regular"/>
+                <a:cs typeface="Avenir Next Regular"/>
+              </a:rPr>
+              <a:t>div</a:t>
+            </a:r>
+            <a:endParaRPr lang="en-US" sz="2400" i="1" dirty="0" smtClean="0">
+              <a:solidFill>
+                <a:srgbClr val="FFFFFF"/>
+              </a:solidFill>
+              <a:latin typeface="Avenir Next Regular"/>
+              <a:cs typeface="Avenir Next Regular"/>
+            </a:endParaRPr>
+          </a:p>
         </p:txBody>
       </p:sp>
     </p:spTree>
     <p:extLst>
       <p:ext uri="{BB962C8B-B14F-4D97-AF65-F5344CB8AC3E}">
-        <p14:creationId xmlns:p14="http://schemas.microsoft.com/office/powerpoint/2010/main" val="2098785998"/>
+        <p14:creationId xmlns:p14="http://schemas.microsoft.com/office/powerpoint/2010/main" val="2510278604"/>
       </p:ext>
     </p:extLst>
   </p:cSld>
@@ -5484,21 +6708,51 @@
           <a:lstStyle/>
           <a:p>
             <a:r>
+              <a:rPr lang="en-US" dirty="0" err="1" smtClean="0">
+                <a:solidFill>
+                  <a:srgbClr val="FFFFFF"/>
+                </a:solidFill>
+                <a:latin typeface="Avenir Light"/>
+                <a:cs typeface="Avenir Light"/>
+              </a:rPr>
+              <a:t>Pseudocode</a:t>
+            </a:r>
+            <a:r>
               <a:rPr lang="en-US" dirty="0" smtClean="0">
                 <a:solidFill>
                   <a:srgbClr val="FFFFFF"/>
                 </a:solidFill>
-                <a:latin typeface="Avenir Next Regular"/>
-                <a:cs typeface="Avenir Next Regular"/>
-              </a:rPr>
-              <a:t>Test Results</a:t>
+                <a:latin typeface="Avenir Light"/>
+                <a:cs typeface="Avenir Light"/>
+              </a:rPr>
+              <a:t>: </a:t>
+            </a:r>
+            <a:r>
+              <a:rPr lang="en-US" dirty="0" err="1" smtClean="0">
+                <a:solidFill>
+                  <a:srgbClr val="FFFFFF"/>
+                </a:solidFill>
+                <a:latin typeface="Avenir Light"/>
+                <a:cs typeface="Avenir Light"/>
+              </a:rPr>
+              <a:t>popAdjList</a:t>
+            </a:r>
+            <a:r>
+              <a:rPr lang="en-US" dirty="0" smtClean="0">
+                <a:solidFill>
+                  <a:srgbClr val="FFFFFF"/>
+                </a:solidFill>
+                <a:latin typeface="Avenir Light"/>
+                <a:cs typeface="Avenir Light"/>
+              </a:rPr>
+              <a:t>()</a:t>
             </a:r>
             <a:endParaRPr lang="en-US" dirty="0">
               <a:solidFill>
                 <a:srgbClr val="FFFFFF"/>
               </a:solidFill>
-              <a:latin typeface="Avenir Next Regular"/>
-              <a:cs typeface="Avenir Next Regular"/>
+              <a:latin typeface="Avenir Light"/>
+              <a:cs typeface="Avenir Light"/>
             </a:endParaRPr>
           </a:p>
         </p:txBody>
@@ -5515,109 +6769,682 @@
         </p:nvSpPr>
         <p:spPr/>
         <p:txBody>
-          <a:bodyPr/>
+          <a:bodyPr>
+            <a:normAutofit/>
+          </a:bodyPr>
           <a:lstStyle/>
           <a:p>
-            <a:r>
-              <a:rPr lang="en-US" dirty="0" smtClean="0">
-                <a:solidFill>
-                  <a:srgbClr val="FFFFFF"/>
-                </a:solidFill>
-                <a:latin typeface="Avenir Next Regular"/>
-                <a:cs typeface="Avenir Next Regular"/>
-              </a:rPr>
-              <a:t>Best </a:t>
-            </a:r>
-            <a:r>
-              <a:rPr lang="en-US" i="1" dirty="0" smtClean="0">
-                <a:solidFill>
-                  <a:srgbClr val="FFFFFF"/>
-                </a:solidFill>
-                <a:latin typeface="Avenir Next Regular"/>
-                <a:cs typeface="Avenir Next Regular"/>
-              </a:rPr>
-              <a:t>d</a:t>
-            </a:r>
-            <a:r>
-              <a:rPr lang="en-US" dirty="0" smtClean="0">
-                <a:solidFill>
-                  <a:srgbClr val="FFFFFF"/>
-                </a:solidFill>
-                <a:latin typeface="Avenir Next Regular"/>
-                <a:cs typeface="Avenir Next Regular"/>
-              </a:rPr>
-              <a:t> for 20 digit decimal</a:t>
-            </a:r>
-          </a:p>
-          <a:p>
-            <a:r>
-              <a:rPr lang="en-US" dirty="0" smtClean="0">
-                <a:solidFill>
-                  <a:srgbClr val="FFFFFF"/>
-                </a:solidFill>
-                <a:latin typeface="Avenir Next Regular"/>
-                <a:cs typeface="Avenir Next Regular"/>
-              </a:rPr>
-              <a:t>Best </a:t>
-            </a:r>
-            <a:r>
-              <a:rPr lang="en-US" i="1" dirty="0" smtClean="0">
-                <a:solidFill>
-                  <a:srgbClr val="FFFFFF"/>
-                </a:solidFill>
-                <a:latin typeface="Avenir Next Regular"/>
-                <a:cs typeface="Avenir Next Regular"/>
-              </a:rPr>
-              <a:t>d </a:t>
-            </a:r>
-            <a:r>
-              <a:rPr lang="en-US" dirty="0" smtClean="0">
-                <a:solidFill>
-                  <a:srgbClr val="FFFFFF"/>
-                </a:solidFill>
-                <a:latin typeface="Avenir Next Regular"/>
-                <a:cs typeface="Avenir Next Regular"/>
-              </a:rPr>
-              <a:t>for 10 digit decimal</a:t>
-            </a:r>
-          </a:p>
-          <a:p>
-            <a:r>
-              <a:rPr lang="en-US" dirty="0" smtClean="0">
-                <a:solidFill>
-                  <a:srgbClr val="FFFFFF"/>
-                </a:solidFill>
-                <a:latin typeface="Avenir Next Regular"/>
-                <a:cs typeface="Avenir Next Regular"/>
-              </a:rPr>
-              <a:t>//Graphs of results of different </a:t>
-            </a:r>
-            <a:r>
-              <a:rPr lang="en-US" i="1" dirty="0" smtClean="0">
-                <a:solidFill>
-                  <a:srgbClr val="FFFFFF"/>
-                </a:solidFill>
-                <a:latin typeface="Avenir Next Regular"/>
-                <a:cs typeface="Avenir Next Regular"/>
-              </a:rPr>
-              <a:t>d</a:t>
-            </a:r>
-            <a:r>
-              <a:rPr lang="en-US" dirty="0" smtClean="0">
-                <a:solidFill>
-                  <a:srgbClr val="FFFFFF"/>
-                </a:solidFill>
-                <a:latin typeface="Avenir Next Regular"/>
-                <a:cs typeface="Avenir Next Regular"/>
-              </a:rPr>
-              <a:t>’s for 10d and 20d</a:t>
-            </a:r>
-            <a:endParaRPr lang="en-US" dirty="0">
+            <a:pPr marL="0" indent="0">
+              <a:buNone/>
+            </a:pPr>
+            <a:r>
+              <a:rPr lang="en-US" sz="2800" dirty="0" err="1" smtClean="0">
+                <a:solidFill>
+                  <a:srgbClr val="FFFFFF"/>
+                </a:solidFill>
+                <a:latin typeface="Avenir Light"/>
+                <a:cs typeface="Avenir Light"/>
+              </a:rPr>
+              <a:t>popAdjList</a:t>
+            </a:r>
+            <a:r>
+              <a:rPr lang="en-US" sz="2800" dirty="0" smtClean="0">
+                <a:solidFill>
+                  <a:srgbClr val="FFFFFF"/>
+                </a:solidFill>
+                <a:latin typeface="Avenir Light"/>
+                <a:cs typeface="Avenir Light"/>
+              </a:rPr>
+              <a:t>(</a:t>
+            </a:r>
+            <a:r>
+              <a:rPr lang="en-US" sz="2800" i="1" dirty="0" err="1" smtClean="0">
+                <a:solidFill>
+                  <a:srgbClr val="FFFFFF"/>
+                </a:solidFill>
+                <a:latin typeface="Avenir Light"/>
+                <a:cs typeface="Avenir Light"/>
+              </a:rPr>
+              <a:t>adjList</a:t>
+            </a:r>
+            <a:r>
+              <a:rPr lang="en-US" sz="2800" dirty="0" smtClean="0">
+                <a:solidFill>
+                  <a:srgbClr val="FFFFFF"/>
+                </a:solidFill>
+                <a:latin typeface="Avenir Light"/>
+                <a:cs typeface="Avenir Light"/>
+              </a:rPr>
+              <a:t>, </a:t>
+            </a:r>
+            <a:r>
+              <a:rPr lang="en-US" sz="2800" i="1" dirty="0" smtClean="0">
+                <a:solidFill>
+                  <a:srgbClr val="FFFFFF"/>
+                </a:solidFill>
+                <a:latin typeface="Avenir Light"/>
+                <a:cs typeface="Avenir Light"/>
+              </a:rPr>
+              <a:t>array</a:t>
+            </a:r>
+            <a:r>
+              <a:rPr lang="en-US" sz="2800" dirty="0" smtClean="0">
+                <a:solidFill>
+                  <a:srgbClr val="FFFFFF"/>
+                </a:solidFill>
+                <a:latin typeface="Avenir Light"/>
+                <a:cs typeface="Avenir Light"/>
+              </a:rPr>
+              <a:t>, </a:t>
+            </a:r>
+            <a:r>
+              <a:rPr lang="en-US" sz="2800" i="1" dirty="0" smtClean="0">
+                <a:solidFill>
+                  <a:srgbClr val="FFFFFF"/>
+                </a:solidFill>
+                <a:latin typeface="Avenir Light"/>
+                <a:cs typeface="Avenir Light"/>
+              </a:rPr>
+              <a:t>size</a:t>
+            </a:r>
+            <a:r>
+              <a:rPr lang="en-US" sz="2800" dirty="0" smtClean="0">
+                <a:solidFill>
+                  <a:srgbClr val="FFFFFF"/>
+                </a:solidFill>
+                <a:latin typeface="Avenir Light"/>
+                <a:cs typeface="Avenir Light"/>
+              </a:rPr>
+              <a:t>, </a:t>
+            </a:r>
+            <a:r>
+              <a:rPr lang="en-US" sz="2800" i="1" dirty="0" smtClean="0">
+                <a:solidFill>
+                  <a:srgbClr val="FFFFFF"/>
+                </a:solidFill>
+                <a:latin typeface="Avenir Light"/>
+                <a:cs typeface="Avenir Light"/>
+              </a:rPr>
+              <a:t>mod</a:t>
+            </a:r>
+            <a:r>
+              <a:rPr lang="en-US" sz="2800" dirty="0" smtClean="0">
+                <a:solidFill>
+                  <a:srgbClr val="FFFFFF"/>
+                </a:solidFill>
+                <a:latin typeface="Avenir Light"/>
+                <a:cs typeface="Avenir Light"/>
+              </a:rPr>
+              <a:t>, </a:t>
+            </a:r>
+            <a:r>
+              <a:rPr lang="en-US" sz="2800" i="1" dirty="0" smtClean="0">
+                <a:solidFill>
+                  <a:srgbClr val="FFFFFF"/>
+                </a:solidFill>
+                <a:latin typeface="Avenir Light"/>
+                <a:cs typeface="Avenir Light"/>
+              </a:rPr>
+              <a:t>div)</a:t>
+            </a:r>
+          </a:p>
+          <a:p>
+            <a:pPr marL="0" indent="0">
+              <a:buNone/>
+            </a:pPr>
+            <a:r>
+              <a:rPr lang="en-US" sz="2800" i="1" dirty="0">
+                <a:solidFill>
+                  <a:srgbClr val="FFFFFF"/>
+                </a:solidFill>
+                <a:latin typeface="Avenir Light"/>
+                <a:cs typeface="Avenir Light"/>
+              </a:rPr>
+              <a:t>	</a:t>
+            </a:r>
+            <a:r>
+              <a:rPr lang="en-US" sz="2800" dirty="0" err="1" smtClean="0">
+                <a:solidFill>
+                  <a:schemeClr val="accent6">
+                    <a:lumMod val="60000"/>
+                    <a:lumOff val="40000"/>
+                  </a:schemeClr>
+                </a:solidFill>
+                <a:latin typeface="Avenir Light"/>
+                <a:cs typeface="Avenir Light"/>
+              </a:rPr>
+              <a:t>int</a:t>
+            </a:r>
+            <a:r>
+              <a:rPr lang="en-US" sz="2800" dirty="0" smtClean="0">
+                <a:solidFill>
+                  <a:schemeClr val="accent6">
+                    <a:lumMod val="60000"/>
+                    <a:lumOff val="40000"/>
+                  </a:schemeClr>
+                </a:solidFill>
+                <a:latin typeface="Avenir Light"/>
+                <a:cs typeface="Avenir Light"/>
+              </a:rPr>
+              <a:t> </a:t>
+            </a:r>
+            <a:r>
+              <a:rPr lang="en-US" sz="2800" i="1" dirty="0" smtClean="0">
+                <a:solidFill>
+                  <a:srgbClr val="FFFFFF"/>
+                </a:solidFill>
+                <a:latin typeface="Avenir Light"/>
+                <a:cs typeface="Avenir Light"/>
+              </a:rPr>
+              <a:t>temp</a:t>
+            </a:r>
+            <a:r>
+              <a:rPr lang="en-US" sz="2800" dirty="0">
+                <a:solidFill>
+                  <a:srgbClr val="FFFFFF"/>
+                </a:solidFill>
+                <a:latin typeface="Avenir Light"/>
+                <a:cs typeface="Avenir Light"/>
+              </a:rPr>
+              <a:t>,</a:t>
+            </a:r>
+            <a:r>
+              <a:rPr lang="en-US" sz="2800" i="1" dirty="0" smtClean="0">
+                <a:solidFill>
+                  <a:srgbClr val="FFFFFF"/>
+                </a:solidFill>
+                <a:latin typeface="Avenir Light"/>
+                <a:cs typeface="Avenir Light"/>
+              </a:rPr>
+              <a:t> empty</a:t>
+            </a:r>
+          </a:p>
+          <a:p>
+            <a:pPr marL="0" indent="0">
+              <a:buNone/>
+            </a:pPr>
+            <a:r>
+              <a:rPr lang="en-US" sz="2800" i="1" dirty="0">
+                <a:solidFill>
+                  <a:srgbClr val="FFFFFF"/>
+                </a:solidFill>
+                <a:latin typeface="Avenir Light"/>
+                <a:cs typeface="Avenir Light"/>
+              </a:rPr>
+              <a:t>	</a:t>
+            </a:r>
+            <a:r>
+              <a:rPr lang="en-US" sz="2800" dirty="0" smtClean="0">
+                <a:solidFill>
+                  <a:schemeClr val="tx2">
+                    <a:lumMod val="40000"/>
+                    <a:lumOff val="60000"/>
+                  </a:schemeClr>
+                </a:solidFill>
+                <a:latin typeface="Avenir Light"/>
+                <a:cs typeface="Avenir Light"/>
+              </a:rPr>
+              <a:t>for</a:t>
+            </a:r>
+            <a:r>
+              <a:rPr lang="en-US" sz="2800" dirty="0" smtClean="0">
+                <a:solidFill>
+                  <a:srgbClr val="FFFFFF"/>
+                </a:solidFill>
+                <a:latin typeface="Avenir Light"/>
+                <a:cs typeface="Avenir Light"/>
+              </a:rPr>
+              <a:t> </a:t>
+            </a:r>
+            <a:r>
+              <a:rPr lang="en-US" sz="2800" i="1" dirty="0" err="1" smtClean="0">
+                <a:solidFill>
+                  <a:srgbClr val="FFFFFF"/>
+                </a:solidFill>
+                <a:latin typeface="Avenir Light"/>
+                <a:cs typeface="Avenir Light"/>
+              </a:rPr>
+              <a:t>i</a:t>
+            </a:r>
+            <a:r>
+              <a:rPr lang="en-US" sz="2800" dirty="0" smtClean="0">
+                <a:solidFill>
+                  <a:srgbClr val="FFFFFF"/>
+                </a:solidFill>
+                <a:latin typeface="Avenir Light"/>
+                <a:cs typeface="Avenir Light"/>
+              </a:rPr>
+              <a:t> </a:t>
+            </a:r>
+            <a:r>
+              <a:rPr lang="en-US" sz="2800" dirty="0" smtClean="0">
+                <a:solidFill>
+                  <a:schemeClr val="accent1">
+                    <a:lumMod val="20000"/>
+                    <a:lumOff val="80000"/>
+                  </a:schemeClr>
+                </a:solidFill>
+                <a:latin typeface="Avenir Light"/>
+                <a:cs typeface="Avenir Light"/>
+              </a:rPr>
+              <a:t>from</a:t>
+            </a:r>
+            <a:r>
+              <a:rPr lang="en-US" sz="2800" dirty="0" smtClean="0">
+                <a:solidFill>
+                  <a:srgbClr val="FFFFFF"/>
+                </a:solidFill>
+                <a:latin typeface="Avenir Light"/>
+                <a:cs typeface="Avenir Light"/>
+              </a:rPr>
+              <a:t> </a:t>
+            </a:r>
+            <a:r>
+              <a:rPr lang="en-US" sz="2800" dirty="0" smtClean="0">
+                <a:solidFill>
+                  <a:schemeClr val="accent2">
+                    <a:lumMod val="60000"/>
+                    <a:lumOff val="40000"/>
+                  </a:schemeClr>
+                </a:solidFill>
+                <a:latin typeface="Avenir Light"/>
+                <a:cs typeface="Avenir Light"/>
+              </a:rPr>
+              <a:t>0</a:t>
+            </a:r>
+            <a:r>
+              <a:rPr lang="en-US" sz="2800" dirty="0" smtClean="0">
+                <a:solidFill>
+                  <a:srgbClr val="FFFFFF"/>
+                </a:solidFill>
+                <a:latin typeface="Avenir Light"/>
+                <a:cs typeface="Avenir Light"/>
+              </a:rPr>
+              <a:t> </a:t>
+            </a:r>
+            <a:r>
+              <a:rPr lang="en-US" sz="2800" dirty="0" smtClean="0">
+                <a:solidFill>
+                  <a:srgbClr val="DCE6F2"/>
+                </a:solidFill>
+                <a:latin typeface="Avenir Light"/>
+                <a:cs typeface="Avenir Light"/>
+              </a:rPr>
+              <a:t>to</a:t>
+            </a:r>
+            <a:r>
+              <a:rPr lang="en-US" sz="2800" dirty="0" smtClean="0">
+                <a:solidFill>
+                  <a:srgbClr val="FFFFFF"/>
+                </a:solidFill>
+                <a:latin typeface="Avenir Light"/>
+                <a:cs typeface="Avenir Light"/>
+              </a:rPr>
+              <a:t> size</a:t>
+            </a:r>
+          </a:p>
+          <a:p>
+            <a:pPr marL="0" indent="0">
+              <a:buNone/>
+            </a:pPr>
+            <a:r>
+              <a:rPr lang="en-US" sz="2800" dirty="0">
+                <a:solidFill>
+                  <a:srgbClr val="FFFFFF"/>
+                </a:solidFill>
+                <a:latin typeface="Avenir Light"/>
+                <a:cs typeface="Avenir Light"/>
+              </a:rPr>
+              <a:t>	</a:t>
+            </a:r>
+            <a:r>
+              <a:rPr lang="en-US" sz="2800" dirty="0" smtClean="0">
+                <a:solidFill>
+                  <a:srgbClr val="FFFFFF"/>
+                </a:solidFill>
+                <a:latin typeface="Avenir Light"/>
+                <a:cs typeface="Avenir Light"/>
+              </a:rPr>
+              <a:t> 	</a:t>
+            </a:r>
+            <a:r>
+              <a:rPr lang="en-US" sz="2800" i="1" dirty="0" smtClean="0">
+                <a:solidFill>
+                  <a:srgbClr val="FFFFFF"/>
+                </a:solidFill>
+                <a:latin typeface="Avenir Light"/>
+                <a:cs typeface="Avenir Light"/>
+              </a:rPr>
+              <a:t>temp</a:t>
+            </a:r>
+            <a:r>
+              <a:rPr lang="en-US" sz="2800" dirty="0" smtClean="0">
+                <a:solidFill>
+                  <a:srgbClr val="FFFFFF"/>
+                </a:solidFill>
+                <a:latin typeface="Avenir Light"/>
+                <a:cs typeface="Avenir Light"/>
+              </a:rPr>
+              <a:t> = </a:t>
+            </a:r>
+            <a:r>
+              <a:rPr lang="en-US" sz="2800" i="1" dirty="0" smtClean="0">
+                <a:solidFill>
+                  <a:srgbClr val="FFFFFF"/>
+                </a:solidFill>
+                <a:latin typeface="Avenir Light"/>
+                <a:cs typeface="Avenir Light"/>
+              </a:rPr>
+              <a:t>array</a:t>
+            </a:r>
+            <a:r>
+              <a:rPr lang="en-US" sz="2800" dirty="0" smtClean="0">
+                <a:solidFill>
+                  <a:srgbClr val="FFFFFF"/>
+                </a:solidFill>
+                <a:latin typeface="Avenir Light"/>
+                <a:cs typeface="Avenir Light"/>
+              </a:rPr>
+              <a:t>[ </a:t>
+            </a:r>
+            <a:r>
+              <a:rPr lang="en-US" sz="2800" i="1" dirty="0" err="1" smtClean="0">
+                <a:solidFill>
+                  <a:srgbClr val="FFFFFF"/>
+                </a:solidFill>
+                <a:latin typeface="Avenir Light"/>
+                <a:cs typeface="Avenir Light"/>
+              </a:rPr>
+              <a:t>i</a:t>
+            </a:r>
+            <a:r>
+              <a:rPr lang="en-US" sz="2800" dirty="0" smtClean="0">
+                <a:solidFill>
+                  <a:srgbClr val="FFFFFF"/>
+                </a:solidFill>
+                <a:latin typeface="Avenir Light"/>
+                <a:cs typeface="Avenir Light"/>
+              </a:rPr>
+              <a:t> ]</a:t>
+            </a:r>
+          </a:p>
+          <a:p>
+            <a:pPr marL="0" indent="0">
+              <a:buNone/>
+            </a:pPr>
+            <a:r>
+              <a:rPr lang="en-US" sz="2800" dirty="0">
+                <a:solidFill>
+                  <a:srgbClr val="FFFFFF"/>
+                </a:solidFill>
+                <a:latin typeface="Avenir Light"/>
+                <a:cs typeface="Avenir Light"/>
+              </a:rPr>
+              <a:t>	</a:t>
+            </a:r>
+            <a:r>
+              <a:rPr lang="en-US" sz="2800" dirty="0" smtClean="0">
+                <a:solidFill>
+                  <a:srgbClr val="FFFFFF"/>
+                </a:solidFill>
+                <a:latin typeface="Avenir Light"/>
+                <a:cs typeface="Avenir Light"/>
+              </a:rPr>
+              <a:t> 	</a:t>
+            </a:r>
+            <a:r>
+              <a:rPr lang="en-US" sz="2800" i="1" dirty="0" smtClean="0">
+                <a:solidFill>
+                  <a:srgbClr val="FFFFFF"/>
+                </a:solidFill>
+                <a:latin typeface="Avenir Light"/>
+                <a:cs typeface="Avenir Light"/>
+              </a:rPr>
+              <a:t>temp </a:t>
+            </a:r>
+            <a:r>
+              <a:rPr lang="en-US" sz="2800" dirty="0" smtClean="0">
+                <a:solidFill>
+                  <a:srgbClr val="FFFFFF"/>
+                </a:solidFill>
+                <a:latin typeface="Avenir Light"/>
+                <a:cs typeface="Avenir Light"/>
+              </a:rPr>
+              <a:t>/ </a:t>
+            </a:r>
+            <a:r>
+              <a:rPr lang="en-US" sz="2800" i="1" dirty="0" smtClean="0">
+                <a:solidFill>
+                  <a:srgbClr val="FFFFFF"/>
+                </a:solidFill>
+                <a:latin typeface="Avenir Light"/>
+                <a:cs typeface="Avenir Light"/>
+              </a:rPr>
+              <a:t>mod</a:t>
+            </a:r>
+            <a:r>
+              <a:rPr lang="en-US" sz="2800" dirty="0" smtClean="0">
+                <a:solidFill>
+                  <a:srgbClr val="FFFFFF"/>
+                </a:solidFill>
+                <a:latin typeface="Avenir Light"/>
+                <a:cs typeface="Avenir Light"/>
+              </a:rPr>
+              <a:t> = empty</a:t>
+            </a:r>
+          </a:p>
+          <a:p>
+            <a:pPr marL="0" indent="0">
+              <a:buNone/>
+            </a:pPr>
+            <a:r>
+              <a:rPr lang="en-US" sz="2800" dirty="0">
+                <a:solidFill>
+                  <a:srgbClr val="FFFFFF"/>
+                </a:solidFill>
+                <a:latin typeface="Avenir Light"/>
+                <a:cs typeface="Avenir Light"/>
+              </a:rPr>
+              <a:t>	</a:t>
+            </a:r>
+            <a:r>
+              <a:rPr lang="en-US" sz="2800" dirty="0" smtClean="0">
+                <a:solidFill>
+                  <a:srgbClr val="FFFFFF"/>
+                </a:solidFill>
+                <a:latin typeface="Avenir Light"/>
+                <a:cs typeface="Avenir Light"/>
+              </a:rPr>
+              <a:t> 	</a:t>
+            </a:r>
+            <a:r>
+              <a:rPr lang="en-US" sz="2800" i="1" dirty="0" smtClean="0">
+                <a:solidFill>
+                  <a:srgbClr val="FFFFFF"/>
+                </a:solidFill>
+                <a:latin typeface="Avenir Light"/>
+                <a:cs typeface="Avenir Light"/>
+              </a:rPr>
+              <a:t>temp %= mod</a:t>
+            </a:r>
+            <a:endParaRPr lang="en-US" sz="2800" dirty="0" smtClean="0">
               <a:solidFill>
                 <a:srgbClr val="FFFFFF"/>
               </a:solidFill>
-              <a:latin typeface="Avenir Next Regular"/>
-              <a:cs typeface="Avenir Next Regular"/>
+              <a:latin typeface="Avenir Light"/>
+              <a:cs typeface="Avenir Light"/>
+            </a:endParaRPr>
+          </a:p>
+          <a:p>
+            <a:pPr marL="0" indent="0">
+              <a:buNone/>
+            </a:pPr>
+            <a:r>
+              <a:rPr lang="en-US" sz="2800" dirty="0" smtClean="0">
+                <a:solidFill>
+                  <a:srgbClr val="FFFFFF"/>
+                </a:solidFill>
+                <a:latin typeface="Avenir Light"/>
+                <a:cs typeface="Avenir Light"/>
+              </a:rPr>
+              <a:t> 		 </a:t>
+            </a:r>
+            <a:r>
+              <a:rPr lang="en-US" sz="2800" dirty="0">
+                <a:solidFill>
+                  <a:srgbClr val="FFFFFF"/>
+                </a:solidFill>
+                <a:latin typeface="Avenir Light"/>
+                <a:cs typeface="Avenir Light"/>
+              </a:rPr>
+              <a:t>	</a:t>
+            </a:r>
+            <a:r>
+              <a:rPr lang="en-US" sz="2800" dirty="0" smtClean="0">
+                <a:solidFill>
+                  <a:srgbClr val="DCE6F2"/>
+                </a:solidFill>
+                <a:latin typeface="Avenir Light"/>
+                <a:cs typeface="Avenir Light"/>
+              </a:rPr>
+              <a:t>append</a:t>
+            </a:r>
+            <a:r>
+              <a:rPr lang="en-US" sz="2800" dirty="0" smtClean="0">
+                <a:solidFill>
+                  <a:srgbClr val="FFFFFF"/>
+                </a:solidFill>
+                <a:latin typeface="Avenir Light"/>
+                <a:cs typeface="Avenir Light"/>
+              </a:rPr>
+              <a:t> </a:t>
+            </a:r>
+            <a:r>
+              <a:rPr lang="en-US" sz="2800" i="1" dirty="0" smtClean="0">
+                <a:solidFill>
+                  <a:srgbClr val="FFFFFF"/>
+                </a:solidFill>
+                <a:latin typeface="Avenir Light"/>
+                <a:cs typeface="Avenir Light"/>
+              </a:rPr>
+              <a:t>array</a:t>
+            </a:r>
+            <a:r>
+              <a:rPr lang="en-US" sz="2800" dirty="0" smtClean="0">
+                <a:solidFill>
+                  <a:srgbClr val="FFFFFF"/>
+                </a:solidFill>
+                <a:latin typeface="Avenir Light"/>
+                <a:cs typeface="Avenir Light"/>
+              </a:rPr>
+              <a:t>[ </a:t>
+            </a:r>
+            <a:r>
+              <a:rPr lang="en-US" sz="2800" i="1" dirty="0" err="1">
+                <a:solidFill>
+                  <a:srgbClr val="FFFFFF"/>
+                </a:solidFill>
+                <a:latin typeface="Avenir Light"/>
+                <a:cs typeface="Avenir Light"/>
+              </a:rPr>
+              <a:t>i</a:t>
+            </a:r>
+            <a:r>
+              <a:rPr lang="en-US" sz="2800" dirty="0" smtClean="0">
+                <a:solidFill>
+                  <a:srgbClr val="FFFFFF"/>
+                </a:solidFill>
+                <a:latin typeface="Avenir Light"/>
+                <a:cs typeface="Avenir Light"/>
+              </a:rPr>
+              <a:t> ] </a:t>
+            </a:r>
+            <a:r>
+              <a:rPr lang="en-US" sz="2800" dirty="0" smtClean="0">
+                <a:solidFill>
+                  <a:srgbClr val="DCE6F2"/>
+                </a:solidFill>
+                <a:latin typeface="Avenir Light"/>
+                <a:cs typeface="Avenir Light"/>
+              </a:rPr>
+              <a:t>to</a:t>
+            </a:r>
+            <a:r>
+              <a:rPr lang="en-US" sz="2800" dirty="0" smtClean="0">
+                <a:solidFill>
+                  <a:srgbClr val="FFFFFF"/>
+                </a:solidFill>
+                <a:latin typeface="Avenir Light"/>
+                <a:cs typeface="Avenir Light"/>
+              </a:rPr>
+              <a:t> </a:t>
+            </a:r>
+            <a:r>
+              <a:rPr lang="en-US" sz="2800" i="1" dirty="0" err="1" smtClean="0">
+                <a:solidFill>
+                  <a:srgbClr val="FFFFFF"/>
+                </a:solidFill>
+                <a:latin typeface="Avenir Light"/>
+                <a:cs typeface="Avenir Light"/>
+              </a:rPr>
+              <a:t>adjList</a:t>
+            </a:r>
+            <a:r>
+              <a:rPr lang="en-US" sz="2800" dirty="0" smtClean="0">
+                <a:solidFill>
+                  <a:srgbClr val="FFFFFF"/>
+                </a:solidFill>
+                <a:latin typeface="Avenir Light"/>
+                <a:cs typeface="Avenir Light"/>
+              </a:rPr>
+              <a:t>[(</a:t>
+            </a:r>
+            <a:r>
+              <a:rPr lang="en-US" sz="2800" i="1" dirty="0" smtClean="0">
+                <a:solidFill>
+                  <a:srgbClr val="FFFFFF"/>
+                </a:solidFill>
+                <a:latin typeface="Avenir Light"/>
+                <a:cs typeface="Avenir Light"/>
+              </a:rPr>
+              <a:t>temp</a:t>
+            </a:r>
+            <a:r>
+              <a:rPr lang="en-US" sz="2800" dirty="0" smtClean="0">
+                <a:solidFill>
+                  <a:srgbClr val="FFFFFF"/>
+                </a:solidFill>
+                <a:latin typeface="Avenir Light"/>
+                <a:cs typeface="Avenir Light"/>
+              </a:rPr>
+              <a:t>/</a:t>
+            </a:r>
+            <a:r>
+              <a:rPr lang="en-US" sz="2800" i="1" dirty="0" smtClean="0">
+                <a:solidFill>
+                  <a:srgbClr val="FFFFFF"/>
+                </a:solidFill>
+                <a:latin typeface="Avenir Light"/>
+                <a:cs typeface="Avenir Light"/>
+              </a:rPr>
+              <a:t>div</a:t>
+            </a:r>
+            <a:r>
+              <a:rPr lang="en-US" sz="2800" dirty="0" smtClean="0">
+                <a:solidFill>
+                  <a:srgbClr val="FFFFFF"/>
+                </a:solidFill>
+                <a:latin typeface="Avenir Light"/>
+                <a:cs typeface="Avenir Light"/>
+              </a:rPr>
+              <a:t>)]</a:t>
+            </a:r>
+            <a:endParaRPr lang="en-US" sz="2800" i="1" dirty="0" smtClean="0">
+              <a:solidFill>
+                <a:srgbClr val="FFFFFF"/>
+              </a:solidFill>
+              <a:latin typeface="Avenir Light"/>
+              <a:cs typeface="Avenir Light"/>
             </a:endParaRPr>
           </a:p>
         </p:txBody>
@@ -5625,7 +7452,7 @@
     </p:spTree>
     <p:extLst>
       <p:ext uri="{BB962C8B-B14F-4D97-AF65-F5344CB8AC3E}">
-        <p14:creationId xmlns:p14="http://schemas.microsoft.com/office/powerpoint/2010/main" val="4088610691"/>
+        <p14:creationId xmlns:p14="http://schemas.microsoft.com/office/powerpoint/2010/main" val="3666630167"/>
       </p:ext>
     </p:extLst>
   </p:cSld>
@@ -5662,37 +7489,848 @@
             <p:ph type="title"/>
           </p:nvPr>
         </p:nvSpPr>
-        <p:spPr>
-          <a:xfrm>
-            <a:off x="457200" y="1995954"/>
-            <a:ext cx="8229600" cy="2457828"/>
-          </a:xfrm>
-        </p:spPr>
+        <p:spPr/>
+        <p:txBody>
+          <a:bodyPr/>
+          <a:lstStyle/>
+          <a:p>
+            <a:r>
+              <a:rPr lang="en-US" dirty="0" err="1" smtClean="0">
+                <a:solidFill>
+                  <a:schemeClr val="bg1"/>
+                </a:solidFill>
+                <a:latin typeface="Avenir Light"/>
+                <a:cs typeface="Avenir Light"/>
+              </a:rPr>
+              <a:t>Pseudocode</a:t>
+            </a:r>
+            <a:r>
+              <a:rPr lang="en-US" dirty="0" smtClean="0">
+                <a:solidFill>
+                  <a:schemeClr val="bg1"/>
+                </a:solidFill>
+                <a:latin typeface="Avenir Light"/>
+                <a:cs typeface="Avenir Light"/>
+              </a:rPr>
+              <a:t>: </a:t>
+            </a:r>
+            <a:r>
+              <a:rPr lang="en-US" dirty="0" err="1" smtClean="0">
+                <a:solidFill>
+                  <a:schemeClr val="bg1"/>
+                </a:solidFill>
+                <a:latin typeface="Avenir Light"/>
+                <a:cs typeface="Avenir Light"/>
+              </a:rPr>
+              <a:t>repopArray</a:t>
+            </a:r>
+            <a:r>
+              <a:rPr lang="en-US" dirty="0" smtClean="0">
+                <a:solidFill>
+                  <a:schemeClr val="bg1"/>
+                </a:solidFill>
+                <a:latin typeface="Avenir Light"/>
+                <a:cs typeface="Avenir Light"/>
+              </a:rPr>
+              <a:t>()</a:t>
+            </a:r>
+            <a:endParaRPr lang="en-US" dirty="0">
+              <a:solidFill>
+                <a:schemeClr val="bg1"/>
+              </a:solidFill>
+              <a:latin typeface="Avenir Light"/>
+              <a:cs typeface="Avenir Light"/>
+            </a:endParaRPr>
+          </a:p>
+        </p:txBody>
+      </p:sp>
+      <p:sp>
+        <p:nvSpPr>
+          <p:cNvPr id="3" name="Content Placeholder 2"/>
+          <p:cNvSpPr>
+            <a:spLocks noGrp="1"/>
+          </p:cNvSpPr>
+          <p:nvPr>
+            <p:ph idx="1"/>
+          </p:nvPr>
+        </p:nvSpPr>
+        <p:spPr/>
         <p:txBody>
           <a:bodyPr>
-            <a:normAutofit/>
+            <a:normAutofit fontScale="85000" lnSpcReduction="20000"/>
           </a:bodyPr>
           <a:lstStyle/>
           <a:p>
+            <a:pPr marL="0" indent="0">
+              <a:buNone/>
+            </a:pPr>
+            <a:r>
+              <a:rPr lang="en-US" dirty="0" err="1" smtClean="0">
+                <a:solidFill>
+                  <a:srgbClr val="FFFFFF"/>
+                </a:solidFill>
+                <a:latin typeface="Avenir Light"/>
+                <a:cs typeface="Avenir Light"/>
+              </a:rPr>
+              <a:t>repopArray</a:t>
+            </a:r>
             <a:r>
               <a:rPr lang="en-US" dirty="0" smtClean="0">
                 <a:solidFill>
                   <a:srgbClr val="FFFFFF"/>
                 </a:solidFill>
-                <a:latin typeface="Avenir Next Regular"/>
-                <a:cs typeface="Avenir Next Regular"/>
-              </a:rPr>
-              <a:t>Thank </a:t>
+                <a:latin typeface="Avenir Light"/>
+                <a:cs typeface="Avenir Light"/>
+              </a:rPr>
+              <a:t>(</a:t>
+            </a:r>
+            <a:r>
+              <a:rPr lang="en-US" i="1" dirty="0" err="1" smtClean="0">
+                <a:solidFill>
+                  <a:srgbClr val="FFFFFF"/>
+                </a:solidFill>
+                <a:latin typeface="Avenir Light"/>
+                <a:cs typeface="Avenir Light"/>
+              </a:rPr>
+              <a:t>adjList</a:t>
             </a:r>
             <a:r>
               <a:rPr lang="en-US" dirty="0" smtClean="0">
                 <a:solidFill>
                   <a:srgbClr val="FFFFFF"/>
                 </a:solidFill>
-                <a:latin typeface="Avenir Next Regular"/>
-                <a:cs typeface="Avenir Next Regular"/>
-              </a:rPr>
-              <a:t>you</a:t>
+                <a:latin typeface="Avenir Light"/>
+                <a:cs typeface="Avenir Light"/>
+              </a:rPr>
+              <a:t>, </a:t>
+            </a:r>
+            <a:r>
+              <a:rPr lang="en-US" i="1" dirty="0" smtClean="0">
+                <a:solidFill>
+                  <a:srgbClr val="FFFFFF"/>
+                </a:solidFill>
+                <a:latin typeface="Avenir Light"/>
+                <a:cs typeface="Avenir Light"/>
+              </a:rPr>
+              <a:t>array</a:t>
+            </a:r>
+            <a:r>
+              <a:rPr lang="en-US" dirty="0" smtClean="0">
+                <a:solidFill>
+                  <a:srgbClr val="FFFFFF"/>
+                </a:solidFill>
+                <a:latin typeface="Avenir Light"/>
+                <a:cs typeface="Avenir Light"/>
+              </a:rPr>
+              <a:t>, </a:t>
+            </a:r>
+            <a:r>
+              <a:rPr lang="en-US" i="1" dirty="0" smtClean="0">
+                <a:solidFill>
+                  <a:srgbClr val="FFFFFF"/>
+                </a:solidFill>
+                <a:latin typeface="Avenir Light"/>
+                <a:cs typeface="Avenir Light"/>
+              </a:rPr>
+              <a:t>k</a:t>
+            </a:r>
+            <a:r>
+              <a:rPr lang="en-US" dirty="0" smtClean="0">
+                <a:solidFill>
+                  <a:srgbClr val="FFFFFF"/>
+                </a:solidFill>
+                <a:latin typeface="Avenir Light"/>
+                <a:cs typeface="Avenir Light"/>
+              </a:rPr>
+              <a:t>)</a:t>
+            </a:r>
+          </a:p>
+          <a:p>
+            <a:pPr marL="0" indent="0">
+              <a:buNone/>
+            </a:pPr>
+            <a:r>
+              <a:rPr lang="en-US" dirty="0">
+                <a:solidFill>
+                  <a:srgbClr val="FFFFFF"/>
+                </a:solidFill>
+                <a:latin typeface="Avenir Light"/>
+                <a:cs typeface="Avenir Light"/>
+              </a:rPr>
+              <a:t>	</a:t>
+            </a:r>
+            <a:r>
+              <a:rPr lang="en-US" dirty="0" smtClean="0">
+                <a:solidFill>
+                  <a:srgbClr val="FFFFFF"/>
+                </a:solidFill>
+                <a:latin typeface="Avenir Light"/>
+                <a:cs typeface="Avenir Light"/>
+              </a:rPr>
+              <a:t>Node *</a:t>
+            </a:r>
+            <a:r>
+              <a:rPr lang="en-US" i="1" dirty="0" smtClean="0">
+                <a:solidFill>
+                  <a:srgbClr val="FFFFFF"/>
+                </a:solidFill>
+                <a:latin typeface="Avenir Light"/>
+                <a:cs typeface="Avenir Light"/>
+              </a:rPr>
+              <a:t>temp</a:t>
+            </a:r>
+          </a:p>
+          <a:p>
+            <a:pPr marL="0" indent="0">
+              <a:buNone/>
+            </a:pPr>
+            <a:r>
+              <a:rPr lang="en-US" i="1" dirty="0">
+                <a:solidFill>
+                  <a:srgbClr val="FFFFFF"/>
+                </a:solidFill>
+                <a:latin typeface="Avenir Light"/>
+                <a:cs typeface="Avenir Light"/>
+              </a:rPr>
+              <a:t>	</a:t>
+            </a:r>
+            <a:r>
+              <a:rPr lang="en-US" dirty="0" err="1" smtClean="0">
+                <a:solidFill>
+                  <a:schemeClr val="accent6">
+                    <a:lumMod val="60000"/>
+                    <a:lumOff val="40000"/>
+                  </a:schemeClr>
+                </a:solidFill>
+                <a:latin typeface="Avenir Light"/>
+                <a:cs typeface="Avenir Light"/>
+              </a:rPr>
+              <a:t>int</a:t>
+            </a:r>
+            <a:r>
+              <a:rPr lang="en-US" dirty="0" smtClean="0">
+                <a:solidFill>
+                  <a:schemeClr val="accent6">
+                    <a:lumMod val="60000"/>
+                    <a:lumOff val="40000"/>
+                  </a:schemeClr>
+                </a:solidFill>
+                <a:latin typeface="Avenir Light"/>
+                <a:cs typeface="Avenir Light"/>
+              </a:rPr>
+              <a:t> </a:t>
+            </a:r>
+            <a:r>
+              <a:rPr lang="en-US" i="1" dirty="0" smtClean="0">
+                <a:solidFill>
+                  <a:srgbClr val="FFFFFF"/>
+                </a:solidFill>
+                <a:latin typeface="Avenir Light"/>
+                <a:cs typeface="Avenir Light"/>
+              </a:rPr>
+              <a:t>count</a:t>
+            </a:r>
+            <a:r>
+              <a:rPr lang="en-US" dirty="0" smtClean="0">
+                <a:solidFill>
+                  <a:srgbClr val="FFFFFF"/>
+                </a:solidFill>
+                <a:latin typeface="Avenir Light"/>
+                <a:cs typeface="Avenir Light"/>
+              </a:rPr>
+              <a:t> = </a:t>
+            </a:r>
+            <a:r>
+              <a:rPr lang="en-US" dirty="0" smtClean="0">
+                <a:solidFill>
+                  <a:srgbClr val="D99694"/>
+                </a:solidFill>
+                <a:latin typeface="Avenir Light"/>
+                <a:cs typeface="Avenir Light"/>
+              </a:rPr>
+              <a:t>0</a:t>
+            </a:r>
+          </a:p>
+          <a:p>
+            <a:pPr marL="0" indent="0">
+              <a:buNone/>
+            </a:pPr>
+            <a:r>
+              <a:rPr lang="en-US" dirty="0">
+                <a:solidFill>
+                  <a:srgbClr val="FFFFFF"/>
+                </a:solidFill>
+                <a:latin typeface="Avenir Light"/>
+                <a:cs typeface="Avenir Light"/>
+              </a:rPr>
+              <a:t>	</a:t>
+            </a:r>
+            <a:r>
+              <a:rPr lang="en-US" dirty="0" smtClean="0">
+                <a:solidFill>
+                  <a:schemeClr val="tx2">
+                    <a:lumMod val="40000"/>
+                    <a:lumOff val="60000"/>
+                  </a:schemeClr>
+                </a:solidFill>
+                <a:latin typeface="Avenir Light"/>
+                <a:cs typeface="Avenir Light"/>
+              </a:rPr>
+              <a:t>for</a:t>
+            </a:r>
+            <a:r>
+              <a:rPr lang="en-US" dirty="0" smtClean="0">
+                <a:solidFill>
+                  <a:srgbClr val="FFFFFF"/>
+                </a:solidFill>
+                <a:latin typeface="Avenir Light"/>
+                <a:cs typeface="Avenir Light"/>
+              </a:rPr>
+              <a:t> </a:t>
+            </a:r>
+            <a:r>
+              <a:rPr lang="en-US" i="1" dirty="0" err="1" smtClean="0">
+                <a:solidFill>
+                  <a:srgbClr val="FFFFFF"/>
+                </a:solidFill>
+                <a:latin typeface="Avenir Light"/>
+                <a:cs typeface="Avenir Light"/>
+              </a:rPr>
+              <a:t>i</a:t>
+            </a:r>
+            <a:r>
+              <a:rPr lang="en-US" dirty="0" smtClean="0">
+                <a:solidFill>
+                  <a:srgbClr val="FFFFFF"/>
+                </a:solidFill>
+                <a:latin typeface="Avenir Light"/>
+                <a:cs typeface="Avenir Light"/>
+              </a:rPr>
+              <a:t>  </a:t>
+            </a:r>
+            <a:r>
+              <a:rPr lang="en-US" dirty="0" smtClean="0">
+                <a:solidFill>
+                  <a:schemeClr val="tx2">
+                    <a:lumMod val="20000"/>
+                    <a:lumOff val="80000"/>
+                  </a:schemeClr>
+                </a:solidFill>
+                <a:latin typeface="Avenir Light"/>
+                <a:cs typeface="Avenir Light"/>
+              </a:rPr>
+              <a:t>from</a:t>
+            </a:r>
+            <a:r>
+              <a:rPr lang="en-US" dirty="0" smtClean="0">
+                <a:solidFill>
+                  <a:srgbClr val="FFFFFF"/>
+                </a:solidFill>
+                <a:latin typeface="Avenir Light"/>
+                <a:cs typeface="Avenir Light"/>
+              </a:rPr>
+              <a:t> </a:t>
+            </a:r>
+            <a:r>
+              <a:rPr lang="en-US" dirty="0" smtClean="0">
+                <a:solidFill>
+                  <a:srgbClr val="D99694"/>
+                </a:solidFill>
+                <a:latin typeface="Avenir Light"/>
+                <a:cs typeface="Avenir Light"/>
+              </a:rPr>
+              <a:t>0</a:t>
+            </a:r>
+            <a:r>
+              <a:rPr lang="en-US" dirty="0" smtClean="0">
+                <a:solidFill>
+                  <a:srgbClr val="FFFFFF"/>
+                </a:solidFill>
+                <a:latin typeface="Avenir Light"/>
+                <a:cs typeface="Avenir Light"/>
+              </a:rPr>
+              <a:t> </a:t>
+            </a:r>
+            <a:r>
+              <a:rPr lang="en-US" dirty="0" smtClean="0">
+                <a:solidFill>
+                  <a:srgbClr val="C6D9F1"/>
+                </a:solidFill>
+                <a:latin typeface="Avenir Light"/>
+                <a:cs typeface="Avenir Light"/>
+              </a:rPr>
+              <a:t>to</a:t>
+            </a:r>
+            <a:r>
+              <a:rPr lang="en-US" dirty="0" smtClean="0">
+                <a:solidFill>
+                  <a:srgbClr val="FFFFFF"/>
+                </a:solidFill>
+                <a:latin typeface="Avenir Light"/>
+                <a:cs typeface="Avenir Light"/>
+              </a:rPr>
+              <a:t> </a:t>
+            </a:r>
+            <a:r>
+              <a:rPr lang="en-US" i="1" dirty="0" smtClean="0">
+                <a:solidFill>
+                  <a:srgbClr val="FFFFFF"/>
+                </a:solidFill>
+                <a:latin typeface="Avenir Light"/>
+                <a:cs typeface="Avenir Light"/>
+              </a:rPr>
+              <a:t>k</a:t>
+            </a:r>
+          </a:p>
+          <a:p>
+            <a:pPr marL="0" indent="0">
+              <a:buNone/>
+            </a:pPr>
+            <a:r>
+              <a:rPr lang="en-US" dirty="0">
+                <a:solidFill>
+                  <a:srgbClr val="FFFFFF"/>
+                </a:solidFill>
+                <a:latin typeface="Avenir Light"/>
+                <a:cs typeface="Avenir Light"/>
+              </a:rPr>
+              <a:t>	</a:t>
+            </a:r>
+            <a:r>
+              <a:rPr lang="en-US" dirty="0" smtClean="0">
+                <a:solidFill>
+                  <a:srgbClr val="FFFFFF"/>
+                </a:solidFill>
+                <a:latin typeface="Avenir Light"/>
+                <a:cs typeface="Avenir Light"/>
+              </a:rPr>
+              <a:t>	 	</a:t>
+            </a:r>
+            <a:r>
+              <a:rPr lang="en-US" dirty="0" smtClean="0">
+                <a:solidFill>
+                  <a:srgbClr val="8EB4E3"/>
+                </a:solidFill>
+                <a:latin typeface="Avenir Light"/>
+                <a:cs typeface="Avenir Light"/>
+              </a:rPr>
+              <a:t>if</a:t>
+            </a:r>
+            <a:r>
+              <a:rPr lang="en-US" dirty="0" smtClean="0">
+                <a:solidFill>
+                  <a:srgbClr val="FFFFFF"/>
+                </a:solidFill>
+                <a:latin typeface="Avenir Light"/>
+                <a:cs typeface="Avenir Light"/>
+              </a:rPr>
+              <a:t> </a:t>
+            </a:r>
+            <a:r>
+              <a:rPr lang="en-US" dirty="0" err="1" smtClean="0">
+                <a:solidFill>
+                  <a:srgbClr val="FFFFFF"/>
+                </a:solidFill>
+                <a:latin typeface="Avenir Light"/>
+                <a:cs typeface="Avenir Light"/>
+              </a:rPr>
+              <a:t>adjList</a:t>
+            </a:r>
+            <a:r>
+              <a:rPr lang="en-US" dirty="0" smtClean="0">
+                <a:solidFill>
+                  <a:srgbClr val="FFFFFF"/>
+                </a:solidFill>
+                <a:latin typeface="Avenir Light"/>
+                <a:cs typeface="Avenir Light"/>
+              </a:rPr>
+              <a:t>[ </a:t>
+            </a:r>
+            <a:r>
+              <a:rPr lang="en-US" i="1" dirty="0" err="1" smtClean="0">
+                <a:solidFill>
+                  <a:srgbClr val="FFFFFF"/>
+                </a:solidFill>
+                <a:latin typeface="Avenir Light"/>
+                <a:cs typeface="Avenir Light"/>
+              </a:rPr>
+              <a:t>i</a:t>
+            </a:r>
+            <a:r>
+              <a:rPr lang="en-US" dirty="0" smtClean="0">
+                <a:solidFill>
+                  <a:srgbClr val="FFFFFF"/>
+                </a:solidFill>
+                <a:latin typeface="Avenir Light"/>
+                <a:cs typeface="Avenir Light"/>
+              </a:rPr>
+              <a:t> ] </a:t>
+            </a:r>
+            <a:r>
+              <a:rPr lang="en-US" dirty="0" smtClean="0">
+                <a:solidFill>
+                  <a:srgbClr val="C6D9F1"/>
+                </a:solidFill>
+                <a:latin typeface="Avenir Light"/>
+                <a:cs typeface="Avenir Light"/>
+              </a:rPr>
+              <a:t>is not </a:t>
+            </a:r>
+            <a:r>
+              <a:rPr lang="en-US" dirty="0" smtClean="0">
+                <a:solidFill>
+                  <a:schemeClr val="accent2">
+                    <a:lumMod val="60000"/>
+                    <a:lumOff val="40000"/>
+                  </a:schemeClr>
+                </a:solidFill>
+                <a:latin typeface="Avenir Light"/>
+                <a:cs typeface="Avenir Light"/>
+              </a:rPr>
+              <a:t>NULL</a:t>
+            </a:r>
+          </a:p>
+          <a:p>
+            <a:pPr marL="0" indent="0">
+              <a:buNone/>
+            </a:pPr>
+            <a:r>
+              <a:rPr lang="en-US" dirty="0">
+                <a:solidFill>
+                  <a:srgbClr val="FFFFFF"/>
+                </a:solidFill>
+                <a:latin typeface="Avenir Light"/>
+                <a:cs typeface="Avenir Light"/>
+              </a:rPr>
+              <a:t>	</a:t>
+            </a:r>
+            <a:r>
+              <a:rPr lang="en-US" dirty="0" smtClean="0">
+                <a:solidFill>
+                  <a:srgbClr val="FFFFFF"/>
+                </a:solidFill>
+                <a:latin typeface="Avenir Light"/>
+                <a:cs typeface="Avenir Light"/>
+              </a:rPr>
+              <a:t> 	 	temp = </a:t>
+            </a:r>
+            <a:r>
+              <a:rPr lang="en-US" dirty="0" err="1" smtClean="0">
+                <a:solidFill>
+                  <a:srgbClr val="FFFFFF"/>
+                </a:solidFill>
+                <a:latin typeface="Avenir Light"/>
+                <a:cs typeface="Avenir Light"/>
+              </a:rPr>
+              <a:t>adjList</a:t>
+            </a:r>
+            <a:r>
+              <a:rPr lang="en-US" dirty="0" smtClean="0">
+                <a:solidFill>
+                  <a:srgbClr val="FFFFFF"/>
+                </a:solidFill>
+                <a:latin typeface="Avenir Light"/>
+                <a:cs typeface="Avenir Light"/>
+              </a:rPr>
+              <a:t>[ </a:t>
+            </a:r>
+            <a:r>
+              <a:rPr lang="en-US" i="1" dirty="0" err="1" smtClean="0">
+                <a:solidFill>
+                  <a:srgbClr val="FFFFFF"/>
+                </a:solidFill>
+                <a:latin typeface="Avenir Light"/>
+                <a:cs typeface="Avenir Light"/>
+              </a:rPr>
+              <a:t>i</a:t>
+            </a:r>
+            <a:r>
+              <a:rPr lang="en-US" dirty="0" smtClean="0">
+                <a:solidFill>
+                  <a:srgbClr val="FFFFFF"/>
+                </a:solidFill>
+                <a:latin typeface="Avenir Light"/>
+                <a:cs typeface="Avenir Light"/>
+              </a:rPr>
+              <a:t> ]</a:t>
+            </a:r>
+          </a:p>
+          <a:p>
+            <a:pPr marL="0" indent="0">
+              <a:buNone/>
+            </a:pPr>
+            <a:r>
+              <a:rPr lang="en-US" i="1" dirty="0">
+                <a:solidFill>
+                  <a:srgbClr val="FFFFFF"/>
+                </a:solidFill>
+                <a:latin typeface="Avenir Light"/>
+                <a:cs typeface="Avenir Light"/>
+              </a:rPr>
+              <a:t>	</a:t>
+            </a:r>
+            <a:r>
+              <a:rPr lang="en-US" i="1" dirty="0" smtClean="0">
+                <a:solidFill>
+                  <a:srgbClr val="FFFFFF"/>
+                </a:solidFill>
+                <a:latin typeface="Avenir Light"/>
+                <a:cs typeface="Avenir Light"/>
+              </a:rPr>
+              <a:t> 	 	</a:t>
+            </a:r>
+            <a:r>
+              <a:rPr lang="en-US" dirty="0" smtClean="0">
+                <a:solidFill>
+                  <a:srgbClr val="8EB4E3"/>
+                </a:solidFill>
+                <a:latin typeface="Avenir Light"/>
+                <a:cs typeface="Avenir Light"/>
+              </a:rPr>
+              <a:t>while</a:t>
+            </a:r>
+            <a:r>
+              <a:rPr lang="en-US" dirty="0" smtClean="0">
+                <a:solidFill>
+                  <a:srgbClr val="FFFFFF"/>
+                </a:solidFill>
+                <a:latin typeface="Avenir Light"/>
+                <a:cs typeface="Avenir Light"/>
+              </a:rPr>
+              <a:t> </a:t>
+            </a:r>
+            <a:r>
+              <a:rPr lang="en-US" i="1" dirty="0" smtClean="0">
+                <a:solidFill>
+                  <a:srgbClr val="FFFFFF"/>
+                </a:solidFill>
+                <a:latin typeface="Avenir Light"/>
+                <a:cs typeface="Avenir Light"/>
+              </a:rPr>
+              <a:t>temp</a:t>
+            </a:r>
+            <a:r>
+              <a:rPr lang="en-US" dirty="0" smtClean="0">
+                <a:solidFill>
+                  <a:srgbClr val="FFFFFF"/>
+                </a:solidFill>
+                <a:latin typeface="Avenir Light"/>
+                <a:cs typeface="Avenir Light"/>
+              </a:rPr>
+              <a:t> </a:t>
+            </a:r>
+            <a:r>
+              <a:rPr lang="en-US" dirty="0" smtClean="0">
+                <a:solidFill>
+                  <a:srgbClr val="C6D9F1"/>
+                </a:solidFill>
+                <a:latin typeface="Avenir Light"/>
+                <a:cs typeface="Avenir Light"/>
+              </a:rPr>
+              <a:t>is not </a:t>
+            </a:r>
+            <a:r>
+              <a:rPr lang="en-US" dirty="0" smtClean="0">
+                <a:solidFill>
+                  <a:schemeClr val="accent2">
+                    <a:lumMod val="60000"/>
+                    <a:lumOff val="40000"/>
+                  </a:schemeClr>
+                </a:solidFill>
+                <a:latin typeface="Avenir Light"/>
+                <a:cs typeface="Avenir Light"/>
+              </a:rPr>
+              <a:t>NULL</a:t>
+            </a:r>
+          </a:p>
+          <a:p>
+            <a:pPr marL="0" indent="0">
+              <a:buNone/>
+            </a:pPr>
+            <a:r>
+              <a:rPr lang="en-US" i="1" dirty="0">
+                <a:solidFill>
+                  <a:srgbClr val="FFFFFF"/>
+                </a:solidFill>
+                <a:latin typeface="Avenir Light"/>
+                <a:cs typeface="Avenir Light"/>
+              </a:rPr>
+              <a:t>	</a:t>
+            </a:r>
+            <a:r>
+              <a:rPr lang="en-US" i="1" dirty="0" smtClean="0">
+                <a:solidFill>
+                  <a:srgbClr val="FFFFFF"/>
+                </a:solidFill>
+                <a:latin typeface="Avenir Light"/>
+                <a:cs typeface="Avenir Light"/>
+              </a:rPr>
+              <a:t>		 	 	 	array</a:t>
+            </a:r>
+            <a:r>
+              <a:rPr lang="en-US" dirty="0" smtClean="0">
+                <a:solidFill>
+                  <a:srgbClr val="FFFFFF"/>
+                </a:solidFill>
+                <a:latin typeface="Avenir Light"/>
+                <a:cs typeface="Avenir Light"/>
+              </a:rPr>
+              <a:t>[</a:t>
+            </a:r>
+            <a:r>
+              <a:rPr lang="en-US" i="1" dirty="0" smtClean="0">
+                <a:solidFill>
+                  <a:srgbClr val="FFFFFF"/>
+                </a:solidFill>
+                <a:latin typeface="Avenir Light"/>
+                <a:cs typeface="Avenir Light"/>
+              </a:rPr>
+              <a:t>count</a:t>
+            </a:r>
+            <a:r>
+              <a:rPr lang="en-US" dirty="0" smtClean="0">
+                <a:solidFill>
+                  <a:srgbClr val="FFFFFF"/>
+                </a:solidFill>
+                <a:latin typeface="Avenir Light"/>
+                <a:cs typeface="Avenir Light"/>
+              </a:rPr>
+              <a:t>]</a:t>
+            </a:r>
+          </a:p>
+          <a:p>
+            <a:pPr marL="0" indent="0">
+              <a:buNone/>
+            </a:pPr>
+            <a:r>
+              <a:rPr lang="en-US" i="1" dirty="0">
+                <a:solidFill>
+                  <a:srgbClr val="FFFFFF"/>
+                </a:solidFill>
+                <a:latin typeface="Avenir Light"/>
+                <a:cs typeface="Avenir Light"/>
+              </a:rPr>
+              <a:t>	</a:t>
+            </a:r>
+            <a:r>
+              <a:rPr lang="en-US" i="1" dirty="0" smtClean="0">
+                <a:solidFill>
+                  <a:srgbClr val="FFFFFF"/>
+                </a:solidFill>
+                <a:latin typeface="Avenir Light"/>
+                <a:cs typeface="Avenir Light"/>
+              </a:rPr>
+              <a:t>				 	 	 	count</a:t>
+            </a:r>
+            <a:r>
+              <a:rPr lang="en-US" dirty="0" smtClean="0">
+                <a:solidFill>
+                  <a:srgbClr val="FFFFFF"/>
+                </a:solidFill>
+                <a:latin typeface="Avenir Light"/>
+                <a:cs typeface="Avenir Light"/>
+              </a:rPr>
+              <a:t>++</a:t>
+            </a:r>
+          </a:p>
+          <a:p>
+            <a:pPr marL="0" indent="0">
+              <a:buNone/>
+            </a:pPr>
+            <a:r>
+              <a:rPr lang="en-US" i="1" dirty="0">
+                <a:solidFill>
+                  <a:srgbClr val="FFFFFF"/>
+                </a:solidFill>
+                <a:latin typeface="Avenir Light"/>
+                <a:cs typeface="Avenir Light"/>
+              </a:rPr>
+              <a:t>	</a:t>
+            </a:r>
+            <a:r>
+              <a:rPr lang="en-US" i="1" dirty="0" smtClean="0">
+                <a:solidFill>
+                  <a:srgbClr val="FFFFFF"/>
+                </a:solidFill>
+                <a:latin typeface="Avenir Light"/>
+                <a:cs typeface="Avenir Light"/>
+              </a:rPr>
+              <a:t>	 	 	 	temp = temp-&gt;</a:t>
+            </a:r>
+            <a:r>
+              <a:rPr lang="en-US" i="1" dirty="0" err="1" smtClean="0">
+                <a:solidFill>
+                  <a:srgbClr val="FFFFFF"/>
+                </a:solidFill>
+                <a:latin typeface="Avenir Light"/>
+                <a:cs typeface="Avenir Light"/>
+              </a:rPr>
+              <a:t>getNext</a:t>
+            </a:r>
+            <a:endParaRPr lang="en-US" i="1" dirty="0">
+              <a:solidFill>
+                <a:srgbClr val="FFFFFF"/>
+              </a:solidFill>
+              <a:latin typeface="Avenir Light"/>
+              <a:cs typeface="Avenir Light"/>
+            </a:endParaRPr>
+          </a:p>
+        </p:txBody>
+      </p:sp>
+    </p:spTree>
+    <p:extLst>
+      <p:ext uri="{BB962C8B-B14F-4D97-AF65-F5344CB8AC3E}">
+        <p14:creationId xmlns:p14="http://schemas.microsoft.com/office/powerpoint/2010/main" val="856168875"/>
+      </p:ext>
+    </p:extLst>
+  </p:cSld>
+  <p:clrMapOvr>
+    <a:masterClrMapping/>
+  </p:clrMapOvr>
+</p:sld>
+</file>
+
+<file path=ppt/slides/slide8.xml><?xml version="1.0" encoding="utf-8"?>
+<p:sld xmlns:a="http://schemas.openxmlformats.org/drawingml/2006/main" xmlns:r="http://schemas.openxmlformats.org/officeDocument/2006/relationships" xmlns:p="http://schemas.openxmlformats.org/presentationml/2006/main">
+  <p:cSld>
+    <p:spTree>
+      <p:nvGrpSpPr>
+        <p:cNvPr id="1" name=""/>
+        <p:cNvGrpSpPr/>
+        <p:nvPr/>
+      </p:nvGrpSpPr>
+      <p:grpSpPr>
+        <a:xfrm>
+          <a:off x="0" y="0"/>
+          <a:ext cx="0" cy="0"/>
+          <a:chOff x="0" y="0"/>
+          <a:chExt cx="0" cy="0"/>
+        </a:xfrm>
+      </p:grpSpPr>
+      <p:sp>
+        <p:nvSpPr>
+          <p:cNvPr id="2" name="Title 1"/>
+          <p:cNvSpPr>
+            <a:spLocks noGrp="1"/>
+          </p:cNvSpPr>
+          <p:nvPr>
+            <p:ph type="title"/>
+          </p:nvPr>
+        </p:nvSpPr>
+        <p:spPr/>
+        <p:txBody>
+          <a:bodyPr/>
+          <a:lstStyle/>
+          <a:p>
+            <a:r>
+              <a:rPr lang="en-US" dirty="0" smtClean="0">
+                <a:solidFill>
+                  <a:srgbClr val="FFFFFF"/>
+                </a:solidFill>
+                <a:latin typeface="Avenir Next Regular"/>
+                <a:cs typeface="Avenir Next Regular"/>
+              </a:rPr>
+              <a:t>Complexity</a:t>
             </a:r>
             <a:endParaRPr lang="en-US" dirty="0">
               <a:solidFill>
@@ -5704,10 +8342,249 @@
           </a:p>
         </p:txBody>
       </p:sp>
+      <p:sp>
+        <p:nvSpPr>
+          <p:cNvPr id="3" name="Content Placeholder 2"/>
+          <p:cNvSpPr>
+            <a:spLocks noGrp="1"/>
+          </p:cNvSpPr>
+          <p:nvPr>
+            <p:ph idx="1"/>
+          </p:nvPr>
+        </p:nvSpPr>
+        <p:spPr/>
+        <p:txBody>
+          <a:bodyPr/>
+          <a:lstStyle/>
+          <a:p>
+            <a:r>
+              <a:rPr lang="en-US" dirty="0" smtClean="0">
+                <a:solidFill>
+                  <a:srgbClr val="FFFFFF"/>
+                </a:solidFill>
+                <a:latin typeface="Avenir Next Regular"/>
+                <a:cs typeface="Avenir Next Regular"/>
+              </a:rPr>
+              <a:t>O(</a:t>
+            </a:r>
+            <a:r>
+              <a:rPr lang="en-US" dirty="0" err="1" smtClean="0">
+                <a:solidFill>
+                  <a:srgbClr val="FFFFFF"/>
+                </a:solidFill>
+                <a:latin typeface="Avenir Next Regular"/>
+                <a:cs typeface="Avenir Next Regular"/>
+              </a:rPr>
+              <a:t>kn</a:t>
+            </a:r>
+            <a:r>
+              <a:rPr lang="en-US" dirty="0" smtClean="0">
+                <a:solidFill>
+                  <a:srgbClr val="FFFFFF"/>
+                </a:solidFill>
+                <a:latin typeface="Avenir Next Regular"/>
+                <a:cs typeface="Avenir Next Regular"/>
+              </a:rPr>
+              <a:t>)</a:t>
+            </a:r>
+            <a:endParaRPr lang="en-US" dirty="0">
+              <a:solidFill>
+                <a:srgbClr val="FFFFFF"/>
+              </a:solidFill>
+              <a:latin typeface="Avenir Next Regular"/>
+              <a:cs typeface="Avenir Next Regular"/>
+            </a:endParaRPr>
+          </a:p>
+        </p:txBody>
+      </p:sp>
     </p:spTree>
     <p:extLst>
       <p:ext uri="{BB962C8B-B14F-4D97-AF65-F5344CB8AC3E}">
-        <p14:creationId xmlns:p14="http://schemas.microsoft.com/office/powerpoint/2010/main" val="3833525325"/>
+        <p14:creationId xmlns:p14="http://schemas.microsoft.com/office/powerpoint/2010/main" val="2098785998"/>
+      </p:ext>
+    </p:extLst>
+  </p:cSld>
+  <p:clrMapOvr>
+    <a:masterClrMapping/>
+  </p:clrMapOvr>
+</p:sld>
+</file>
+
+<file path=ppt/slides/slide9.xml><?xml version="1.0" encoding="utf-8"?>
+<p:sld xmlns:a="http://schemas.openxmlformats.org/drawingml/2006/main" xmlns:r="http://schemas.openxmlformats.org/officeDocument/2006/relationships" xmlns:p="http://schemas.openxmlformats.org/presentationml/2006/main">
+  <p:cSld>
+    <p:spTree>
+      <p:nvGrpSpPr>
+        <p:cNvPr id="1" name=""/>
+        <p:cNvGrpSpPr/>
+        <p:nvPr/>
+      </p:nvGrpSpPr>
+      <p:grpSpPr>
+        <a:xfrm>
+          <a:off x="0" y="0"/>
+          <a:ext cx="0" cy="0"/>
+          <a:chOff x="0" y="0"/>
+          <a:chExt cx="0" cy="0"/>
+        </a:xfrm>
+      </p:grpSpPr>
+      <p:sp>
+        <p:nvSpPr>
+          <p:cNvPr id="2" name="Title 1"/>
+          <p:cNvSpPr>
+            <a:spLocks noGrp="1"/>
+          </p:cNvSpPr>
+          <p:nvPr>
+            <p:ph type="title"/>
+          </p:nvPr>
+        </p:nvSpPr>
+        <p:spPr/>
+        <p:txBody>
+          <a:bodyPr/>
+          <a:lstStyle/>
+          <a:p>
+            <a:r>
+              <a:rPr lang="en-US" dirty="0" smtClean="0">
+                <a:solidFill>
+                  <a:srgbClr val="FFFFFF"/>
+                </a:solidFill>
+                <a:latin typeface="Avenir Next Regular"/>
+                <a:cs typeface="Avenir Next Regular"/>
+              </a:rPr>
+              <a:t>Test Results</a:t>
+            </a:r>
+            <a:endParaRPr lang="en-US" dirty="0">
+              <a:solidFill>
+                <a:srgbClr val="FFFFFF"/>
+              </a:solidFill>
+              <a:latin typeface="Avenir Next Regular"/>
+              <a:cs typeface="Avenir Next Regular"/>
+            </a:endParaRPr>
+          </a:p>
+        </p:txBody>
+      </p:sp>
+      <p:sp>
+        <p:nvSpPr>
+          <p:cNvPr id="3" name="Content Placeholder 2"/>
+          <p:cNvSpPr>
+            <a:spLocks noGrp="1"/>
+          </p:cNvSpPr>
+          <p:nvPr>
+            <p:ph idx="1"/>
+          </p:nvPr>
+        </p:nvSpPr>
+        <p:spPr/>
+        <p:txBody>
+          <a:bodyPr/>
+          <a:lstStyle/>
+          <a:p>
+            <a:r>
+              <a:rPr lang="en-US" dirty="0" smtClean="0">
+                <a:solidFill>
+                  <a:srgbClr val="FFFFFF"/>
+                </a:solidFill>
+                <a:latin typeface="Avenir Next Regular"/>
+                <a:cs typeface="Avenir Next Regular"/>
+              </a:rPr>
+              <a:t>Best </a:t>
+            </a:r>
+            <a:r>
+              <a:rPr lang="en-US" i="1" dirty="0" smtClean="0">
+                <a:solidFill>
+                  <a:srgbClr val="FFFFFF"/>
+                </a:solidFill>
+                <a:latin typeface="Avenir Next Regular"/>
+                <a:cs typeface="Avenir Next Regular"/>
+              </a:rPr>
+              <a:t>d</a:t>
+            </a:r>
+            <a:r>
+              <a:rPr lang="en-US" dirty="0" smtClean="0">
+                <a:solidFill>
+                  <a:srgbClr val="FFFFFF"/>
+                </a:solidFill>
+                <a:latin typeface="Avenir Next Regular"/>
+                <a:cs typeface="Avenir Next Regular"/>
+              </a:rPr>
+              <a:t> for 20 digit decimal</a:t>
+            </a:r>
+          </a:p>
+          <a:p>
+            <a:r>
+              <a:rPr lang="en-US" dirty="0" smtClean="0">
+                <a:solidFill>
+                  <a:srgbClr val="FFFFFF"/>
+                </a:solidFill>
+                <a:latin typeface="Avenir Next Regular"/>
+                <a:cs typeface="Avenir Next Regular"/>
+              </a:rPr>
+              <a:t>Best </a:t>
+            </a:r>
+            <a:r>
+              <a:rPr lang="en-US" i="1" dirty="0" smtClean="0">
+                <a:solidFill>
+                  <a:srgbClr val="FFFFFF"/>
+                </a:solidFill>
+                <a:latin typeface="Avenir Next Regular"/>
+                <a:cs typeface="Avenir Next Regular"/>
+              </a:rPr>
+              <a:t>d </a:t>
+            </a:r>
+            <a:r>
+              <a:rPr lang="en-US" dirty="0" smtClean="0">
+                <a:solidFill>
+                  <a:srgbClr val="FFFFFF"/>
+                </a:solidFill>
+                <a:latin typeface="Avenir Next Regular"/>
+                <a:cs typeface="Avenir Next Regular"/>
+              </a:rPr>
+              <a:t>for 10 digit decimal</a:t>
+            </a:r>
+          </a:p>
+          <a:p>
+            <a:r>
+              <a:rPr lang="en-US" dirty="0" smtClean="0">
+                <a:solidFill>
+                  <a:srgbClr val="FFFFFF"/>
+                </a:solidFill>
+                <a:latin typeface="Avenir Next Regular"/>
+                <a:cs typeface="Avenir Next Regular"/>
+              </a:rPr>
+              <a:t>//Graphs of results of different </a:t>
+            </a:r>
+            <a:r>
+              <a:rPr lang="en-US" i="1" dirty="0" smtClean="0">
+                <a:solidFill>
+                  <a:srgbClr val="FFFFFF"/>
+                </a:solidFill>
+                <a:latin typeface="Avenir Next Regular"/>
+                <a:cs typeface="Avenir Next Regular"/>
+              </a:rPr>
+              <a:t>d</a:t>
+            </a:r>
+            <a:r>
+              <a:rPr lang="en-US" dirty="0" smtClean="0">
+                <a:solidFill>
+                  <a:srgbClr val="FFFFFF"/>
+                </a:solidFill>
+                <a:latin typeface="Avenir Next Regular"/>
+                <a:cs typeface="Avenir Next Regular"/>
+              </a:rPr>
+              <a:t>’s for 10d and 20d</a:t>
+            </a:r>
+            <a:endParaRPr lang="en-US" dirty="0">
+              <a:solidFill>
+                <a:srgbClr val="FFFFFF"/>
+              </a:solidFill>
+              <a:latin typeface="Avenir Next Regular"/>
+              <a:cs typeface="Avenir Next Regular"/>
+            </a:endParaRPr>
+          </a:p>
+        </p:txBody>
+      </p:sp>
+    </p:spTree>
+    <p:extLst>
+      <p:ext uri="{BB962C8B-B14F-4D97-AF65-F5344CB8AC3E}">
+        <p14:creationId xmlns:p14="http://schemas.microsoft.com/office/powerpoint/2010/main" val="4088610691"/>
       </p:ext>
     </p:extLst>
   </p:cSld>

--- a/presentation.pptx
+++ b/presentation.pptx
@@ -3239,6 +3239,13 @@
   <p:clrMapOvr>
     <a:masterClrMapping/>
   </p:clrMapOvr>
+  <p:timing>
+    <p:tnLst>
+      <p:par>
+        <p:cTn xmlns:p14="http://schemas.microsoft.com/office/powerpoint/2010/main" id="1" dur="indefinite" restart="never" nodeType="tmRoot"/>
+      </p:par>
+    </p:tnLst>
+  </p:timing>
 </p:sld>
 </file>
 
@@ -5208,6 +5215,13 @@
   <p:clrMapOvr>
     <a:masterClrMapping/>
   </p:clrMapOvr>
+  <p:timing>
+    <p:tnLst>
+      <p:par>
+        <p:cTn xmlns:p14="http://schemas.microsoft.com/office/powerpoint/2010/main" id="1" dur="indefinite" restart="never" nodeType="tmRoot"/>
+      </p:par>
+    </p:tnLst>
+  </p:timing>
 </p:sld>
 </file>
 
@@ -5624,6 +5638,13 @@
   <p:clrMapOvr>
     <a:masterClrMapping/>
   </p:clrMapOvr>
+  <p:timing>
+    <p:tnLst>
+      <p:par>
+        <p:cTn xmlns:p14="http://schemas.microsoft.com/office/powerpoint/2010/main" id="1" dur="indefinite" restart="never" nodeType="tmRoot"/>
+      </p:par>
+    </p:tnLst>
+  </p:timing>
 </p:sld>
 </file>
 
@@ -5744,8 +5765,8 @@
                     <a:lumMod val="95000"/>
                   </a:schemeClr>
                 </a:solidFill>
-                <a:latin typeface="Avenir Next Regular"/>
-                <a:cs typeface="Avenir Next Regular"/>
+                <a:latin typeface="Avenir Light"/>
+                <a:cs typeface="Avenir Light"/>
               </a:rPr>
               <a:t>radixSort</a:t>
             </a:r>
@@ -5754,8 +5775,8 @@
                 <a:solidFill>
                   <a:srgbClr val="FFFFFF"/>
                 </a:solidFill>
-                <a:latin typeface="Avenir Next Regular"/>
-                <a:cs typeface="Avenir Next Regular"/>
+                <a:latin typeface="Avenir Light"/>
+                <a:cs typeface="Avenir Light"/>
               </a:rPr>
               <a:t>(</a:t>
             </a:r>
@@ -5764,8 +5785,8 @@
                 <a:solidFill>
                   <a:srgbClr val="FFFFFF"/>
                 </a:solidFill>
-                <a:latin typeface="Avenir Next Regular"/>
-                <a:cs typeface="Avenir Next Regular"/>
+                <a:latin typeface="Avenir Light"/>
+                <a:cs typeface="Avenir Light"/>
               </a:rPr>
               <a:t>array, size, </a:t>
             </a:r>
@@ -5774,8 +5795,8 @@
                 <a:solidFill>
                   <a:srgbClr val="FFFFFF"/>
                 </a:solidFill>
-                <a:latin typeface="Avenir Next Regular"/>
-                <a:cs typeface="Avenir Next Regular"/>
+                <a:latin typeface="Avenir Light"/>
+                <a:cs typeface="Avenir Light"/>
               </a:rPr>
               <a:t>maxLength</a:t>
             </a:r>
@@ -5784,8 +5805,8 @@
                 <a:solidFill>
                   <a:srgbClr val="FFFFFF"/>
                 </a:solidFill>
-                <a:latin typeface="Avenir Next Regular"/>
-                <a:cs typeface="Avenir Next Regular"/>
+                <a:latin typeface="Avenir Light"/>
+                <a:cs typeface="Avenir Light"/>
               </a:rPr>
               <a:t>, digits, r</a:t>
             </a:r>
@@ -5794,8 +5815,8 @@
                 <a:solidFill>
                   <a:srgbClr val="FFFFFF"/>
                 </a:solidFill>
-                <a:latin typeface="Avenir Next Regular"/>
-                <a:cs typeface="Avenir Next Regular"/>
+                <a:latin typeface="Avenir Light"/>
+                <a:cs typeface="Avenir Light"/>
               </a:rPr>
               <a:t>, </a:t>
             </a:r>
@@ -5804,8 +5825,8 @@
                 <a:solidFill>
                   <a:srgbClr val="FFFFFF"/>
                 </a:solidFill>
-                <a:latin typeface="Avenir Next Regular"/>
-                <a:cs typeface="Avenir Next Regular"/>
+                <a:latin typeface="Avenir Light"/>
+                <a:cs typeface="Avenir Light"/>
               </a:rPr>
               <a:t>k</a:t>
             </a:r>
@@ -5814,18 +5835,11 @@
                 <a:solidFill>
                   <a:srgbClr val="FFFFFF"/>
                 </a:solidFill>
-                <a:latin typeface="Avenir Next Regular"/>
-                <a:cs typeface="Avenir Next Regular"/>
+                <a:latin typeface="Avenir Light"/>
+                <a:cs typeface="Avenir Light"/>
               </a:rPr>
               <a:t>)</a:t>
             </a:r>
-            <a:endParaRPr lang="en-US" sz="2400" dirty="0" smtClean="0">
-              <a:solidFill>
-                <a:srgbClr val="FFFFFF"/>
-              </a:solidFill>
-              <a:latin typeface="Avenir Next Regular"/>
-              <a:cs typeface="Avenir Next Regular"/>
-            </a:endParaRPr>
           </a:p>
           <a:p>
             <a:pPr marL="0" indent="0">
@@ -5839,8 +5853,8 @@
                 <a:solidFill>
                   <a:srgbClr val="FFFFFF"/>
                 </a:solidFill>
-                <a:latin typeface="Avenir Next Regular"/>
-                <a:cs typeface="Avenir Next Regular"/>
+                <a:latin typeface="Avenir Light"/>
+                <a:cs typeface="Avenir Light"/>
               </a:rPr>
               <a:t>	</a:t>
             </a:r>
@@ -5852,8 +5866,8 @@
                     <a:lumOff val="40000"/>
                   </a:schemeClr>
                 </a:solidFill>
-                <a:latin typeface="Avenir Next Regular"/>
-                <a:cs typeface="Avenir Next Regular"/>
+                <a:latin typeface="Avenir Light"/>
+                <a:cs typeface="Avenir Light"/>
               </a:rPr>
               <a:t>int</a:t>
             </a:r>
@@ -5865,8 +5879,8 @@
                     <a:lumOff val="40000"/>
                   </a:schemeClr>
                 </a:solidFill>
-                <a:latin typeface="Avenir Next Regular"/>
-                <a:cs typeface="Avenir Next Regular"/>
+                <a:latin typeface="Avenir Light"/>
+                <a:cs typeface="Avenir Light"/>
               </a:rPr>
               <a:t> </a:t>
             </a:r>
@@ -5875,8 +5889,8 @@
                 <a:solidFill>
                   <a:srgbClr val="FFFFFF"/>
                 </a:solidFill>
-                <a:latin typeface="Avenir Next Regular"/>
-                <a:cs typeface="Avenir Next Regular"/>
+                <a:latin typeface="Avenir Light"/>
+                <a:cs typeface="Avenir Light"/>
               </a:rPr>
               <a:t>mod</a:t>
             </a:r>
@@ -5885,8 +5899,8 @@
                 <a:solidFill>
                   <a:srgbClr val="FFFFFF"/>
                 </a:solidFill>
-                <a:latin typeface="Avenir Next Regular"/>
-                <a:cs typeface="Avenir Next Regular"/>
+                <a:latin typeface="Avenir Light"/>
+                <a:cs typeface="Avenir Light"/>
               </a:rPr>
               <a:t> = </a:t>
             </a:r>
@@ -5895,8 +5909,8 @@
                 <a:solidFill>
                   <a:srgbClr val="FFFFFF"/>
                 </a:solidFill>
-                <a:latin typeface="Avenir Next Regular"/>
-                <a:cs typeface="Avenir Next Regular"/>
+                <a:latin typeface="Avenir Light"/>
+                <a:cs typeface="Avenir Light"/>
               </a:rPr>
               <a:t>k</a:t>
             </a:r>
@@ -5905,8 +5919,8 @@
                 <a:solidFill>
                   <a:srgbClr val="FFFFFF"/>
                 </a:solidFill>
-                <a:latin typeface="Avenir Next Regular"/>
-                <a:cs typeface="Avenir Next Regular"/>
+                <a:latin typeface="Avenir Light"/>
+                <a:cs typeface="Avenir Light"/>
               </a:rPr>
               <a:t>, </a:t>
             </a:r>
@@ -5915,8 +5929,8 @@
                 <a:solidFill>
                   <a:srgbClr val="FFFFFF"/>
                 </a:solidFill>
-                <a:latin typeface="Avenir Next Regular"/>
-                <a:cs typeface="Avenir Next Regular"/>
+                <a:latin typeface="Avenir Light"/>
+                <a:cs typeface="Avenir Light"/>
               </a:rPr>
               <a:t>div</a:t>
             </a:r>
@@ -5925,8 +5939,8 @@
                 <a:solidFill>
                   <a:srgbClr val="FFFFFF"/>
                 </a:solidFill>
-                <a:latin typeface="Avenir Next Regular"/>
-                <a:cs typeface="Avenir Next Regular"/>
+                <a:latin typeface="Avenir Light"/>
+                <a:cs typeface="Avenir Light"/>
               </a:rPr>
               <a:t> = </a:t>
             </a:r>
@@ -5938,8 +5952,8 @@
                     <a:lumOff val="40000"/>
                   </a:schemeClr>
                 </a:solidFill>
-                <a:latin typeface="Avenir Next Regular"/>
-                <a:cs typeface="Avenir Next Regular"/>
+                <a:latin typeface="Avenir Light"/>
+                <a:cs typeface="Avenir Light"/>
               </a:rPr>
               <a:t>1</a:t>
             </a:r>
@@ -5956,8 +5970,8 @@
                 <a:solidFill>
                   <a:srgbClr val="FFFFFF"/>
                 </a:solidFill>
-                <a:latin typeface="Avenir Next Regular"/>
-                <a:cs typeface="Avenir Next Regular"/>
+                <a:latin typeface="Avenir Light"/>
+                <a:cs typeface="Avenir Light"/>
               </a:rPr>
               <a:t>	</a:t>
             </a:r>
@@ -5969,8 +5983,8 @@
                     <a:lumOff val="60000"/>
                   </a:schemeClr>
                 </a:solidFill>
-                <a:latin typeface="Avenir Next Regular"/>
-                <a:cs typeface="Avenir Next Regular"/>
+                <a:latin typeface="Avenir Light"/>
+                <a:cs typeface="Avenir Light"/>
               </a:rPr>
               <a:t>for </a:t>
             </a:r>
@@ -5979,8 +5993,8 @@
                 <a:solidFill>
                   <a:srgbClr val="FFFFFF"/>
                 </a:solidFill>
-                <a:latin typeface="Avenir Next Regular"/>
-                <a:cs typeface="Avenir Next Regular"/>
+                <a:latin typeface="Avenir Light"/>
+                <a:cs typeface="Avenir Light"/>
               </a:rPr>
               <a:t>i</a:t>
             </a:r>
@@ -5989,8 +6003,8 @@
                 <a:solidFill>
                   <a:srgbClr val="FFFFFF"/>
                 </a:solidFill>
-                <a:latin typeface="Avenir Next Regular"/>
-                <a:cs typeface="Avenir Next Regular"/>
+                <a:latin typeface="Avenir Light"/>
+                <a:cs typeface="Avenir Light"/>
               </a:rPr>
               <a:t> </a:t>
             </a:r>
@@ -6002,28 +6016,41 @@
                     <a:lumOff val="80000"/>
                   </a:schemeClr>
                 </a:solidFill>
-                <a:latin typeface="Avenir Next Regular"/>
-                <a:cs typeface="Avenir Next Regular"/>
+                <a:latin typeface="Avenir Light"/>
+                <a:cs typeface="Avenir Light"/>
               </a:rPr>
               <a:t>from </a:t>
             </a:r>
             <a:r>
               <a:rPr lang="en-US" sz="2400" dirty="0" smtClean="0">
                 <a:solidFill>
-                  <a:srgbClr val="FFFFFF"/>
-                </a:solidFill>
-                <a:latin typeface="Avenir Next Regular"/>
-                <a:cs typeface="Avenir Next Regular"/>
-              </a:rPr>
-              <a:t>0 </a:t>
+                  <a:schemeClr val="accent2">
+                    <a:lumMod val="60000"/>
+                    <a:lumOff val="40000"/>
+                  </a:schemeClr>
+                </a:solidFill>
+                <a:latin typeface="Avenir Light"/>
+                <a:cs typeface="Avenir Light"/>
+              </a:rPr>
+              <a:t>0</a:t>
             </a:r>
             <a:r>
               <a:rPr lang="en-US" sz="2400" dirty="0" smtClean="0">
                 <a:solidFill>
+                  <a:srgbClr val="FFFFFF"/>
+                </a:solidFill>
+                <a:latin typeface="Avenir Light"/>
+                <a:cs typeface="Avenir Light"/>
+              </a:rPr>
+              <a:t> </a:t>
+            </a:r>
+            <a:r>
+              <a:rPr lang="en-US" sz="2400" dirty="0" smtClean="0">
+                <a:solidFill>
                   <a:srgbClr val="C6D9F1"/>
                 </a:solidFill>
-                <a:latin typeface="Avenir Next Regular"/>
-                <a:cs typeface="Avenir Next Regular"/>
+                <a:latin typeface="Avenir Light"/>
+                <a:cs typeface="Avenir Light"/>
               </a:rPr>
               <a:t>through </a:t>
             </a:r>
@@ -6032,8 +6059,8 @@
                 <a:solidFill>
                   <a:srgbClr val="FFFFFF"/>
                 </a:solidFill>
-                <a:latin typeface="Avenir Next Regular"/>
-                <a:cs typeface="Avenir Next Regular"/>
+                <a:latin typeface="Avenir Light"/>
+                <a:cs typeface="Avenir Light"/>
               </a:rPr>
               <a:t>digits</a:t>
             </a:r>
@@ -6050,8 +6077,8 @@
                 <a:solidFill>
                   <a:srgbClr val="FFFFFF"/>
                 </a:solidFill>
-                <a:latin typeface="Avenir Next Regular"/>
-                <a:cs typeface="Avenir Next Regular"/>
+                <a:latin typeface="Avenir Light"/>
+                <a:cs typeface="Avenir Light"/>
               </a:rPr>
               <a:t>	</a:t>
             </a:r>
@@ -6060,10 +6087,20 @@
                 <a:solidFill>
                   <a:srgbClr val="FFFFFF"/>
                 </a:solidFill>
-                <a:latin typeface="Avenir Next Regular"/>
-                <a:cs typeface="Avenir Next Regular"/>
-              </a:rPr>
-              <a:t>	create </a:t>
+                <a:latin typeface="Avenir Light"/>
+                <a:cs typeface="Avenir Light"/>
+              </a:rPr>
+              <a:t>	</a:t>
+            </a:r>
+            <a:r>
+              <a:rPr lang="en-US" sz="2400" dirty="0" smtClean="0">
+                <a:solidFill>
+                  <a:srgbClr val="FFFFFF"/>
+                </a:solidFill>
+                <a:latin typeface="Avenir Light"/>
+                <a:cs typeface="Avenir Light"/>
+              </a:rPr>
+              <a:t> 	create </a:t>
             </a:r>
             <a:r>
               <a:rPr lang="en-US" sz="2400" dirty="0" smtClean="0">
@@ -6073,8 +6110,8 @@
                     <a:lumOff val="60000"/>
                   </a:schemeClr>
                 </a:solidFill>
-                <a:latin typeface="Avenir Next Regular"/>
-                <a:cs typeface="Avenir Next Regular"/>
+                <a:latin typeface="Avenir Light"/>
+                <a:cs typeface="Avenir Light"/>
               </a:rPr>
               <a:t>new </a:t>
             </a:r>
@@ -6083,8 +6120,8 @@
                 <a:solidFill>
                   <a:srgbClr val="FFFFFF"/>
                 </a:solidFill>
-                <a:latin typeface="Avenir Next Regular"/>
-                <a:cs typeface="Avenir Next Regular"/>
+                <a:latin typeface="Avenir Light"/>
+                <a:cs typeface="Avenir Light"/>
               </a:rPr>
               <a:t>adjList</a:t>
             </a:r>
@@ -6092,8 +6129,8 @@
               <a:solidFill>
                 <a:srgbClr val="FFFFFF"/>
               </a:solidFill>
-              <a:latin typeface="Avenir Next Regular"/>
-              <a:cs typeface="Avenir Next Regular"/>
+              <a:latin typeface="Avenir Light"/>
+              <a:cs typeface="Avenir Light"/>
             </a:endParaRPr>
           </a:p>
           <a:p>
@@ -6108,8 +6145,8 @@
                 <a:solidFill>
                   <a:srgbClr val="FFFFFF"/>
                 </a:solidFill>
-                <a:latin typeface="Avenir Next Regular"/>
-                <a:cs typeface="Avenir Next Regular"/>
+                <a:latin typeface="Avenir Light"/>
+                <a:cs typeface="Avenir Light"/>
               </a:rPr>
               <a:t>	</a:t>
             </a:r>
@@ -6118,10 +6155,20 @@
                 <a:solidFill>
                   <a:srgbClr val="FFFFFF"/>
                 </a:solidFill>
-                <a:latin typeface="Avenir Next Regular"/>
-                <a:cs typeface="Avenir Next Regular"/>
+                <a:latin typeface="Avenir Light"/>
+                <a:cs typeface="Avenir Light"/>
               </a:rPr>
               <a:t>	</a:t>
+            </a:r>
+            <a:r>
+              <a:rPr lang="en-US" sz="2400" i="1" dirty="0" smtClean="0">
+                <a:solidFill>
+                  <a:srgbClr val="FFFFFF"/>
+                </a:solidFill>
+                <a:latin typeface="Avenir Light"/>
+                <a:cs typeface="Avenir Light"/>
+              </a:rPr>
+              <a:t> 	</a:t>
             </a:r>
             <a:r>
               <a:rPr lang="en-US" sz="2400" dirty="0" smtClean="0">
@@ -6131,8 +6178,8 @@
                     <a:lumOff val="60000"/>
                   </a:schemeClr>
                 </a:solidFill>
-                <a:latin typeface="Avenir Next Regular"/>
-                <a:cs typeface="Avenir Next Regular"/>
+                <a:latin typeface="Avenir Light"/>
+                <a:cs typeface="Avenir Light"/>
               </a:rPr>
               <a:t>for</a:t>
             </a:r>
@@ -6141,10 +6188,20 @@
                 <a:solidFill>
                   <a:srgbClr val="FFFFFF"/>
                 </a:solidFill>
-                <a:latin typeface="Avenir Next Regular"/>
-                <a:cs typeface="Avenir Next Regular"/>
-              </a:rPr>
-              <a:t> j </a:t>
+                <a:latin typeface="Avenir Light"/>
+                <a:cs typeface="Avenir Light"/>
+              </a:rPr>
+              <a:t> </a:t>
+            </a:r>
+            <a:r>
+              <a:rPr lang="en-US" sz="2400" dirty="0" smtClean="0">
+                <a:solidFill>
+                  <a:srgbClr val="FFFFFF"/>
+                </a:solidFill>
+                <a:latin typeface="Avenir Light"/>
+                <a:cs typeface="Avenir Light"/>
+              </a:rPr>
+              <a:t>j </a:t>
             </a:r>
             <a:r>
               <a:rPr lang="en-US" sz="2400" dirty="0" smtClean="0">
@@ -6154,8 +6211,8 @@
                     <a:lumOff val="80000"/>
                   </a:schemeClr>
                 </a:solidFill>
-                <a:latin typeface="Avenir Next Regular"/>
-                <a:cs typeface="Avenir Next Regular"/>
+                <a:latin typeface="Avenir Light"/>
+                <a:cs typeface="Avenir Light"/>
               </a:rPr>
               <a:t>from</a:t>
             </a:r>
@@ -6164,18 +6221,38 @@
                 <a:solidFill>
                   <a:srgbClr val="FFFFFF"/>
                 </a:solidFill>
-                <a:latin typeface="Avenir Next Regular"/>
-                <a:cs typeface="Avenir Next Regular"/>
-              </a:rPr>
-              <a:t> 0 </a:t>
+                <a:latin typeface="Avenir Light"/>
+                <a:cs typeface="Avenir Light"/>
+              </a:rPr>
+              <a:t> </a:t>
             </a:r>
             <a:r>
               <a:rPr lang="en-US" sz="2400" dirty="0" smtClean="0">
                 <a:solidFill>
+                  <a:srgbClr val="D99694"/>
+                </a:solidFill>
+                <a:latin typeface="Avenir Light"/>
+                <a:cs typeface="Avenir Light"/>
+              </a:rPr>
+              <a:t>0</a:t>
+            </a:r>
+            <a:r>
+              <a:rPr lang="en-US" sz="2400" dirty="0" smtClean="0">
+                <a:solidFill>
+                  <a:srgbClr val="FFFFFF"/>
+                </a:solidFill>
+                <a:latin typeface="Avenir Light"/>
+                <a:cs typeface="Avenir Light"/>
+              </a:rPr>
+              <a:t> </a:t>
+            </a:r>
+            <a:r>
+              <a:rPr lang="en-US" sz="2400" dirty="0" smtClean="0">
+                <a:solidFill>
                   <a:srgbClr val="C6D9F1"/>
                 </a:solidFill>
-                <a:latin typeface="Avenir Next Regular"/>
-                <a:cs typeface="Avenir Next Regular"/>
+                <a:latin typeface="Avenir Light"/>
+                <a:cs typeface="Avenir Light"/>
               </a:rPr>
               <a:t>through</a:t>
             </a:r>
@@ -6184,8 +6261,8 @@
                 <a:solidFill>
                   <a:srgbClr val="FFFFFF"/>
                 </a:solidFill>
-                <a:latin typeface="Avenir Next Regular"/>
-                <a:cs typeface="Avenir Next Regular"/>
+                <a:latin typeface="Avenir Light"/>
+                <a:cs typeface="Avenir Light"/>
               </a:rPr>
               <a:t> </a:t>
             </a:r>
@@ -6194,8 +6271,8 @@
                 <a:solidFill>
                   <a:srgbClr val="FFFFFF"/>
                 </a:solidFill>
-                <a:latin typeface="Avenir Next Regular"/>
-                <a:cs typeface="Avenir Next Regular"/>
+                <a:latin typeface="Avenir Light"/>
+                <a:cs typeface="Avenir Light"/>
               </a:rPr>
               <a:t>k</a:t>
             </a:r>
@@ -6212,8 +6289,8 @@
                 <a:solidFill>
                   <a:srgbClr val="FFFFFF"/>
                 </a:solidFill>
-                <a:latin typeface="Avenir Next Regular"/>
-                <a:cs typeface="Avenir Next Regular"/>
+                <a:latin typeface="Avenir Light"/>
+                <a:cs typeface="Avenir Light"/>
               </a:rPr>
               <a:t>	</a:t>
             </a:r>
@@ -6222,18 +6299,28 @@
                 <a:solidFill>
                   <a:srgbClr val="FFFFFF"/>
                 </a:solidFill>
-                <a:latin typeface="Avenir Next Regular"/>
-                <a:cs typeface="Avenir Next Regular"/>
+                <a:latin typeface="Avenir Light"/>
+                <a:cs typeface="Avenir Light"/>
               </a:rPr>
               <a:t>		</a:t>
             </a:r>
             <a:r>
+              <a:rPr lang="en-US" sz="2400" i="1" dirty="0" smtClean="0">
+                <a:solidFill>
+                  <a:srgbClr val="FFFFFF"/>
+                </a:solidFill>
+                <a:latin typeface="Avenir Light"/>
+                <a:cs typeface="Avenir Light"/>
+              </a:rPr>
+              <a:t>	 	 	</a:t>
+            </a:r>
+            <a:r>
               <a:rPr lang="en-US" sz="2400" dirty="0" smtClean="0">
                 <a:solidFill>
                   <a:srgbClr val="FFFFFF"/>
                 </a:solidFill>
-                <a:latin typeface="Avenir Next Regular"/>
-                <a:cs typeface="Avenir Next Regular"/>
+                <a:latin typeface="Avenir Light"/>
+                <a:cs typeface="Avenir Light"/>
               </a:rPr>
               <a:t>create </a:t>
             </a:r>
@@ -6245,8 +6332,8 @@
                     <a:lumOff val="60000"/>
                   </a:schemeClr>
                 </a:solidFill>
-                <a:latin typeface="Avenir Next Regular"/>
-                <a:cs typeface="Avenir Next Regular"/>
+                <a:latin typeface="Avenir Light"/>
+                <a:cs typeface="Avenir Light"/>
               </a:rPr>
               <a:t>new </a:t>
             </a:r>
@@ -6255,8 +6342,8 @@
                 <a:solidFill>
                   <a:schemeClr val="bg1"/>
                 </a:solidFill>
-                <a:latin typeface="Avenir Next Regular"/>
-                <a:cs typeface="Avenir Next Regular"/>
+                <a:latin typeface="Avenir Light"/>
+                <a:cs typeface="Avenir Light"/>
               </a:rPr>
               <a:t>empty </a:t>
             </a:r>
@@ -6265,8 +6352,8 @@
                 <a:solidFill>
                   <a:srgbClr val="FFFFFF"/>
                 </a:solidFill>
-                <a:latin typeface="Avenir Next Regular"/>
-                <a:cs typeface="Avenir Next Regular"/>
+                <a:latin typeface="Avenir Light"/>
+                <a:cs typeface="Avenir Light"/>
               </a:rPr>
               <a:t>list </a:t>
             </a:r>
@@ -6275,8 +6362,8 @@
                 <a:solidFill>
                   <a:srgbClr val="FFFFFF"/>
                 </a:solidFill>
-                <a:latin typeface="Avenir Next Regular"/>
-                <a:cs typeface="Avenir Next Regular"/>
+                <a:latin typeface="Avenir Light"/>
+                <a:cs typeface="Avenir Light"/>
               </a:rPr>
               <a:t>at </a:t>
             </a:r>
@@ -6285,8 +6372,8 @@
                 <a:solidFill>
                   <a:srgbClr val="FFFFFF"/>
                 </a:solidFill>
-                <a:latin typeface="Avenir Next Regular"/>
-                <a:cs typeface="Avenir Next Regular"/>
+                <a:latin typeface="Avenir Light"/>
+                <a:cs typeface="Avenir Light"/>
               </a:rPr>
               <a:t>adjList</a:t>
             </a:r>
@@ -6295,8 +6382,8 @@
                 <a:solidFill>
                   <a:srgbClr val="FFFFFF"/>
                 </a:solidFill>
-                <a:latin typeface="Avenir Next Regular"/>
-                <a:cs typeface="Avenir Next Regular"/>
+                <a:latin typeface="Avenir Light"/>
+                <a:cs typeface="Avenir Light"/>
               </a:rPr>
               <a:t>[ </a:t>
             </a:r>
@@ -6305,8 +6392,8 @@
                 <a:solidFill>
                   <a:srgbClr val="FFFFFF"/>
                 </a:solidFill>
-                <a:latin typeface="Avenir Next Regular"/>
-                <a:cs typeface="Avenir Next Regular"/>
+                <a:latin typeface="Avenir Light"/>
+                <a:cs typeface="Avenir Light"/>
               </a:rPr>
               <a:t>j </a:t>
             </a:r>
@@ -6315,8 +6402,8 @@
                 <a:solidFill>
                   <a:srgbClr val="FFFFFF"/>
                 </a:solidFill>
-                <a:latin typeface="Avenir Next Regular"/>
-                <a:cs typeface="Avenir Next Regular"/>
+                <a:latin typeface="Avenir Light"/>
+                <a:cs typeface="Avenir Light"/>
               </a:rPr>
               <a:t>]</a:t>
             </a:r>
@@ -6324,8 +6411,8 @@
               <a:solidFill>
                 <a:srgbClr val="FFFFFF"/>
               </a:solidFill>
-              <a:latin typeface="Avenir Next Regular"/>
-              <a:cs typeface="Avenir Next Regular"/>
+              <a:latin typeface="Avenir Light"/>
+              <a:cs typeface="Avenir Light"/>
             </a:endParaRPr>
           </a:p>
           <a:p>
@@ -6340,8 +6427,8 @@
                 <a:solidFill>
                   <a:srgbClr val="FFFFFF"/>
                 </a:solidFill>
-                <a:latin typeface="Avenir Next Regular"/>
-                <a:cs typeface="Avenir Next Regular"/>
+                <a:latin typeface="Avenir Light"/>
+                <a:cs typeface="Avenir Light"/>
               </a:rPr>
               <a:t>	</a:t>
             </a:r>
@@ -6350,18 +6437,28 @@
                 <a:solidFill>
                   <a:srgbClr val="FFFFFF"/>
                 </a:solidFill>
-                <a:latin typeface="Avenir Next Regular"/>
-                <a:cs typeface="Avenir Next Regular"/>
+                <a:latin typeface="Avenir Light"/>
+                <a:cs typeface="Avenir Light"/>
               </a:rPr>
               <a:t>	</a:t>
             </a:r>
             <a:r>
+              <a:rPr lang="en-US" sz="2400" i="1" dirty="0" smtClean="0">
+                <a:solidFill>
+                  <a:srgbClr val="FFFFFF"/>
+                </a:solidFill>
+                <a:latin typeface="Avenir Light"/>
+                <a:cs typeface="Avenir Light"/>
+              </a:rPr>
+              <a:t> 	</a:t>
+            </a:r>
+            <a:r>
               <a:rPr lang="en-US" sz="2400" dirty="0" smtClean="0">
                 <a:solidFill>
                   <a:srgbClr val="FFFFFF"/>
                 </a:solidFill>
-                <a:latin typeface="Avenir Next Regular"/>
-                <a:cs typeface="Avenir Next Regular"/>
+                <a:latin typeface="Avenir Light"/>
+                <a:cs typeface="Avenir Light"/>
               </a:rPr>
               <a:t>populate </a:t>
             </a:r>
@@ -6370,8 +6467,8 @@
                 <a:solidFill>
                   <a:srgbClr val="FFFFFF"/>
                 </a:solidFill>
-                <a:latin typeface="Avenir Next Regular"/>
-                <a:cs typeface="Avenir Next Regular"/>
+                <a:latin typeface="Avenir Light"/>
+                <a:cs typeface="Avenir Light"/>
               </a:rPr>
               <a:t>adjList</a:t>
             </a:r>
@@ -6380,38 +6477,48 @@
                 <a:solidFill>
                   <a:srgbClr val="FFFFFF"/>
                 </a:solidFill>
-                <a:latin typeface="Avenir Next Regular"/>
-                <a:cs typeface="Avenir Next Regular"/>
-              </a:rPr>
-              <a:t>		</a:t>
+                <a:latin typeface="Avenir Light"/>
+                <a:cs typeface="Avenir Light"/>
+              </a:rPr>
+              <a:t>		 					</a:t>
             </a:r>
             <a:r>
               <a:rPr lang="en-US" sz="2400" i="1" dirty="0" smtClean="0">
                 <a:solidFill>
                   <a:srgbClr val="FFFFFF"/>
                 </a:solidFill>
-                <a:latin typeface="Avenir Next Regular"/>
-                <a:cs typeface="Avenir Next Regular"/>
-              </a:rPr>
-              <a:t> 					</a:t>
+                <a:latin typeface="Avenir Light"/>
+                <a:cs typeface="Avenir Light"/>
+              </a:rPr>
+              <a:t>	 	 	 		 	 	</a:t>
             </a:r>
             <a:r>
               <a:rPr lang="en-US" sz="2400" dirty="0" smtClean="0">
                 <a:solidFill>
                   <a:srgbClr val="FFFFFF"/>
                 </a:solidFill>
-                <a:latin typeface="Avenir Next Regular"/>
-                <a:cs typeface="Avenir Next Regular"/>
-              </a:rPr>
-              <a:t>//call </a:t>
+                <a:latin typeface="Avenir Light"/>
+                <a:cs typeface="Avenir Light"/>
+              </a:rPr>
+              <a:t>/</a:t>
+            </a:r>
+            <a:r>
+              <a:rPr lang="en-US" sz="2400" dirty="0" smtClean="0">
+                <a:solidFill>
+                  <a:srgbClr val="FFFFFF"/>
+                </a:solidFill>
+                <a:latin typeface="Avenir Light"/>
+                <a:cs typeface="Avenir Light"/>
+              </a:rPr>
+              <a:t>/call </a:t>
             </a:r>
             <a:r>
               <a:rPr lang="en-US" sz="2400" dirty="0" err="1" smtClean="0">
                 <a:solidFill>
                   <a:srgbClr val="FFFFFF"/>
                 </a:solidFill>
-                <a:latin typeface="Avenir Next Regular"/>
-                <a:cs typeface="Avenir Next Regular"/>
+                <a:latin typeface="Avenir Light"/>
+                <a:cs typeface="Avenir Light"/>
               </a:rPr>
               <a:t>popAdjList</a:t>
             </a:r>
@@ -6420,8 +6527,8 @@
                 <a:solidFill>
                   <a:srgbClr val="FFFFFF"/>
                 </a:solidFill>
-                <a:latin typeface="Avenir Next Regular"/>
-                <a:cs typeface="Avenir Next Regular"/>
+                <a:latin typeface="Avenir Light"/>
+                <a:cs typeface="Avenir Light"/>
               </a:rPr>
               <a:t>()</a:t>
             </a:r>
@@ -6438,8 +6545,8 @@
                 <a:solidFill>
                   <a:srgbClr val="FFFFFF"/>
                 </a:solidFill>
-                <a:latin typeface="Avenir Next Regular"/>
-                <a:cs typeface="Avenir Next Regular"/>
+                <a:latin typeface="Avenir Light"/>
+                <a:cs typeface="Avenir Light"/>
               </a:rPr>
               <a:t>	</a:t>
             </a:r>
@@ -6448,18 +6555,28 @@
                 <a:solidFill>
                   <a:srgbClr val="FFFFFF"/>
                 </a:solidFill>
-                <a:latin typeface="Avenir Next Regular"/>
-                <a:cs typeface="Avenir Next Regular"/>
+                <a:latin typeface="Avenir Light"/>
+                <a:cs typeface="Avenir Light"/>
               </a:rPr>
               <a:t>	</a:t>
             </a:r>
             <a:r>
+              <a:rPr lang="en-US" sz="2400" i="1" dirty="0" smtClean="0">
+                <a:solidFill>
+                  <a:srgbClr val="FFFFFF"/>
+                </a:solidFill>
+                <a:latin typeface="Avenir Light"/>
+                <a:cs typeface="Avenir Light"/>
+              </a:rPr>
+              <a:t> 	</a:t>
+            </a:r>
+            <a:r>
               <a:rPr lang="en-US" sz="2400" dirty="0" smtClean="0">
                 <a:solidFill>
                   <a:srgbClr val="FFFFFF"/>
                 </a:solidFill>
-                <a:latin typeface="Avenir Next Regular"/>
-                <a:cs typeface="Avenir Next Regular"/>
+                <a:latin typeface="Avenir Light"/>
+                <a:cs typeface="Avenir Light"/>
               </a:rPr>
               <a:t>repopulate </a:t>
             </a:r>
@@ -6468,8 +6585,8 @@
                 <a:solidFill>
                   <a:srgbClr val="FFFFFF"/>
                 </a:solidFill>
-                <a:latin typeface="Avenir Next Regular"/>
-                <a:cs typeface="Avenir Next Regular"/>
+                <a:latin typeface="Avenir Light"/>
+                <a:cs typeface="Avenir Light"/>
               </a:rPr>
               <a:t>array</a:t>
             </a:r>
@@ -6478,18 +6595,38 @@
                 <a:solidFill>
                   <a:srgbClr val="FFFFFF"/>
                 </a:solidFill>
-                <a:latin typeface="Avenir Next Regular"/>
-                <a:cs typeface="Avenir Next Regular"/>
-              </a:rPr>
-              <a:t> 							//call </a:t>
+                <a:latin typeface="Avenir Light"/>
+                <a:cs typeface="Avenir Light"/>
+              </a:rPr>
+              <a:t> 	</a:t>
+            </a:r>
+            <a:r>
+              <a:rPr lang="en-US" sz="2400" dirty="0" smtClean="0">
+                <a:solidFill>
+                  <a:srgbClr val="FFFFFF"/>
+                </a:solidFill>
+                <a:latin typeface="Avenir Light"/>
+                <a:cs typeface="Avenir Light"/>
+              </a:rPr>
+              <a:t> 	 	 	 	 	 	</a:t>
+            </a:r>
+            <a:r>
+              <a:rPr lang="en-US" sz="2400" dirty="0" smtClean="0">
+                <a:solidFill>
+                  <a:srgbClr val="FFFFFF"/>
+                </a:solidFill>
+                <a:latin typeface="Avenir Light"/>
+                <a:cs typeface="Avenir Light"/>
+              </a:rPr>
+              <a:t>						//call </a:t>
             </a:r>
             <a:r>
               <a:rPr lang="en-US" sz="2400" dirty="0" err="1" smtClean="0">
                 <a:solidFill>
                   <a:srgbClr val="FFFFFF"/>
                 </a:solidFill>
-                <a:latin typeface="Avenir Next Regular"/>
-                <a:cs typeface="Avenir Next Regular"/>
+                <a:latin typeface="Avenir Light"/>
+                <a:cs typeface="Avenir Light"/>
               </a:rPr>
               <a:t>repopArray</a:t>
             </a:r>
@@ -6498,8 +6635,8 @@
                 <a:solidFill>
                   <a:srgbClr val="FFFFFF"/>
                 </a:solidFill>
-                <a:latin typeface="Avenir Next Regular"/>
-                <a:cs typeface="Avenir Next Regular"/>
+                <a:latin typeface="Avenir Light"/>
+                <a:cs typeface="Avenir Light"/>
               </a:rPr>
               <a:t>()</a:t>
             </a:r>
@@ -6516,8 +6653,8 @@
                 <a:solidFill>
                   <a:srgbClr val="FFFFFF"/>
                 </a:solidFill>
-                <a:latin typeface="Avenir Next Regular"/>
-                <a:cs typeface="Avenir Next Regular"/>
+                <a:latin typeface="Avenir Light"/>
+                <a:cs typeface="Avenir Light"/>
               </a:rPr>
               <a:t>	</a:t>
             </a:r>
@@ -6526,10 +6663,20 @@
                 <a:solidFill>
                   <a:srgbClr val="FFFFFF"/>
                 </a:solidFill>
-                <a:latin typeface="Avenir Next Regular"/>
-                <a:cs typeface="Avenir Next Regular"/>
+                <a:latin typeface="Avenir Light"/>
+                <a:cs typeface="Avenir Light"/>
               </a:rPr>
               <a:t>	</a:t>
+            </a:r>
+            <a:r>
+              <a:rPr lang="en-US" sz="2400" i="1" dirty="0" smtClean="0">
+                <a:solidFill>
+                  <a:srgbClr val="FFFFFF"/>
+                </a:solidFill>
+                <a:latin typeface="Avenir Light"/>
+                <a:cs typeface="Avenir Light"/>
+              </a:rPr>
+              <a:t> 	</a:t>
             </a:r>
             <a:r>
               <a:rPr lang="en-US" sz="2400" dirty="0" smtClean="0">
@@ -6539,8 +6686,8 @@
                     <a:lumOff val="60000"/>
                   </a:schemeClr>
                 </a:solidFill>
-                <a:latin typeface="Avenir Next Regular"/>
-                <a:cs typeface="Avenir Next Regular"/>
+                <a:latin typeface="Avenir Light"/>
+                <a:cs typeface="Avenir Light"/>
               </a:rPr>
               <a:t>delete</a:t>
             </a:r>
@@ -6549,8 +6696,8 @@
                 <a:solidFill>
                   <a:srgbClr val="FFFFFF"/>
                 </a:solidFill>
-                <a:latin typeface="Avenir Next Regular"/>
-                <a:cs typeface="Avenir Next Regular"/>
+                <a:latin typeface="Avenir Light"/>
+                <a:cs typeface="Avenir Light"/>
               </a:rPr>
               <a:t> </a:t>
             </a:r>
@@ -6559,8 +6706,8 @@
                 <a:solidFill>
                   <a:srgbClr val="FFFFFF"/>
                 </a:solidFill>
-                <a:latin typeface="Avenir Next Regular"/>
-                <a:cs typeface="Avenir Next Regular"/>
+                <a:latin typeface="Avenir Light"/>
+                <a:cs typeface="Avenir Light"/>
               </a:rPr>
               <a:t>adjList</a:t>
             </a:r>
@@ -6568,8 +6715,8 @@
               <a:solidFill>
                 <a:srgbClr val="FFFFFF"/>
               </a:solidFill>
-              <a:latin typeface="Avenir Next Regular"/>
-              <a:cs typeface="Avenir Next Regular"/>
+              <a:latin typeface="Avenir Light"/>
+              <a:cs typeface="Avenir Light"/>
             </a:endParaRPr>
           </a:p>
           <a:p>
@@ -6584,8 +6731,8 @@
                 <a:solidFill>
                   <a:srgbClr val="FFFFFF"/>
                 </a:solidFill>
-                <a:latin typeface="Avenir Next Regular"/>
-                <a:cs typeface="Avenir Next Regular"/>
+                <a:latin typeface="Avenir Light"/>
+                <a:cs typeface="Avenir Light"/>
               </a:rPr>
               <a:t>	</a:t>
             </a:r>
@@ -6594,10 +6741,20 @@
                 <a:solidFill>
                   <a:srgbClr val="FFFFFF"/>
                 </a:solidFill>
-                <a:latin typeface="Avenir Next Regular"/>
-                <a:cs typeface="Avenir Next Regular"/>
+                <a:latin typeface="Avenir Light"/>
+                <a:cs typeface="Avenir Light"/>
               </a:rPr>
               <a:t>	</a:t>
+            </a:r>
+            <a:r>
+              <a:rPr lang="en-US" sz="2400" i="1" dirty="0" smtClean="0">
+                <a:solidFill>
+                  <a:srgbClr val="FFFFFF"/>
+                </a:solidFill>
+                <a:latin typeface="Avenir Light"/>
+                <a:cs typeface="Avenir Light"/>
+              </a:rPr>
+              <a:t> 	</a:t>
             </a:r>
             <a:r>
               <a:rPr lang="en-US" sz="2400" dirty="0" smtClean="0">
@@ -6607,8 +6764,8 @@
                     <a:lumOff val="80000"/>
                   </a:schemeClr>
                 </a:solidFill>
-                <a:latin typeface="Avenir Next Regular"/>
-                <a:cs typeface="Avenir Next Regular"/>
+                <a:latin typeface="Avenir Light"/>
+                <a:cs typeface="Avenir Light"/>
               </a:rPr>
               <a:t>update</a:t>
             </a:r>
@@ -6617,8 +6774,8 @@
                 <a:solidFill>
                   <a:srgbClr val="FFFFFF"/>
                 </a:solidFill>
-                <a:latin typeface="Avenir Next Regular"/>
-                <a:cs typeface="Avenir Next Regular"/>
+                <a:latin typeface="Avenir Light"/>
+                <a:cs typeface="Avenir Light"/>
               </a:rPr>
               <a:t> </a:t>
             </a:r>
@@ -6627,8 +6784,8 @@
                 <a:solidFill>
                   <a:srgbClr val="FFFFFF"/>
                 </a:solidFill>
-                <a:latin typeface="Avenir Next Regular"/>
-                <a:cs typeface="Avenir Next Regular"/>
+                <a:latin typeface="Avenir Light"/>
+                <a:cs typeface="Avenir Light"/>
               </a:rPr>
               <a:t>mod</a:t>
             </a:r>
@@ -6637,8 +6794,8 @@
                 <a:solidFill>
                   <a:srgbClr val="FFFFFF"/>
                 </a:solidFill>
-                <a:latin typeface="Avenir Next Regular"/>
-                <a:cs typeface="Avenir Next Regular"/>
+                <a:latin typeface="Avenir Light"/>
+                <a:cs typeface="Avenir Light"/>
               </a:rPr>
               <a:t>, </a:t>
             </a:r>
@@ -6647,18 +6804,11 @@
                 <a:solidFill>
                   <a:srgbClr val="FFFFFF"/>
                 </a:solidFill>
-                <a:latin typeface="Avenir Next Regular"/>
-                <a:cs typeface="Avenir Next Regular"/>
+                <a:latin typeface="Avenir Light"/>
+                <a:cs typeface="Avenir Light"/>
               </a:rPr>
               <a:t>div</a:t>
             </a:r>
-            <a:endParaRPr lang="en-US" sz="2400" i="1" dirty="0" smtClean="0">
-              <a:solidFill>
-                <a:srgbClr val="FFFFFF"/>
-              </a:solidFill>
-              <a:latin typeface="Avenir Next Regular"/>
-              <a:cs typeface="Avenir Next Regular"/>
-            </a:endParaRPr>
           </a:p>
         </p:txBody>
       </p:sp>
@@ -6672,6 +6822,13 @@
   <p:clrMapOvr>
     <a:masterClrMapping/>
   </p:clrMapOvr>
+  <p:timing>
+    <p:tnLst>
+      <p:par>
+        <p:cTn xmlns:p14="http://schemas.microsoft.com/office/powerpoint/2010/main" id="1" dur="indefinite" restart="never" nodeType="tmRoot"/>
+      </p:par>
+    </p:tnLst>
+  </p:timing>
 </p:sld>
 </file>
 
@@ -6778,7 +6935,7 @@
               <a:buNone/>
             </a:pPr>
             <a:r>
-              <a:rPr lang="en-US" sz="2800" dirty="0" err="1" smtClean="0">
+              <a:rPr lang="en-US" sz="2200" dirty="0" err="1" smtClean="0">
                 <a:solidFill>
                   <a:srgbClr val="FFFFFF"/>
                 </a:solidFill>
@@ -6788,7 +6945,7 @@
               <a:t>popAdjList</a:t>
             </a:r>
             <a:r>
-              <a:rPr lang="en-US" sz="2800" dirty="0" smtClean="0">
+              <a:rPr lang="en-US" sz="2200" dirty="0" smtClean="0">
                 <a:solidFill>
                   <a:srgbClr val="FFFFFF"/>
                 </a:solidFill>
@@ -6798,7 +6955,7 @@
               <a:t>(</a:t>
             </a:r>
             <a:r>
-              <a:rPr lang="en-US" sz="2800" i="1" dirty="0" err="1" smtClean="0">
+              <a:rPr lang="en-US" sz="2200" i="1" dirty="0" err="1" smtClean="0">
                 <a:solidFill>
                   <a:srgbClr val="FFFFFF"/>
                 </a:solidFill>
@@ -6808,7 +6965,7 @@
               <a:t>adjList</a:t>
             </a:r>
             <a:r>
-              <a:rPr lang="en-US" sz="2800" dirty="0" smtClean="0">
+              <a:rPr lang="en-US" sz="2200" dirty="0" smtClean="0">
                 <a:solidFill>
                   <a:srgbClr val="FFFFFF"/>
                 </a:solidFill>
@@ -6818,7 +6975,7 @@
               <a:t>, </a:t>
             </a:r>
             <a:r>
-              <a:rPr lang="en-US" sz="2800" i="1" dirty="0" smtClean="0">
+              <a:rPr lang="en-US" sz="2200" i="1" dirty="0" smtClean="0">
                 <a:solidFill>
                   <a:srgbClr val="FFFFFF"/>
                 </a:solidFill>
@@ -6828,7 +6985,7 @@
               <a:t>array</a:t>
             </a:r>
             <a:r>
-              <a:rPr lang="en-US" sz="2800" dirty="0" smtClean="0">
+              <a:rPr lang="en-US" sz="2200" dirty="0" smtClean="0">
                 <a:solidFill>
                   <a:srgbClr val="FFFFFF"/>
                 </a:solidFill>
@@ -6838,7 +6995,7 @@
               <a:t>, </a:t>
             </a:r>
             <a:r>
-              <a:rPr lang="en-US" sz="2800" i="1" dirty="0" smtClean="0">
+              <a:rPr lang="en-US" sz="2200" i="1" dirty="0" smtClean="0">
                 <a:solidFill>
                   <a:srgbClr val="FFFFFF"/>
                 </a:solidFill>
@@ -6848,7 +7005,7 @@
               <a:t>size</a:t>
             </a:r>
             <a:r>
-              <a:rPr lang="en-US" sz="2800" dirty="0" smtClean="0">
+              <a:rPr lang="en-US" sz="2200" dirty="0" smtClean="0">
                 <a:solidFill>
                   <a:srgbClr val="FFFFFF"/>
                 </a:solidFill>
@@ -6858,7 +7015,7 @@
               <a:t>, </a:t>
             </a:r>
             <a:r>
-              <a:rPr lang="en-US" sz="2800" i="1" dirty="0" smtClean="0">
+              <a:rPr lang="en-US" sz="2200" i="1" dirty="0" smtClean="0">
                 <a:solidFill>
                   <a:srgbClr val="FFFFFF"/>
                 </a:solidFill>
@@ -6868,7 +7025,7 @@
               <a:t>mod</a:t>
             </a:r>
             <a:r>
-              <a:rPr lang="en-US" sz="2800" dirty="0" smtClean="0">
+              <a:rPr lang="en-US" sz="2200" dirty="0" smtClean="0">
                 <a:solidFill>
                   <a:srgbClr val="FFFFFF"/>
                 </a:solidFill>
@@ -6878,7 +7035,7 @@
               <a:t>, </a:t>
             </a:r>
             <a:r>
-              <a:rPr lang="en-US" sz="2800" i="1" dirty="0" smtClean="0">
+              <a:rPr lang="en-US" sz="2200" i="1" dirty="0" smtClean="0">
                 <a:solidFill>
                   <a:srgbClr val="FFFFFF"/>
                 </a:solidFill>
@@ -6893,7 +7050,7 @@
               <a:buNone/>
             </a:pPr>
             <a:r>
-              <a:rPr lang="en-US" sz="2800" i="1" dirty="0">
+              <a:rPr lang="en-US" sz="2200" i="1" dirty="0">
                 <a:solidFill>
                   <a:srgbClr val="FFFFFF"/>
                 </a:solidFill>
@@ -6903,7 +7060,7 @@
               <a:t>	</a:t>
             </a:r>
             <a:r>
-              <a:rPr lang="en-US" sz="2800" dirty="0" err="1" smtClean="0">
+              <a:rPr lang="en-US" sz="2200" dirty="0" err="1" smtClean="0">
                 <a:solidFill>
                   <a:schemeClr val="accent6">
                     <a:lumMod val="60000"/>
@@ -6916,7 +7073,7 @@
               <a:t>int</a:t>
             </a:r>
             <a:r>
-              <a:rPr lang="en-US" sz="2800" dirty="0" smtClean="0">
+              <a:rPr lang="en-US" sz="2200" dirty="0" smtClean="0">
                 <a:solidFill>
                   <a:schemeClr val="accent6">
                     <a:lumMod val="60000"/>
@@ -6929,7 +7086,7 @@
               <a:t> </a:t>
             </a:r>
             <a:r>
-              <a:rPr lang="en-US" sz="2800" i="1" dirty="0" smtClean="0">
+              <a:rPr lang="en-US" sz="2200" i="1" dirty="0" smtClean="0">
                 <a:solidFill>
                   <a:srgbClr val="FFFFFF"/>
                 </a:solidFill>
@@ -6939,7 +7096,7 @@
               <a:t>temp</a:t>
             </a:r>
             <a:r>
-              <a:rPr lang="en-US" sz="2800" dirty="0">
+              <a:rPr lang="en-US" sz="2200" dirty="0">
                 <a:solidFill>
                   <a:srgbClr val="FFFFFF"/>
                 </a:solidFill>
@@ -6949,7 +7106,7 @@
               <a:t>,</a:t>
             </a:r>
             <a:r>
-              <a:rPr lang="en-US" sz="2800" i="1" dirty="0" smtClean="0">
+              <a:rPr lang="en-US" sz="2200" i="1" dirty="0" smtClean="0">
                 <a:solidFill>
                   <a:srgbClr val="FFFFFF"/>
                 </a:solidFill>
@@ -6964,7 +7121,7 @@
               <a:buNone/>
             </a:pPr>
             <a:r>
-              <a:rPr lang="en-US" sz="2800" i="1" dirty="0">
+              <a:rPr lang="en-US" sz="2200" i="1" dirty="0">
                 <a:solidFill>
                   <a:srgbClr val="FFFFFF"/>
                 </a:solidFill>
@@ -6974,7 +7131,7 @@
               <a:t>	</a:t>
             </a:r>
             <a:r>
-              <a:rPr lang="en-US" sz="2800" dirty="0" smtClean="0">
+              <a:rPr lang="en-US" sz="2200" dirty="0" smtClean="0">
                 <a:solidFill>
                   <a:schemeClr val="tx2">
                     <a:lumMod val="40000"/>
@@ -6987,7 +7144,7 @@
               <a:t>for</a:t>
             </a:r>
             <a:r>
-              <a:rPr lang="en-US" sz="2800" dirty="0" smtClean="0">
+              <a:rPr lang="en-US" sz="2200" dirty="0" smtClean="0">
                 <a:solidFill>
                   <a:srgbClr val="FFFFFF"/>
                 </a:solidFill>
@@ -6997,7 +7154,7 @@
               <a:t> </a:t>
             </a:r>
             <a:r>
-              <a:rPr lang="en-US" sz="2800" i="1" dirty="0" err="1" smtClean="0">
+              <a:rPr lang="en-US" sz="2200" i="1" dirty="0" err="1" smtClean="0">
                 <a:solidFill>
                   <a:srgbClr val="FFFFFF"/>
                 </a:solidFill>
@@ -7007,7 +7164,7 @@
               <a:t>i</a:t>
             </a:r>
             <a:r>
-              <a:rPr lang="en-US" sz="2800" dirty="0" smtClean="0">
+              <a:rPr lang="en-US" sz="2200" dirty="0" smtClean="0">
                 <a:solidFill>
                   <a:srgbClr val="FFFFFF"/>
                 </a:solidFill>
@@ -7017,7 +7174,7 @@
               <a:t> </a:t>
             </a:r>
             <a:r>
-              <a:rPr lang="en-US" sz="2800" dirty="0" smtClean="0">
+              <a:rPr lang="en-US" sz="2200" dirty="0" smtClean="0">
                 <a:solidFill>
                   <a:schemeClr val="accent1">
                     <a:lumMod val="20000"/>
@@ -7030,7 +7187,7 @@
               <a:t>from</a:t>
             </a:r>
             <a:r>
-              <a:rPr lang="en-US" sz="2800" dirty="0" smtClean="0">
+              <a:rPr lang="en-US" sz="2200" dirty="0" smtClean="0">
                 <a:solidFill>
                   <a:srgbClr val="FFFFFF"/>
                 </a:solidFill>
@@ -7040,7 +7197,7 @@
               <a:t> </a:t>
             </a:r>
             <a:r>
-              <a:rPr lang="en-US" sz="2800" dirty="0" smtClean="0">
+              <a:rPr lang="en-US" sz="2200" dirty="0" smtClean="0">
                 <a:solidFill>
                   <a:schemeClr val="accent2">
                     <a:lumMod val="60000"/>
@@ -7053,7 +7210,7 @@
               <a:t>0</a:t>
             </a:r>
             <a:r>
-              <a:rPr lang="en-US" sz="2800" dirty="0" smtClean="0">
+              <a:rPr lang="en-US" sz="2200" dirty="0" smtClean="0">
                 <a:solidFill>
                   <a:srgbClr val="FFFFFF"/>
                 </a:solidFill>
@@ -7063,7 +7220,7 @@
               <a:t> </a:t>
             </a:r>
             <a:r>
-              <a:rPr lang="en-US" sz="2800" dirty="0" smtClean="0">
+              <a:rPr lang="en-US" sz="2200" dirty="0" smtClean="0">
                 <a:solidFill>
                   <a:srgbClr val="DCE6F2"/>
                 </a:solidFill>
@@ -7073,7 +7230,7 @@
               <a:t>to</a:t>
             </a:r>
             <a:r>
-              <a:rPr lang="en-US" sz="2800" dirty="0" smtClean="0">
+              <a:rPr lang="en-US" sz="2200" dirty="0" smtClean="0">
                 <a:solidFill>
                   <a:srgbClr val="FFFFFF"/>
                 </a:solidFill>
@@ -7088,7 +7245,7 @@
               <a:buNone/>
             </a:pPr>
             <a:r>
-              <a:rPr lang="en-US" sz="2800" dirty="0">
+              <a:rPr lang="en-US" sz="2200" dirty="0">
                 <a:solidFill>
                   <a:srgbClr val="FFFFFF"/>
                 </a:solidFill>
@@ -7098,7 +7255,7 @@
               <a:t>	</a:t>
             </a:r>
             <a:r>
-              <a:rPr lang="en-US" sz="2800" dirty="0" smtClean="0">
+              <a:rPr lang="en-US" sz="2200" dirty="0" smtClean="0">
                 <a:solidFill>
                   <a:srgbClr val="FFFFFF"/>
                 </a:solidFill>
@@ -7108,7 +7265,7 @@
               <a:t> 	</a:t>
             </a:r>
             <a:r>
-              <a:rPr lang="en-US" sz="2800" i="1" dirty="0" smtClean="0">
+              <a:rPr lang="en-US" sz="2200" i="1" dirty="0" smtClean="0">
                 <a:solidFill>
                   <a:srgbClr val="FFFFFF"/>
                 </a:solidFill>
@@ -7118,7 +7275,7 @@
               <a:t>temp</a:t>
             </a:r>
             <a:r>
-              <a:rPr lang="en-US" sz="2800" dirty="0" smtClean="0">
+              <a:rPr lang="en-US" sz="2200" dirty="0" smtClean="0">
                 <a:solidFill>
                   <a:srgbClr val="FFFFFF"/>
                 </a:solidFill>
@@ -7128,7 +7285,7 @@
               <a:t> = </a:t>
             </a:r>
             <a:r>
-              <a:rPr lang="en-US" sz="2800" i="1" dirty="0" smtClean="0">
+              <a:rPr lang="en-US" sz="2200" i="1" dirty="0" smtClean="0">
                 <a:solidFill>
                   <a:srgbClr val="FFFFFF"/>
                 </a:solidFill>
@@ -7138,7 +7295,7 @@
               <a:t>array</a:t>
             </a:r>
             <a:r>
-              <a:rPr lang="en-US" sz="2800" dirty="0" smtClean="0">
+              <a:rPr lang="en-US" sz="2200" dirty="0" smtClean="0">
                 <a:solidFill>
                   <a:srgbClr val="FFFFFF"/>
                 </a:solidFill>
@@ -7148,7 +7305,7 @@
               <a:t>[ </a:t>
             </a:r>
             <a:r>
-              <a:rPr lang="en-US" sz="2800" i="1" dirty="0" err="1" smtClean="0">
+              <a:rPr lang="en-US" sz="2200" i="1" dirty="0" err="1" smtClean="0">
                 <a:solidFill>
                   <a:srgbClr val="FFFFFF"/>
                 </a:solidFill>
@@ -7158,7 +7315,7 @@
               <a:t>i</a:t>
             </a:r>
             <a:r>
-              <a:rPr lang="en-US" sz="2800" dirty="0" smtClean="0">
+              <a:rPr lang="en-US" sz="2200" dirty="0" smtClean="0">
                 <a:solidFill>
                   <a:srgbClr val="FFFFFF"/>
                 </a:solidFill>
@@ -7173,7 +7330,7 @@
               <a:buNone/>
             </a:pPr>
             <a:r>
-              <a:rPr lang="en-US" sz="2800" dirty="0">
+              <a:rPr lang="en-US" sz="2200" dirty="0">
                 <a:solidFill>
                   <a:srgbClr val="FFFFFF"/>
                 </a:solidFill>
@@ -7183,7 +7340,7 @@
               <a:t>	</a:t>
             </a:r>
             <a:r>
-              <a:rPr lang="en-US" sz="2800" dirty="0" smtClean="0">
+              <a:rPr lang="en-US" sz="2200" dirty="0" smtClean="0">
                 <a:solidFill>
                   <a:srgbClr val="FFFFFF"/>
                 </a:solidFill>
@@ -7193,7 +7350,7 @@
               <a:t> 	</a:t>
             </a:r>
             <a:r>
-              <a:rPr lang="en-US" sz="2800" i="1" dirty="0" smtClean="0">
+              <a:rPr lang="en-US" sz="2200" i="1" dirty="0" smtClean="0">
                 <a:solidFill>
                   <a:srgbClr val="FFFFFF"/>
                 </a:solidFill>
@@ -7203,7 +7360,7 @@
               <a:t>temp </a:t>
             </a:r>
             <a:r>
-              <a:rPr lang="en-US" sz="2800" dirty="0" smtClean="0">
+              <a:rPr lang="en-US" sz="2200" dirty="0" smtClean="0">
                 <a:solidFill>
                   <a:srgbClr val="FFFFFF"/>
                 </a:solidFill>
@@ -7213,7 +7370,7 @@
               <a:t>/ </a:t>
             </a:r>
             <a:r>
-              <a:rPr lang="en-US" sz="2800" i="1" dirty="0" smtClean="0">
+              <a:rPr lang="en-US" sz="2200" i="1" dirty="0" smtClean="0">
                 <a:solidFill>
                   <a:srgbClr val="FFFFFF"/>
                 </a:solidFill>
@@ -7223,7 +7380,7 @@
               <a:t>mod</a:t>
             </a:r>
             <a:r>
-              <a:rPr lang="en-US" sz="2800" dirty="0" smtClean="0">
+              <a:rPr lang="en-US" sz="2200" dirty="0" smtClean="0">
                 <a:solidFill>
                   <a:srgbClr val="FFFFFF"/>
                 </a:solidFill>
@@ -7238,7 +7395,7 @@
               <a:buNone/>
             </a:pPr>
             <a:r>
-              <a:rPr lang="en-US" sz="2800" dirty="0">
+              <a:rPr lang="en-US" sz="2200" dirty="0">
                 <a:solidFill>
                   <a:srgbClr val="FFFFFF"/>
                 </a:solidFill>
@@ -7248,7 +7405,7 @@
               <a:t>	</a:t>
             </a:r>
             <a:r>
-              <a:rPr lang="en-US" sz="2800" dirty="0" smtClean="0">
+              <a:rPr lang="en-US" sz="2200" dirty="0" smtClean="0">
                 <a:solidFill>
                   <a:srgbClr val="FFFFFF"/>
                 </a:solidFill>
@@ -7258,7 +7415,7 @@
               <a:t> 	</a:t>
             </a:r>
             <a:r>
-              <a:rPr lang="en-US" sz="2800" i="1" dirty="0" smtClean="0">
+              <a:rPr lang="en-US" sz="2200" i="1" dirty="0" smtClean="0">
                 <a:solidFill>
                   <a:srgbClr val="FFFFFF"/>
                 </a:solidFill>
@@ -7267,7 +7424,7 @@
               </a:rPr>
               <a:t>temp %= mod</a:t>
             </a:r>
-            <a:endParaRPr lang="en-US" sz="2800" dirty="0" smtClean="0">
+            <a:endParaRPr lang="en-US" sz="2200" dirty="0" smtClean="0">
               <a:solidFill>
                 <a:srgbClr val="FFFFFF"/>
               </a:solidFill>
@@ -7280,7 +7437,7 @@
               <a:buNone/>
             </a:pPr>
             <a:r>
-              <a:rPr lang="en-US" sz="2800" dirty="0" smtClean="0">
+              <a:rPr lang="en-US" sz="2200" dirty="0" smtClean="0">
                 <a:solidFill>
                   <a:srgbClr val="FFFFFF"/>
                 </a:solidFill>
@@ -7290,7 +7447,7 @@
               <a:t> 		 </a:t>
             </a:r>
             <a:r>
-              <a:rPr lang="en-US" sz="2800" dirty="0">
+              <a:rPr lang="en-US" sz="2200" dirty="0">
                 <a:solidFill>
                   <a:srgbClr val="FFFFFF"/>
                 </a:solidFill>
@@ -7300,7 +7457,7 @@
               <a:t>	</a:t>
             </a:r>
             <a:r>
-              <a:rPr lang="en-US" sz="2800" dirty="0" smtClean="0">
+              <a:rPr lang="en-US" sz="2200" dirty="0" smtClean="0">
                 <a:solidFill>
                   <a:srgbClr val="DCE6F2"/>
                 </a:solidFill>
@@ -7310,7 +7467,7 @@
               <a:t>append</a:t>
             </a:r>
             <a:r>
-              <a:rPr lang="en-US" sz="2800" dirty="0" smtClean="0">
+              <a:rPr lang="en-US" sz="2200" dirty="0" smtClean="0">
                 <a:solidFill>
                   <a:srgbClr val="FFFFFF"/>
                 </a:solidFill>
@@ -7320,7 +7477,7 @@
               <a:t> </a:t>
             </a:r>
             <a:r>
-              <a:rPr lang="en-US" sz="2800" i="1" dirty="0" smtClean="0">
+              <a:rPr lang="en-US" sz="2200" i="1" dirty="0" smtClean="0">
                 <a:solidFill>
                   <a:srgbClr val="FFFFFF"/>
                 </a:solidFill>
@@ -7330,7 +7487,7 @@
               <a:t>array</a:t>
             </a:r>
             <a:r>
-              <a:rPr lang="en-US" sz="2800" dirty="0" smtClean="0">
+              <a:rPr lang="en-US" sz="2200" dirty="0" smtClean="0">
                 <a:solidFill>
                   <a:srgbClr val="FFFFFF"/>
                 </a:solidFill>
@@ -7340,7 +7497,7 @@
               <a:t>[ </a:t>
             </a:r>
             <a:r>
-              <a:rPr lang="en-US" sz="2800" i="1" dirty="0" err="1">
+              <a:rPr lang="en-US" sz="2200" i="1" dirty="0" err="1">
                 <a:solidFill>
                   <a:srgbClr val="FFFFFF"/>
                 </a:solidFill>
@@ -7350,7 +7507,7 @@
               <a:t>i</a:t>
             </a:r>
             <a:r>
-              <a:rPr lang="en-US" sz="2800" dirty="0" smtClean="0">
+              <a:rPr lang="en-US" sz="2200" dirty="0" smtClean="0">
                 <a:solidFill>
                   <a:srgbClr val="FFFFFF"/>
                 </a:solidFill>
@@ -7360,7 +7517,7 @@
               <a:t> ] </a:t>
             </a:r>
             <a:r>
-              <a:rPr lang="en-US" sz="2800" dirty="0" smtClean="0">
+              <a:rPr lang="en-US" sz="2200" dirty="0" smtClean="0">
                 <a:solidFill>
                   <a:srgbClr val="DCE6F2"/>
                 </a:solidFill>
@@ -7370,7 +7527,7 @@
               <a:t>to</a:t>
             </a:r>
             <a:r>
-              <a:rPr lang="en-US" sz="2800" dirty="0" smtClean="0">
+              <a:rPr lang="en-US" sz="2200" dirty="0" smtClean="0">
                 <a:solidFill>
                   <a:srgbClr val="FFFFFF"/>
                 </a:solidFill>
@@ -7380,7 +7537,7 @@
               <a:t> </a:t>
             </a:r>
             <a:r>
-              <a:rPr lang="en-US" sz="2800" i="1" dirty="0" err="1" smtClean="0">
+              <a:rPr lang="en-US" sz="2200" i="1" dirty="0" err="1" smtClean="0">
                 <a:solidFill>
                   <a:srgbClr val="FFFFFF"/>
                 </a:solidFill>
@@ -7390,7 +7547,7 @@
               <a:t>adjList</a:t>
             </a:r>
             <a:r>
-              <a:rPr lang="en-US" sz="2800" dirty="0" smtClean="0">
+              <a:rPr lang="en-US" sz="2200" dirty="0" smtClean="0">
                 <a:solidFill>
                   <a:srgbClr val="FFFFFF"/>
                 </a:solidFill>
@@ -7400,7 +7557,7 @@
               <a:t>[(</a:t>
             </a:r>
             <a:r>
-              <a:rPr lang="en-US" sz="2800" i="1" dirty="0" smtClean="0">
+              <a:rPr lang="en-US" sz="2200" i="1" dirty="0" smtClean="0">
                 <a:solidFill>
                   <a:srgbClr val="FFFFFF"/>
                 </a:solidFill>
@@ -7410,7 +7567,7 @@
               <a:t>temp</a:t>
             </a:r>
             <a:r>
-              <a:rPr lang="en-US" sz="2800" dirty="0" smtClean="0">
+              <a:rPr lang="en-US" sz="2200" dirty="0" smtClean="0">
                 <a:solidFill>
                   <a:srgbClr val="FFFFFF"/>
                 </a:solidFill>
@@ -7420,7 +7577,7 @@
               <a:t>/</a:t>
             </a:r>
             <a:r>
-              <a:rPr lang="en-US" sz="2800" i="1" dirty="0" smtClean="0">
+              <a:rPr lang="en-US" sz="2200" i="1" dirty="0" smtClean="0">
                 <a:solidFill>
                   <a:srgbClr val="FFFFFF"/>
                 </a:solidFill>
@@ -7430,7 +7587,7 @@
               <a:t>div</a:t>
             </a:r>
             <a:r>
-              <a:rPr lang="en-US" sz="2800" dirty="0" smtClean="0">
+              <a:rPr lang="en-US" sz="2200" dirty="0" smtClean="0">
                 <a:solidFill>
                   <a:srgbClr val="FFFFFF"/>
                 </a:solidFill>
@@ -7439,7 +7596,7 @@
               </a:rPr>
               <a:t>)]</a:t>
             </a:r>
-            <a:endParaRPr lang="en-US" sz="2800" i="1" dirty="0" smtClean="0">
+            <a:endParaRPr lang="en-US" sz="2200" i="1" dirty="0" smtClean="0">
               <a:solidFill>
                 <a:srgbClr val="FFFFFF"/>
               </a:solidFill>
@@ -7459,6 +7616,13 @@
   <p:clrMapOvr>
     <a:masterClrMapping/>
   </p:clrMapOvr>
+  <p:timing>
+    <p:tnLst>
+      <p:par>
+        <p:cTn xmlns:p14="http://schemas.microsoft.com/office/powerpoint/2010/main" id="1" dur="indefinite" restart="never" nodeType="tmRoot"/>
+      </p:par>
+    </p:tnLst>
+  </p:timing>
 </p:sld>
 </file>
 
@@ -7557,7 +7721,7 @@
         <p:spPr/>
         <p:txBody>
           <a:bodyPr>
-            <a:normAutofit fontScale="85000" lnSpcReduction="20000"/>
+            <a:normAutofit/>
           </a:bodyPr>
           <a:lstStyle/>
           <a:p>
@@ -7565,7 +7729,7 @@
               <a:buNone/>
             </a:pPr>
             <a:r>
-              <a:rPr lang="en-US" dirty="0" err="1" smtClean="0">
+              <a:rPr lang="en-US" sz="2200" dirty="0" err="1" smtClean="0">
                 <a:solidFill>
                   <a:srgbClr val="FFFFFF"/>
                 </a:solidFill>
@@ -7575,7 +7739,7 @@
               <a:t>repopArray</a:t>
             </a:r>
             <a:r>
-              <a:rPr lang="en-US" dirty="0" smtClean="0">
+              <a:rPr lang="en-US" sz="2200" dirty="0" smtClean="0">
                 <a:solidFill>
                   <a:srgbClr val="FFFFFF"/>
                 </a:solidFill>
@@ -7585,7 +7749,7 @@
               <a:t>(</a:t>
             </a:r>
             <a:r>
-              <a:rPr lang="en-US" i="1" dirty="0" err="1" smtClean="0">
+              <a:rPr lang="en-US" sz="2200" i="1" dirty="0" err="1" smtClean="0">
                 <a:solidFill>
                   <a:srgbClr val="FFFFFF"/>
                 </a:solidFill>
@@ -7595,7 +7759,7 @@
               <a:t>adjList</a:t>
             </a:r>
             <a:r>
-              <a:rPr lang="en-US" dirty="0" smtClean="0">
+              <a:rPr lang="en-US" sz="2200" dirty="0" smtClean="0">
                 <a:solidFill>
                   <a:srgbClr val="FFFFFF"/>
                 </a:solidFill>
@@ -7605,7 +7769,7 @@
               <a:t>, </a:t>
             </a:r>
             <a:r>
-              <a:rPr lang="en-US" i="1" dirty="0" smtClean="0">
+              <a:rPr lang="en-US" sz="2200" i="1" dirty="0" smtClean="0">
                 <a:solidFill>
                   <a:srgbClr val="FFFFFF"/>
                 </a:solidFill>
@@ -7615,7 +7779,7 @@
               <a:t>array</a:t>
             </a:r>
             <a:r>
-              <a:rPr lang="en-US" dirty="0" smtClean="0">
+              <a:rPr lang="en-US" sz="2200" dirty="0" smtClean="0">
                 <a:solidFill>
                   <a:srgbClr val="FFFFFF"/>
                 </a:solidFill>
@@ -7625,7 +7789,7 @@
               <a:t>, </a:t>
             </a:r>
             <a:r>
-              <a:rPr lang="en-US" i="1" dirty="0" smtClean="0">
+              <a:rPr lang="en-US" sz="2200" i="1" dirty="0" smtClean="0">
                 <a:solidFill>
                   <a:srgbClr val="FFFFFF"/>
                 </a:solidFill>
@@ -7635,7 +7799,7 @@
               <a:t>k</a:t>
             </a:r>
             <a:r>
-              <a:rPr lang="en-US" dirty="0" smtClean="0">
+              <a:rPr lang="en-US" sz="2200" dirty="0" smtClean="0">
                 <a:solidFill>
                   <a:srgbClr val="FFFFFF"/>
                 </a:solidFill>
@@ -7650,7 +7814,7 @@
               <a:buNone/>
             </a:pPr>
             <a:r>
-              <a:rPr lang="en-US" dirty="0">
+              <a:rPr lang="en-US" sz="2200" dirty="0">
                 <a:solidFill>
                   <a:srgbClr val="FFFFFF"/>
                 </a:solidFill>
@@ -7660,7 +7824,7 @@
               <a:t>	</a:t>
             </a:r>
             <a:r>
-              <a:rPr lang="en-US" dirty="0" smtClean="0">
+              <a:rPr lang="en-US" sz="2200" dirty="0" smtClean="0">
                 <a:solidFill>
                   <a:srgbClr val="FFFFFF"/>
                 </a:solidFill>
@@ -7670,7 +7834,7 @@
               <a:t>Node *</a:t>
             </a:r>
             <a:r>
-              <a:rPr lang="en-US" i="1" dirty="0" smtClean="0">
+              <a:rPr lang="en-US" sz="2200" i="1" dirty="0" smtClean="0">
                 <a:solidFill>
                   <a:srgbClr val="FFFFFF"/>
                 </a:solidFill>
@@ -7685,7 +7849,7 @@
               <a:buNone/>
             </a:pPr>
             <a:r>
-              <a:rPr lang="en-US" i="1" dirty="0">
+              <a:rPr lang="en-US" sz="2200" i="1" dirty="0">
                 <a:solidFill>
                   <a:srgbClr val="FFFFFF"/>
                 </a:solidFill>
@@ -7695,7 +7859,7 @@
               <a:t>	</a:t>
             </a:r>
             <a:r>
-              <a:rPr lang="en-US" dirty="0" err="1" smtClean="0">
+              <a:rPr lang="en-US" sz="2200" dirty="0" err="1" smtClean="0">
                 <a:solidFill>
                   <a:schemeClr val="accent6">
                     <a:lumMod val="60000"/>
@@ -7708,7 +7872,7 @@
               <a:t>int</a:t>
             </a:r>
             <a:r>
-              <a:rPr lang="en-US" dirty="0" smtClean="0">
+              <a:rPr lang="en-US" sz="2200" dirty="0" smtClean="0">
                 <a:solidFill>
                   <a:schemeClr val="accent6">
                     <a:lumMod val="60000"/>
@@ -7721,7 +7885,7 @@
               <a:t> </a:t>
             </a:r>
             <a:r>
-              <a:rPr lang="en-US" i="1" dirty="0" smtClean="0">
+              <a:rPr lang="en-US" sz="2200" i="1" dirty="0" smtClean="0">
                 <a:solidFill>
                   <a:srgbClr val="FFFFFF"/>
                 </a:solidFill>
@@ -7731,7 +7895,7 @@
               <a:t>count</a:t>
             </a:r>
             <a:r>
-              <a:rPr lang="en-US" dirty="0" smtClean="0">
+              <a:rPr lang="en-US" sz="2200" dirty="0" smtClean="0">
                 <a:solidFill>
                   <a:srgbClr val="FFFFFF"/>
                 </a:solidFill>
@@ -7741,7 +7905,7 @@
               <a:t> = </a:t>
             </a:r>
             <a:r>
-              <a:rPr lang="en-US" dirty="0" smtClean="0">
+              <a:rPr lang="en-US" sz="2200" dirty="0" smtClean="0">
                 <a:solidFill>
                   <a:srgbClr val="D99694"/>
                 </a:solidFill>
@@ -7756,7 +7920,7 @@
               <a:buNone/>
             </a:pPr>
             <a:r>
-              <a:rPr lang="en-US" dirty="0">
+              <a:rPr lang="en-US" sz="2200" dirty="0">
                 <a:solidFill>
                   <a:srgbClr val="FFFFFF"/>
                 </a:solidFill>
@@ -7766,7 +7930,7 @@
               <a:t>	</a:t>
             </a:r>
             <a:r>
-              <a:rPr lang="en-US" dirty="0" smtClean="0">
+              <a:rPr lang="en-US" sz="2200" dirty="0" smtClean="0">
                 <a:solidFill>
                   <a:schemeClr val="tx2">
                     <a:lumMod val="40000"/>
@@ -7779,7 +7943,7 @@
               <a:t>for</a:t>
             </a:r>
             <a:r>
-              <a:rPr lang="en-US" dirty="0" smtClean="0">
+              <a:rPr lang="en-US" sz="2200" dirty="0" smtClean="0">
                 <a:solidFill>
                   <a:srgbClr val="FFFFFF"/>
                 </a:solidFill>
@@ -7789,7 +7953,7 @@
               <a:t> </a:t>
             </a:r>
             <a:r>
-              <a:rPr lang="en-US" i="1" dirty="0" err="1" smtClean="0">
+              <a:rPr lang="en-US" sz="2200" i="1" dirty="0" err="1" smtClean="0">
                 <a:solidFill>
                   <a:srgbClr val="FFFFFF"/>
                 </a:solidFill>
@@ -7799,7 +7963,7 @@
               <a:t>i</a:t>
             </a:r>
             <a:r>
-              <a:rPr lang="en-US" dirty="0" smtClean="0">
+              <a:rPr lang="en-US" sz="2200" dirty="0" smtClean="0">
                 <a:solidFill>
                   <a:srgbClr val="FFFFFF"/>
                 </a:solidFill>
@@ -7809,7 +7973,7 @@
               <a:t>  </a:t>
             </a:r>
             <a:r>
-              <a:rPr lang="en-US" dirty="0" smtClean="0">
+              <a:rPr lang="en-US" sz="2200" dirty="0" smtClean="0">
                 <a:solidFill>
                   <a:schemeClr val="tx2">
                     <a:lumMod val="20000"/>
@@ -7822,7 +7986,7 @@
               <a:t>from</a:t>
             </a:r>
             <a:r>
-              <a:rPr lang="en-US" dirty="0" smtClean="0">
+              <a:rPr lang="en-US" sz="2200" dirty="0" smtClean="0">
                 <a:solidFill>
                   <a:srgbClr val="FFFFFF"/>
                 </a:solidFill>
@@ -7832,7 +7996,7 @@
               <a:t> </a:t>
             </a:r>
             <a:r>
-              <a:rPr lang="en-US" dirty="0" smtClean="0">
+              <a:rPr lang="en-US" sz="2200" dirty="0" smtClean="0">
                 <a:solidFill>
                   <a:srgbClr val="D99694"/>
                 </a:solidFill>
@@ -7842,7 +8006,7 @@
               <a:t>0</a:t>
             </a:r>
             <a:r>
-              <a:rPr lang="en-US" dirty="0" smtClean="0">
+              <a:rPr lang="en-US" sz="2200" dirty="0" smtClean="0">
                 <a:solidFill>
                   <a:srgbClr val="FFFFFF"/>
                 </a:solidFill>
@@ -7852,7 +8016,7 @@
               <a:t> </a:t>
             </a:r>
             <a:r>
-              <a:rPr lang="en-US" dirty="0" smtClean="0">
+              <a:rPr lang="en-US" sz="2200" dirty="0" smtClean="0">
                 <a:solidFill>
                   <a:srgbClr val="C6D9F1"/>
                 </a:solidFill>
@@ -7862,7 +8026,7 @@
               <a:t>to</a:t>
             </a:r>
             <a:r>
-              <a:rPr lang="en-US" dirty="0" smtClean="0">
+              <a:rPr lang="en-US" sz="2200" dirty="0" smtClean="0">
                 <a:solidFill>
                   <a:srgbClr val="FFFFFF"/>
                 </a:solidFill>
@@ -7872,7 +8036,7 @@
               <a:t> </a:t>
             </a:r>
             <a:r>
-              <a:rPr lang="en-US" i="1" dirty="0" smtClean="0">
+              <a:rPr lang="en-US" sz="2200" i="1" dirty="0" smtClean="0">
                 <a:solidFill>
                   <a:srgbClr val="FFFFFF"/>
                 </a:solidFill>
@@ -7887,7 +8051,7 @@
               <a:buNone/>
             </a:pPr>
             <a:r>
-              <a:rPr lang="en-US" dirty="0">
+              <a:rPr lang="en-US" sz="2200" dirty="0">
                 <a:solidFill>
                   <a:srgbClr val="FFFFFF"/>
                 </a:solidFill>
@@ -7897,7 +8061,7 @@
               <a:t>	</a:t>
             </a:r>
             <a:r>
-              <a:rPr lang="en-US" dirty="0" smtClean="0">
+              <a:rPr lang="en-US" sz="2200" dirty="0" smtClean="0">
                 <a:solidFill>
                   <a:srgbClr val="FFFFFF"/>
                 </a:solidFill>
@@ -7907,7 +8071,7 @@
               <a:t>	 	</a:t>
             </a:r>
             <a:r>
-              <a:rPr lang="en-US" dirty="0" smtClean="0">
+              <a:rPr lang="en-US" sz="2200" dirty="0" smtClean="0">
                 <a:solidFill>
                   <a:srgbClr val="8EB4E3"/>
                 </a:solidFill>
@@ -7917,7 +8081,7 @@
               <a:t>if</a:t>
             </a:r>
             <a:r>
-              <a:rPr lang="en-US" dirty="0" smtClean="0">
+              <a:rPr lang="en-US" sz="2200" dirty="0" smtClean="0">
                 <a:solidFill>
                   <a:srgbClr val="FFFFFF"/>
                 </a:solidFill>
@@ -7927,7 +8091,7 @@
               <a:t> </a:t>
             </a:r>
             <a:r>
-              <a:rPr lang="en-US" dirty="0" err="1" smtClean="0">
+              <a:rPr lang="en-US" sz="2200" dirty="0" err="1" smtClean="0">
                 <a:solidFill>
                   <a:srgbClr val="FFFFFF"/>
                 </a:solidFill>
@@ -7937,7 +8101,7 @@
               <a:t>adjList</a:t>
             </a:r>
             <a:r>
-              <a:rPr lang="en-US" dirty="0" smtClean="0">
+              <a:rPr lang="en-US" sz="2200" dirty="0" smtClean="0">
                 <a:solidFill>
                   <a:srgbClr val="FFFFFF"/>
                 </a:solidFill>
@@ -7947,7 +8111,7 @@
               <a:t>[ </a:t>
             </a:r>
             <a:r>
-              <a:rPr lang="en-US" i="1" dirty="0" err="1" smtClean="0">
+              <a:rPr lang="en-US" sz="2200" i="1" dirty="0" err="1" smtClean="0">
                 <a:solidFill>
                   <a:srgbClr val="FFFFFF"/>
                 </a:solidFill>
@@ -7957,7 +8121,7 @@
               <a:t>i</a:t>
             </a:r>
             <a:r>
-              <a:rPr lang="en-US" dirty="0" smtClean="0">
+              <a:rPr lang="en-US" sz="2200" dirty="0" smtClean="0">
                 <a:solidFill>
                   <a:srgbClr val="FFFFFF"/>
                 </a:solidFill>
@@ -7967,7 +8131,7 @@
               <a:t> ] </a:t>
             </a:r>
             <a:r>
-              <a:rPr lang="en-US" dirty="0" smtClean="0">
+              <a:rPr lang="en-US" sz="2200" dirty="0" smtClean="0">
                 <a:solidFill>
                   <a:srgbClr val="C6D9F1"/>
                 </a:solidFill>
@@ -7977,7 +8141,7 @@
               <a:t>is not </a:t>
             </a:r>
             <a:r>
-              <a:rPr lang="en-US" dirty="0" smtClean="0">
+              <a:rPr lang="en-US" sz="2200" dirty="0" smtClean="0">
                 <a:solidFill>
                   <a:schemeClr val="accent2">
                     <a:lumMod val="60000"/>
@@ -7995,7 +8159,7 @@
               <a:buNone/>
             </a:pPr>
             <a:r>
-              <a:rPr lang="en-US" dirty="0">
+              <a:rPr lang="en-US" sz="2200" dirty="0">
                 <a:solidFill>
                   <a:srgbClr val="FFFFFF"/>
                 </a:solidFill>
@@ -8005,7 +8169,7 @@
               <a:t>	</a:t>
             </a:r>
             <a:r>
-              <a:rPr lang="en-US" dirty="0" smtClean="0">
+              <a:rPr lang="en-US" sz="2200" dirty="0" smtClean="0">
                 <a:solidFill>
                   <a:srgbClr val="FFFFFF"/>
                 </a:solidFill>
@@ -8015,7 +8179,7 @@
               <a:t> 	 	temp = </a:t>
             </a:r>
             <a:r>
-              <a:rPr lang="en-US" dirty="0" err="1" smtClean="0">
+              <a:rPr lang="en-US" sz="2200" dirty="0" err="1" smtClean="0">
                 <a:solidFill>
                   <a:srgbClr val="FFFFFF"/>
                 </a:solidFill>
@@ -8025,7 +8189,7 @@
               <a:t>adjList</a:t>
             </a:r>
             <a:r>
-              <a:rPr lang="en-US" dirty="0" smtClean="0">
+              <a:rPr lang="en-US" sz="2200" dirty="0" smtClean="0">
                 <a:solidFill>
                   <a:srgbClr val="FFFFFF"/>
                 </a:solidFill>
@@ -8035,7 +8199,7 @@
               <a:t>[ </a:t>
             </a:r>
             <a:r>
-              <a:rPr lang="en-US" i="1" dirty="0" err="1" smtClean="0">
+              <a:rPr lang="en-US" sz="2200" i="1" dirty="0" err="1" smtClean="0">
                 <a:solidFill>
                   <a:srgbClr val="FFFFFF"/>
                 </a:solidFill>
@@ -8045,7 +8209,7 @@
               <a:t>i</a:t>
             </a:r>
             <a:r>
-              <a:rPr lang="en-US" dirty="0" smtClean="0">
+              <a:rPr lang="en-US" sz="2200" dirty="0" smtClean="0">
                 <a:solidFill>
                   <a:srgbClr val="FFFFFF"/>
                 </a:solidFill>
@@ -8060,7 +8224,7 @@
               <a:buNone/>
             </a:pPr>
             <a:r>
-              <a:rPr lang="en-US" i="1" dirty="0">
+              <a:rPr lang="en-US" sz="2200" i="1" dirty="0">
                 <a:solidFill>
                   <a:srgbClr val="FFFFFF"/>
                 </a:solidFill>
@@ -8070,7 +8234,7 @@
               <a:t>	</a:t>
             </a:r>
             <a:r>
-              <a:rPr lang="en-US" i="1" dirty="0" smtClean="0">
+              <a:rPr lang="en-US" sz="2200" i="1" dirty="0" smtClean="0">
                 <a:solidFill>
                   <a:srgbClr val="FFFFFF"/>
                 </a:solidFill>
@@ -8080,7 +8244,7 @@
               <a:t> 	 	</a:t>
             </a:r>
             <a:r>
-              <a:rPr lang="en-US" dirty="0" smtClean="0">
+              <a:rPr lang="en-US" sz="2200" dirty="0" smtClean="0">
                 <a:solidFill>
                   <a:srgbClr val="8EB4E3"/>
                 </a:solidFill>
@@ -8090,7 +8254,7 @@
               <a:t>while</a:t>
             </a:r>
             <a:r>
-              <a:rPr lang="en-US" dirty="0" smtClean="0">
+              <a:rPr lang="en-US" sz="2200" dirty="0" smtClean="0">
                 <a:solidFill>
                   <a:srgbClr val="FFFFFF"/>
                 </a:solidFill>
@@ -8100,7 +8264,7 @@
               <a:t> </a:t>
             </a:r>
             <a:r>
-              <a:rPr lang="en-US" i="1" dirty="0" smtClean="0">
+              <a:rPr lang="en-US" sz="2200" i="1" dirty="0" smtClean="0">
                 <a:solidFill>
                   <a:srgbClr val="FFFFFF"/>
                 </a:solidFill>
@@ -8110,7 +8274,7 @@
               <a:t>temp</a:t>
             </a:r>
             <a:r>
-              <a:rPr lang="en-US" dirty="0" smtClean="0">
+              <a:rPr lang="en-US" sz="2200" dirty="0" smtClean="0">
                 <a:solidFill>
                   <a:srgbClr val="FFFFFF"/>
                 </a:solidFill>
@@ -8120,7 +8284,7 @@
               <a:t> </a:t>
             </a:r>
             <a:r>
-              <a:rPr lang="en-US" dirty="0" smtClean="0">
+              <a:rPr lang="en-US" sz="2200" dirty="0" smtClean="0">
                 <a:solidFill>
                   <a:srgbClr val="C6D9F1"/>
                 </a:solidFill>
@@ -8130,7 +8294,7 @@
               <a:t>is not </a:t>
             </a:r>
             <a:r>
-              <a:rPr lang="en-US" dirty="0" smtClean="0">
+              <a:rPr lang="en-US" sz="2200" dirty="0" smtClean="0">
                 <a:solidFill>
                   <a:schemeClr val="accent2">
                     <a:lumMod val="60000"/>
@@ -8148,7 +8312,7 @@
               <a:buNone/>
             </a:pPr>
             <a:r>
-              <a:rPr lang="en-US" i="1" dirty="0">
+              <a:rPr lang="en-US" sz="2200" i="1" dirty="0">
                 <a:solidFill>
                   <a:srgbClr val="FFFFFF"/>
                 </a:solidFill>
@@ -8158,7 +8322,7 @@
               <a:t>	</a:t>
             </a:r>
             <a:r>
-              <a:rPr lang="en-US" i="1" dirty="0" smtClean="0">
+              <a:rPr lang="en-US" sz="2200" i="1" dirty="0" smtClean="0">
                 <a:solidFill>
                   <a:srgbClr val="FFFFFF"/>
                 </a:solidFill>
@@ -8168,7 +8332,7 @@
               <a:t>		 	 	 	array</a:t>
             </a:r>
             <a:r>
-              <a:rPr lang="en-US" dirty="0" smtClean="0">
+              <a:rPr lang="en-US" sz="2200" dirty="0" smtClean="0">
                 <a:solidFill>
                   <a:srgbClr val="FFFFFF"/>
                 </a:solidFill>
@@ -8178,7 +8342,7 @@
               <a:t>[</a:t>
             </a:r>
             <a:r>
-              <a:rPr lang="en-US" i="1" dirty="0" smtClean="0">
+              <a:rPr lang="en-US" sz="2200" i="1" dirty="0" smtClean="0">
                 <a:solidFill>
                   <a:srgbClr val="FFFFFF"/>
                 </a:solidFill>
@@ -8188,7 +8352,7 @@
               <a:t>count</a:t>
             </a:r>
             <a:r>
-              <a:rPr lang="en-US" dirty="0" smtClean="0">
+              <a:rPr lang="en-US" sz="2200" dirty="0" smtClean="0">
                 <a:solidFill>
                   <a:srgbClr val="FFFFFF"/>
                 </a:solidFill>
@@ -8203,7 +8367,7 @@
               <a:buNone/>
             </a:pPr>
             <a:r>
-              <a:rPr lang="en-US" i="1" dirty="0">
+              <a:rPr lang="en-US" sz="2200" i="1" dirty="0">
                 <a:solidFill>
                   <a:srgbClr val="FFFFFF"/>
                 </a:solidFill>
@@ -8213,7 +8377,7 @@
               <a:t>	</a:t>
             </a:r>
             <a:r>
-              <a:rPr lang="en-US" i="1" dirty="0" smtClean="0">
+              <a:rPr lang="en-US" sz="2200" i="1" dirty="0" smtClean="0">
                 <a:solidFill>
                   <a:srgbClr val="FFFFFF"/>
                 </a:solidFill>
@@ -8223,7 +8387,7 @@
               <a:t>				 	 	 	count</a:t>
             </a:r>
             <a:r>
-              <a:rPr lang="en-US" dirty="0" smtClean="0">
+              <a:rPr lang="en-US" sz="2200" dirty="0" smtClean="0">
                 <a:solidFill>
                   <a:srgbClr val="FFFFFF"/>
                 </a:solidFill>
@@ -8238,7 +8402,7 @@
               <a:buNone/>
             </a:pPr>
             <a:r>
-              <a:rPr lang="en-US" i="1" dirty="0">
+              <a:rPr lang="en-US" sz="2200" i="1" dirty="0">
                 <a:solidFill>
                   <a:srgbClr val="FFFFFF"/>
                 </a:solidFill>
@@ -8248,7 +8412,7 @@
               <a:t>	</a:t>
             </a:r>
             <a:r>
-              <a:rPr lang="en-US" i="1" dirty="0" smtClean="0">
+              <a:rPr lang="en-US" sz="2200" i="1" dirty="0" smtClean="0">
                 <a:solidFill>
                   <a:srgbClr val="FFFFFF"/>
                 </a:solidFill>
@@ -8258,7 +8422,7 @@
               <a:t>	 	 	 	temp = temp-&gt;</a:t>
             </a:r>
             <a:r>
-              <a:rPr lang="en-US" i="1" dirty="0" err="1" smtClean="0">
+              <a:rPr lang="en-US" sz="2200" i="1" dirty="0" err="1" smtClean="0">
                 <a:solidFill>
                   <a:srgbClr val="FFFFFF"/>
                 </a:solidFill>
@@ -8267,7 +8431,7 @@
               </a:rPr>
               <a:t>getNext</a:t>
             </a:r>
-            <a:endParaRPr lang="en-US" i="1" dirty="0">
+            <a:endParaRPr lang="en-US" sz="2200" i="1" dirty="0">
               <a:solidFill>
                 <a:srgbClr val="FFFFFF"/>
               </a:solidFill>
@@ -8287,6 +8451,13 @@
   <p:clrMapOvr>
     <a:masterClrMapping/>
   </p:clrMapOvr>
+  <p:timing>
+    <p:tnLst>
+      <p:par>
+        <p:cTn xmlns:p14="http://schemas.microsoft.com/office/powerpoint/2010/main" id="1" dur="indefinite" restart="never" nodeType="tmRoot"/>
+      </p:par>
+    </p:tnLst>
+  </p:timing>
 </p:sld>
 </file>
 
@@ -8407,6 +8578,13 @@
   <p:clrMapOvr>
     <a:masterClrMapping/>
   </p:clrMapOvr>
+  <p:timing>
+    <p:tnLst>
+      <p:par>
+        <p:cTn xmlns:p14="http://schemas.microsoft.com/office/powerpoint/2010/main" id="1" dur="indefinite" restart="never" nodeType="tmRoot"/>
+      </p:par>
+    </p:tnLst>
+  </p:timing>
 </p:sld>
 </file>
 
@@ -8591,6 +8769,13 @@
   <p:clrMapOvr>
     <a:masterClrMapping/>
   </p:clrMapOvr>
+  <p:timing>
+    <p:tnLst>
+      <p:par>
+        <p:cTn xmlns:p14="http://schemas.microsoft.com/office/powerpoint/2010/main" id="1" dur="indefinite" restart="never" nodeType="tmRoot"/>
+      </p:par>
+    </p:tnLst>
+  </p:timing>
 </p:sld>
 </file>
 

--- a/presentation.pptx
+++ b/presentation.pptx
@@ -12,9 +12,11 @@
     <p:sldId id="258" r:id="rId6"/>
     <p:sldId id="264" r:id="rId7"/>
     <p:sldId id="265" r:id="rId8"/>
-    <p:sldId id="260" r:id="rId9"/>
-    <p:sldId id="261" r:id="rId10"/>
-    <p:sldId id="262" r:id="rId11"/>
+    <p:sldId id="266" r:id="rId9"/>
+    <p:sldId id="260" r:id="rId10"/>
+    <p:sldId id="261" r:id="rId11"/>
+    <p:sldId id="267" r:id="rId12"/>
+    <p:sldId id="262" r:id="rId13"/>
   </p:sldIdLst>
   <p:sldSz cx="9144000" cy="6858000" type="screen4x3"/>
   <p:notesSz cx="6858000" cy="9144000"/>
@@ -3276,6 +3278,281 @@
             <p:ph type="title"/>
           </p:nvPr>
         </p:nvSpPr>
+        <p:spPr/>
+        <p:txBody>
+          <a:bodyPr/>
+          <a:lstStyle/>
+          <a:p>
+            <a:r>
+              <a:rPr lang="en-US" dirty="0" smtClean="0">
+                <a:solidFill>
+                  <a:srgbClr val="FFFFFF"/>
+                </a:solidFill>
+                <a:latin typeface="Avenir Next Regular"/>
+                <a:cs typeface="Avenir Next Regular"/>
+              </a:rPr>
+              <a:t>Test Results</a:t>
+            </a:r>
+            <a:endParaRPr lang="en-US" dirty="0">
+              <a:solidFill>
+                <a:srgbClr val="FFFFFF"/>
+              </a:solidFill>
+              <a:latin typeface="Avenir Next Regular"/>
+              <a:cs typeface="Avenir Next Regular"/>
+            </a:endParaRPr>
+          </a:p>
+        </p:txBody>
+      </p:sp>
+      <p:sp>
+        <p:nvSpPr>
+          <p:cNvPr id="3" name="Content Placeholder 2"/>
+          <p:cNvSpPr>
+            <a:spLocks noGrp="1"/>
+          </p:cNvSpPr>
+          <p:nvPr>
+            <p:ph idx="1"/>
+          </p:nvPr>
+        </p:nvSpPr>
+        <p:spPr/>
+        <p:txBody>
+          <a:bodyPr/>
+          <a:lstStyle/>
+          <a:p>
+            <a:r>
+              <a:rPr lang="en-US" dirty="0" smtClean="0">
+                <a:solidFill>
+                  <a:srgbClr val="FFFFFF"/>
+                </a:solidFill>
+                <a:latin typeface="Avenir Next Regular"/>
+                <a:cs typeface="Avenir Next Regular"/>
+              </a:rPr>
+              <a:t>Best </a:t>
+            </a:r>
+            <a:r>
+              <a:rPr lang="en-US" i="1" dirty="0" smtClean="0">
+                <a:solidFill>
+                  <a:srgbClr val="FFFFFF"/>
+                </a:solidFill>
+                <a:latin typeface="Avenir Next Regular"/>
+                <a:cs typeface="Avenir Next Regular"/>
+              </a:rPr>
+              <a:t>d</a:t>
+            </a:r>
+            <a:r>
+              <a:rPr lang="en-US" dirty="0" smtClean="0">
+                <a:solidFill>
+                  <a:srgbClr val="FFFFFF"/>
+                </a:solidFill>
+                <a:latin typeface="Avenir Next Regular"/>
+                <a:cs typeface="Avenir Next Regular"/>
+              </a:rPr>
+              <a:t> for 20 digit decimal</a:t>
+            </a:r>
+          </a:p>
+          <a:p>
+            <a:r>
+              <a:rPr lang="en-US" dirty="0" smtClean="0">
+                <a:solidFill>
+                  <a:srgbClr val="FFFFFF"/>
+                </a:solidFill>
+                <a:latin typeface="Avenir Next Regular"/>
+                <a:cs typeface="Avenir Next Regular"/>
+              </a:rPr>
+              <a:t>Best </a:t>
+            </a:r>
+            <a:r>
+              <a:rPr lang="en-US" i="1" dirty="0" smtClean="0">
+                <a:solidFill>
+                  <a:srgbClr val="FFFFFF"/>
+                </a:solidFill>
+                <a:latin typeface="Avenir Next Regular"/>
+                <a:cs typeface="Avenir Next Regular"/>
+              </a:rPr>
+              <a:t>d </a:t>
+            </a:r>
+            <a:r>
+              <a:rPr lang="en-US" dirty="0" smtClean="0">
+                <a:solidFill>
+                  <a:srgbClr val="FFFFFF"/>
+                </a:solidFill>
+                <a:latin typeface="Avenir Next Regular"/>
+                <a:cs typeface="Avenir Next Regular"/>
+              </a:rPr>
+              <a:t>for 10 digit decimal</a:t>
+            </a:r>
+          </a:p>
+          <a:p>
+            <a:r>
+              <a:rPr lang="en-US" dirty="0" smtClean="0">
+                <a:solidFill>
+                  <a:srgbClr val="FFFFFF"/>
+                </a:solidFill>
+                <a:latin typeface="Avenir Next Regular"/>
+                <a:cs typeface="Avenir Next Regular"/>
+              </a:rPr>
+              <a:t>//Graphs of results of different </a:t>
+            </a:r>
+            <a:r>
+              <a:rPr lang="en-US" i="1" dirty="0" smtClean="0">
+                <a:solidFill>
+                  <a:srgbClr val="FFFFFF"/>
+                </a:solidFill>
+                <a:latin typeface="Avenir Next Regular"/>
+                <a:cs typeface="Avenir Next Regular"/>
+              </a:rPr>
+              <a:t>d</a:t>
+            </a:r>
+            <a:r>
+              <a:rPr lang="en-US" dirty="0" smtClean="0">
+                <a:solidFill>
+                  <a:srgbClr val="FFFFFF"/>
+                </a:solidFill>
+                <a:latin typeface="Avenir Next Regular"/>
+                <a:cs typeface="Avenir Next Regular"/>
+              </a:rPr>
+              <a:t>’s for 10d and 20d</a:t>
+            </a:r>
+            <a:endParaRPr lang="en-US" dirty="0">
+              <a:solidFill>
+                <a:srgbClr val="FFFFFF"/>
+              </a:solidFill>
+              <a:latin typeface="Avenir Next Regular"/>
+              <a:cs typeface="Avenir Next Regular"/>
+            </a:endParaRPr>
+          </a:p>
+        </p:txBody>
+      </p:sp>
+    </p:spTree>
+    <p:extLst>
+      <p:ext uri="{BB962C8B-B14F-4D97-AF65-F5344CB8AC3E}">
+        <p14:creationId xmlns:p14="http://schemas.microsoft.com/office/powerpoint/2010/main" val="4088610691"/>
+      </p:ext>
+    </p:extLst>
+  </p:cSld>
+  <p:clrMapOvr>
+    <a:masterClrMapping/>
+  </p:clrMapOvr>
+  <p:timing>
+    <p:tnLst>
+      <p:par>
+        <p:cTn xmlns:p14="http://schemas.microsoft.com/office/powerpoint/2010/main" id="1" dur="indefinite" restart="never" nodeType="tmRoot"/>
+      </p:par>
+    </p:tnLst>
+  </p:timing>
+</p:sld>
+</file>
+
+<file path=ppt/slides/slide11.xml><?xml version="1.0" encoding="utf-8"?>
+<p:sld xmlns:a="http://schemas.openxmlformats.org/drawingml/2006/main" xmlns:r="http://schemas.openxmlformats.org/officeDocument/2006/relationships" xmlns:p="http://schemas.openxmlformats.org/presentationml/2006/main">
+  <p:cSld>
+    <p:spTree>
+      <p:nvGrpSpPr>
+        <p:cNvPr id="1" name=""/>
+        <p:cNvGrpSpPr/>
+        <p:nvPr/>
+      </p:nvGrpSpPr>
+      <p:grpSpPr>
+        <a:xfrm>
+          <a:off x="0" y="0"/>
+          <a:ext cx="0" cy="0"/>
+          <a:chOff x="0" y="0"/>
+          <a:chExt cx="0" cy="0"/>
+        </a:xfrm>
+      </p:grpSpPr>
+      <p:sp>
+        <p:nvSpPr>
+          <p:cNvPr id="2" name="Title 1"/>
+          <p:cNvSpPr>
+            <a:spLocks noGrp="1"/>
+          </p:cNvSpPr>
+          <p:nvPr>
+            <p:ph type="title"/>
+          </p:nvPr>
+        </p:nvSpPr>
+        <p:spPr/>
+        <p:txBody>
+          <a:bodyPr/>
+          <a:lstStyle/>
+          <a:p>
+            <a:r>
+              <a:rPr lang="en-US" dirty="0" smtClean="0">
+                <a:solidFill>
+                  <a:schemeClr val="bg1"/>
+                </a:solidFill>
+                <a:latin typeface="Avenir Light"/>
+                <a:cs typeface="Avenir Light"/>
+              </a:rPr>
+              <a:t>Conclusion</a:t>
+            </a:r>
+            <a:endParaRPr lang="en-US" dirty="0">
+              <a:solidFill>
+                <a:schemeClr val="bg1"/>
+              </a:solidFill>
+              <a:latin typeface="Avenir Light"/>
+              <a:cs typeface="Avenir Light"/>
+            </a:endParaRPr>
+          </a:p>
+        </p:txBody>
+      </p:sp>
+      <p:sp>
+        <p:nvSpPr>
+          <p:cNvPr id="3" name="Content Placeholder 2"/>
+          <p:cNvSpPr>
+            <a:spLocks noGrp="1"/>
+          </p:cNvSpPr>
+          <p:nvPr>
+            <p:ph idx="1"/>
+          </p:nvPr>
+        </p:nvSpPr>
+        <p:spPr/>
+        <p:txBody>
+          <a:bodyPr/>
+          <a:lstStyle/>
+          <a:p>
+            <a:endParaRPr lang="en-US"/>
+          </a:p>
+        </p:txBody>
+      </p:sp>
+    </p:spTree>
+    <p:extLst>
+      <p:ext uri="{BB962C8B-B14F-4D97-AF65-F5344CB8AC3E}">
+        <p14:creationId xmlns:p14="http://schemas.microsoft.com/office/powerpoint/2010/main" val="4275949085"/>
+      </p:ext>
+    </p:extLst>
+  </p:cSld>
+  <p:clrMapOvr>
+    <a:masterClrMapping/>
+  </p:clrMapOvr>
+</p:sld>
+</file>
+
+<file path=ppt/slides/slide12.xml><?xml version="1.0" encoding="utf-8"?>
+<p:sld xmlns:a="http://schemas.openxmlformats.org/drawingml/2006/main" xmlns:r="http://schemas.openxmlformats.org/officeDocument/2006/relationships" xmlns:p="http://schemas.openxmlformats.org/presentationml/2006/main">
+  <p:cSld>
+    <p:spTree>
+      <p:nvGrpSpPr>
+        <p:cNvPr id="1" name=""/>
+        <p:cNvGrpSpPr/>
+        <p:nvPr/>
+      </p:nvGrpSpPr>
+      <p:grpSpPr>
+        <a:xfrm>
+          <a:off x="0" y="0"/>
+          <a:ext cx="0" cy="0"/>
+          <a:chOff x="0" y="0"/>
+          <a:chExt cx="0" cy="0"/>
+        </a:xfrm>
+      </p:grpSpPr>
+      <p:sp>
+        <p:nvSpPr>
+          <p:cNvPr id="2" name="Title 1"/>
+          <p:cNvSpPr>
+            <a:spLocks noGrp="1"/>
+          </p:cNvSpPr>
+          <p:nvPr>
+            <p:ph type="title"/>
+          </p:nvPr>
+        </p:nvSpPr>
         <p:spPr>
           <a:xfrm>
             <a:off x="457200" y="1995954"/>
@@ -3318,6 +3595,13 @@
   <p:clrMapOvr>
     <a:masterClrMapping/>
   </p:clrMapOvr>
+  <p:timing>
+    <p:tnLst>
+      <p:par>
+        <p:cTn xmlns:p14="http://schemas.microsoft.com/office/powerpoint/2010/main" id="1" dur="indefinite" restart="never" nodeType="tmRoot"/>
+      </p:par>
+    </p:tnLst>
+  </p:timing>
 </p:sld>
 </file>
 
@@ -5310,7 +5594,17 @@
                 <a:latin typeface="Avenir Light"/>
                 <a:cs typeface="Avenir Light"/>
               </a:rPr>
-              <a:t>We need to define </a:t>
+              <a:t>We </a:t>
+            </a:r>
+            <a:r>
+              <a:rPr lang="en-US" dirty="0" smtClean="0">
+                <a:solidFill>
+                  <a:srgbClr val="FFFFFF"/>
+                </a:solidFill>
+                <a:latin typeface="Avenir Light"/>
+                <a:cs typeface="Avenir Light"/>
+              </a:rPr>
+              <a:t>need to define </a:t>
             </a:r>
             <a:r>
               <a:rPr lang="en-US" i="1" dirty="0" smtClean="0">
@@ -5421,7 +5715,7 @@
                 <a:cs typeface="Avenir Light"/>
                 <a:sym typeface="Symbol"/>
               </a:rPr>
-              <a:t>bytes</a:t>
+              <a:t>b</a:t>
             </a:r>
             <a:r>
               <a:rPr lang="en-US" dirty="0" smtClean="0">
@@ -5432,7 +5726,18 @@
                 <a:cs typeface="Avenir Light"/>
                 <a:sym typeface="Symbol"/>
               </a:rPr>
-              <a:t>/log(</a:t>
+              <a:t>/</a:t>
+            </a:r>
+            <a:r>
+              <a:rPr lang="en-US" dirty="0" smtClean="0">
+                <a:solidFill>
+                  <a:srgbClr val="FFFFFF"/>
+                </a:solidFill>
+                <a:latin typeface="Avenir Light"/>
+                <a:cs typeface="Avenir Light"/>
+                <a:sym typeface="Symbol"/>
+              </a:rPr>
+              <a:t>log(</a:t>
             </a:r>
             <a:r>
               <a:rPr lang="en-US" i="1" dirty="0" smtClean="0">
@@ -5489,7 +5794,7 @@
                 <a:cs typeface="Avenir Light"/>
                 <a:sym typeface="Symbol"/>
               </a:rPr>
-              <a:t>bytes</a:t>
+              <a:t>b</a:t>
             </a:r>
             <a:r>
               <a:rPr lang="en-US" dirty="0" smtClean="0">
@@ -5677,7 +5982,9 @@
         </p:nvSpPr>
         <p:spPr/>
         <p:txBody>
-          <a:bodyPr/>
+          <a:bodyPr>
+            <a:normAutofit fontScale="90000"/>
+          </a:bodyPr>
           <a:lstStyle/>
           <a:p>
             <a:r>
@@ -5718,7 +6025,17 @@
                 <a:latin typeface="Avenir Next Regular"/>
                 <a:cs typeface="Avenir Next Regular"/>
               </a:rPr>
-              <a:t>()</a:t>
+              <a:t>(</a:t>
+            </a:r>
+            <a:r>
+              <a:rPr lang="en-US" dirty="0" smtClean="0">
+                <a:solidFill>
+                  <a:schemeClr val="bg1"/>
+                </a:solidFill>
+                <a:latin typeface="Avenir Next Regular"/>
+                <a:cs typeface="Avenir Next Regular"/>
+              </a:rPr>
+              <a:t>) - bucket</a:t>
             </a:r>
             <a:endParaRPr lang="en-US" dirty="0">
               <a:solidFill>
@@ -8490,25 +8807,57 @@
         </p:nvSpPr>
         <p:spPr/>
         <p:txBody>
-          <a:bodyPr/>
+          <a:bodyPr>
+            <a:normAutofit fontScale="90000"/>
+          </a:bodyPr>
           <a:lstStyle/>
           <a:p>
             <a:r>
+              <a:rPr lang="en-US" dirty="0" err="1" smtClean="0">
+                <a:solidFill>
+                  <a:schemeClr val="bg1"/>
+                </a:solidFill>
+                <a:latin typeface="Avenir Light"/>
+                <a:cs typeface="Avenir Light"/>
+              </a:rPr>
+              <a:t>Pseudocode</a:t>
+            </a:r>
+            <a:r>
               <a:rPr lang="en-US" dirty="0" smtClean="0">
                 <a:solidFill>
-                  <a:srgbClr val="FFFFFF"/>
-                </a:solidFill>
-                <a:latin typeface="Avenir Next Regular"/>
-                <a:cs typeface="Avenir Next Regular"/>
-              </a:rPr>
-              <a:t>Complexity</a:t>
+                  <a:schemeClr val="bg1"/>
+                </a:solidFill>
+                <a:latin typeface="Avenir Light"/>
+                <a:cs typeface="Avenir Light"/>
+              </a:rPr>
+              <a:t>: </a:t>
+            </a:r>
+            <a:r>
+              <a:rPr lang="en-US" dirty="0" err="1" smtClean="0">
+                <a:solidFill>
+                  <a:schemeClr val="bg1"/>
+                </a:solidFill>
+                <a:latin typeface="Avenir Light"/>
+                <a:cs typeface="Avenir Light"/>
+              </a:rPr>
+              <a:t>radixSort</a:t>
+            </a:r>
+            <a:r>
+              <a:rPr lang="en-US" dirty="0" smtClean="0">
+                <a:solidFill>
+                  <a:schemeClr val="bg1"/>
+                </a:solidFill>
+                <a:latin typeface="Avenir Light"/>
+                <a:cs typeface="Avenir Light"/>
+              </a:rPr>
+              <a:t>() - counting</a:t>
             </a:r>
             <a:endParaRPr lang="en-US" dirty="0">
               <a:solidFill>
-                <a:srgbClr val="FFFFFF"/>
+                <a:schemeClr val="bg1"/>
               </a:solidFill>
-              <a:latin typeface="Avenir Next Regular"/>
-              <a:cs typeface="Avenir Next Regular"/>
+              <a:latin typeface="Avenir Light"/>
+              <a:cs typeface="Avenir Light"/>
             </a:endParaRPr>
           </a:p>
         </p:txBody>
@@ -8525,45 +8874,313 @@
         </p:nvSpPr>
         <p:spPr/>
         <p:txBody>
-          <a:bodyPr/>
+          <a:bodyPr>
+            <a:normAutofit/>
+          </a:bodyPr>
           <a:lstStyle/>
           <a:p>
-            <a:r>
-              <a:rPr lang="en-US" dirty="0" smtClean="0">
-                <a:solidFill>
-                  <a:srgbClr val="FFFFFF"/>
-                </a:solidFill>
-                <a:latin typeface="Avenir Next Regular"/>
-                <a:cs typeface="Avenir Next Regular"/>
-              </a:rPr>
-              <a:t>O(</a:t>
-            </a:r>
-            <a:r>
-              <a:rPr lang="en-US" dirty="0" err="1" smtClean="0">
-                <a:solidFill>
-                  <a:srgbClr val="FFFFFF"/>
-                </a:solidFill>
-                <a:latin typeface="Avenir Next Regular"/>
-                <a:cs typeface="Avenir Next Regular"/>
-              </a:rPr>
-              <a:t>kn</a:t>
-            </a:r>
-            <a:r>
-              <a:rPr lang="en-US" dirty="0" smtClean="0">
-                <a:solidFill>
-                  <a:srgbClr val="FFFFFF"/>
-                </a:solidFill>
-                <a:latin typeface="Avenir Next Regular"/>
-                <a:cs typeface="Avenir Next Regular"/>
+            <a:pPr marL="0" indent="0">
+              <a:buNone/>
+            </a:pPr>
+            <a:r>
+              <a:rPr lang="en-US" sz="2200" dirty="0" err="1" smtClean="0">
+                <a:solidFill>
+                  <a:srgbClr val="FFFFFF"/>
+                </a:solidFill>
+                <a:latin typeface="Avenir Light"/>
+                <a:cs typeface="Avenir Light"/>
+              </a:rPr>
+              <a:t>radixSort</a:t>
+            </a:r>
+            <a:r>
+              <a:rPr lang="en-US" sz="2200" dirty="0" smtClean="0">
+                <a:solidFill>
+                  <a:srgbClr val="FFFFFF"/>
+                </a:solidFill>
+                <a:latin typeface="Avenir Light"/>
+                <a:cs typeface="Avenir Light"/>
+              </a:rPr>
+              <a:t>(</a:t>
+            </a:r>
+            <a:r>
+              <a:rPr lang="en-US" sz="2200" i="1" dirty="0" smtClean="0">
+                <a:solidFill>
+                  <a:srgbClr val="FFFFFF"/>
+                </a:solidFill>
+                <a:latin typeface="Avenir Light"/>
+                <a:cs typeface="Avenir Light"/>
+              </a:rPr>
+              <a:t>array</a:t>
+            </a:r>
+            <a:r>
+              <a:rPr lang="en-US" sz="2200" dirty="0" smtClean="0">
+                <a:solidFill>
+                  <a:srgbClr val="FFFFFF"/>
+                </a:solidFill>
+                <a:latin typeface="Avenir Light"/>
+                <a:cs typeface="Avenir Light"/>
+              </a:rPr>
+              <a:t>, </a:t>
+            </a:r>
+            <a:r>
+              <a:rPr lang="en-US" sz="2200" i="1" dirty="0" smtClean="0">
+                <a:solidFill>
+                  <a:srgbClr val="FFFFFF"/>
+                </a:solidFill>
+                <a:latin typeface="Avenir Light"/>
+                <a:cs typeface="Avenir Light"/>
+              </a:rPr>
+              <a:t>size</a:t>
+            </a:r>
+            <a:r>
+              <a:rPr lang="en-US" sz="2200" dirty="0" smtClean="0">
+                <a:solidFill>
+                  <a:srgbClr val="FFFFFF"/>
+                </a:solidFill>
+                <a:latin typeface="Avenir Light"/>
+                <a:cs typeface="Avenir Light"/>
+              </a:rPr>
+              <a:t>, </a:t>
+            </a:r>
+            <a:r>
+              <a:rPr lang="en-US" sz="2200" i="1" dirty="0" smtClean="0">
+                <a:solidFill>
+                  <a:srgbClr val="FFFFFF"/>
+                </a:solidFill>
+                <a:latin typeface="Avenir Light"/>
+                <a:cs typeface="Avenir Light"/>
+              </a:rPr>
+              <a:t>max</a:t>
+            </a:r>
+            <a:r>
+              <a:rPr lang="en-US" sz="2200" dirty="0" smtClean="0">
+                <a:solidFill>
+                  <a:srgbClr val="FFFFFF"/>
+                </a:solidFill>
+                <a:latin typeface="Avenir Light"/>
+                <a:cs typeface="Avenir Light"/>
+              </a:rPr>
+              <a:t>, </a:t>
+            </a:r>
+            <a:r>
+              <a:rPr lang="en-US" sz="2200" i="1" dirty="0" smtClean="0">
+                <a:solidFill>
+                  <a:srgbClr val="FFFFFF"/>
+                </a:solidFill>
+                <a:latin typeface="Avenir Light"/>
+                <a:cs typeface="Avenir Light"/>
+              </a:rPr>
+              <a:t>digits</a:t>
+            </a:r>
+            <a:r>
+              <a:rPr lang="en-US" sz="2200" dirty="0" smtClean="0">
+                <a:solidFill>
+                  <a:srgbClr val="FFFFFF"/>
+                </a:solidFill>
+                <a:latin typeface="Avenir Light"/>
+                <a:cs typeface="Avenir Light"/>
+              </a:rPr>
+              <a:t>, </a:t>
+            </a:r>
+            <a:r>
+              <a:rPr lang="en-US" sz="2200" i="1" dirty="0" smtClean="0">
+                <a:solidFill>
+                  <a:srgbClr val="FFFFFF"/>
+                </a:solidFill>
+                <a:latin typeface="Avenir Light"/>
+                <a:cs typeface="Avenir Light"/>
+              </a:rPr>
+              <a:t>k</a:t>
+            </a:r>
+            <a:r>
+              <a:rPr lang="en-US" sz="2200" dirty="0" smtClean="0">
+                <a:solidFill>
+                  <a:srgbClr val="FFFFFF"/>
+                </a:solidFill>
+                <a:latin typeface="Avenir Light"/>
+                <a:cs typeface="Avenir Light"/>
               </a:rPr>
               <a:t>)</a:t>
             </a:r>
-            <a:endParaRPr lang="en-US" dirty="0">
+          </a:p>
+          <a:p>
+            <a:pPr marL="0" indent="0">
+              <a:buNone/>
+            </a:pPr>
+            <a:r>
+              <a:rPr lang="en-US" sz="2200" dirty="0">
+                <a:solidFill>
+                  <a:srgbClr val="FFFFFF"/>
+                </a:solidFill>
+                <a:latin typeface="Avenir Light"/>
+                <a:cs typeface="Avenir Light"/>
+              </a:rPr>
+              <a:t>	</a:t>
+            </a:r>
+            <a:r>
+              <a:rPr lang="en-US" sz="2200" dirty="0" err="1" smtClean="0">
+                <a:solidFill>
+                  <a:srgbClr val="FFFFFF"/>
+                </a:solidFill>
+                <a:latin typeface="Avenir Light"/>
+                <a:cs typeface="Avenir Light"/>
+              </a:rPr>
+              <a:t>int</a:t>
+            </a:r>
+            <a:r>
+              <a:rPr lang="en-US" sz="2200" dirty="0" smtClean="0">
+                <a:solidFill>
+                  <a:srgbClr val="FFFFFF"/>
+                </a:solidFill>
+                <a:latin typeface="Avenir Light"/>
+                <a:cs typeface="Avenir Light"/>
+              </a:rPr>
+              <a:t> </a:t>
+            </a:r>
+            <a:r>
+              <a:rPr lang="en-US" sz="2200" i="1" dirty="0" smtClean="0">
+                <a:solidFill>
+                  <a:srgbClr val="FFFFFF"/>
+                </a:solidFill>
+                <a:latin typeface="Avenir Light"/>
+                <a:cs typeface="Avenir Light"/>
+              </a:rPr>
+              <a:t>mod</a:t>
+            </a:r>
+            <a:r>
+              <a:rPr lang="en-US" sz="2200" dirty="0">
+                <a:solidFill>
+                  <a:srgbClr val="FFFFFF"/>
+                </a:solidFill>
+                <a:latin typeface="Avenir Light"/>
+                <a:cs typeface="Avenir Light"/>
+              </a:rPr>
+              <a:t> </a:t>
+            </a:r>
+            <a:r>
+              <a:rPr lang="en-US" sz="2200" dirty="0" smtClean="0">
+                <a:solidFill>
+                  <a:srgbClr val="FFFFFF"/>
+                </a:solidFill>
+                <a:latin typeface="Avenir Light"/>
+                <a:cs typeface="Avenir Light"/>
+              </a:rPr>
+              <a:t>= </a:t>
+            </a:r>
+            <a:r>
+              <a:rPr lang="en-US" sz="2200" i="1" dirty="0" smtClean="0">
+                <a:solidFill>
+                  <a:srgbClr val="FFFFFF"/>
+                </a:solidFill>
+                <a:latin typeface="Avenir Light"/>
+                <a:cs typeface="Avenir Light"/>
+              </a:rPr>
+              <a:t>k</a:t>
+            </a:r>
+            <a:r>
+              <a:rPr lang="en-US" sz="2200" dirty="0" smtClean="0">
+                <a:solidFill>
+                  <a:srgbClr val="FFFFFF"/>
+                </a:solidFill>
+                <a:latin typeface="Avenir Light"/>
+                <a:cs typeface="Avenir Light"/>
+              </a:rPr>
+              <a:t>, </a:t>
+            </a:r>
+            <a:r>
+              <a:rPr lang="en-US" sz="2200" i="1" dirty="0" smtClean="0">
+                <a:solidFill>
+                  <a:srgbClr val="FFFFFF"/>
+                </a:solidFill>
+                <a:latin typeface="Avenir Light"/>
+                <a:cs typeface="Avenir Light"/>
+              </a:rPr>
+              <a:t>div</a:t>
+            </a:r>
+            <a:r>
+              <a:rPr lang="en-US" sz="2200" dirty="0" smtClean="0">
+                <a:solidFill>
+                  <a:srgbClr val="FFFFFF"/>
+                </a:solidFill>
+                <a:latin typeface="Avenir Light"/>
+                <a:cs typeface="Avenir Light"/>
+              </a:rPr>
+              <a:t> = 1</a:t>
+            </a:r>
+          </a:p>
+          <a:p>
+            <a:pPr marL="0" indent="0">
+              <a:buNone/>
+            </a:pPr>
+            <a:r>
+              <a:rPr lang="en-US" sz="2200" dirty="0">
+                <a:solidFill>
+                  <a:srgbClr val="FFFFFF"/>
+                </a:solidFill>
+                <a:latin typeface="Avenir Light"/>
+                <a:cs typeface="Avenir Light"/>
+              </a:rPr>
+              <a:t>	</a:t>
+            </a:r>
+            <a:r>
+              <a:rPr lang="en-US" sz="2200" dirty="0" smtClean="0">
+                <a:solidFill>
+                  <a:schemeClr val="tx2">
+                    <a:lumMod val="20000"/>
+                    <a:lumOff val="80000"/>
+                  </a:schemeClr>
+                </a:solidFill>
+                <a:latin typeface="Avenir Light"/>
+                <a:cs typeface="Avenir Light"/>
+              </a:rPr>
+              <a:t>update</a:t>
+            </a:r>
+            <a:r>
+              <a:rPr lang="en-US" sz="2200" dirty="0" smtClean="0">
+                <a:solidFill>
+                  <a:srgbClr val="FFFFFF"/>
+                </a:solidFill>
+                <a:latin typeface="Avenir Light"/>
+                <a:cs typeface="Avenir Light"/>
+              </a:rPr>
+              <a:t> </a:t>
+            </a:r>
+            <a:r>
+              <a:rPr lang="en-US" sz="2200" i="1" dirty="0" smtClean="0">
+                <a:solidFill>
+                  <a:srgbClr val="FFFFFF"/>
+                </a:solidFill>
+                <a:latin typeface="Avenir Light"/>
+                <a:cs typeface="Avenir Light"/>
+              </a:rPr>
+              <a:t>mod</a:t>
+            </a:r>
+            <a:r>
+              <a:rPr lang="en-US" sz="2200" dirty="0" smtClean="0">
+                <a:solidFill>
+                  <a:srgbClr val="FFFFFF"/>
+                </a:solidFill>
+                <a:latin typeface="Avenir Light"/>
+                <a:cs typeface="Avenir Light"/>
+              </a:rPr>
+              <a:t>, </a:t>
+            </a:r>
+            <a:r>
+              <a:rPr lang="en-US" sz="2200" i="1" dirty="0" smtClean="0">
+                <a:solidFill>
+                  <a:srgbClr val="FFFFFF"/>
+                </a:solidFill>
+                <a:latin typeface="Avenir Light"/>
+                <a:cs typeface="Avenir Light"/>
+              </a:rPr>
+              <a:t>div</a:t>
+            </a:r>
+            <a:endParaRPr lang="en-US" sz="2200" dirty="0">
               <a:solidFill>
                 <a:srgbClr val="FFFFFF"/>
               </a:solidFill>
-              <a:latin typeface="Avenir Next Regular"/>
-              <a:cs typeface="Avenir Next Regular"/>
+              <a:latin typeface="Avenir Light"/>
+              <a:cs typeface="Avenir Light"/>
             </a:endParaRPr>
           </a:p>
         </p:txBody>
@@ -8571,20 +9188,13 @@
     </p:spTree>
     <p:extLst>
       <p:ext uri="{BB962C8B-B14F-4D97-AF65-F5344CB8AC3E}">
-        <p14:creationId xmlns:p14="http://schemas.microsoft.com/office/powerpoint/2010/main" val="2098785998"/>
+        <p14:creationId xmlns:p14="http://schemas.microsoft.com/office/powerpoint/2010/main" val="45503604"/>
       </p:ext>
     </p:extLst>
   </p:cSld>
   <p:clrMapOvr>
     <a:masterClrMapping/>
   </p:clrMapOvr>
-  <p:timing>
-    <p:tnLst>
-      <p:par>
-        <p:cTn xmlns:p14="http://schemas.microsoft.com/office/powerpoint/2010/main" id="1" dur="indefinite" restart="never" nodeType="tmRoot"/>
-      </p:par>
-    </p:tnLst>
-  </p:timing>
 </p:sld>
 </file>
 
@@ -8628,7 +9238,7 @@
                 <a:latin typeface="Avenir Next Regular"/>
                 <a:cs typeface="Avenir Next Regular"/>
               </a:rPr>
-              <a:t>Test Results</a:t>
+              <a:t>Complexity</a:t>
             </a:r>
             <a:endParaRPr lang="en-US" dirty="0">
               <a:solidFill>
@@ -8660,109 +9270,228 @@
                 <a:solidFill>
                   <a:srgbClr val="FFFFFF"/>
                 </a:solidFill>
-                <a:latin typeface="Avenir Next Regular"/>
-                <a:cs typeface="Avenir Next Regular"/>
-              </a:rPr>
-              <a:t>Best </a:t>
+                <a:latin typeface="Avenir Light"/>
+                <a:cs typeface="Avenir Light"/>
+              </a:rPr>
+              <a:t>Radix sort using buckets</a:t>
+            </a:r>
+          </a:p>
+          <a:p>
+            <a:pPr lvl="1"/>
+            <a:r>
+              <a:rPr lang="en-US" dirty="0" smtClean="0">
+                <a:solidFill>
+                  <a:srgbClr val="FFFFFF"/>
+                </a:solidFill>
+                <a:latin typeface="Avenir Light"/>
+                <a:cs typeface="Avenir Light"/>
+              </a:rPr>
+              <a:t>O</a:t>
+            </a:r>
+            <a:r>
+              <a:rPr lang="en-US" dirty="0" smtClean="0">
+                <a:solidFill>
+                  <a:srgbClr val="FFFFFF"/>
+                </a:solidFill>
+                <a:latin typeface="Avenir Light"/>
+                <a:cs typeface="Avenir Light"/>
+              </a:rPr>
+              <a:t>(</a:t>
+            </a:r>
+            <a:r>
+              <a:rPr lang="en-US" dirty="0" err="1" smtClean="0">
+                <a:solidFill>
+                  <a:srgbClr val="FFFFFF"/>
+                </a:solidFill>
+                <a:latin typeface="Avenir Light"/>
+                <a:cs typeface="Avenir Light"/>
+              </a:rPr>
+              <a:t>kn</a:t>
+            </a:r>
+            <a:r>
+              <a:rPr lang="en-US" dirty="0" smtClean="0">
+                <a:solidFill>
+                  <a:srgbClr val="FFFFFF"/>
+                </a:solidFill>
+                <a:latin typeface="Avenir Light"/>
+                <a:cs typeface="Avenir Light"/>
+              </a:rPr>
+              <a:t>)</a:t>
+            </a:r>
+          </a:p>
+          <a:p>
+            <a:r>
+              <a:rPr lang="en-US" dirty="0" smtClean="0">
+                <a:solidFill>
+                  <a:srgbClr val="FFFFFF"/>
+                </a:solidFill>
+                <a:latin typeface="Avenir Light"/>
+                <a:cs typeface="Avenir Light"/>
+              </a:rPr>
+              <a:t>Radix sort using counting sort</a:t>
+            </a:r>
+          </a:p>
+          <a:p>
+            <a:pPr lvl="1"/>
+            <a:r>
+              <a:rPr lang="en-US" dirty="0" smtClean="0">
+                <a:solidFill>
+                  <a:srgbClr val="FFFFFF"/>
+                </a:solidFill>
+                <a:latin typeface="Avenir Light"/>
+                <a:cs typeface="Avenir Light"/>
+              </a:rPr>
+              <a:t>Total time is </a:t>
+            </a:r>
+            <a:r>
+              <a:rPr lang="en-US" dirty="0" err="1" smtClean="0">
+                <a:solidFill>
+                  <a:srgbClr val="FFFFFF"/>
+                </a:solidFill>
+                <a:latin typeface="Avenir Light"/>
+                <a:ea typeface="Lucida Grande"/>
+                <a:cs typeface="Avenir Light"/>
+              </a:rPr>
+              <a:t>Θ</a:t>
+            </a:r>
+            <a:r>
+              <a:rPr lang="en-US" dirty="0" smtClean="0">
+                <a:solidFill>
+                  <a:srgbClr val="FFFFFF"/>
+                </a:solidFill>
+                <a:latin typeface="Avenir Light"/>
+                <a:ea typeface="Lucida Grande"/>
+                <a:cs typeface="Avenir Light"/>
+              </a:rPr>
+              <a:t>(2n+2*</a:t>
             </a:r>
             <a:r>
               <a:rPr lang="en-US" i="1" dirty="0" smtClean="0">
                 <a:solidFill>
                   <a:srgbClr val="FFFFFF"/>
                 </a:solidFill>
-                <a:latin typeface="Avenir Next Regular"/>
-                <a:cs typeface="Avenir Next Regular"/>
-              </a:rPr>
-              <a:t>d</a:t>
+                <a:latin typeface="Avenir Light"/>
+                <a:ea typeface="Lucida Grande"/>
+                <a:cs typeface="Avenir Light"/>
+              </a:rPr>
+              <a:t>max</a:t>
             </a:r>
             <a:r>
               <a:rPr lang="en-US" dirty="0" smtClean="0">
                 <a:solidFill>
                   <a:srgbClr val="FFFFFF"/>
                 </a:solidFill>
-                <a:latin typeface="Avenir Next Regular"/>
-                <a:cs typeface="Avenir Next Regular"/>
-              </a:rPr>
-              <a:t> for 20 digit decimal</a:t>
-            </a:r>
-          </a:p>
-          <a:p>
-            <a:r>
-              <a:rPr lang="en-US" dirty="0" smtClean="0">
-                <a:solidFill>
-                  <a:srgbClr val="FFFFFF"/>
-                </a:solidFill>
-                <a:latin typeface="Avenir Next Regular"/>
-                <a:cs typeface="Avenir Next Regular"/>
-              </a:rPr>
-              <a:t>Best </a:t>
-            </a:r>
-            <a:r>
-              <a:rPr lang="en-US" i="1" dirty="0" smtClean="0">
-                <a:solidFill>
-                  <a:srgbClr val="FFFFFF"/>
-                </a:solidFill>
-                <a:latin typeface="Avenir Next Regular"/>
-                <a:cs typeface="Avenir Next Regular"/>
-              </a:rPr>
-              <a:t>d </a:t>
-            </a:r>
-            <a:r>
-              <a:rPr lang="en-US" dirty="0" smtClean="0">
-                <a:solidFill>
-                  <a:srgbClr val="FFFFFF"/>
-                </a:solidFill>
-                <a:latin typeface="Avenir Next Regular"/>
-                <a:cs typeface="Avenir Next Regular"/>
-              </a:rPr>
-              <a:t>for 10 digit decimal</a:t>
-            </a:r>
-          </a:p>
-          <a:p>
-            <a:r>
-              <a:rPr lang="en-US" dirty="0" smtClean="0">
-                <a:solidFill>
-                  <a:srgbClr val="FFFFFF"/>
-                </a:solidFill>
-                <a:latin typeface="Avenir Next Regular"/>
-                <a:cs typeface="Avenir Next Regular"/>
-              </a:rPr>
-              <a:t>//Graphs of results of different </a:t>
-            </a:r>
-            <a:r>
-              <a:rPr lang="en-US" i="1" dirty="0" smtClean="0">
-                <a:solidFill>
-                  <a:srgbClr val="FFFFFF"/>
-                </a:solidFill>
-                <a:latin typeface="Avenir Next Regular"/>
-                <a:cs typeface="Avenir Next Regular"/>
-              </a:rPr>
-              <a:t>d</a:t>
-            </a:r>
-            <a:r>
-              <a:rPr lang="en-US" dirty="0" smtClean="0">
-                <a:solidFill>
-                  <a:srgbClr val="FFFFFF"/>
-                </a:solidFill>
-                <a:latin typeface="Avenir Next Regular"/>
-                <a:cs typeface="Avenir Next Regular"/>
-              </a:rPr>
-              <a:t>’s for 10d and 20d</a:t>
-            </a:r>
-            <a:endParaRPr lang="en-US" dirty="0">
+                <a:latin typeface="Avenir Light"/>
+                <a:ea typeface="Lucida Grande"/>
+                <a:cs typeface="Avenir Light"/>
+              </a:rPr>
+              <a:t>)</a:t>
+            </a:r>
+            <a:endParaRPr lang="en-US" dirty="0" smtClean="0">
               <a:solidFill>
                 <a:srgbClr val="FFFFFF"/>
               </a:solidFill>
-              <a:latin typeface="Avenir Next Regular"/>
-              <a:cs typeface="Avenir Next Regular"/>
+              <a:latin typeface="Avenir Light"/>
+              <a:cs typeface="Avenir Light"/>
             </a:endParaRPr>
+          </a:p>
+          <a:p>
+            <a:pPr lvl="1"/>
+            <a:r>
+              <a:rPr lang="en-US" dirty="0" err="1" smtClean="0">
+                <a:solidFill>
+                  <a:srgbClr val="FFFFFF"/>
+                </a:solidFill>
+                <a:latin typeface="Avenir Light"/>
+                <a:ea typeface="Lucida Grande"/>
+                <a:cs typeface="Avenir Light"/>
+              </a:rPr>
+              <a:t>Θ</a:t>
+            </a:r>
+            <a:r>
+              <a:rPr lang="en-US" dirty="0" smtClean="0">
+                <a:solidFill>
+                  <a:srgbClr val="FFFFFF"/>
+                </a:solidFill>
+                <a:latin typeface="Avenir Light"/>
+                <a:ea typeface="Lucida Grande"/>
+                <a:cs typeface="Avenir Light"/>
+              </a:rPr>
+              <a:t>(n) when </a:t>
+            </a:r>
+            <a:r>
+              <a:rPr lang="en-US" i="1" dirty="0" smtClean="0">
+                <a:solidFill>
+                  <a:srgbClr val="FFFFFF"/>
+                </a:solidFill>
+                <a:latin typeface="Avenir Light"/>
+                <a:ea typeface="Lucida Grande"/>
+                <a:cs typeface="Avenir Light"/>
+              </a:rPr>
+              <a:t>max</a:t>
+            </a:r>
+            <a:r>
+              <a:rPr lang="en-US" dirty="0" smtClean="0">
+                <a:solidFill>
+                  <a:srgbClr val="FFFFFF"/>
+                </a:solidFill>
+                <a:latin typeface="Avenir Light"/>
+                <a:ea typeface="Lucida Grande"/>
+                <a:cs typeface="Avenir Light"/>
+              </a:rPr>
+              <a:t> = O(n) and </a:t>
+            </a:r>
+            <a:r>
+              <a:rPr lang="en-US" i="1" dirty="0" smtClean="0">
+                <a:solidFill>
+                  <a:srgbClr val="FFFFFF"/>
+                </a:solidFill>
+                <a:latin typeface="Avenir Light"/>
+                <a:ea typeface="Lucida Grande"/>
+                <a:cs typeface="Avenir Light"/>
+              </a:rPr>
+              <a:t>b</a:t>
+            </a:r>
+            <a:r>
+              <a:rPr lang="en-US" dirty="0" smtClean="0">
+                <a:solidFill>
+                  <a:srgbClr val="FFFFFF"/>
+                </a:solidFill>
+                <a:latin typeface="Avenir Light"/>
+                <a:ea typeface="Lucida Grande"/>
+                <a:cs typeface="Avenir Light"/>
+              </a:rPr>
+              <a:t> = O(</a:t>
+            </a:r>
+            <a:r>
+              <a:rPr lang="en-US" dirty="0" err="1" smtClean="0">
+                <a:solidFill>
+                  <a:srgbClr val="FFFFFF"/>
+                </a:solidFill>
+                <a:latin typeface="Avenir Light"/>
+                <a:ea typeface="Lucida Grande"/>
+                <a:cs typeface="Avenir Light"/>
+              </a:rPr>
+              <a:t>lg</a:t>
+            </a:r>
+            <a:r>
+              <a:rPr lang="en-US" dirty="0" smtClean="0">
+                <a:solidFill>
+                  <a:srgbClr val="FFFFFF"/>
+                </a:solidFill>
+                <a:latin typeface="Avenir Light"/>
+                <a:ea typeface="Lucida Grande"/>
+                <a:cs typeface="Avenir Light"/>
+              </a:rPr>
+              <a:t>(n))</a:t>
+            </a:r>
           </a:p>
         </p:txBody>
       </p:sp>
     </p:spTree>
     <p:extLst>
       <p:ext uri="{BB962C8B-B14F-4D97-AF65-F5344CB8AC3E}">
-        <p14:creationId xmlns:p14="http://schemas.microsoft.com/office/powerpoint/2010/main" val="4088610691"/>
+        <p14:creationId xmlns:p14="http://schemas.microsoft.com/office/powerpoint/2010/main" val="2098785998"/>
       </p:ext>
     </p:extLst>
   </p:cSld>

--- a/presentation.pptx
+++ b/presentation.pptx
@@ -15,8 +15,9 @@
     <p:sldId id="266" r:id="rId9"/>
     <p:sldId id="260" r:id="rId10"/>
     <p:sldId id="261" r:id="rId11"/>
-    <p:sldId id="267" r:id="rId12"/>
-    <p:sldId id="262" r:id="rId13"/>
+    <p:sldId id="268" r:id="rId12"/>
+    <p:sldId id="267" r:id="rId13"/>
+    <p:sldId id="262" r:id="rId14"/>
   </p:sldIdLst>
   <p:sldSz cx="9144000" cy="6858000" type="screen4x3"/>
   <p:notesSz cx="6858000" cy="9144000"/>
@@ -299,7 +300,7 @@
           <a:p>
             <a:fld id="{57CFAD20-43C2-CA44-8C28-8CAD34CDE910}" type="datetimeFigureOut">
               <a:rPr lang="en-US" smtClean="0"/>
-              <a:t>4/27/13</a:t>
+              <a:t>4/28/13</a:t>
             </a:fld>
             <a:endParaRPr lang="en-US"/>
           </a:p>
@@ -469,7 +470,7 @@
           <a:p>
             <a:fld id="{57CFAD20-43C2-CA44-8C28-8CAD34CDE910}" type="datetimeFigureOut">
               <a:rPr lang="en-US" smtClean="0"/>
-              <a:t>4/27/13</a:t>
+              <a:t>4/28/13</a:t>
             </a:fld>
             <a:endParaRPr lang="en-US"/>
           </a:p>
@@ -649,7 +650,7 @@
           <a:p>
             <a:fld id="{57CFAD20-43C2-CA44-8C28-8CAD34CDE910}" type="datetimeFigureOut">
               <a:rPr lang="en-US" smtClean="0"/>
-              <a:t>4/27/13</a:t>
+              <a:t>4/28/13</a:t>
             </a:fld>
             <a:endParaRPr lang="en-US"/>
           </a:p>
@@ -819,7 +820,7 @@
           <a:p>
             <a:fld id="{57CFAD20-43C2-CA44-8C28-8CAD34CDE910}" type="datetimeFigureOut">
               <a:rPr lang="en-US" smtClean="0"/>
-              <a:t>4/27/13</a:t>
+              <a:t>4/28/13</a:t>
             </a:fld>
             <a:endParaRPr lang="en-US"/>
           </a:p>
@@ -1065,7 +1066,7 @@
           <a:p>
             <a:fld id="{57CFAD20-43C2-CA44-8C28-8CAD34CDE910}" type="datetimeFigureOut">
               <a:rPr lang="en-US" smtClean="0"/>
-              <a:t>4/27/13</a:t>
+              <a:t>4/28/13</a:t>
             </a:fld>
             <a:endParaRPr lang="en-US"/>
           </a:p>
@@ -1353,7 +1354,7 @@
           <a:p>
             <a:fld id="{57CFAD20-43C2-CA44-8C28-8CAD34CDE910}" type="datetimeFigureOut">
               <a:rPr lang="en-US" smtClean="0"/>
-              <a:t>4/27/13</a:t>
+              <a:t>4/28/13</a:t>
             </a:fld>
             <a:endParaRPr lang="en-US"/>
           </a:p>
@@ -1775,7 +1776,7 @@
           <a:p>
             <a:fld id="{57CFAD20-43C2-CA44-8C28-8CAD34CDE910}" type="datetimeFigureOut">
               <a:rPr lang="en-US" smtClean="0"/>
-              <a:t>4/27/13</a:t>
+              <a:t>4/28/13</a:t>
             </a:fld>
             <a:endParaRPr lang="en-US"/>
           </a:p>
@@ -1893,7 +1894,7 @@
           <a:p>
             <a:fld id="{57CFAD20-43C2-CA44-8C28-8CAD34CDE910}" type="datetimeFigureOut">
               <a:rPr lang="en-US" smtClean="0"/>
-              <a:t>4/27/13</a:t>
+              <a:t>4/28/13</a:t>
             </a:fld>
             <a:endParaRPr lang="en-US"/>
           </a:p>
@@ -1988,7 +1989,7 @@
           <a:p>
             <a:fld id="{57CFAD20-43C2-CA44-8C28-8CAD34CDE910}" type="datetimeFigureOut">
               <a:rPr lang="en-US" smtClean="0"/>
-              <a:t>4/27/13</a:t>
+              <a:t>4/28/13</a:t>
             </a:fld>
             <a:endParaRPr lang="en-US"/>
           </a:p>
@@ -2265,7 +2266,7 @@
           <a:p>
             <a:fld id="{57CFAD20-43C2-CA44-8C28-8CAD34CDE910}" type="datetimeFigureOut">
               <a:rPr lang="en-US" smtClean="0"/>
-              <a:t>4/27/13</a:t>
+              <a:t>4/28/13</a:t>
             </a:fld>
             <a:endParaRPr lang="en-US"/>
           </a:p>
@@ -2518,7 +2519,7 @@
           <a:p>
             <a:fld id="{57CFAD20-43C2-CA44-8C28-8CAD34CDE910}" type="datetimeFigureOut">
               <a:rPr lang="en-US" smtClean="0"/>
-              <a:t>4/27/13</a:t>
+              <a:t>4/28/13</a:t>
             </a:fld>
             <a:endParaRPr lang="en-US"/>
           </a:p>
@@ -2738,7 +2739,7 @@
           <a:p>
             <a:fld id="{57CFAD20-43C2-CA44-8C28-8CAD34CDE910}" type="datetimeFigureOut">
               <a:rPr lang="en-US" smtClean="0"/>
-              <a:t>4/27/13</a:t>
+              <a:t>4/28/13</a:t>
             </a:fld>
             <a:endParaRPr lang="en-US"/>
           </a:p>
@@ -3326,30 +3327,30 @@
                 <a:latin typeface="Avenir Next Regular"/>
                 <a:cs typeface="Avenir Next Regular"/>
               </a:rPr>
-              <a:t>Best </a:t>
-            </a:r>
-            <a:r>
-              <a:rPr lang="en-US" i="1" dirty="0" smtClean="0">
+              <a:t>Best d for 100 digit decimal</a:t>
+            </a:r>
+          </a:p>
+          <a:p>
+            <a:r>
+              <a:rPr lang="en-US" dirty="0" smtClean="0">
                 <a:solidFill>
                   <a:srgbClr val="FFFFFF"/>
                 </a:solidFill>
                 <a:latin typeface="Avenir Next Regular"/>
                 <a:cs typeface="Avenir Next Regular"/>
               </a:rPr>
-              <a:t>d</a:t>
-            </a:r>
-            <a:r>
-              <a:rPr lang="en-US" dirty="0" smtClean="0">
+              <a:t>Best </a:t>
+            </a:r>
+            <a:r>
+              <a:rPr lang="en-US" i="1" dirty="0" smtClean="0">
                 <a:solidFill>
                   <a:srgbClr val="FFFFFF"/>
                 </a:solidFill>
                 <a:latin typeface="Avenir Next Regular"/>
                 <a:cs typeface="Avenir Next Regular"/>
               </a:rPr>
-              <a:t> for 20 digit decimal</a:t>
-            </a:r>
-          </a:p>
-          <a:p>
+              <a:t>d</a:t>
+            </a:r>
             <a:r>
               <a:rPr lang="en-US" dirty="0" smtClean="0">
                 <a:solidFill>
@@ -3358,30 +3359,30 @@
                 <a:latin typeface="Avenir Next Regular"/>
                 <a:cs typeface="Avenir Next Regular"/>
               </a:rPr>
-              <a:t>Best </a:t>
-            </a:r>
-            <a:r>
-              <a:rPr lang="en-US" i="1" dirty="0" smtClean="0">
+              <a:t> for 20 digit decimal</a:t>
+            </a:r>
+          </a:p>
+          <a:p>
+            <a:r>
+              <a:rPr lang="en-US" dirty="0" smtClean="0">
                 <a:solidFill>
                   <a:srgbClr val="FFFFFF"/>
                 </a:solidFill>
                 <a:latin typeface="Avenir Next Regular"/>
                 <a:cs typeface="Avenir Next Regular"/>
               </a:rPr>
-              <a:t>d </a:t>
-            </a:r>
-            <a:r>
-              <a:rPr lang="en-US" dirty="0" smtClean="0">
+              <a:t>Best </a:t>
+            </a:r>
+            <a:r>
+              <a:rPr lang="en-US" i="1" dirty="0" smtClean="0">
                 <a:solidFill>
                   <a:srgbClr val="FFFFFF"/>
                 </a:solidFill>
                 <a:latin typeface="Avenir Next Regular"/>
                 <a:cs typeface="Avenir Next Regular"/>
               </a:rPr>
-              <a:t>for 10 digit decimal</a:t>
-            </a:r>
-          </a:p>
-          <a:p>
+              <a:t>d </a:t>
+            </a:r>
             <a:r>
               <a:rPr lang="en-US" dirty="0" smtClean="0">
                 <a:solidFill>
@@ -3390,29 +3391,19 @@
                 <a:latin typeface="Avenir Next Regular"/>
                 <a:cs typeface="Avenir Next Regular"/>
               </a:rPr>
-              <a:t>//Graphs of results of different </a:t>
-            </a:r>
-            <a:r>
-              <a:rPr lang="en-US" i="1" dirty="0" smtClean="0">
+              <a:t>for 10 digit </a:t>
+            </a:r>
+            <a:r>
+              <a:rPr lang="en-US" dirty="0" smtClean="0">
                 <a:solidFill>
                   <a:srgbClr val="FFFFFF"/>
                 </a:solidFill>
                 <a:latin typeface="Avenir Next Regular"/>
                 <a:cs typeface="Avenir Next Regular"/>
               </a:rPr>
-              <a:t>d</a:t>
-            </a:r>
-            <a:r>
-              <a:rPr lang="en-US" dirty="0" smtClean="0">
-                <a:solidFill>
-                  <a:srgbClr val="FFFFFF"/>
-                </a:solidFill>
-                <a:latin typeface="Avenir Next Regular"/>
-                <a:cs typeface="Avenir Next Regular"/>
-              </a:rPr>
-              <a:t>’s for 10d and 20d</a:t>
-            </a:r>
-            <a:endParaRPr lang="en-US" dirty="0">
+              <a:t>decimal</a:t>
+            </a:r>
+            <a:endParaRPr lang="en-US" dirty="0" smtClean="0">
               <a:solidFill>
                 <a:srgbClr val="FFFFFF"/>
               </a:solidFill>
@@ -3482,7 +3473,7 @@
                 <a:latin typeface="Avenir Light"/>
                 <a:cs typeface="Avenir Light"/>
               </a:rPr>
-              <a:t>Conclusion</a:t>
+              <a:t>Test Result cont.</a:t>
             </a:r>
             <a:endParaRPr lang="en-US" dirty="0">
               <a:solidFill>
@@ -3509,7 +3500,158 @@
           <a:bodyPr/>
           <a:lstStyle/>
           <a:p>
-            <a:endParaRPr lang="en-US"/>
+            <a:pPr marL="0" indent="0">
+              <a:buNone/>
+            </a:pPr>
+            <a:r>
+              <a:rPr lang="en-US" dirty="0">
+                <a:solidFill>
+                  <a:srgbClr val="FFFFFF"/>
+                </a:solidFill>
+                <a:latin typeface="Avenir Next Regular"/>
+                <a:cs typeface="Avenir Next Regular"/>
+              </a:rPr>
+              <a:t>//Graphs of results of different </a:t>
+            </a:r>
+            <a:r>
+              <a:rPr lang="en-US" i="1" dirty="0">
+                <a:solidFill>
+                  <a:srgbClr val="FFFFFF"/>
+                </a:solidFill>
+                <a:latin typeface="Avenir Next Regular"/>
+                <a:cs typeface="Avenir Next Regular"/>
+              </a:rPr>
+              <a:t>d</a:t>
+            </a:r>
+            <a:r>
+              <a:rPr lang="en-US" dirty="0">
+                <a:solidFill>
+                  <a:srgbClr val="FFFFFF"/>
+                </a:solidFill>
+                <a:latin typeface="Avenir Next Regular"/>
+                <a:cs typeface="Avenir Next Regular"/>
+              </a:rPr>
+              <a:t>’s for 10d, 20d, 100d with bucket and counting.</a:t>
+            </a:r>
+          </a:p>
+          <a:p>
+            <a:pPr marL="0" indent="0">
+              <a:buNone/>
+            </a:pPr>
+            <a:endParaRPr lang="en-US" dirty="0">
+              <a:solidFill>
+                <a:srgbClr val="FFFFFF"/>
+              </a:solidFill>
+              <a:latin typeface="Avenir Light"/>
+              <a:cs typeface="Avenir Light"/>
+            </a:endParaRPr>
+          </a:p>
+        </p:txBody>
+      </p:sp>
+    </p:spTree>
+    <p:extLst>
+      <p:ext uri="{BB962C8B-B14F-4D97-AF65-F5344CB8AC3E}">
+        <p14:creationId xmlns:p14="http://schemas.microsoft.com/office/powerpoint/2010/main" val="1238949746"/>
+      </p:ext>
+    </p:extLst>
+  </p:cSld>
+  <p:clrMapOvr>
+    <a:masterClrMapping/>
+  </p:clrMapOvr>
+  <p:timing>
+    <p:tnLst>
+      <p:par>
+        <p:cTn xmlns:p14="http://schemas.microsoft.com/office/powerpoint/2010/main" id="1" dur="indefinite" restart="never" nodeType="tmRoot"/>
+      </p:par>
+    </p:tnLst>
+  </p:timing>
+</p:sld>
+</file>
+
+<file path=ppt/slides/slide12.xml><?xml version="1.0" encoding="utf-8"?>
+<p:sld xmlns:a="http://schemas.openxmlformats.org/drawingml/2006/main" xmlns:r="http://schemas.openxmlformats.org/officeDocument/2006/relationships" xmlns:p="http://schemas.openxmlformats.org/presentationml/2006/main">
+  <p:cSld>
+    <p:spTree>
+      <p:nvGrpSpPr>
+        <p:cNvPr id="1" name=""/>
+        <p:cNvGrpSpPr/>
+        <p:nvPr/>
+      </p:nvGrpSpPr>
+      <p:grpSpPr>
+        <a:xfrm>
+          <a:off x="0" y="0"/>
+          <a:ext cx="0" cy="0"/>
+          <a:chOff x="0" y="0"/>
+          <a:chExt cx="0" cy="0"/>
+        </a:xfrm>
+      </p:grpSpPr>
+      <p:sp>
+        <p:nvSpPr>
+          <p:cNvPr id="2" name="Title 1"/>
+          <p:cNvSpPr>
+            <a:spLocks noGrp="1"/>
+          </p:cNvSpPr>
+          <p:nvPr>
+            <p:ph type="title"/>
+          </p:nvPr>
+        </p:nvSpPr>
+        <p:spPr/>
+        <p:txBody>
+          <a:bodyPr/>
+          <a:lstStyle/>
+          <a:p>
+            <a:r>
+              <a:rPr lang="en-US" dirty="0" smtClean="0">
+                <a:solidFill>
+                  <a:schemeClr val="bg1"/>
+                </a:solidFill>
+                <a:latin typeface="Avenir Light"/>
+                <a:cs typeface="Avenir Light"/>
+              </a:rPr>
+              <a:t>Conclusion</a:t>
+            </a:r>
+            <a:endParaRPr lang="en-US" dirty="0">
+              <a:solidFill>
+                <a:schemeClr val="bg1"/>
+              </a:solidFill>
+              <a:latin typeface="Avenir Light"/>
+              <a:cs typeface="Avenir Light"/>
+            </a:endParaRPr>
+          </a:p>
+        </p:txBody>
+      </p:sp>
+      <p:sp>
+        <p:nvSpPr>
+          <p:cNvPr id="3" name="Content Placeholder 2"/>
+          <p:cNvSpPr>
+            <a:spLocks noGrp="1"/>
+          </p:cNvSpPr>
+          <p:nvPr>
+            <p:ph idx="1"/>
+          </p:nvPr>
+        </p:nvSpPr>
+        <p:spPr/>
+        <p:txBody>
+          <a:bodyPr/>
+          <a:lstStyle/>
+          <a:p>
+            <a:r>
+              <a:rPr lang="en-US" dirty="0" smtClean="0">
+                <a:solidFill>
+                  <a:srgbClr val="FFFFFF"/>
+                </a:solidFill>
+                <a:latin typeface="Avenir Light"/>
+                <a:cs typeface="Avenir Light"/>
+              </a:rPr>
+              <a:t>//Summary of radix sort</a:t>
+            </a:r>
+            <a:endParaRPr lang="en-US" dirty="0">
+              <a:solidFill>
+                <a:srgbClr val="FFFFFF"/>
+              </a:solidFill>
+              <a:latin typeface="Avenir Light"/>
+              <a:cs typeface="Avenir Light"/>
+            </a:endParaRPr>
           </a:p>
         </p:txBody>
       </p:sp>
@@ -3526,7 +3668,7 @@
 </p:sld>
 </file>
 
-<file path=ppt/slides/slide12.xml><?xml version="1.0" encoding="utf-8"?>
+<file path=ppt/slides/slide13.xml><?xml version="1.0" encoding="utf-8"?>
 <p:sld xmlns:a="http://schemas.openxmlformats.org/drawingml/2006/main" xmlns:r="http://schemas.openxmlformats.org/officeDocument/2006/relationships" xmlns:p="http://schemas.openxmlformats.org/presentationml/2006/main">
   <p:cSld>
     <p:spTree>
@@ -5594,17 +5736,7 @@
                 <a:latin typeface="Avenir Light"/>
                 <a:cs typeface="Avenir Light"/>
               </a:rPr>
-              <a:t>We </a:t>
-            </a:r>
-            <a:r>
-              <a:rPr lang="en-US" dirty="0" smtClean="0">
-                <a:solidFill>
-                  <a:srgbClr val="FFFFFF"/>
-                </a:solidFill>
-                <a:latin typeface="Avenir Light"/>
-                <a:cs typeface="Avenir Light"/>
-              </a:rPr>
-              <a:t>need to define </a:t>
+              <a:t>We need to define </a:t>
             </a:r>
             <a:r>
               <a:rPr lang="en-US" i="1" dirty="0" smtClean="0">
@@ -5726,18 +5858,7 @@
                 <a:cs typeface="Avenir Light"/>
                 <a:sym typeface="Symbol"/>
               </a:rPr>
-              <a:t>/</a:t>
-            </a:r>
-            <a:r>
-              <a:rPr lang="en-US" dirty="0" smtClean="0">
-                <a:solidFill>
-                  <a:srgbClr val="FFFFFF"/>
-                </a:solidFill>
-                <a:latin typeface="Avenir Light"/>
-                <a:cs typeface="Avenir Light"/>
-                <a:sym typeface="Symbol"/>
-              </a:rPr>
-              <a:t>log(</a:t>
+              <a:t>/log(</a:t>
             </a:r>
             <a:r>
               <a:rPr lang="en-US" i="1" dirty="0" smtClean="0">
@@ -6025,17 +6146,7 @@
                 <a:latin typeface="Avenir Next Regular"/>
                 <a:cs typeface="Avenir Next Regular"/>
               </a:rPr>
-              <a:t>(</a:t>
-            </a:r>
-            <a:r>
-              <a:rPr lang="en-US" dirty="0" smtClean="0">
-                <a:solidFill>
-                  <a:schemeClr val="bg1"/>
-                </a:solidFill>
-                <a:latin typeface="Avenir Next Regular"/>
-                <a:cs typeface="Avenir Next Regular"/>
-              </a:rPr>
-              <a:t>) - bucket</a:t>
+              <a:t>() - bucket</a:t>
             </a:r>
             <a:endParaRPr lang="en-US" dirty="0">
               <a:solidFill>
@@ -6407,17 +6518,7 @@
                 <a:latin typeface="Avenir Light"/>
                 <a:cs typeface="Avenir Light"/>
               </a:rPr>
-              <a:t>	</a:t>
-            </a:r>
-            <a:r>
-              <a:rPr lang="en-US" sz="2400" dirty="0" smtClean="0">
-                <a:solidFill>
-                  <a:srgbClr val="FFFFFF"/>
-                </a:solidFill>
-                <a:latin typeface="Avenir Light"/>
-                <a:cs typeface="Avenir Light"/>
-              </a:rPr>
-              <a:t> 	create </a:t>
+              <a:t>	 	create </a:t>
             </a:r>
             <a:r>
               <a:rPr lang="en-US" sz="2400" dirty="0" smtClean="0">
@@ -6475,17 +6576,7 @@
                 <a:latin typeface="Avenir Light"/>
                 <a:cs typeface="Avenir Light"/>
               </a:rPr>
-              <a:t>	</a:t>
-            </a:r>
-            <a:r>
-              <a:rPr lang="en-US" sz="2400" i="1" dirty="0" smtClean="0">
-                <a:solidFill>
-                  <a:srgbClr val="FFFFFF"/>
-                </a:solidFill>
-                <a:latin typeface="Avenir Light"/>
-                <a:cs typeface="Avenir Light"/>
-              </a:rPr>
-              <a:t> 	</a:t>
+              <a:t>	 	</a:t>
             </a:r>
             <a:r>
               <a:rPr lang="en-US" sz="2400" dirty="0" smtClean="0">
@@ -6508,17 +6599,7 @@
                 <a:latin typeface="Avenir Light"/>
                 <a:cs typeface="Avenir Light"/>
               </a:rPr>
-              <a:t> </a:t>
-            </a:r>
-            <a:r>
-              <a:rPr lang="en-US" sz="2400" dirty="0" smtClean="0">
-                <a:solidFill>
-                  <a:srgbClr val="FFFFFF"/>
-                </a:solidFill>
-                <a:latin typeface="Avenir Light"/>
-                <a:cs typeface="Avenir Light"/>
-              </a:rPr>
-              <a:t>j </a:t>
+              <a:t> j </a:t>
             </a:r>
             <a:r>
               <a:rPr lang="en-US" sz="2400" dirty="0" smtClean="0">
@@ -6619,17 +6700,7 @@
                 <a:latin typeface="Avenir Light"/>
                 <a:cs typeface="Avenir Light"/>
               </a:rPr>
-              <a:t>		</a:t>
-            </a:r>
-            <a:r>
-              <a:rPr lang="en-US" sz="2400" i="1" dirty="0" smtClean="0">
-                <a:solidFill>
-                  <a:srgbClr val="FFFFFF"/>
-                </a:solidFill>
-                <a:latin typeface="Avenir Light"/>
-                <a:cs typeface="Avenir Light"/>
-              </a:rPr>
-              <a:t>	 	 	</a:t>
+              <a:t>			 	 	</a:t>
             </a:r>
             <a:r>
               <a:rPr lang="en-US" sz="2400" dirty="0" smtClean="0">
@@ -6757,7 +6828,27 @@
                 <a:latin typeface="Avenir Light"/>
                 <a:cs typeface="Avenir Light"/>
               </a:rPr>
-              <a:t>	</a:t>
+              <a:t>	 	</a:t>
+            </a:r>
+            <a:r>
+              <a:rPr lang="en-US" sz="2400" dirty="0" smtClean="0">
+                <a:solidFill>
+                  <a:srgbClr val="FFFFFF"/>
+                </a:solidFill>
+                <a:latin typeface="Avenir Light"/>
+                <a:cs typeface="Avenir Light"/>
+              </a:rPr>
+              <a:t>populate </a:t>
+            </a:r>
+            <a:r>
+              <a:rPr lang="en-US" sz="2400" i="1" dirty="0" err="1" smtClean="0">
+                <a:solidFill>
+                  <a:srgbClr val="FFFFFF"/>
+                </a:solidFill>
+                <a:latin typeface="Avenir Light"/>
+                <a:cs typeface="Avenir Light"/>
+              </a:rPr>
+              <a:t>adjList</a:t>
             </a:r>
             <a:r>
               <a:rPr lang="en-US" sz="2400" i="1" dirty="0" smtClean="0">
@@ -6767,7 +6858,7 @@
                 <a:latin typeface="Avenir Light"/>
                 <a:cs typeface="Avenir Light"/>
               </a:rPr>
-              <a:t> 	</a:t>
+              <a:t>		 						 	 	 		 	 	</a:t>
             </a:r>
             <a:r>
               <a:rPr lang="en-US" sz="2400" dirty="0" smtClean="0">
@@ -6777,57 +6868,7 @@
                 <a:latin typeface="Avenir Light"/>
                 <a:cs typeface="Avenir Light"/>
               </a:rPr>
-              <a:t>populate </a:t>
-            </a:r>
-            <a:r>
-              <a:rPr lang="en-US" sz="2400" i="1" dirty="0" err="1" smtClean="0">
-                <a:solidFill>
-                  <a:srgbClr val="FFFFFF"/>
-                </a:solidFill>
-                <a:latin typeface="Avenir Light"/>
-                <a:cs typeface="Avenir Light"/>
-              </a:rPr>
-              <a:t>adjList</a:t>
-            </a:r>
-            <a:r>
-              <a:rPr lang="en-US" sz="2400" i="1" dirty="0" smtClean="0">
-                <a:solidFill>
-                  <a:srgbClr val="FFFFFF"/>
-                </a:solidFill>
-                <a:latin typeface="Avenir Light"/>
-                <a:cs typeface="Avenir Light"/>
-              </a:rPr>
-              <a:t>		 					</a:t>
-            </a:r>
-            <a:r>
-              <a:rPr lang="en-US" sz="2400" i="1" dirty="0" smtClean="0">
-                <a:solidFill>
-                  <a:srgbClr val="FFFFFF"/>
-                </a:solidFill>
-                <a:latin typeface="Avenir Light"/>
-                <a:cs typeface="Avenir Light"/>
-              </a:rPr>
-              <a:t>	 	 	 		 	 	</a:t>
-            </a:r>
-            <a:r>
-              <a:rPr lang="en-US" sz="2400" dirty="0" smtClean="0">
-                <a:solidFill>
-                  <a:srgbClr val="FFFFFF"/>
-                </a:solidFill>
-                <a:latin typeface="Avenir Light"/>
-                <a:cs typeface="Avenir Light"/>
-              </a:rPr>
-              <a:t>/</a:t>
-            </a:r>
-            <a:r>
-              <a:rPr lang="en-US" sz="2400" dirty="0" smtClean="0">
-                <a:solidFill>
-                  <a:srgbClr val="FFFFFF"/>
-                </a:solidFill>
-                <a:latin typeface="Avenir Light"/>
-                <a:cs typeface="Avenir Light"/>
-              </a:rPr>
-              <a:t>/call </a:t>
+              <a:t>//call </a:t>
             </a:r>
             <a:r>
               <a:rPr lang="en-US" sz="2400" dirty="0" err="1" smtClean="0">
@@ -6875,7 +6916,17 @@
                 <a:latin typeface="Avenir Light"/>
                 <a:cs typeface="Avenir Light"/>
               </a:rPr>
-              <a:t>	</a:t>
+              <a:t>	 	</a:t>
+            </a:r>
+            <a:r>
+              <a:rPr lang="en-US" sz="2400" dirty="0" smtClean="0">
+                <a:solidFill>
+                  <a:srgbClr val="FFFFFF"/>
+                </a:solidFill>
+                <a:latin typeface="Avenir Light"/>
+                <a:cs typeface="Avenir Light"/>
+              </a:rPr>
+              <a:t>repopulate </a:t>
             </a:r>
             <a:r>
               <a:rPr lang="en-US" sz="2400" i="1" dirty="0" smtClean="0">
@@ -6885,7 +6936,7 @@
                 <a:latin typeface="Avenir Light"/>
                 <a:cs typeface="Avenir Light"/>
               </a:rPr>
-              <a:t> 	</a:t>
+              <a:t>array</a:t>
             </a:r>
             <a:r>
               <a:rPr lang="en-US" sz="2400" dirty="0" smtClean="0">
@@ -6895,47 +6946,7 @@
                 <a:latin typeface="Avenir Light"/>
                 <a:cs typeface="Avenir Light"/>
               </a:rPr>
-              <a:t>repopulate </a:t>
-            </a:r>
-            <a:r>
-              <a:rPr lang="en-US" sz="2400" i="1" dirty="0" smtClean="0">
-                <a:solidFill>
-                  <a:srgbClr val="FFFFFF"/>
-                </a:solidFill>
-                <a:latin typeface="Avenir Light"/>
-                <a:cs typeface="Avenir Light"/>
-              </a:rPr>
-              <a:t>array</a:t>
-            </a:r>
-            <a:r>
-              <a:rPr lang="en-US" sz="2400" dirty="0" smtClean="0">
-                <a:solidFill>
-                  <a:srgbClr val="FFFFFF"/>
-                </a:solidFill>
-                <a:latin typeface="Avenir Light"/>
-                <a:cs typeface="Avenir Light"/>
-              </a:rPr>
-              <a:t> 	</a:t>
-            </a:r>
-            <a:r>
-              <a:rPr lang="en-US" sz="2400" dirty="0" smtClean="0">
-                <a:solidFill>
-                  <a:srgbClr val="FFFFFF"/>
-                </a:solidFill>
-                <a:latin typeface="Avenir Light"/>
-                <a:cs typeface="Avenir Light"/>
-              </a:rPr>
-              <a:t> 	 	 	 	 	 	</a:t>
-            </a:r>
-            <a:r>
-              <a:rPr lang="en-US" sz="2400" dirty="0" smtClean="0">
-                <a:solidFill>
-                  <a:srgbClr val="FFFFFF"/>
-                </a:solidFill>
-                <a:latin typeface="Avenir Light"/>
-                <a:cs typeface="Avenir Light"/>
-              </a:rPr>
-              <a:t>						//call </a:t>
+              <a:t> 	 	 	 	 	 	 							//call </a:t>
             </a:r>
             <a:r>
               <a:rPr lang="en-US" sz="2400" dirty="0" err="1" smtClean="0">
@@ -6983,17 +6994,7 @@
                 <a:latin typeface="Avenir Light"/>
                 <a:cs typeface="Avenir Light"/>
               </a:rPr>
-              <a:t>	</a:t>
-            </a:r>
-            <a:r>
-              <a:rPr lang="en-US" sz="2400" i="1" dirty="0" smtClean="0">
-                <a:solidFill>
-                  <a:srgbClr val="FFFFFF"/>
-                </a:solidFill>
-                <a:latin typeface="Avenir Light"/>
-                <a:cs typeface="Avenir Light"/>
-              </a:rPr>
-              <a:t> 	</a:t>
+              <a:t>	 	</a:t>
             </a:r>
             <a:r>
               <a:rPr lang="en-US" sz="2400" dirty="0" smtClean="0">
@@ -7061,17 +7062,7 @@
                 <a:latin typeface="Avenir Light"/>
                 <a:cs typeface="Avenir Light"/>
               </a:rPr>
-              <a:t>	</a:t>
-            </a:r>
-            <a:r>
-              <a:rPr lang="en-US" sz="2400" i="1" dirty="0" smtClean="0">
-                <a:solidFill>
-                  <a:srgbClr val="FFFFFF"/>
-                </a:solidFill>
-                <a:latin typeface="Avenir Light"/>
-                <a:cs typeface="Avenir Light"/>
-              </a:rPr>
-              <a:t> 	</a:t>
+              <a:t>	 	</a:t>
             </a:r>
             <a:r>
               <a:rPr lang="en-US" sz="2400" dirty="0" smtClean="0">
@@ -9020,7 +9011,10 @@
             <a:r>
               <a:rPr lang="en-US" sz="2200" dirty="0" err="1" smtClean="0">
                 <a:solidFill>
-                  <a:srgbClr val="FFFFFF"/>
+                  <a:schemeClr val="accent6">
+                    <a:lumMod val="40000"/>
+                    <a:lumOff val="60000"/>
+                  </a:schemeClr>
                 </a:solidFill>
                 <a:latin typeface="Avenir Light"/>
                 <a:cs typeface="Avenir Light"/>
@@ -9030,7 +9024,10 @@
             <a:r>
               <a:rPr lang="en-US" sz="2200" dirty="0" smtClean="0">
                 <a:solidFill>
-                  <a:srgbClr val="FFFFFF"/>
+                  <a:schemeClr val="accent6">
+                    <a:lumMod val="40000"/>
+                    <a:lumOff val="60000"/>
+                  </a:schemeClr>
                 </a:solidFill>
                 <a:latin typeface="Avenir Light"/>
                 <a:cs typeface="Avenir Light"/>
@@ -9195,6 +9192,13 @@
   <p:clrMapOvr>
     <a:masterClrMapping/>
   </p:clrMapOvr>
+  <p:timing>
+    <p:tnLst>
+      <p:par>
+        <p:cTn xmlns:p14="http://schemas.microsoft.com/office/powerpoint/2010/main" id="1" dur="indefinite" restart="never" nodeType="tmRoot"/>
+      </p:par>
+    </p:tnLst>
+  </p:timing>
 </p:sld>
 </file>
 
@@ -9286,17 +9290,7 @@
                 <a:latin typeface="Avenir Light"/>
                 <a:cs typeface="Avenir Light"/>
               </a:rPr>
-              <a:t>O</a:t>
-            </a:r>
-            <a:r>
-              <a:rPr lang="en-US" dirty="0" smtClean="0">
-                <a:solidFill>
-                  <a:srgbClr val="FFFFFF"/>
-                </a:solidFill>
-                <a:latin typeface="Avenir Light"/>
-                <a:cs typeface="Avenir Light"/>
-              </a:rPr>
-              <a:t>(</a:t>
+              <a:t>O(</a:t>
             </a:r>
             <a:r>
               <a:rPr lang="en-US" dirty="0" err="1" smtClean="0">

--- a/presentation.pptx
+++ b/presentation.pptx
@@ -9172,6 +9172,43 @@
               </a:rPr>
               <a:t>div</a:t>
             </a:r>
+          </a:p>
+          <a:p>
+            <a:pPr marL="0" indent="0">
+              <a:buNone/>
+            </a:pPr>
+            <a:endParaRPr lang="en-US" sz="2200" i="1" dirty="0">
+              <a:solidFill>
+                <a:srgbClr val="FFFFFF"/>
+              </a:solidFill>
+              <a:latin typeface="Avenir Light"/>
+              <a:cs typeface="Avenir Light"/>
+            </a:endParaRPr>
+          </a:p>
+          <a:p>
+            <a:pPr marL="0" indent="0">
+              <a:buNone/>
+            </a:pPr>
+            <a:r>
+              <a:rPr lang="en-US" sz="2200" dirty="0" smtClean="0">
+                <a:solidFill>
+                  <a:srgbClr val="FFFFFF"/>
+                </a:solidFill>
+                <a:latin typeface="Avenir Light"/>
+                <a:cs typeface="Avenir Light"/>
+              </a:rPr>
+              <a:t>//</a:t>
+            </a:r>
+            <a:r>
+              <a:rPr lang="en-US" sz="2200" smtClean="0">
+                <a:solidFill>
+                  <a:srgbClr val="FFFFFF"/>
+                </a:solidFill>
+                <a:latin typeface="Avenir Light"/>
+                <a:cs typeface="Avenir Light"/>
+              </a:rPr>
+              <a:t>Finish adding code.</a:t>
+            </a:r>
             <a:endParaRPr lang="en-US" sz="2200" dirty="0">
               <a:solidFill>
                 <a:srgbClr val="FFFFFF"/>

--- a/presentation.pptx
+++ b/presentation.pptx
@@ -296,7 +296,7 @@
           <a:p>
             <a:fld id="{57CFAD20-43C2-CA44-8C28-8CAD34CDE910}" type="datetimeFigureOut">
               <a:rPr lang="en-US" smtClean="0"/>
-              <a:t>5/8/13</a:t>
+              <a:t>5/9/13</a:t>
             </a:fld>
             <a:endParaRPr lang="en-US"/>
           </a:p>
@@ -466,7 +466,7 @@
           <a:p>
             <a:fld id="{57CFAD20-43C2-CA44-8C28-8CAD34CDE910}" type="datetimeFigureOut">
               <a:rPr lang="en-US" smtClean="0"/>
-              <a:t>5/8/13</a:t>
+              <a:t>5/9/13</a:t>
             </a:fld>
             <a:endParaRPr lang="en-US"/>
           </a:p>
@@ -646,7 +646,7 @@
           <a:p>
             <a:fld id="{57CFAD20-43C2-CA44-8C28-8CAD34CDE910}" type="datetimeFigureOut">
               <a:rPr lang="en-US" smtClean="0"/>
-              <a:t>5/8/13</a:t>
+              <a:t>5/9/13</a:t>
             </a:fld>
             <a:endParaRPr lang="en-US"/>
           </a:p>
@@ -816,7 +816,7 @@
           <a:p>
             <a:fld id="{57CFAD20-43C2-CA44-8C28-8CAD34CDE910}" type="datetimeFigureOut">
               <a:rPr lang="en-US" smtClean="0"/>
-              <a:t>5/8/13</a:t>
+              <a:t>5/9/13</a:t>
             </a:fld>
             <a:endParaRPr lang="en-US"/>
           </a:p>
@@ -1062,7 +1062,7 @@
           <a:p>
             <a:fld id="{57CFAD20-43C2-CA44-8C28-8CAD34CDE910}" type="datetimeFigureOut">
               <a:rPr lang="en-US" smtClean="0"/>
-              <a:t>5/8/13</a:t>
+              <a:t>5/9/13</a:t>
             </a:fld>
             <a:endParaRPr lang="en-US"/>
           </a:p>
@@ -1350,7 +1350,7 @@
           <a:p>
             <a:fld id="{57CFAD20-43C2-CA44-8C28-8CAD34CDE910}" type="datetimeFigureOut">
               <a:rPr lang="en-US" smtClean="0"/>
-              <a:t>5/8/13</a:t>
+              <a:t>5/9/13</a:t>
             </a:fld>
             <a:endParaRPr lang="en-US"/>
           </a:p>
@@ -1772,7 +1772,7 @@
           <a:p>
             <a:fld id="{57CFAD20-43C2-CA44-8C28-8CAD34CDE910}" type="datetimeFigureOut">
               <a:rPr lang="en-US" smtClean="0"/>
-              <a:t>5/8/13</a:t>
+              <a:t>5/9/13</a:t>
             </a:fld>
             <a:endParaRPr lang="en-US"/>
           </a:p>
@@ -1890,7 +1890,7 @@
           <a:p>
             <a:fld id="{57CFAD20-43C2-CA44-8C28-8CAD34CDE910}" type="datetimeFigureOut">
               <a:rPr lang="en-US" smtClean="0"/>
-              <a:t>5/8/13</a:t>
+              <a:t>5/9/13</a:t>
             </a:fld>
             <a:endParaRPr lang="en-US"/>
           </a:p>
@@ -1985,7 +1985,7 @@
           <a:p>
             <a:fld id="{57CFAD20-43C2-CA44-8C28-8CAD34CDE910}" type="datetimeFigureOut">
               <a:rPr lang="en-US" smtClean="0"/>
-              <a:t>5/8/13</a:t>
+              <a:t>5/9/13</a:t>
             </a:fld>
             <a:endParaRPr lang="en-US"/>
           </a:p>
@@ -2262,7 +2262,7 @@
           <a:p>
             <a:fld id="{57CFAD20-43C2-CA44-8C28-8CAD34CDE910}" type="datetimeFigureOut">
               <a:rPr lang="en-US" smtClean="0"/>
-              <a:t>5/8/13</a:t>
+              <a:t>5/9/13</a:t>
             </a:fld>
             <a:endParaRPr lang="en-US"/>
           </a:p>
@@ -2515,7 +2515,7 @@
           <a:p>
             <a:fld id="{57CFAD20-43C2-CA44-8C28-8CAD34CDE910}" type="datetimeFigureOut">
               <a:rPr lang="en-US" smtClean="0"/>
-              <a:t>5/8/13</a:t>
+              <a:t>5/9/13</a:t>
             </a:fld>
             <a:endParaRPr lang="en-US"/>
           </a:p>
@@ -2735,7 +2735,7 @@
           <a:p>
             <a:fld id="{57CFAD20-43C2-CA44-8C28-8CAD34CDE910}" type="datetimeFigureOut">
               <a:rPr lang="en-US" smtClean="0"/>
-              <a:t>5/8/13</a:t>
+              <a:t>5/9/13</a:t>
             </a:fld>
             <a:endParaRPr lang="en-US"/>
           </a:p>
@@ -5332,7 +5332,20 @@
                 <a:latin typeface="Avenir Light"/>
                 <a:cs typeface="Avenir Light"/>
               </a:rPr>
-              <a:t> = 1</a:t>
+              <a:t> = </a:t>
+            </a:r>
+            <a:r>
+              <a:rPr lang="en-US" sz="2200" dirty="0" smtClean="0">
+                <a:solidFill>
+                  <a:schemeClr val="accent2">
+                    <a:lumMod val="60000"/>
+                    <a:lumOff val="40000"/>
+                  </a:schemeClr>
+                </a:solidFill>
+                <a:latin typeface="Avenir Light"/>
+                <a:cs typeface="Avenir Light"/>
+              </a:rPr>
+              <a:t>1</a:t>
             </a:r>
           </a:p>
           <a:p>
@@ -5352,12 +5365,25 @@
             <a:r>
               <a:rPr lang="en-US" sz="2200" dirty="0" smtClean="0">
                 <a:solidFill>
-                  <a:srgbClr val="FFFFFF"/>
-                </a:solidFill>
-                <a:latin typeface="Avenir Light"/>
-                <a:cs typeface="Avenir Light"/>
-              </a:rPr>
-              <a:t>declare </a:t>
+                  <a:schemeClr val="accent1">
+                    <a:lumMod val="40000"/>
+                    <a:lumOff val="60000"/>
+                  </a:schemeClr>
+                </a:solidFill>
+                <a:latin typeface="Avenir Light"/>
+                <a:cs typeface="Avenir Light"/>
+              </a:rPr>
+              <a:t>declare</a:t>
+            </a:r>
+            <a:r>
+              <a:rPr lang="en-US" sz="2200" dirty="0" smtClean="0">
+                <a:solidFill>
+                  <a:srgbClr val="FFFFFF"/>
+                </a:solidFill>
+                <a:latin typeface="Avenir Light"/>
+                <a:cs typeface="Avenir Light"/>
+              </a:rPr>
+              <a:t> </a:t>
             </a:r>
             <a:r>
               <a:rPr lang="en-US" sz="2200" dirty="0" err="1" smtClean="0">
@@ -5388,6 +5414,36 @@
                 <a:cs typeface="Avenir Light"/>
               </a:rPr>
               <a:t>dVect</a:t>
+            </a:r>
+            <a:r>
+              <a:rPr lang="en-US" sz="2200" dirty="0" smtClean="0">
+                <a:solidFill>
+                  <a:srgbClr val="FFFFFF"/>
+                </a:solidFill>
+                <a:latin typeface="Avenir Light"/>
+                <a:cs typeface="Avenir Light"/>
+              </a:rPr>
+              <a:t>, </a:t>
+            </a:r>
+            <a:r>
+              <a:rPr lang="en-US" sz="2200" dirty="0" err="1" smtClean="0">
+                <a:solidFill>
+                  <a:srgbClr val="FFFFFF"/>
+                </a:solidFill>
+                <a:latin typeface="Avenir Light"/>
+                <a:cs typeface="Avenir Light"/>
+              </a:rPr>
+              <a:t>sVect</a:t>
+            </a:r>
+            <a:r>
+              <a:rPr lang="en-US" sz="2200" dirty="0" smtClean="0">
+                <a:solidFill>
+                  <a:srgbClr val="FFFFFF"/>
+                </a:solidFill>
+                <a:latin typeface="Avenir Light"/>
+                <a:cs typeface="Avenir Light"/>
+              </a:rPr>
+              <a:t/>
             </a:r>
             <a:endParaRPr lang="en-US" sz="2200" dirty="0" smtClean="0">
               <a:solidFill>
@@ -5414,15 +5470,28 @@
             <a:r>
               <a:rPr lang="en-US" sz="2200" dirty="0" smtClean="0">
                 <a:solidFill>
-                  <a:srgbClr val="FFFFFF"/>
-                </a:solidFill>
-                <a:latin typeface="Avenir Light"/>
-                <a:cs typeface="Avenir Light"/>
-              </a:rPr>
-              <a:t>for </a:t>
-            </a:r>
-            <a:r>
-              <a:rPr lang="en-US" sz="2200" dirty="0" err="1" smtClean="0">
+                  <a:schemeClr val="accent1">
+                    <a:lumMod val="60000"/>
+                    <a:lumOff val="40000"/>
+                  </a:schemeClr>
+                </a:solidFill>
+                <a:latin typeface="Avenir Light"/>
+                <a:cs typeface="Avenir Light"/>
+              </a:rPr>
+              <a:t>for</a:t>
+            </a:r>
+            <a:r>
+              <a:rPr lang="en-US" sz="2200" dirty="0" smtClean="0">
+                <a:solidFill>
+                  <a:srgbClr val="FFFFFF"/>
+                </a:solidFill>
+                <a:latin typeface="Avenir Light"/>
+                <a:cs typeface="Avenir Light"/>
+              </a:rPr>
+              <a:t> </a:t>
+            </a:r>
+            <a:r>
+              <a:rPr lang="en-US" sz="2200" i="1" dirty="0" err="1" smtClean="0">
                 <a:solidFill>
                   <a:srgbClr val="FFFFFF"/>
                 </a:solidFill>
@@ -5469,19 +5538,199 @@
             <a:r>
               <a:rPr lang="en-US" sz="2200" dirty="0" smtClean="0">
                 <a:solidFill>
-                  <a:srgbClr val="FFFFFF"/>
-                </a:solidFill>
-                <a:latin typeface="Avenir Light"/>
-                <a:cs typeface="Avenir Light"/>
-              </a:rPr>
-              <a:t>for j from 1 to size</a:t>
-            </a:r>
+                  <a:schemeClr val="accent1">
+                    <a:lumMod val="60000"/>
+                    <a:lumOff val="40000"/>
+                  </a:schemeClr>
+                </a:solidFill>
+                <a:latin typeface="Avenir Light"/>
+                <a:cs typeface="Avenir Light"/>
+              </a:rPr>
+              <a:t>for</a:t>
+            </a:r>
+            <a:r>
+              <a:rPr lang="en-US" sz="2200" dirty="0" smtClean="0">
+                <a:solidFill>
+                  <a:srgbClr val="FFFFFF"/>
+                </a:solidFill>
+                <a:latin typeface="Avenir Light"/>
+                <a:cs typeface="Avenir Light"/>
+              </a:rPr>
+              <a:t> </a:t>
+            </a:r>
+            <a:r>
+              <a:rPr lang="en-US" sz="2200" i="1" dirty="0" smtClean="0">
+                <a:solidFill>
+                  <a:srgbClr val="FFFFFF"/>
+                </a:solidFill>
+                <a:latin typeface="Avenir Light"/>
+                <a:cs typeface="Avenir Light"/>
+              </a:rPr>
+              <a:t>j</a:t>
+            </a:r>
+            <a:r>
+              <a:rPr lang="en-US" sz="2200" dirty="0" smtClean="0">
+                <a:solidFill>
+                  <a:srgbClr val="FFFFFF"/>
+                </a:solidFill>
+                <a:latin typeface="Avenir Light"/>
+                <a:cs typeface="Avenir Light"/>
+              </a:rPr>
+              <a:t> from</a:t>
+            </a:r>
+            <a:r>
+              <a:rPr lang="en-US" sz="2200" dirty="0" smtClean="0">
+                <a:solidFill>
+                  <a:schemeClr val="accent2">
+                    <a:lumMod val="60000"/>
+                    <a:lumOff val="40000"/>
+                  </a:schemeClr>
+                </a:solidFill>
+                <a:latin typeface="Avenir Light"/>
+                <a:cs typeface="Avenir Light"/>
+              </a:rPr>
+              <a:t> 1 </a:t>
+            </a:r>
+            <a:r>
+              <a:rPr lang="en-US" sz="2200" dirty="0" smtClean="0">
+                <a:solidFill>
+                  <a:srgbClr val="FFFFFF"/>
+                </a:solidFill>
+                <a:latin typeface="Avenir Light"/>
+                <a:cs typeface="Avenir Light"/>
+              </a:rPr>
+              <a:t>to </a:t>
+            </a:r>
+            <a:r>
+              <a:rPr lang="en-US" sz="2200" dirty="0" smtClean="0">
+                <a:solidFill>
+                  <a:srgbClr val="FFFFFF"/>
+                </a:solidFill>
+                <a:latin typeface="Avenir Light"/>
+                <a:cs typeface="Avenir Light"/>
+              </a:rPr>
+              <a:t>size	 	 	 	 	 	 	 </a:t>
+            </a:r>
+            <a:endParaRPr lang="en-US" sz="2200" dirty="0" smtClean="0">
+              <a:solidFill>
+                <a:schemeClr val="bg1">
+                  <a:lumMod val="85000"/>
+                </a:schemeClr>
+              </a:solidFill>
+              <a:latin typeface="Avenir Light"/>
+              <a:cs typeface="Avenir Light"/>
+            </a:endParaRPr>
           </a:p>
           <a:p>
             <a:pPr marL="0" indent="0">
               <a:buNone/>
             </a:pPr>
             <a:r>
+              <a:rPr lang="en-US" sz="2200" i="1" dirty="0" smtClean="0">
+                <a:solidFill>
+                  <a:srgbClr val="FFFFFF"/>
+                </a:solidFill>
+                <a:latin typeface="Avenir Light"/>
+                <a:cs typeface="Avenir Light"/>
+              </a:rPr>
+              <a:t>		 	 	</a:t>
+            </a:r>
+            <a:r>
+              <a:rPr lang="en-US" sz="2200" dirty="0" err="1" smtClean="0">
+                <a:solidFill>
+                  <a:srgbClr val="FFFFFF"/>
+                </a:solidFill>
+                <a:latin typeface="Avenir Light"/>
+                <a:cs typeface="Avenir Light"/>
+              </a:rPr>
+              <a:t>dVect</a:t>
+            </a:r>
+            <a:r>
+              <a:rPr lang="en-US" sz="2200" dirty="0" smtClean="0">
+                <a:solidFill>
+                  <a:srgbClr val="FFFFFF"/>
+                </a:solidFill>
+                <a:latin typeface="Avenir Light"/>
+                <a:cs typeface="Avenir Light"/>
+              </a:rPr>
+              <a:t>[ </a:t>
+            </a:r>
+            <a:r>
+              <a:rPr lang="en-US" sz="2200" i="1" dirty="0" smtClean="0">
+                <a:solidFill>
+                  <a:srgbClr val="FFFFFF"/>
+                </a:solidFill>
+                <a:latin typeface="Avenir Light"/>
+                <a:cs typeface="Avenir Light"/>
+              </a:rPr>
+              <a:t>j</a:t>
+            </a:r>
+            <a:r>
+              <a:rPr lang="en-US" sz="2200" dirty="0" smtClean="0">
+                <a:solidFill>
+                  <a:srgbClr val="FFFFFF"/>
+                </a:solidFill>
+                <a:latin typeface="Avenir Light"/>
+                <a:cs typeface="Avenir Light"/>
+              </a:rPr>
+              <a:t> ] = </a:t>
+            </a:r>
+            <a:r>
+              <a:rPr lang="en-US" sz="2200" dirty="0" err="1" smtClean="0">
+                <a:solidFill>
+                  <a:srgbClr val="FFFFFF"/>
+                </a:solidFill>
+                <a:latin typeface="Avenir Light"/>
+                <a:cs typeface="Avenir Light"/>
+              </a:rPr>
+              <a:t>vect</a:t>
+            </a:r>
+            <a:r>
+              <a:rPr lang="en-US" sz="2200" dirty="0" smtClean="0">
+                <a:solidFill>
+                  <a:srgbClr val="FFFFFF"/>
+                </a:solidFill>
+                <a:latin typeface="Avenir Light"/>
+                <a:cs typeface="Avenir Light"/>
+              </a:rPr>
+              <a:t>[ </a:t>
+            </a:r>
+            <a:r>
+              <a:rPr lang="en-US" sz="2200" i="1" dirty="0" smtClean="0">
+                <a:solidFill>
+                  <a:srgbClr val="FFFFFF"/>
+                </a:solidFill>
+                <a:latin typeface="Avenir Light"/>
+                <a:cs typeface="Avenir Light"/>
+              </a:rPr>
+              <a:t>j</a:t>
+            </a:r>
+            <a:r>
+              <a:rPr lang="en-US" sz="2200" dirty="0" smtClean="0">
+                <a:solidFill>
+                  <a:srgbClr val="FFFFFF"/>
+                </a:solidFill>
+                <a:latin typeface="Avenir Light"/>
+                <a:cs typeface="Avenir Light"/>
+              </a:rPr>
+              <a:t> ]/</a:t>
+            </a:r>
+            <a:r>
+              <a:rPr lang="en-US" sz="2200" i="1" dirty="0" smtClean="0">
+                <a:solidFill>
+                  <a:srgbClr val="FFFFFF"/>
+                </a:solidFill>
+                <a:latin typeface="Avenir Light"/>
+                <a:cs typeface="Avenir Light"/>
+              </a:rPr>
+              <a:t>div</a:t>
+            </a:r>
+          </a:p>
+          <a:p>
+            <a:pPr marL="0" indent="0">
+              <a:buNone/>
+            </a:pPr>
+            <a:r>
               <a:rPr lang="en-US" sz="2200" i="1" dirty="0">
                 <a:solidFill>
                   <a:srgbClr val="FFFFFF"/>
@@ -5489,7 +5738,7 @@
                 <a:latin typeface="Avenir Light"/>
                 <a:cs typeface="Avenir Light"/>
               </a:rPr>
-              <a:t>		</a:t>
+              <a:t>	</a:t>
             </a:r>
             <a:r>
               <a:rPr lang="en-US" sz="2200" i="1" dirty="0" smtClean="0">
@@ -5499,49 +5748,79 @@
                 <a:latin typeface="Avenir Light"/>
                 <a:cs typeface="Avenir Light"/>
               </a:rPr>
-              <a:t> 	 	</a:t>
-            </a:r>
-            <a:r>
-              <a:rPr lang="en-US" sz="2200" dirty="0" err="1" smtClean="0">
-                <a:solidFill>
-                  <a:srgbClr val="FFFFFF"/>
-                </a:solidFill>
-                <a:latin typeface="Avenir Light"/>
-                <a:cs typeface="Avenir Light"/>
-              </a:rPr>
-              <a:t>dVect</a:t>
-            </a:r>
-            <a:r>
-              <a:rPr lang="en-US" sz="2200" dirty="0" smtClean="0">
-                <a:solidFill>
-                  <a:srgbClr val="FFFFFF"/>
-                </a:solidFill>
-                <a:latin typeface="Avenir Light"/>
-                <a:cs typeface="Avenir Light"/>
-              </a:rPr>
-              <a:t>[ j ] = </a:t>
-            </a:r>
-            <a:r>
-              <a:rPr lang="en-US" sz="2200" dirty="0" err="1" smtClean="0">
-                <a:solidFill>
-                  <a:srgbClr val="FFFFFF"/>
-                </a:solidFill>
-                <a:latin typeface="Avenir Light"/>
-                <a:cs typeface="Avenir Light"/>
-              </a:rPr>
-              <a:t>vect</a:t>
-            </a:r>
-            <a:r>
-              <a:rPr lang="en-US" sz="2200" dirty="0" smtClean="0">
-                <a:solidFill>
-                  <a:srgbClr val="FFFFFF"/>
-                </a:solidFill>
-                <a:latin typeface="Avenir Light"/>
-                <a:cs typeface="Avenir Light"/>
-              </a:rPr>
-              <a:t>[ j ]/div</a:t>
-            </a:r>
-            <a:endParaRPr lang="en-US" sz="2200" i="1" dirty="0">
+              <a:t> 	</a:t>
+            </a:r>
+            <a:r>
+              <a:rPr lang="en-US" sz="2200" dirty="0" smtClean="0">
+                <a:solidFill>
+                  <a:srgbClr val="95B3D7"/>
+                </a:solidFill>
+                <a:latin typeface="Avenir Light"/>
+                <a:cs typeface="Avenir Light"/>
+              </a:rPr>
+              <a:t>for</a:t>
+            </a:r>
+            <a:r>
+              <a:rPr lang="en-US" sz="2200" dirty="0" smtClean="0">
+                <a:solidFill>
+                  <a:srgbClr val="FFFFFF"/>
+                </a:solidFill>
+                <a:latin typeface="Avenir Light"/>
+                <a:cs typeface="Avenir Light"/>
+              </a:rPr>
+              <a:t> </a:t>
+            </a:r>
+            <a:r>
+              <a:rPr lang="en-US" sz="2200" i="1" dirty="0" smtClean="0">
+                <a:solidFill>
+                  <a:srgbClr val="FFFFFF"/>
+                </a:solidFill>
+                <a:latin typeface="Avenir Light"/>
+                <a:cs typeface="Avenir Light"/>
+              </a:rPr>
+              <a:t>j</a:t>
+            </a:r>
+            <a:r>
+              <a:rPr lang="en-US" sz="2200" dirty="0" smtClean="0">
+                <a:solidFill>
+                  <a:srgbClr val="FFFFFF"/>
+                </a:solidFill>
+                <a:latin typeface="Avenir Light"/>
+                <a:cs typeface="Avenir Light"/>
+              </a:rPr>
+              <a:t> from </a:t>
+            </a:r>
+            <a:r>
+              <a:rPr lang="en-US" sz="2200" dirty="0" smtClean="0">
+                <a:solidFill>
+                  <a:srgbClr val="D99694"/>
+                </a:solidFill>
+                <a:latin typeface="Avenir Light"/>
+                <a:cs typeface="Avenir Light"/>
+              </a:rPr>
+              <a:t>1</a:t>
+            </a:r>
+            <a:r>
+              <a:rPr lang="en-US" sz="2200" dirty="0" smtClean="0">
+                <a:solidFill>
+                  <a:srgbClr val="FFFFFF"/>
+                </a:solidFill>
+                <a:latin typeface="Avenir Light"/>
+                <a:cs typeface="Avenir Light"/>
+              </a:rPr>
+              <a:t> to </a:t>
+            </a:r>
+            <a:r>
+              <a:rPr lang="en-US" sz="2200" i="1" dirty="0" smtClean="0">
+                <a:solidFill>
+                  <a:srgbClr val="FFFFFF"/>
+                </a:solidFill>
+                <a:latin typeface="Avenir Light"/>
+                <a:cs typeface="Avenir Light"/>
+              </a:rPr>
+              <a:t>size					 	 	 	 	 	 	 	//Counting Sort</a:t>
+            </a:r>
+            <a:endParaRPr lang="en-US" sz="2200" i="1" dirty="0" smtClean="0">
               <a:solidFill>
                 <a:srgbClr val="FFFFFF"/>
               </a:solidFill>
@@ -5554,7 +5833,7 @@
               <a:buNone/>
             </a:pPr>
             <a:r>
-              <a:rPr lang="en-US" sz="2200" i="1" dirty="0">
+              <a:rPr lang="en-US" sz="2200" dirty="0">
                 <a:solidFill>
                   <a:srgbClr val="FFFFFF"/>
                 </a:solidFill>
@@ -5564,6 +5843,56 @@
               <a:t>	</a:t>
             </a:r>
             <a:r>
+              <a:rPr lang="en-US" sz="2200" dirty="0" smtClean="0">
+                <a:solidFill>
+                  <a:srgbClr val="FFFFFF"/>
+                </a:solidFill>
+                <a:latin typeface="Avenir Light"/>
+                <a:cs typeface="Avenir Light"/>
+              </a:rPr>
+              <a:t> 	 	</a:t>
+            </a:r>
+            <a:r>
+              <a:rPr lang="en-US" sz="2200" dirty="0" err="1" smtClean="0">
+                <a:solidFill>
+                  <a:srgbClr val="FFFFFF"/>
+                </a:solidFill>
+                <a:latin typeface="Avenir Light"/>
+                <a:cs typeface="Avenir Light"/>
+              </a:rPr>
+              <a:t>oVect</a:t>
+            </a:r>
+            <a:r>
+              <a:rPr lang="en-US" sz="2200" dirty="0" smtClean="0">
+                <a:solidFill>
+                  <a:srgbClr val="FFFFFF"/>
+                </a:solidFill>
+                <a:latin typeface="Avenir Light"/>
+                <a:cs typeface="Avenir Light"/>
+              </a:rPr>
+              <a:t>[ </a:t>
+            </a:r>
+            <a:r>
+              <a:rPr lang="en-US" sz="2200" dirty="0" err="1" smtClean="0">
+                <a:solidFill>
+                  <a:srgbClr val="FFFFFF"/>
+                </a:solidFill>
+                <a:latin typeface="Avenir Light"/>
+                <a:cs typeface="Avenir Light"/>
+              </a:rPr>
+              <a:t>dVect</a:t>
+            </a:r>
+            <a:r>
+              <a:rPr lang="en-US" sz="2200" dirty="0" smtClean="0">
+                <a:solidFill>
+                  <a:srgbClr val="FFFFFF"/>
+                </a:solidFill>
+                <a:latin typeface="Avenir Light"/>
+                <a:cs typeface="Avenir Light"/>
+              </a:rPr>
+              <a:t>[ </a:t>
+            </a:r>
+            <a:r>
               <a:rPr lang="en-US" sz="2200" i="1" dirty="0" smtClean="0">
                 <a:solidFill>
                   <a:srgbClr val="FFFFFF"/>
@@ -5571,17 +5900,87 @@
                 <a:latin typeface="Avenir Light"/>
                 <a:cs typeface="Avenir Light"/>
               </a:rPr>
-              <a:t> 	 </a:t>
-            </a:r>
-            <a:r>
-              <a:rPr lang="en-US" sz="2200" dirty="0" smtClean="0">
-                <a:solidFill>
-                  <a:srgbClr val="FFFFFF"/>
-                </a:solidFill>
-                <a:latin typeface="Avenir Light"/>
-                <a:cs typeface="Avenir Light"/>
-              </a:rPr>
-              <a:t>for j from 1 to size</a:t>
+              <a:t>j</a:t>
+            </a:r>
+            <a:r>
+              <a:rPr lang="en-US" sz="2200" dirty="0" smtClean="0">
+                <a:solidFill>
+                  <a:srgbClr val="FFFFFF"/>
+                </a:solidFill>
+                <a:latin typeface="Avenir Light"/>
+                <a:cs typeface="Avenir Light"/>
+              </a:rPr>
+              <a:t> ] ] = </a:t>
+            </a:r>
+            <a:r>
+              <a:rPr lang="en-US" sz="2200" dirty="0" err="1" smtClean="0">
+                <a:solidFill>
+                  <a:srgbClr val="FFFFFF"/>
+                </a:solidFill>
+                <a:latin typeface="Avenir Light"/>
+                <a:cs typeface="Avenir Light"/>
+              </a:rPr>
+              <a:t>oVect</a:t>
+            </a:r>
+            <a:r>
+              <a:rPr lang="en-US" sz="2200" dirty="0" smtClean="0">
+                <a:solidFill>
+                  <a:srgbClr val="FFFFFF"/>
+                </a:solidFill>
+                <a:latin typeface="Avenir Light"/>
+                <a:cs typeface="Avenir Light"/>
+              </a:rPr>
+              <a:t>[ </a:t>
+            </a:r>
+            <a:r>
+              <a:rPr lang="en-US" sz="2200" dirty="0" err="1" smtClean="0">
+                <a:solidFill>
+                  <a:srgbClr val="FFFFFF"/>
+                </a:solidFill>
+                <a:latin typeface="Avenir Light"/>
+                <a:cs typeface="Avenir Light"/>
+              </a:rPr>
+              <a:t>dVect</a:t>
+            </a:r>
+            <a:r>
+              <a:rPr lang="en-US" sz="2200" dirty="0" smtClean="0">
+                <a:solidFill>
+                  <a:srgbClr val="FFFFFF"/>
+                </a:solidFill>
+                <a:latin typeface="Avenir Light"/>
+                <a:cs typeface="Avenir Light"/>
+              </a:rPr>
+              <a:t>[ </a:t>
+            </a:r>
+            <a:r>
+              <a:rPr lang="en-US" sz="2200" i="1" dirty="0" smtClean="0">
+                <a:solidFill>
+                  <a:srgbClr val="FFFFFF"/>
+                </a:solidFill>
+                <a:latin typeface="Avenir Light"/>
+                <a:cs typeface="Avenir Light"/>
+              </a:rPr>
+              <a:t>j</a:t>
+            </a:r>
+            <a:r>
+              <a:rPr lang="en-US" sz="2200" dirty="0" smtClean="0">
+                <a:solidFill>
+                  <a:srgbClr val="FFFFFF"/>
+                </a:solidFill>
+                <a:latin typeface="Avenir Light"/>
+                <a:cs typeface="Avenir Light"/>
+              </a:rPr>
+              <a:t> ] ] + </a:t>
+            </a:r>
+            <a:r>
+              <a:rPr lang="en-US" sz="2200" dirty="0" smtClean="0">
+                <a:solidFill>
+                  <a:srgbClr val="D99694"/>
+                </a:solidFill>
+                <a:latin typeface="Avenir Light"/>
+                <a:cs typeface="Avenir Light"/>
+              </a:rPr>
+              <a:t>1</a:t>
             </a:r>
           </a:p>
           <a:p>
@@ -5606,87 +6005,77 @@
                 <a:latin typeface="Avenir Light"/>
                 <a:cs typeface="Avenir Light"/>
               </a:rPr>
-              <a:t> 	 	</a:t>
-            </a:r>
-            <a:r>
-              <a:rPr lang="en-US" sz="2200" dirty="0" err="1" smtClean="0">
-                <a:solidFill>
-                  <a:srgbClr val="FFFFFF"/>
-                </a:solidFill>
-                <a:latin typeface="Avenir Light"/>
-                <a:cs typeface="Avenir Light"/>
-              </a:rPr>
-              <a:t>oVect</a:t>
-            </a:r>
-            <a:r>
-              <a:rPr lang="en-US" sz="2200" dirty="0" smtClean="0">
-                <a:solidFill>
-                  <a:srgbClr val="FFFFFF"/>
-                </a:solidFill>
-                <a:latin typeface="Avenir Light"/>
-                <a:cs typeface="Avenir Light"/>
-              </a:rPr>
-              <a:t>[ </a:t>
-            </a:r>
-            <a:r>
-              <a:rPr lang="en-US" sz="2200" dirty="0" err="1" smtClean="0">
-                <a:solidFill>
-                  <a:srgbClr val="FFFFFF"/>
-                </a:solidFill>
-                <a:latin typeface="Avenir Light"/>
-                <a:cs typeface="Avenir Light"/>
-              </a:rPr>
-              <a:t>dVect</a:t>
-            </a:r>
-            <a:r>
-              <a:rPr lang="en-US" sz="2200" dirty="0" smtClean="0">
-                <a:solidFill>
-                  <a:srgbClr val="FFFFFF"/>
-                </a:solidFill>
-                <a:latin typeface="Avenir Light"/>
-                <a:cs typeface="Avenir Light"/>
-              </a:rPr>
-              <a:t>[ j ] ] = </a:t>
-            </a:r>
-            <a:r>
-              <a:rPr lang="en-US" sz="2200" dirty="0" err="1" smtClean="0">
-                <a:solidFill>
-                  <a:srgbClr val="FFFFFF"/>
-                </a:solidFill>
-                <a:latin typeface="Avenir Light"/>
-                <a:cs typeface="Avenir Light"/>
-              </a:rPr>
-              <a:t>oVect</a:t>
-            </a:r>
-            <a:r>
-              <a:rPr lang="en-US" sz="2200" dirty="0" smtClean="0">
-                <a:solidFill>
-                  <a:srgbClr val="FFFFFF"/>
-                </a:solidFill>
-                <a:latin typeface="Avenir Light"/>
-                <a:cs typeface="Avenir Light"/>
-              </a:rPr>
-              <a:t>[ </a:t>
-            </a:r>
-            <a:r>
-              <a:rPr lang="en-US" sz="2200" dirty="0" err="1" smtClean="0">
-                <a:solidFill>
-                  <a:srgbClr val="FFFFFF"/>
-                </a:solidFill>
-                <a:latin typeface="Avenir Light"/>
-                <a:cs typeface="Avenir Light"/>
-              </a:rPr>
-              <a:t>dVect</a:t>
-            </a:r>
-            <a:r>
-              <a:rPr lang="en-US" sz="2200" dirty="0" smtClean="0">
-                <a:solidFill>
-                  <a:srgbClr val="FFFFFF"/>
-                </a:solidFill>
-                <a:latin typeface="Avenir Light"/>
-                <a:cs typeface="Avenir Light"/>
-              </a:rPr>
-              <a:t>[ j ] ] + 1</a:t>
+              <a:t> 	</a:t>
+            </a:r>
+            <a:r>
+              <a:rPr lang="en-US" sz="2200" dirty="0" smtClean="0">
+                <a:solidFill>
+                  <a:srgbClr val="95B3D7"/>
+                </a:solidFill>
+                <a:latin typeface="Avenir Light"/>
+                <a:cs typeface="Avenir Light"/>
+              </a:rPr>
+              <a:t>for</a:t>
+            </a:r>
+            <a:r>
+              <a:rPr lang="en-US" sz="2200" dirty="0" smtClean="0">
+                <a:solidFill>
+                  <a:srgbClr val="FFFFFF"/>
+                </a:solidFill>
+                <a:latin typeface="Avenir Light"/>
+                <a:cs typeface="Avenir Light"/>
+              </a:rPr>
+              <a:t> </a:t>
+            </a:r>
+            <a:r>
+              <a:rPr lang="en-US" sz="2200" i="1" dirty="0" smtClean="0">
+                <a:solidFill>
+                  <a:srgbClr val="FFFFFF"/>
+                </a:solidFill>
+                <a:latin typeface="Avenir Light"/>
+                <a:cs typeface="Avenir Light"/>
+              </a:rPr>
+              <a:t>j</a:t>
+            </a:r>
+            <a:r>
+              <a:rPr lang="en-US" sz="2200" dirty="0" smtClean="0">
+                <a:solidFill>
+                  <a:srgbClr val="FFFFFF"/>
+                </a:solidFill>
+                <a:latin typeface="Avenir Light"/>
+                <a:cs typeface="Avenir Light"/>
+              </a:rPr>
+              <a:t> from </a:t>
+            </a:r>
+            <a:r>
+              <a:rPr lang="en-US" sz="2200" dirty="0" smtClean="0">
+                <a:solidFill>
+                  <a:srgbClr val="D99694"/>
+                </a:solidFill>
+                <a:latin typeface="Avenir Light"/>
+                <a:cs typeface="Avenir Light"/>
+              </a:rPr>
+              <a:t>1</a:t>
+            </a:r>
+            <a:r>
+              <a:rPr lang="en-US" sz="2200" dirty="0" smtClean="0">
+                <a:solidFill>
+                  <a:srgbClr val="FFFFFF"/>
+                </a:solidFill>
+                <a:latin typeface="Avenir Light"/>
+                <a:cs typeface="Avenir Light"/>
+              </a:rPr>
+              <a:t> to </a:t>
+            </a:r>
+            <a:r>
+              <a:rPr lang="en-US" sz="2200" i="1" dirty="0" smtClean="0">
+                <a:solidFill>
+                  <a:srgbClr val="FFFFFF"/>
+                </a:solidFill>
+                <a:latin typeface="Avenir Light"/>
+                <a:cs typeface="Avenir Light"/>
+              </a:rPr>
+              <a:t>k</a:t>
             </a:r>
           </a:p>
           <a:p>
@@ -5711,7 +6100,147 @@
                 <a:latin typeface="Avenir Light"/>
                 <a:cs typeface="Avenir Light"/>
               </a:rPr>
-              <a:t> 	 for j from 1 to k</a:t>
+              <a:t> 	 	</a:t>
+            </a:r>
+            <a:r>
+              <a:rPr lang="en-US" sz="2200" dirty="0" err="1" smtClean="0">
+                <a:solidFill>
+                  <a:srgbClr val="FFFFFF"/>
+                </a:solidFill>
+                <a:latin typeface="Avenir Light"/>
+                <a:cs typeface="Avenir Light"/>
+              </a:rPr>
+              <a:t>oVect</a:t>
+            </a:r>
+            <a:r>
+              <a:rPr lang="en-US" sz="2200" dirty="0" smtClean="0">
+                <a:solidFill>
+                  <a:srgbClr val="FFFFFF"/>
+                </a:solidFill>
+                <a:latin typeface="Avenir Light"/>
+                <a:cs typeface="Avenir Light"/>
+              </a:rPr>
+              <a:t>[ </a:t>
+            </a:r>
+            <a:r>
+              <a:rPr lang="en-US" sz="2200" i="1" dirty="0" smtClean="0">
+                <a:solidFill>
+                  <a:srgbClr val="FFFFFF"/>
+                </a:solidFill>
+                <a:latin typeface="Avenir Light"/>
+                <a:cs typeface="Avenir Light"/>
+              </a:rPr>
+              <a:t>j</a:t>
+            </a:r>
+            <a:r>
+              <a:rPr lang="en-US" sz="2200" dirty="0" smtClean="0">
+                <a:solidFill>
+                  <a:srgbClr val="FFFFFF"/>
+                </a:solidFill>
+                <a:latin typeface="Avenir Light"/>
+                <a:cs typeface="Avenir Light"/>
+              </a:rPr>
+              <a:t> ] = </a:t>
+            </a:r>
+            <a:r>
+              <a:rPr lang="en-US" sz="2200" dirty="0" err="1" smtClean="0">
+                <a:solidFill>
+                  <a:srgbClr val="FFFFFF"/>
+                </a:solidFill>
+                <a:latin typeface="Avenir Light"/>
+                <a:cs typeface="Avenir Light"/>
+              </a:rPr>
+              <a:t>oVect</a:t>
+            </a:r>
+            <a:r>
+              <a:rPr lang="en-US" sz="2200" dirty="0" smtClean="0">
+                <a:solidFill>
+                  <a:srgbClr val="FFFFFF"/>
+                </a:solidFill>
+                <a:latin typeface="Avenir Light"/>
+                <a:cs typeface="Avenir Light"/>
+              </a:rPr>
+              <a:t> [ </a:t>
+            </a:r>
+            <a:r>
+              <a:rPr lang="en-US" sz="2200" i="1" dirty="0" smtClean="0">
+                <a:solidFill>
+                  <a:srgbClr val="FFFFFF"/>
+                </a:solidFill>
+                <a:latin typeface="Avenir Light"/>
+                <a:cs typeface="Avenir Light"/>
+              </a:rPr>
+              <a:t>j</a:t>
+            </a:r>
+            <a:r>
+              <a:rPr lang="en-US" sz="2200" dirty="0" smtClean="0">
+                <a:solidFill>
+                  <a:srgbClr val="FFFFFF"/>
+                </a:solidFill>
+                <a:latin typeface="Avenir Light"/>
+                <a:cs typeface="Avenir Light"/>
+              </a:rPr>
+              <a:t> ] + </a:t>
+            </a:r>
+            <a:r>
+              <a:rPr lang="en-US" sz="2200" dirty="0" err="1" smtClean="0">
+                <a:solidFill>
+                  <a:srgbClr val="FFFFFF"/>
+                </a:solidFill>
+                <a:latin typeface="Avenir Light"/>
+                <a:cs typeface="Avenir Light"/>
+              </a:rPr>
+              <a:t>oVect</a:t>
+            </a:r>
+            <a:r>
+              <a:rPr lang="en-US" sz="2200" dirty="0" smtClean="0">
+                <a:solidFill>
+                  <a:srgbClr val="FFFFFF"/>
+                </a:solidFill>
+                <a:latin typeface="Avenir Light"/>
+                <a:cs typeface="Avenir Light"/>
+              </a:rPr>
+              <a:t>[ </a:t>
+            </a:r>
+            <a:r>
+              <a:rPr lang="en-US" sz="2200" i="1" dirty="0" smtClean="0">
+                <a:solidFill>
+                  <a:srgbClr val="FFFFFF"/>
+                </a:solidFill>
+                <a:latin typeface="Avenir Light"/>
+                <a:cs typeface="Avenir Light"/>
+              </a:rPr>
+              <a:t>j</a:t>
+            </a:r>
+            <a:r>
+              <a:rPr lang="en-US" sz="2200" dirty="0" smtClean="0">
+                <a:solidFill>
+                  <a:srgbClr val="FFFFFF"/>
+                </a:solidFill>
+                <a:latin typeface="Avenir Light"/>
+                <a:cs typeface="Avenir Light"/>
+              </a:rPr>
+              <a:t>-</a:t>
+            </a:r>
+            <a:r>
+              <a:rPr lang="en-US" sz="2200" dirty="0" smtClean="0">
+                <a:solidFill>
+                  <a:srgbClr val="D99694"/>
+                </a:solidFill>
+                <a:latin typeface="Avenir Light"/>
+                <a:cs typeface="Avenir Light"/>
+              </a:rPr>
+              <a:t>1</a:t>
+            </a:r>
+            <a:r>
+              <a:rPr lang="en-US" sz="2200" dirty="0" smtClean="0">
+                <a:solidFill>
+                  <a:srgbClr val="FFFFFF"/>
+                </a:solidFill>
+                <a:latin typeface="Avenir Light"/>
+                <a:cs typeface="Avenir Light"/>
+              </a:rPr>
+              <a:t> ]</a:t>
             </a:r>
           </a:p>
           <a:p>
@@ -5726,77 +6255,87 @@
                 <a:latin typeface="Avenir Light"/>
                 <a:cs typeface="Avenir Light"/>
               </a:rPr>
+              <a:t>	 </a:t>
+            </a:r>
+            <a:r>
+              <a:rPr lang="en-US" sz="2200" dirty="0" smtClean="0">
+                <a:solidFill>
+                  <a:srgbClr val="FFFFFF"/>
+                </a:solidFill>
+                <a:latin typeface="Avenir Light"/>
+                <a:cs typeface="Avenir Light"/>
+              </a:rPr>
               <a:t>	</a:t>
             </a:r>
             <a:r>
               <a:rPr lang="en-US" sz="2200" dirty="0" smtClean="0">
                 <a:solidFill>
-                  <a:srgbClr val="FFFFFF"/>
-                </a:solidFill>
-                <a:latin typeface="Avenir Light"/>
-                <a:cs typeface="Avenir Light"/>
-              </a:rPr>
-              <a:t> 	 	</a:t>
-            </a:r>
-            <a:r>
-              <a:rPr lang="en-US" sz="2200" dirty="0" err="1" smtClean="0">
-                <a:solidFill>
-                  <a:srgbClr val="FFFFFF"/>
-                </a:solidFill>
-                <a:latin typeface="Avenir Light"/>
-                <a:cs typeface="Avenir Light"/>
-              </a:rPr>
-              <a:t>oVect</a:t>
-            </a:r>
-            <a:r>
-              <a:rPr lang="en-US" sz="2200" dirty="0" smtClean="0">
-                <a:solidFill>
-                  <a:srgbClr val="FFFFFF"/>
-                </a:solidFill>
-                <a:latin typeface="Avenir Light"/>
-                <a:cs typeface="Avenir Light"/>
-              </a:rPr>
-              <a:t>[ j ] = </a:t>
-            </a:r>
-            <a:r>
-              <a:rPr lang="en-US" sz="2200" dirty="0" err="1" smtClean="0">
-                <a:solidFill>
-                  <a:srgbClr val="FFFFFF"/>
-                </a:solidFill>
-                <a:latin typeface="Avenir Light"/>
-                <a:cs typeface="Avenir Light"/>
-              </a:rPr>
-              <a:t>oVect</a:t>
-            </a:r>
-            <a:r>
-              <a:rPr lang="en-US" sz="2200" dirty="0" smtClean="0">
-                <a:solidFill>
-                  <a:srgbClr val="FFFFFF"/>
-                </a:solidFill>
-                <a:latin typeface="Avenir Light"/>
-                <a:cs typeface="Avenir Light"/>
-              </a:rPr>
-              <a:t> [ j ] + </a:t>
-            </a:r>
-            <a:r>
-              <a:rPr lang="en-US" sz="2200" dirty="0" err="1" smtClean="0">
-                <a:solidFill>
-                  <a:srgbClr val="FFFFFF"/>
-                </a:solidFill>
-                <a:latin typeface="Avenir Light"/>
-                <a:cs typeface="Avenir Light"/>
-              </a:rPr>
-              <a:t>oVect</a:t>
-            </a:r>
-            <a:r>
-              <a:rPr lang="en-US" sz="2200" dirty="0" smtClean="0">
-                <a:solidFill>
-                  <a:srgbClr val="FFFFFF"/>
-                </a:solidFill>
-                <a:latin typeface="Avenir Light"/>
-                <a:cs typeface="Avenir Light"/>
-              </a:rPr>
-              <a:t>[ j-1 ]</a:t>
+                  <a:srgbClr val="95B3D7"/>
+                </a:solidFill>
+                <a:latin typeface="Avenir Light"/>
+                <a:cs typeface="Avenir Light"/>
+              </a:rPr>
+              <a:t>for</a:t>
+            </a:r>
+            <a:r>
+              <a:rPr lang="en-US" sz="2200" dirty="0" smtClean="0">
+                <a:solidFill>
+                  <a:srgbClr val="FFFFFF"/>
+                </a:solidFill>
+                <a:latin typeface="Avenir Light"/>
+                <a:cs typeface="Avenir Light"/>
+              </a:rPr>
+              <a:t> </a:t>
+            </a:r>
+            <a:r>
+              <a:rPr lang="en-US" sz="2200" i="1" dirty="0" smtClean="0">
+                <a:solidFill>
+                  <a:srgbClr val="FFFFFF"/>
+                </a:solidFill>
+                <a:latin typeface="Avenir Light"/>
+                <a:cs typeface="Avenir Light"/>
+              </a:rPr>
+              <a:t>j </a:t>
+            </a:r>
+            <a:r>
+              <a:rPr lang="en-US" sz="2200" dirty="0" smtClean="0">
+                <a:solidFill>
+                  <a:srgbClr val="FFFFFF"/>
+                </a:solidFill>
+                <a:latin typeface="Avenir Light"/>
+                <a:cs typeface="Avenir Light"/>
+              </a:rPr>
+              <a:t>from </a:t>
+            </a:r>
+            <a:r>
+              <a:rPr lang="en-US" sz="2200" i="1" dirty="0" smtClean="0">
+                <a:solidFill>
+                  <a:srgbClr val="FFFFFF"/>
+                </a:solidFill>
+                <a:latin typeface="Avenir Light"/>
+                <a:cs typeface="Avenir Light"/>
+              </a:rPr>
+              <a:t>size</a:t>
+            </a:r>
+            <a:r>
+              <a:rPr lang="en-US" sz="2200" dirty="0" smtClean="0">
+                <a:solidFill>
+                  <a:srgbClr val="FFFFFF"/>
+                </a:solidFill>
+                <a:latin typeface="Avenir Light"/>
+                <a:cs typeface="Avenir Light"/>
+              </a:rPr>
+              <a:t> down to </a:t>
+            </a:r>
+            <a:r>
+              <a:rPr lang="en-US" sz="2200" dirty="0" smtClean="0">
+                <a:solidFill>
+                  <a:srgbClr val="D99694"/>
+                </a:solidFill>
+                <a:latin typeface="Avenir Light"/>
+                <a:cs typeface="Avenir Light"/>
+              </a:rPr>
+              <a:t>1</a:t>
             </a:r>
           </a:p>
           <a:p>
@@ -5811,17 +6350,137 @@
                 <a:latin typeface="Avenir Light"/>
                 <a:cs typeface="Avenir Light"/>
               </a:rPr>
-              <a:t>	 </a:t>
-            </a:r>
-            <a:r>
-              <a:rPr lang="en-US" sz="2200" dirty="0" smtClean="0">
-                <a:solidFill>
-                  <a:srgbClr val="FFFFFF"/>
-                </a:solidFill>
-                <a:latin typeface="Avenir Light"/>
-                <a:cs typeface="Avenir Light"/>
-              </a:rPr>
-              <a:t>	for j from size down to 1</a:t>
+              <a:t>	</a:t>
+            </a:r>
+            <a:r>
+              <a:rPr lang="en-US" sz="2200" dirty="0" smtClean="0">
+                <a:solidFill>
+                  <a:srgbClr val="FFFFFF"/>
+                </a:solidFill>
+                <a:latin typeface="Avenir Light"/>
+                <a:cs typeface="Avenir Light"/>
+              </a:rPr>
+              <a:t> 	 	</a:t>
+            </a:r>
+            <a:r>
+              <a:rPr lang="en-US" sz="2200" dirty="0" err="1" smtClean="0">
+                <a:solidFill>
+                  <a:srgbClr val="FFFFFF"/>
+                </a:solidFill>
+                <a:latin typeface="Avenir Light"/>
+                <a:cs typeface="Avenir Light"/>
+              </a:rPr>
+              <a:t>sVect</a:t>
+            </a:r>
+            <a:r>
+              <a:rPr lang="en-US" sz="2200" dirty="0" smtClean="0">
+                <a:solidFill>
+                  <a:srgbClr val="FFFFFF"/>
+                </a:solidFill>
+                <a:latin typeface="Avenir Light"/>
+                <a:cs typeface="Avenir Light"/>
+              </a:rPr>
+              <a:t>[ </a:t>
+            </a:r>
+            <a:r>
+              <a:rPr lang="en-US" sz="2200" dirty="0" err="1" smtClean="0">
+                <a:solidFill>
+                  <a:srgbClr val="FFFFFF"/>
+                </a:solidFill>
+                <a:latin typeface="Avenir Light"/>
+                <a:cs typeface="Avenir Light"/>
+              </a:rPr>
+              <a:t>oVect</a:t>
+            </a:r>
+            <a:r>
+              <a:rPr lang="en-US" sz="2200" dirty="0" smtClean="0">
+                <a:solidFill>
+                  <a:srgbClr val="FFFFFF"/>
+                </a:solidFill>
+                <a:latin typeface="Avenir Light"/>
+                <a:cs typeface="Avenir Light"/>
+              </a:rPr>
+              <a:t>[ </a:t>
+            </a:r>
+            <a:r>
+              <a:rPr lang="en-US" sz="2200" dirty="0" err="1" smtClean="0">
+                <a:solidFill>
+                  <a:srgbClr val="FFFFFF"/>
+                </a:solidFill>
+                <a:latin typeface="Avenir Light"/>
+                <a:cs typeface="Avenir Light"/>
+              </a:rPr>
+              <a:t>dVect</a:t>
+            </a:r>
+            <a:r>
+              <a:rPr lang="en-US" sz="2200" dirty="0" smtClean="0">
+                <a:solidFill>
+                  <a:srgbClr val="FFFFFF"/>
+                </a:solidFill>
+                <a:latin typeface="Avenir Light"/>
+                <a:cs typeface="Avenir Light"/>
+              </a:rPr>
+              <a:t>[ </a:t>
+            </a:r>
+            <a:r>
+              <a:rPr lang="en-US" sz="2200" i="1" dirty="0" smtClean="0">
+                <a:solidFill>
+                  <a:srgbClr val="FFFFFF"/>
+                </a:solidFill>
+                <a:latin typeface="Avenir Light"/>
+                <a:cs typeface="Avenir Light"/>
+              </a:rPr>
+              <a:t>j</a:t>
+            </a:r>
+            <a:r>
+              <a:rPr lang="en-US" sz="2200" dirty="0" smtClean="0">
+                <a:solidFill>
+                  <a:srgbClr val="FFFFFF"/>
+                </a:solidFill>
+                <a:latin typeface="Avenir Light"/>
+                <a:cs typeface="Avenir Light"/>
+              </a:rPr>
+              <a:t> ] ] ] = </a:t>
+            </a:r>
+            <a:r>
+              <a:rPr lang="en-US" sz="2200" dirty="0" err="1" smtClean="0">
+                <a:solidFill>
+                  <a:srgbClr val="FFFFFF"/>
+                </a:solidFill>
+                <a:latin typeface="Avenir Light"/>
+                <a:cs typeface="Avenir Light"/>
+              </a:rPr>
+              <a:t>vect</a:t>
+            </a:r>
+            <a:r>
+              <a:rPr lang="en-US" sz="2200" dirty="0" smtClean="0">
+                <a:solidFill>
+                  <a:srgbClr val="FFFFFF"/>
+                </a:solidFill>
+                <a:latin typeface="Avenir Light"/>
+                <a:cs typeface="Avenir Light"/>
+              </a:rPr>
+              <a:t>[ </a:t>
+            </a:r>
+            <a:r>
+              <a:rPr lang="en-US" sz="2200" i="1" dirty="0" smtClean="0">
+                <a:solidFill>
+                  <a:srgbClr val="FFFFFF"/>
+                </a:solidFill>
+                <a:latin typeface="Avenir Light"/>
+                <a:cs typeface="Avenir Light"/>
+              </a:rPr>
+              <a:t>j</a:t>
+            </a:r>
+            <a:r>
+              <a:rPr lang="en-US" sz="2200" dirty="0" smtClean="0">
+                <a:solidFill>
+                  <a:srgbClr val="FFFFFF"/>
+                </a:solidFill>
+                <a:latin typeface="Avenir Light"/>
+                <a:cs typeface="Avenir Light"/>
+              </a:rPr>
+              <a:t> ]</a:t>
             </a:r>
           </a:p>
           <a:p>
@@ -5856,7 +6515,7 @@
                 <a:latin typeface="Avenir Light"/>
                 <a:cs typeface="Avenir Light"/>
               </a:rPr>
-              <a:t>sVect</a:t>
+              <a:t>oVect</a:t>
             </a:r>
             <a:r>
               <a:rPr lang="en-US" sz="2200" dirty="0" smtClean="0">
@@ -5876,6 +6535,46 @@
                 <a:latin typeface="Avenir Light"/>
                 <a:cs typeface="Avenir Light"/>
               </a:rPr>
+              <a:t>dVect</a:t>
+            </a:r>
+            <a:r>
+              <a:rPr lang="en-US" sz="2200" dirty="0" smtClean="0">
+                <a:solidFill>
+                  <a:srgbClr val="FFFFFF"/>
+                </a:solidFill>
+                <a:latin typeface="Avenir Light"/>
+                <a:cs typeface="Avenir Light"/>
+              </a:rPr>
+              <a:t>[ </a:t>
+            </a:r>
+            <a:r>
+              <a:rPr lang="en-US" sz="2200" i="1" dirty="0" smtClean="0">
+                <a:solidFill>
+                  <a:srgbClr val="FFFFFF"/>
+                </a:solidFill>
+                <a:latin typeface="Avenir Light"/>
+                <a:cs typeface="Avenir Light"/>
+              </a:rPr>
+              <a:t>j </a:t>
+            </a:r>
+            <a:r>
+              <a:rPr lang="en-US" sz="2200" dirty="0" smtClean="0">
+                <a:solidFill>
+                  <a:srgbClr val="FFFFFF"/>
+                </a:solidFill>
+                <a:latin typeface="Avenir Light"/>
+                <a:cs typeface="Avenir Light"/>
+              </a:rPr>
+              <a:t>] ] = </a:t>
+            </a:r>
+            <a:r>
+              <a:rPr lang="en-US" sz="2200" dirty="0" err="1" smtClean="0">
+                <a:solidFill>
+                  <a:srgbClr val="FFFFFF"/>
+                </a:solidFill>
+                <a:latin typeface="Avenir Light"/>
+                <a:cs typeface="Avenir Light"/>
+              </a:rPr>
               <a:t>oVect</a:t>
             </a:r>
             <a:r>
@@ -5906,132 +6605,37 @@
                 <a:latin typeface="Avenir Light"/>
                 <a:cs typeface="Avenir Light"/>
               </a:rPr>
-              <a:t>[ j ] ] ] = </a:t>
-            </a:r>
-            <a:r>
-              <a:rPr lang="en-US" sz="2200" dirty="0" err="1" smtClean="0">
-                <a:solidFill>
-                  <a:srgbClr val="FFFFFF"/>
-                </a:solidFill>
-                <a:latin typeface="Avenir Light"/>
-                <a:cs typeface="Avenir Light"/>
-              </a:rPr>
-              <a:t>vect</a:t>
-            </a:r>
-            <a:r>
-              <a:rPr lang="en-US" sz="2200" dirty="0" smtClean="0">
-                <a:solidFill>
-                  <a:srgbClr val="FFFFFF"/>
-                </a:solidFill>
-                <a:latin typeface="Avenir Light"/>
-                <a:cs typeface="Avenir Light"/>
-              </a:rPr>
-              <a:t>[ j ]</a:t>
-            </a:r>
-          </a:p>
-          <a:p>
-            <a:pPr marL="0" indent="0">
-              <a:buNone/>
-            </a:pPr>
-            <a:r>
-              <a:rPr lang="en-US" sz="2200" dirty="0">
-                <a:solidFill>
-                  <a:srgbClr val="FFFFFF"/>
-                </a:solidFill>
-                <a:latin typeface="Avenir Light"/>
-                <a:cs typeface="Avenir Light"/>
-              </a:rPr>
-              <a:t>	</a:t>
-            </a:r>
-            <a:r>
-              <a:rPr lang="en-US" sz="2200" dirty="0" smtClean="0">
-                <a:solidFill>
-                  <a:srgbClr val="FFFFFF"/>
-                </a:solidFill>
-                <a:latin typeface="Avenir Light"/>
-                <a:cs typeface="Avenir Light"/>
-              </a:rPr>
-              <a:t> 	 	</a:t>
-            </a:r>
-            <a:r>
-              <a:rPr lang="en-US" sz="2200" dirty="0" err="1" smtClean="0">
-                <a:solidFill>
-                  <a:srgbClr val="FFFFFF"/>
-                </a:solidFill>
-                <a:latin typeface="Avenir Light"/>
-                <a:cs typeface="Avenir Light"/>
-              </a:rPr>
-              <a:t>oVect</a:t>
-            </a:r>
-            <a:r>
-              <a:rPr lang="en-US" sz="2200" dirty="0" smtClean="0">
-                <a:solidFill>
-                  <a:srgbClr val="FFFFFF"/>
-                </a:solidFill>
-                <a:latin typeface="Avenir Light"/>
-                <a:cs typeface="Avenir Light"/>
-              </a:rPr>
               <a:t>[ </a:t>
             </a:r>
             <a:r>
-              <a:rPr lang="en-US" sz="2200" dirty="0" err="1" smtClean="0">
-                <a:solidFill>
-                  <a:srgbClr val="FFFFFF"/>
-                </a:solidFill>
-                <a:latin typeface="Avenir Light"/>
-                <a:cs typeface="Avenir Light"/>
-              </a:rPr>
-              <a:t>dVect</a:t>
-            </a:r>
-            <a:r>
-              <a:rPr lang="en-US" sz="2200" dirty="0" smtClean="0">
-                <a:solidFill>
-                  <a:srgbClr val="FFFFFF"/>
-                </a:solidFill>
-                <a:latin typeface="Avenir Light"/>
-                <a:cs typeface="Avenir Light"/>
-              </a:rPr>
-              <a:t>[ j ] ] = </a:t>
-            </a:r>
-            <a:r>
-              <a:rPr lang="en-US" sz="2200" dirty="0" err="1" smtClean="0">
-                <a:solidFill>
-                  <a:srgbClr val="FFFFFF"/>
-                </a:solidFill>
-                <a:latin typeface="Avenir Light"/>
-                <a:cs typeface="Avenir Light"/>
-              </a:rPr>
-              <a:t>oVect</a:t>
-            </a:r>
-            <a:r>
-              <a:rPr lang="en-US" sz="2200" dirty="0" smtClean="0">
-                <a:solidFill>
-                  <a:srgbClr val="FFFFFF"/>
-                </a:solidFill>
-                <a:latin typeface="Avenir Light"/>
-                <a:cs typeface="Avenir Light"/>
-              </a:rPr>
-              <a:t>[ </a:t>
-            </a:r>
-            <a:r>
-              <a:rPr lang="en-US" sz="2200" dirty="0" err="1" smtClean="0">
-                <a:solidFill>
-                  <a:srgbClr val="FFFFFF"/>
-                </a:solidFill>
-                <a:latin typeface="Avenir Light"/>
-                <a:cs typeface="Avenir Light"/>
-              </a:rPr>
-              <a:t>dVect</a:t>
-            </a:r>
-            <a:r>
-              <a:rPr lang="en-US" sz="2200" dirty="0" smtClean="0">
-                <a:solidFill>
-                  <a:srgbClr val="FFFFFF"/>
-                </a:solidFill>
-                <a:latin typeface="Avenir Light"/>
-                <a:cs typeface="Avenir Light"/>
-              </a:rPr>
-              <a:t>[ j ] ] – 1</a:t>
+              <a:rPr lang="en-US" sz="2200" i="1" dirty="0" smtClean="0">
+                <a:solidFill>
+                  <a:srgbClr val="FFFFFF"/>
+                </a:solidFill>
+                <a:latin typeface="Avenir Light"/>
+                <a:cs typeface="Avenir Light"/>
+              </a:rPr>
+              <a:t>j</a:t>
+            </a:r>
+            <a:r>
+              <a:rPr lang="en-US" sz="2200" dirty="0" smtClean="0">
+                <a:solidFill>
+                  <a:srgbClr val="FFFFFF"/>
+                </a:solidFill>
+                <a:latin typeface="Avenir Light"/>
+                <a:cs typeface="Avenir Light"/>
+              </a:rPr>
+              <a:t> ] ] – </a:t>
+            </a:r>
+            <a:r>
+              <a:rPr lang="en-US" sz="2200" dirty="0" smtClean="0">
+                <a:solidFill>
+                  <a:srgbClr val="D99694"/>
+                </a:solidFill>
+                <a:latin typeface="Avenir Light"/>
+                <a:cs typeface="Avenir Light"/>
+              </a:rPr>
+              <a:t>1</a:t>
             </a:r>
           </a:p>
           <a:p>
@@ -6112,7 +6716,7 @@
               <a:t> and </a:t>
             </a:r>
             <a:r>
-              <a:rPr lang="en-US" sz="2200" dirty="0" err="1" smtClean="0">
+              <a:rPr lang="en-US" sz="2200" i="1" dirty="0" err="1" smtClean="0">
                 <a:solidFill>
                   <a:srgbClr val="FFFFFF"/>
                 </a:solidFill>
@@ -6258,8 +6862,11 @@
                 <a:latin typeface="Avenir Light"/>
                 <a:cs typeface="Avenir Light"/>
               </a:rPr>
-              <a:t>Radix </a:t>
-            </a:r>
+              <a:t>Radix sort using counting sort</a:t>
+            </a:r>
+          </a:p>
+          <a:p>
+            <a:pPr lvl="1"/>
             <a:r>
               <a:rPr lang="en-US" dirty="0" smtClean="0">
                 <a:solidFill>
@@ -6268,7 +6875,17 @@
                 <a:latin typeface="Avenir Light"/>
                 <a:cs typeface="Avenir Light"/>
               </a:rPr>
-              <a:t>sort using counting </a:t>
+              <a:t>Counting sort: O(</a:t>
+            </a:r>
+            <a:r>
+              <a:rPr lang="en-US" dirty="0" err="1" smtClean="0">
+                <a:solidFill>
+                  <a:srgbClr val="FFFFFF"/>
+                </a:solidFill>
+                <a:latin typeface="Avenir Light"/>
+                <a:cs typeface="Avenir Light"/>
+              </a:rPr>
+              <a:t>n+k</a:t>
             </a:r>
             <a:r>
               <a:rPr lang="en-US" dirty="0" smtClean="0">
@@ -6278,7 +6895,7 @@
                 <a:latin typeface="Avenir Light"/>
                 <a:cs typeface="Avenir Light"/>
               </a:rPr>
-              <a:t>sort</a:t>
+              <a:t>)</a:t>
             </a:r>
           </a:p>
           <a:p>
@@ -6291,7 +6908,20 @@
                 <a:latin typeface="Avenir Light"/>
                 <a:cs typeface="Avenir Light"/>
               </a:rPr>
-              <a:t>Counting sort: O(</a:t>
+              <a:t>Radix sort performs counting sort d times, where d is the number of digits</a:t>
+            </a:r>
+          </a:p>
+          <a:p>
+            <a:pPr lvl="1"/>
+            <a:r>
+              <a:rPr lang="en-US" dirty="0" smtClean="0">
+                <a:solidFill>
+                  <a:srgbClr val="FFFFFF"/>
+                </a:solidFill>
+                <a:latin typeface="Avenir Light"/>
+                <a:cs typeface="Avenir Light"/>
+              </a:rPr>
+              <a:t>So Radix sort has a running time of O(</a:t>
             </a:r>
             <a:r>
               <a:rPr lang="en-US" dirty="0" err="1" smtClean="0">
@@ -6301,7 +6931,7 @@
                 <a:latin typeface="Avenir Light"/>
                 <a:cs typeface="Avenir Light"/>
               </a:rPr>
-              <a:t>n+k</a:t>
+              <a:t>dn+dk</a:t>
             </a:r>
             <a:r>
               <a:rPr lang="en-US" dirty="0" smtClean="0">
@@ -6324,11 +6954,11 @@
                 <a:latin typeface="Avenir Light"/>
                 <a:cs typeface="Avenir Light"/>
               </a:rPr>
-              <a:t>Radix sort performs counting sort d times, where d is the number of digits</a:t>
-            </a:r>
-          </a:p>
-          <a:p>
-            <a:pPr lvl="1"/>
+              <a:t>But d will always be a constant for that run of radix sort and k is O(n)</a:t>
+            </a:r>
+          </a:p>
+          <a:p>
+            <a:pPr lvl="2"/>
             <a:r>
               <a:rPr lang="en-US" dirty="0" smtClean="0">
                 <a:solidFill>
@@ -6337,18 +6967,11 @@
                 <a:latin typeface="Avenir Light"/>
                 <a:cs typeface="Avenir Light"/>
               </a:rPr>
-              <a:t>So Radix sort has a running time of O(</a:t>
-            </a:r>
-            <a:r>
-              <a:rPr lang="en-US" dirty="0" err="1" smtClean="0">
-                <a:solidFill>
-                  <a:srgbClr val="FFFFFF"/>
-                </a:solidFill>
-                <a:latin typeface="Avenir Light"/>
-                <a:cs typeface="Avenir Light"/>
-              </a:rPr>
-              <a:t>dn+dk</a:t>
-            </a:r>
+              <a:t>Therefore the running time of Radix Sort:</a:t>
+            </a:r>
+          </a:p>
+          <a:p>
+            <a:pPr lvl="3"/>
             <a:r>
               <a:rPr lang="en-US" dirty="0" smtClean="0">
                 <a:solidFill>
@@ -6357,54 +6980,8 @@
                 <a:latin typeface="Avenir Light"/>
                 <a:cs typeface="Avenir Light"/>
               </a:rPr>
-              <a:t>)</a:t>
-            </a:r>
-          </a:p>
-          <a:p>
-            <a:pPr lvl="1"/>
-            <a:r>
-              <a:rPr lang="en-US" dirty="0" smtClean="0">
-                <a:solidFill>
-                  <a:srgbClr val="FFFFFF"/>
-                </a:solidFill>
-                <a:latin typeface="Avenir Light"/>
-                <a:cs typeface="Avenir Light"/>
-              </a:rPr>
-              <a:t>But d will always be a constant for that run of radix sort and k is O(n)</a:t>
-            </a:r>
-          </a:p>
-          <a:p>
-            <a:pPr lvl="2"/>
-            <a:r>
-              <a:rPr lang="en-US" dirty="0" smtClean="0">
-                <a:solidFill>
-                  <a:srgbClr val="FFFFFF"/>
-                </a:solidFill>
-                <a:latin typeface="Avenir Light"/>
-                <a:cs typeface="Avenir Light"/>
-              </a:rPr>
-              <a:t>Therefore the running time of Radix Sort:</a:t>
-            </a:r>
-          </a:p>
-          <a:p>
-            <a:pPr lvl="3"/>
-            <a:r>
-              <a:rPr lang="en-US" dirty="0" smtClean="0">
-                <a:solidFill>
-                  <a:srgbClr val="FFFFFF"/>
-                </a:solidFill>
-                <a:latin typeface="Avenir Light"/>
-                <a:cs typeface="Avenir Light"/>
-              </a:rPr>
               <a:t>O(n) </a:t>
             </a:r>
-            <a:endParaRPr lang="en-US" dirty="0" smtClean="0">
-              <a:solidFill>
-                <a:srgbClr val="FFFFFF"/>
-              </a:solidFill>
-              <a:latin typeface="Avenir Light"/>
-              <a:cs typeface="Avenir Light"/>
-            </a:endParaRPr>
           </a:p>
         </p:txBody>
       </p:sp>
@@ -6490,7 +7067,7 @@
             <p:ph idx="1"/>
           </p:nvPr>
         </p:nvPicPr>
-        <p:blipFill>
+        <p:blipFill rotWithShape="1">
           <a:blip r:embed="rId2">
             <a:extLst>
               <a:ext uri="{28A0092B-C50C-407E-A947-70E740481C1C}">
@@ -6498,10 +7075,8 @@
               </a:ext>
             </a:extLst>
           </a:blip>
-          <a:srcRect t="5577" b="5577"/>
-          <a:stretch>
-            <a:fillRect/>
-          </a:stretch>
+          <a:srcRect t="3776" b="2593"/>
+          <a:stretch/>
         </p:blipFill>
         <p:spPr/>
       </p:pic>
@@ -6587,7 +7162,7 @@
             <p:ph idx="1"/>
           </p:nvPr>
         </p:nvPicPr>
-        <p:blipFill>
+        <p:blipFill rotWithShape="1">
           <a:blip r:embed="rId2">
             <a:extLst>
               <a:ext uri="{28A0092B-C50C-407E-A947-70E740481C1C}">
@@ -6595,10 +7170,8 @@
               </a:ext>
             </a:extLst>
           </a:blip>
-          <a:srcRect t="5996" b="5996"/>
-          <a:stretch>
-            <a:fillRect/>
-          </a:stretch>
+          <a:srcRect t="5720" b="3285"/>
+          <a:stretch/>
         </p:blipFill>
         <p:spPr/>
       </p:pic>
@@ -6767,8 +7340,25 @@
                 <a:latin typeface="Avenir Light"/>
                 <a:cs typeface="Avenir Light"/>
               </a:rPr>
-              <a:t>Performance improvement as d decreases</a:t>
-            </a:r>
+              <a:t>Performance improvement as </a:t>
+            </a:r>
+            <a:r>
+              <a:rPr lang="en-US" dirty="0" smtClean="0">
+                <a:solidFill>
+                  <a:srgbClr val="FFFFFF"/>
+                </a:solidFill>
+                <a:latin typeface="Avenir Light"/>
+                <a:cs typeface="Avenir Light"/>
+              </a:rPr>
+              <a:t>length of k increases</a:t>
+            </a:r>
+            <a:endParaRPr lang="en-US" dirty="0" smtClean="0">
+              <a:solidFill>
+                <a:srgbClr val="FFFFFF"/>
+              </a:solidFill>
+              <a:latin typeface="Avenir Light"/>
+              <a:cs typeface="Avenir Light"/>
+            </a:endParaRPr>
           </a:p>
           <a:p>
             <a:pPr lvl="2"/>

--- a/presentation.pptx
+++ b/presentation.pptx
@@ -7432,7 +7432,12 @@
             <p:ph idx="1"/>
           </p:nvPr>
         </p:nvSpPr>
-        <p:spPr/>
+        <p:spPr>
+          <a:xfrm>
+            <a:off x="457200" y="1828357"/>
+            <a:ext cx="8229600" cy="4525963"/>
+          </a:xfrm>
+        </p:spPr>
         <p:txBody>
           <a:bodyPr/>
           <a:lstStyle/>
@@ -7441,11 +7446,9 @@
             <a:endParaRPr lang="en-US" dirty="0" smtClean="0"/>
           </a:p>
           <a:p>
-            <a:pPr algn="ctr"/>
-            <a:endParaRPr lang="en-US" dirty="0"/>
-          </a:p>
-          <a:p>
-            <a:pPr algn="ctr"/>
+            <a:pPr marL="0" indent="0" algn="ctr">
+              <a:buNone/>
+            </a:pPr>
             <a:endParaRPr lang="en-US" dirty="0" smtClean="0"/>
           </a:p>
           <a:p>
